--- a/Pâte à bagel.pptx
+++ b/Pâte à bagel.pptx
@@ -114,6 +114,11 @@
       </a:defRPr>
     </a:lvl9pPr>
   </p:defaultTextStyle>
+  <p:extLst>
+    <p:ext uri="{EFAFB233-063F-42B5-8137-9DF3F51BA10A}">
+      <p15:sldGuideLst xmlns:p15="http://schemas.microsoft.com/office/powerpoint/2012/main"/>
+    </p:ext>
+  </p:extLst>
 </p:presentation>
 </file>
 
@@ -8555,8 +8560,8 @@
           </a:p>
         </p:txBody>
       </p:sp>
-      <mc:AlternateContent xmlns:mc="http://schemas.openxmlformats.org/markup-compatibility/2006">
-        <mc:Choice xmlns:p14="http://schemas.microsoft.com/office/powerpoint/2010/main" Requires="p14">
+      <mc:AlternateContent xmlns:mc="http://schemas.openxmlformats.org/markup-compatibility/2006" xmlns:p14="http://schemas.microsoft.com/office/powerpoint/2010/main">
+        <mc:Choice Requires="p14">
           <p:contentPart p14:bwMode="auto" r:id="rId2">
             <p14:nvContentPartPr>
               <p14:cNvPr id="19" name="Ink 18">
@@ -8586,7 +8591,7 @@
             </p14:xfrm>
           </p:contentPart>
         </mc:Choice>
-        <mc:Fallback>
+        <mc:Fallback xmlns="">
           <p:pic>
             <p:nvPicPr>
               <p:cNvPr id="19" name="Ink 18">
@@ -10848,8 +10853,8 @@
           </a:p>
         </p:txBody>
       </p:sp>
-      <mc:AlternateContent xmlns:mc="http://schemas.openxmlformats.org/markup-compatibility/2006">
-        <mc:Choice xmlns:a14="http://schemas.microsoft.com/office/drawing/2010/main" Requires="a14">
+      <mc:AlternateContent xmlns:mc="http://schemas.openxmlformats.org/markup-compatibility/2006" xmlns:a14="http://schemas.microsoft.com/office/drawing/2010/main">
+        <mc:Choice Requires="a14">
           <p:sp>
             <p:nvSpPr>
               <p:cNvPr id="3" name="Content Placeholder 2">
@@ -11230,7 +11235,7 @@
             </p:txBody>
           </p:sp>
         </mc:Choice>
-        <mc:Fallback>
+        <mc:Fallback xmlns="">
           <p:sp>
             <p:nvSpPr>
               <p:cNvPr id="3" name="Content Placeholder 2">
@@ -13352,8 +13357,8 @@
           </a:p>
         </p:txBody>
       </p:sp>
-      <mc:AlternateContent xmlns:mc="http://schemas.openxmlformats.org/markup-compatibility/2006">
-        <mc:Choice xmlns:a14="http://schemas.microsoft.com/office/drawing/2010/main" Requires="a14">
+      <mc:AlternateContent xmlns:mc="http://schemas.openxmlformats.org/markup-compatibility/2006" xmlns:a14="http://schemas.microsoft.com/office/drawing/2010/main">
+        <mc:Choice Requires="a14">
           <p:sp>
             <p:nvSpPr>
               <p:cNvPr id="3" name="Content Placeholder 2">
@@ -13618,7 +13623,7 @@
             </p:txBody>
           </p:sp>
         </mc:Choice>
-        <mc:Fallback>
+        <mc:Fallback xmlns="">
           <p:sp>
             <p:nvSpPr>
               <p:cNvPr id="3" name="Content Placeholder 2">
@@ -14785,8 +14790,8 @@
           </a:p>
         </p:txBody>
       </p:sp>
-      <mc:AlternateContent xmlns:mc="http://schemas.openxmlformats.org/markup-compatibility/2006">
-        <mc:Choice xmlns:a14="http://schemas.microsoft.com/office/drawing/2010/main" Requires="a14">
+      <mc:AlternateContent xmlns:mc="http://schemas.openxmlformats.org/markup-compatibility/2006" xmlns:a14="http://schemas.microsoft.com/office/drawing/2010/main">
+        <mc:Choice Requires="a14">
           <p:sp>
             <p:nvSpPr>
               <p:cNvPr id="3" name="Content Placeholder 2">
@@ -15269,7 +15274,7 @@
             </p:txBody>
           </p:sp>
         </mc:Choice>
-        <mc:Fallback>
+        <mc:Fallback xmlns="">
           <p:sp>
             <p:nvSpPr>
               <p:cNvPr id="3" name="Content Placeholder 2">
@@ -16577,8 +16582,8 @@
           </a:p>
         </p:txBody>
       </p:sp>
-      <mc:AlternateContent xmlns:mc="http://schemas.openxmlformats.org/markup-compatibility/2006">
-        <mc:Choice xmlns:a14="http://schemas.microsoft.com/office/drawing/2010/main" Requires="a14">
+      <mc:AlternateContent xmlns:mc="http://schemas.openxmlformats.org/markup-compatibility/2006" xmlns:a14="http://schemas.microsoft.com/office/drawing/2010/main">
+        <mc:Choice Requires="a14">
           <p:sp>
             <p:nvSpPr>
               <p:cNvPr id="3" name="Content Placeholder 2">
@@ -17091,7 +17096,7 @@
             </p:txBody>
           </p:sp>
         </mc:Choice>
-        <mc:Fallback>
+        <mc:Fallback xmlns="">
           <p:sp>
             <p:nvSpPr>
               <p:cNvPr id="3" name="Content Placeholder 2">
@@ -17872,15 +17877,7 @@
             </a:r>
             <a:r>
               <a:rPr lang="en-US" dirty="0"/>
-              <a:t> d’un </a:t>
-            </a:r>
-            <a:r>
-              <a:rPr lang="en-US" dirty="0" err="1"/>
-              <a:t>classe</a:t>
-            </a:r>
-            <a:r>
-              <a:rPr lang="en-US" dirty="0"/>
-              <a:t> pour les </a:t>
+              <a:t> d’un class pour les </a:t>
             </a:r>
             <a:r>
               <a:rPr lang="en-US" dirty="0" err="1"/>

--- a/Pâte à bagel.pptx
+++ b/Pâte à bagel.pptx
@@ -638,7 +638,7 @@
           <a:p>
             <a:fld id="{72345051-2045-45DA-935E-2E3CA1A69ADC}" type="datetimeFigureOut">
               <a:rPr lang="en-US" smtClean="0"/>
-              <a:t>12/2/2022</a:t>
+              <a:t>12/3/2022</a:t>
             </a:fld>
             <a:endParaRPr lang="en-US" dirty="0"/>
           </a:p>
@@ -692,7 +692,7 @@
           <a:p>
             <a:fld id="{A7CD31F4-64FA-4BA0-9498-67783267A8C8}" type="slidenum">
               <a:rPr lang="en-US" smtClean="0"/>
-              <a:t>‹#›</a:t>
+              <a:t>‹N°›</a:t>
             </a:fld>
             <a:endParaRPr lang="en-US"/>
           </a:p>
@@ -836,7 +836,7 @@
           <a:p>
             <a:fld id="{72345051-2045-45DA-935E-2E3CA1A69ADC}" type="datetimeFigureOut">
               <a:rPr lang="en-US" smtClean="0"/>
-              <a:t>12/2/2022</a:t>
+              <a:t>12/3/2022</a:t>
             </a:fld>
             <a:endParaRPr lang="en-US"/>
           </a:p>
@@ -890,7 +890,7 @@
           <a:p>
             <a:fld id="{A7CD31F4-64FA-4BA0-9498-67783267A8C8}" type="slidenum">
               <a:rPr lang="en-US" smtClean="0"/>
-              <a:t>‹#›</a:t>
+              <a:t>‹N°›</a:t>
             </a:fld>
             <a:endParaRPr lang="en-US"/>
           </a:p>
@@ -1044,7 +1044,7 @@
           <a:p>
             <a:fld id="{72345051-2045-45DA-935E-2E3CA1A69ADC}" type="datetimeFigureOut">
               <a:rPr lang="en-US" smtClean="0"/>
-              <a:t>12/2/2022</a:t>
+              <a:t>12/3/2022</a:t>
             </a:fld>
             <a:endParaRPr lang="en-US"/>
           </a:p>
@@ -1098,7 +1098,7 @@
           <a:p>
             <a:fld id="{A7CD31F4-64FA-4BA0-9498-67783267A8C8}" type="slidenum">
               <a:rPr lang="en-US" smtClean="0"/>
-              <a:t>‹#›</a:t>
+              <a:t>‹N°›</a:t>
             </a:fld>
             <a:endParaRPr lang="en-US"/>
           </a:p>
@@ -1266,7 +1266,7 @@
           <a:p>
             <a:fld id="{72345051-2045-45DA-935E-2E3CA1A69ADC}" type="datetimeFigureOut">
               <a:rPr lang="en-US" smtClean="0"/>
-              <a:t>12/2/2022</a:t>
+              <a:t>12/3/2022</a:t>
             </a:fld>
             <a:endParaRPr lang="en-US"/>
           </a:p>
@@ -1320,7 +1320,7 @@
           <a:p>
             <a:fld id="{A7CD31F4-64FA-4BA0-9498-67783267A8C8}" type="slidenum">
               <a:rPr lang="en-US" smtClean="0"/>
-              <a:t>‹#›</a:t>
+              <a:t>‹N°›</a:t>
             </a:fld>
             <a:endParaRPr lang="en-US"/>
           </a:p>
@@ -2177,7 +2177,7 @@
           <a:p>
             <a:fld id="{72345051-2045-45DA-935E-2E3CA1A69ADC}" type="datetimeFigureOut">
               <a:rPr lang="en-US" smtClean="0"/>
-              <a:t>12/2/2022</a:t>
+              <a:t>12/3/2022</a:t>
             </a:fld>
             <a:endParaRPr lang="en-US"/>
           </a:p>
@@ -2231,7 +2231,7 @@
           <a:p>
             <a:fld id="{A7CD31F4-64FA-4BA0-9498-67783267A8C8}" type="slidenum">
               <a:rPr lang="en-US" smtClean="0"/>
-              <a:t>‹#›</a:t>
+              <a:t>‹N°›</a:t>
             </a:fld>
             <a:endParaRPr lang="en-US"/>
           </a:p>
@@ -2780,7 +2780,7 @@
           <a:p>
             <a:fld id="{72345051-2045-45DA-935E-2E3CA1A69ADC}" type="datetimeFigureOut">
               <a:rPr lang="en-US" smtClean="0"/>
-              <a:t>12/2/2022</a:t>
+              <a:t>12/3/2022</a:t>
             </a:fld>
             <a:endParaRPr lang="en-US"/>
           </a:p>
@@ -2834,7 +2834,7 @@
           <a:p>
             <a:fld id="{A7CD31F4-64FA-4BA0-9498-67783267A8C8}" type="slidenum">
               <a:rPr lang="en-US" smtClean="0"/>
-              <a:t>‹#›</a:t>
+              <a:t>‹N°›</a:t>
             </a:fld>
             <a:endParaRPr lang="en-US"/>
           </a:p>
@@ -3828,7 +3828,7 @@
           <a:p>
             <a:fld id="{72345051-2045-45DA-935E-2E3CA1A69ADC}" type="datetimeFigureOut">
               <a:rPr lang="en-US" smtClean="0"/>
-              <a:t>12/2/2022</a:t>
+              <a:t>12/3/2022</a:t>
             </a:fld>
             <a:endParaRPr lang="en-US"/>
           </a:p>
@@ -3882,7 +3882,7 @@
           <a:p>
             <a:fld id="{A7CD31F4-64FA-4BA0-9498-67783267A8C8}" type="slidenum">
               <a:rPr lang="en-US" smtClean="0"/>
-              <a:t>‹#›</a:t>
+              <a:t>‹N°›</a:t>
             </a:fld>
             <a:endParaRPr lang="en-US"/>
           </a:p>
@@ -4612,7 +4612,7 @@
           <a:p>
             <a:fld id="{72345051-2045-45DA-935E-2E3CA1A69ADC}" type="datetimeFigureOut">
               <a:rPr lang="en-US" smtClean="0"/>
-              <a:t>12/2/2022</a:t>
+              <a:t>12/3/2022</a:t>
             </a:fld>
             <a:endParaRPr lang="en-US"/>
           </a:p>
@@ -4666,7 +4666,7 @@
           <a:p>
             <a:fld id="{A7CD31F4-64FA-4BA0-9498-67783267A8C8}" type="slidenum">
               <a:rPr lang="en-US" smtClean="0"/>
-              <a:t>‹#›</a:t>
+              <a:t>‹N°›</a:t>
             </a:fld>
             <a:endParaRPr lang="en-US"/>
           </a:p>
@@ -5061,7 +5061,7 @@
           <a:p>
             <a:fld id="{72345051-2045-45DA-935E-2E3CA1A69ADC}" type="datetimeFigureOut">
               <a:rPr lang="en-US" smtClean="0"/>
-              <a:t>12/2/2022</a:t>
+              <a:t>12/3/2022</a:t>
             </a:fld>
             <a:endParaRPr lang="en-US"/>
           </a:p>
@@ -5115,7 +5115,7 @@
           <a:p>
             <a:fld id="{A7CD31F4-64FA-4BA0-9498-67783267A8C8}" type="slidenum">
               <a:rPr lang="en-US" smtClean="0"/>
-              <a:t>‹#›</a:t>
+              <a:t>‹N°›</a:t>
             </a:fld>
             <a:endParaRPr lang="en-US"/>
           </a:p>
@@ -5378,7 +5378,7 @@
           <a:p>
             <a:fld id="{72345051-2045-45DA-935E-2E3CA1A69ADC}" type="datetimeFigureOut">
               <a:rPr lang="en-US" smtClean="0"/>
-              <a:t>12/2/2022</a:t>
+              <a:t>12/3/2022</a:t>
             </a:fld>
             <a:endParaRPr lang="en-US"/>
           </a:p>
@@ -5432,7 +5432,7 @@
           <a:p>
             <a:fld id="{A7CD31F4-64FA-4BA0-9498-67783267A8C8}" type="slidenum">
               <a:rPr lang="en-US" smtClean="0"/>
-              <a:t>‹#›</a:t>
+              <a:t>‹N°›</a:t>
             </a:fld>
             <a:endParaRPr lang="en-US"/>
           </a:p>
@@ -6006,7 +6006,7 @@
           <a:p>
             <a:fld id="{72345051-2045-45DA-935E-2E3CA1A69ADC}" type="datetimeFigureOut">
               <a:rPr lang="en-US" smtClean="0"/>
-              <a:t>12/2/2022</a:t>
+              <a:t>12/3/2022</a:t>
             </a:fld>
             <a:endParaRPr lang="en-US"/>
           </a:p>
@@ -6060,7 +6060,7 @@
           <a:p>
             <a:fld id="{A7CD31F4-64FA-4BA0-9498-67783267A8C8}" type="slidenum">
               <a:rPr lang="en-US" smtClean="0"/>
-              <a:t>‹#›</a:t>
+              <a:t>‹N°›</a:t>
             </a:fld>
             <a:endParaRPr lang="en-US"/>
           </a:p>
@@ -6579,7 +6579,7 @@
           <a:p>
             <a:fld id="{72345051-2045-45DA-935E-2E3CA1A69ADC}" type="datetimeFigureOut">
               <a:rPr lang="en-US" smtClean="0"/>
-              <a:t>12/2/2022</a:t>
+              <a:t>12/3/2022</a:t>
             </a:fld>
             <a:endParaRPr lang="en-US" dirty="0"/>
           </a:p>
@@ -6669,7 +6669,7 @@
           <a:p>
             <a:fld id="{A7CD31F4-64FA-4BA0-9498-67783267A8C8}" type="slidenum">
               <a:rPr lang="en-US" smtClean="0"/>
-              <a:t>‹#›</a:t>
+              <a:t>‹N°›</a:t>
             </a:fld>
             <a:endParaRPr lang="en-US" dirty="0"/>
           </a:p>
@@ -13339,7 +13339,7 @@
                   <a:schemeClr val="bg1"/>
                 </a:solidFill>
               </a:rPr>
-              <a:t>Conditions </a:t>
+              <a:t>Conditions aux </a:t>
             </a:r>
             <a:r>
               <a:rPr lang="en-US" sz="6800" dirty="0" err="1">
@@ -17877,7 +17877,23 @@
             </a:r>
             <a:r>
               <a:rPr lang="en-US" dirty="0"/>
-              <a:t> d’un class pour les </a:t>
+              <a:t> </a:t>
+            </a:r>
+            <a:r>
+              <a:rPr lang="en-US" dirty="0" err="1"/>
+              <a:t>d’une</a:t>
+            </a:r>
+            <a:r>
+              <a:rPr lang="en-US" dirty="0"/>
+              <a:t> </a:t>
+            </a:r>
+            <a:r>
+              <a:rPr lang="en-US" dirty="0" err="1"/>
+              <a:t>classe</a:t>
+            </a:r>
+            <a:r>
+              <a:rPr lang="en-US" dirty="0"/>
+              <a:t> pour les </a:t>
             </a:r>
             <a:r>
               <a:rPr lang="en-US" dirty="0" err="1"/>
@@ -17900,7 +17916,7 @@
             </a:r>
             <a:r>
               <a:rPr lang="en-US" dirty="0"/>
-              <a:t> for</a:t>
+              <a:t> &lt;&lt;for&gt;&gt;</a:t>
             </a:r>
           </a:p>
           <a:p>
@@ -17910,13 +17926,8 @@
             </a:r>
             <a:r>
               <a:rPr lang="en-US" dirty="0"/>
-              <a:t> de correction </a:t>
+              <a:t> de correction distinct</a:t>
             </a:r>
-            <a:r>
-              <a:rPr lang="en-US" dirty="0" err="1"/>
-              <a:t>distinc</a:t>
-            </a:r>
-            <a:endParaRPr lang="en-US" dirty="0"/>
           </a:p>
           <a:p>
             <a:r>

--- a/Pâte à bagel.pptx
+++ b/Pâte à bagel.pptx
@@ -13,9 +13,16 @@
     <p:sldId id="261" r:id="rId7"/>
     <p:sldId id="262" r:id="rId8"/>
     <p:sldId id="263" r:id="rId9"/>
-    <p:sldId id="266" r:id="rId10"/>
-    <p:sldId id="264" r:id="rId11"/>
-    <p:sldId id="265" r:id="rId12"/>
+    <p:sldId id="267" r:id="rId10"/>
+    <p:sldId id="270" r:id="rId11"/>
+    <p:sldId id="268" r:id="rId12"/>
+    <p:sldId id="271" r:id="rId13"/>
+    <p:sldId id="269" r:id="rId14"/>
+    <p:sldId id="273" r:id="rId15"/>
+    <p:sldId id="272" r:id="rId16"/>
+    <p:sldId id="266" r:id="rId17"/>
+    <p:sldId id="264" r:id="rId18"/>
+    <p:sldId id="265" r:id="rId19"/>
   </p:sldIdLst>
   <p:sldSz cx="12192000" cy="6858000"/>
   <p:notesSz cx="6858000" cy="9144000"/>
@@ -638,7 +645,7 @@
           <a:p>
             <a:fld id="{72345051-2045-45DA-935E-2E3CA1A69ADC}" type="datetimeFigureOut">
               <a:rPr lang="en-US" smtClean="0"/>
-              <a:t>12/3/2022</a:t>
+              <a:t>12/4/2022</a:t>
             </a:fld>
             <a:endParaRPr lang="en-US" dirty="0"/>
           </a:p>
@@ -836,7 +843,7 @@
           <a:p>
             <a:fld id="{72345051-2045-45DA-935E-2E3CA1A69ADC}" type="datetimeFigureOut">
               <a:rPr lang="en-US" smtClean="0"/>
-              <a:t>12/3/2022</a:t>
+              <a:t>12/4/2022</a:t>
             </a:fld>
             <a:endParaRPr lang="en-US"/>
           </a:p>
@@ -1044,7 +1051,7 @@
           <a:p>
             <a:fld id="{72345051-2045-45DA-935E-2E3CA1A69ADC}" type="datetimeFigureOut">
               <a:rPr lang="en-US" smtClean="0"/>
-              <a:t>12/3/2022</a:t>
+              <a:t>12/4/2022</a:t>
             </a:fld>
             <a:endParaRPr lang="en-US"/>
           </a:p>
@@ -1266,7 +1273,7 @@
           <a:p>
             <a:fld id="{72345051-2045-45DA-935E-2E3CA1A69ADC}" type="datetimeFigureOut">
               <a:rPr lang="en-US" smtClean="0"/>
-              <a:t>12/3/2022</a:t>
+              <a:t>12/4/2022</a:t>
             </a:fld>
             <a:endParaRPr lang="en-US"/>
           </a:p>
@@ -2177,7 +2184,7 @@
           <a:p>
             <a:fld id="{72345051-2045-45DA-935E-2E3CA1A69ADC}" type="datetimeFigureOut">
               <a:rPr lang="en-US" smtClean="0"/>
-              <a:t>12/3/2022</a:t>
+              <a:t>12/4/2022</a:t>
             </a:fld>
             <a:endParaRPr lang="en-US"/>
           </a:p>
@@ -2780,7 +2787,7 @@
           <a:p>
             <a:fld id="{72345051-2045-45DA-935E-2E3CA1A69ADC}" type="datetimeFigureOut">
               <a:rPr lang="en-US" smtClean="0"/>
-              <a:t>12/3/2022</a:t>
+              <a:t>12/4/2022</a:t>
             </a:fld>
             <a:endParaRPr lang="en-US"/>
           </a:p>
@@ -3828,7 +3835,7 @@
           <a:p>
             <a:fld id="{72345051-2045-45DA-935E-2E3CA1A69ADC}" type="datetimeFigureOut">
               <a:rPr lang="en-US" smtClean="0"/>
-              <a:t>12/3/2022</a:t>
+              <a:t>12/4/2022</a:t>
             </a:fld>
             <a:endParaRPr lang="en-US"/>
           </a:p>
@@ -4612,7 +4619,7 @@
           <a:p>
             <a:fld id="{72345051-2045-45DA-935E-2E3CA1A69ADC}" type="datetimeFigureOut">
               <a:rPr lang="en-US" smtClean="0"/>
-              <a:t>12/3/2022</a:t>
+              <a:t>12/4/2022</a:t>
             </a:fld>
             <a:endParaRPr lang="en-US"/>
           </a:p>
@@ -5061,7 +5068,7 @@
           <a:p>
             <a:fld id="{72345051-2045-45DA-935E-2E3CA1A69ADC}" type="datetimeFigureOut">
               <a:rPr lang="en-US" smtClean="0"/>
-              <a:t>12/3/2022</a:t>
+              <a:t>12/4/2022</a:t>
             </a:fld>
             <a:endParaRPr lang="en-US"/>
           </a:p>
@@ -5378,7 +5385,7 @@
           <a:p>
             <a:fld id="{72345051-2045-45DA-935E-2E3CA1A69ADC}" type="datetimeFigureOut">
               <a:rPr lang="en-US" smtClean="0"/>
-              <a:t>12/3/2022</a:t>
+              <a:t>12/4/2022</a:t>
             </a:fld>
             <a:endParaRPr lang="en-US"/>
           </a:p>
@@ -6006,7 +6013,7 @@
           <a:p>
             <a:fld id="{72345051-2045-45DA-935E-2E3CA1A69ADC}" type="datetimeFigureOut">
               <a:rPr lang="en-US" smtClean="0"/>
-              <a:t>12/3/2022</a:t>
+              <a:t>12/4/2022</a:t>
             </a:fld>
             <a:endParaRPr lang="en-US"/>
           </a:p>
@@ -6579,7 +6586,7 @@
           <a:p>
             <a:fld id="{72345051-2045-45DA-935E-2E3CA1A69ADC}" type="datetimeFigureOut">
               <a:rPr lang="en-US" smtClean="0"/>
-              <a:t>12/3/2022</a:t>
+              <a:t>12/4/2022</a:t>
             </a:fld>
             <a:endParaRPr lang="en-US" dirty="0"/>
           </a:p>
@@ -7578,6 +7585,1589 @@
 <file path=ppt/slides/slide10.xml><?xml version="1.0" encoding="utf-8"?>
 <p:sld xmlns:a="http://schemas.openxmlformats.org/drawingml/2006/main" xmlns:r="http://schemas.openxmlformats.org/officeDocument/2006/relationships" xmlns:p="http://schemas.openxmlformats.org/presentationml/2006/main">
   <p:cSld>
+    <p:spTree>
+      <p:nvGrpSpPr>
+        <p:cNvPr id="1" name=""/>
+        <p:cNvGrpSpPr/>
+        <p:nvPr/>
+      </p:nvGrpSpPr>
+      <p:grpSpPr>
+        <a:xfrm>
+          <a:off x="0" y="0"/>
+          <a:ext cx="0" cy="0"/>
+          <a:chOff x="0" y="0"/>
+          <a:chExt cx="0" cy="0"/>
+        </a:xfrm>
+      </p:grpSpPr>
+      <p:sp>
+        <p:nvSpPr>
+          <p:cNvPr id="2" name="Titre 1">
+            <a:extLst>
+              <a:ext uri="{FF2B5EF4-FFF2-40B4-BE49-F238E27FC236}">
+                <a16:creationId xmlns:a16="http://schemas.microsoft.com/office/drawing/2014/main" id="{33773742-7C06-4FE0-996F-F487A3C64790}"/>
+              </a:ext>
+            </a:extLst>
+          </p:cNvPr>
+          <p:cNvSpPr>
+            <a:spLocks noGrp="1"/>
+          </p:cNvSpPr>
+          <p:nvPr>
+            <p:ph type="title"/>
+          </p:nvPr>
+        </p:nvSpPr>
+        <p:spPr/>
+        <p:txBody>
+          <a:bodyPr/>
+          <a:lstStyle/>
+          <a:p>
+            <a:r>
+              <a:rPr lang="fr-CA" dirty="0"/>
+              <a:t>1) Optimisation</a:t>
+            </a:r>
+          </a:p>
+        </p:txBody>
+      </p:sp>
+      <p:pic>
+        <p:nvPicPr>
+          <p:cNvPr id="5" name="Espace réservé du contenu 4">
+            <a:extLst>
+              <a:ext uri="{FF2B5EF4-FFF2-40B4-BE49-F238E27FC236}">
+                <a16:creationId xmlns:a16="http://schemas.microsoft.com/office/drawing/2014/main" id="{C9507089-6394-49C5-9229-D15468350F08}"/>
+              </a:ext>
+            </a:extLst>
+          </p:cNvPr>
+          <p:cNvPicPr>
+            <a:picLocks noGrp="1" noChangeAspect="1"/>
+          </p:cNvPicPr>
+          <p:nvPr>
+            <p:ph idx="1"/>
+          </p:nvPr>
+        </p:nvPicPr>
+        <p:blipFill>
+          <a:blip r:embed="rId2">
+            <a:extLst>
+              <a:ext uri="{28A0092B-C50C-407E-A947-70E740481C1C}">
+                <a14:useLocalDpi xmlns:a14="http://schemas.microsoft.com/office/drawing/2010/main" val="0"/>
+              </a:ext>
+            </a:extLst>
+          </a:blip>
+          <a:stretch>
+            <a:fillRect/>
+          </a:stretch>
+        </p:blipFill>
+        <p:spPr>
+          <a:xfrm>
+            <a:off x="638548" y="1928813"/>
+            <a:ext cx="5670549" cy="4252912"/>
+          </a:xfrm>
+        </p:spPr>
+      </p:pic>
+      <p:pic>
+        <p:nvPicPr>
+          <p:cNvPr id="7" name="Image 6">
+            <a:extLst>
+              <a:ext uri="{FF2B5EF4-FFF2-40B4-BE49-F238E27FC236}">
+                <a16:creationId xmlns:a16="http://schemas.microsoft.com/office/drawing/2014/main" id="{48E2A44C-7B51-4192-AE0C-81D04222D069}"/>
+              </a:ext>
+            </a:extLst>
+          </p:cNvPr>
+          <p:cNvPicPr>
+            <a:picLocks noChangeAspect="1"/>
+          </p:cNvPicPr>
+          <p:nvPr/>
+        </p:nvPicPr>
+        <p:blipFill>
+          <a:blip r:embed="rId3">
+            <a:extLst>
+              <a:ext uri="{28A0092B-C50C-407E-A947-70E740481C1C}">
+                <a14:useLocalDpi xmlns:a14="http://schemas.microsoft.com/office/drawing/2010/main" val="0"/>
+              </a:ext>
+            </a:extLst>
+          </a:blip>
+          <a:stretch>
+            <a:fillRect/>
+          </a:stretch>
+        </p:blipFill>
+        <p:spPr>
+          <a:xfrm>
+            <a:off x="5701280" y="1860704"/>
+            <a:ext cx="5852172" cy="4389129"/>
+          </a:xfrm>
+          <a:prstGeom prst="rect">
+            <a:avLst/>
+          </a:prstGeom>
+        </p:spPr>
+      </p:pic>
+    </p:spTree>
+    <p:extLst>
+      <p:ext uri="{BB962C8B-B14F-4D97-AF65-F5344CB8AC3E}">
+        <p14:creationId xmlns:p14="http://schemas.microsoft.com/office/powerpoint/2010/main" val="1736751500"/>
+      </p:ext>
+    </p:extLst>
+  </p:cSld>
+  <p:clrMapOvr>
+    <a:masterClrMapping/>
+  </p:clrMapOvr>
+</p:sld>
+</file>
+
+<file path=ppt/slides/slide11.xml><?xml version="1.0" encoding="utf-8"?>
+<p:sld xmlns:a="http://schemas.openxmlformats.org/drawingml/2006/main" xmlns:r="http://schemas.openxmlformats.org/officeDocument/2006/relationships" xmlns:p="http://schemas.openxmlformats.org/presentationml/2006/main">
+  <p:cSld>
+    <p:spTree>
+      <p:nvGrpSpPr>
+        <p:cNvPr id="1" name=""/>
+        <p:cNvGrpSpPr/>
+        <p:nvPr/>
+      </p:nvGrpSpPr>
+      <p:grpSpPr>
+        <a:xfrm>
+          <a:off x="0" y="0"/>
+          <a:ext cx="0" cy="0"/>
+          <a:chOff x="0" y="0"/>
+          <a:chExt cx="0" cy="0"/>
+        </a:xfrm>
+      </p:grpSpPr>
+      <p:sp>
+        <p:nvSpPr>
+          <p:cNvPr id="2" name="Titre 1">
+            <a:extLst>
+              <a:ext uri="{FF2B5EF4-FFF2-40B4-BE49-F238E27FC236}">
+                <a16:creationId xmlns:a16="http://schemas.microsoft.com/office/drawing/2014/main" id="{BBEDD1D7-D650-4F5E-972A-98C49BA93295}"/>
+              </a:ext>
+            </a:extLst>
+          </p:cNvPr>
+          <p:cNvSpPr>
+            <a:spLocks noGrp="1"/>
+          </p:cNvSpPr>
+          <p:nvPr>
+            <p:ph type="title"/>
+          </p:nvPr>
+        </p:nvSpPr>
+        <p:spPr/>
+        <p:txBody>
+          <a:bodyPr/>
+          <a:lstStyle/>
+          <a:p>
+            <a:r>
+              <a:rPr lang="fr-CA" dirty="0"/>
+              <a:t>2) Stabilité </a:t>
+            </a:r>
+          </a:p>
+        </p:txBody>
+      </p:sp>
+      <mc:AlternateContent xmlns:mc="http://schemas.openxmlformats.org/markup-compatibility/2006">
+        <mc:Choice xmlns:a14="http://schemas.microsoft.com/office/drawing/2010/main" Requires="a14">
+          <p:sp>
+            <p:nvSpPr>
+              <p:cNvPr id="3" name="Espace réservé du contenu 2">
+                <a:extLst>
+                  <a:ext uri="{FF2B5EF4-FFF2-40B4-BE49-F238E27FC236}">
+                    <a16:creationId xmlns:a16="http://schemas.microsoft.com/office/drawing/2014/main" id="{A0E4EA12-0960-4D9A-BBB5-EA4E8C7D5767}"/>
+                  </a:ext>
+                </a:extLst>
+              </p:cNvPr>
+              <p:cNvSpPr>
+                <a:spLocks noGrp="1"/>
+              </p:cNvSpPr>
+              <p:nvPr>
+                <p:ph idx="1"/>
+              </p:nvPr>
+            </p:nvSpPr>
+            <p:spPr/>
+            <p:txBody>
+              <a:bodyPr/>
+              <a:lstStyle/>
+              <a:p>
+                <a:r>
+                  <a:rPr lang="fr-CA" dirty="0"/>
+                  <a:t>Analyse de la stabilité de chaque méthode de calcul</a:t>
+                </a:r>
+              </a:p>
+              <a:p>
+                <a:r>
+                  <a:rPr lang="fr-CA" dirty="0"/>
+                  <a:t>Critère de stabilité de la méthode explicite :</a:t>
+                </a:r>
+              </a:p>
+              <a:p>
+                <a:pPr marL="0" indent="0">
+                  <a:lnSpc>
+                    <a:spcPct val="107000"/>
+                  </a:lnSpc>
+                  <a:spcAft>
+                    <a:spcPts val="800"/>
+                  </a:spcAft>
+                  <a:buNone/>
+                </a:pPr>
+                <a14:m>
+                  <m:oMathPara xmlns:m="http://schemas.openxmlformats.org/officeDocument/2006/math">
+                    <m:oMathParaPr>
+                      <m:jc m:val="centerGroup"/>
+                    </m:oMathParaPr>
+                    <m:oMath xmlns:m="http://schemas.openxmlformats.org/officeDocument/2006/math">
+                      <m:r>
+                        <a:rPr lang="fr-CA" sz="2400" i="1" smtClean="0">
+                          <a:effectLst/>
+                          <a:latin typeface="Cambria Math" panose="02040503050406030204" pitchFamily="18" charset="0"/>
+                          <a:ea typeface="Times New Roman" panose="02020603050405020304" pitchFamily="18" charset="0"/>
+                          <a:cs typeface="Times New Roman" panose="02020603050405020304" pitchFamily="18" charset="0"/>
+                        </a:rPr>
+                        <m:t>1</m:t>
+                      </m:r>
+                      <m:r>
+                        <a:rPr lang="fr-CA" sz="2400">
+                          <a:effectLst/>
+                          <a:latin typeface="Cambria Math" panose="02040503050406030204" pitchFamily="18" charset="0"/>
+                          <a:ea typeface="Calibri" panose="020F0502020204030204" pitchFamily="34" charset="0"/>
+                          <a:cs typeface="Times New Roman" panose="02020603050405020304" pitchFamily="18" charset="0"/>
+                        </a:rPr>
+                        <m:t>&lt;</m:t>
+                      </m:r>
+                      <m:r>
+                        <a:rPr lang="fr-CA" sz="2400" i="1">
+                          <a:effectLst/>
+                          <a:latin typeface="Cambria Math" panose="02040503050406030204" pitchFamily="18" charset="0"/>
+                          <a:ea typeface="Calibri" panose="020F0502020204030204" pitchFamily="34" charset="0"/>
+                          <a:cs typeface="Times New Roman" panose="02020603050405020304" pitchFamily="18" charset="0"/>
+                        </a:rPr>
+                        <m:t> </m:t>
+                      </m:r>
+                      <m:f>
+                        <m:fPr>
+                          <m:ctrlPr>
+                            <a:rPr lang="fr-CA" sz="2400" i="1">
+                              <a:effectLst/>
+                              <a:latin typeface="Cambria Math" panose="02040503050406030204" pitchFamily="18" charset="0"/>
+                              <a:ea typeface="Calibri" panose="020F0502020204030204" pitchFamily="34" charset="0"/>
+                              <a:cs typeface="Cambria Math" panose="02040503050406030204" pitchFamily="18" charset="0"/>
+                            </a:rPr>
+                          </m:ctrlPr>
+                        </m:fPr>
+                        <m:num>
+                          <m:r>
+                            <a:rPr lang="fr-CA" sz="2400">
+                              <a:effectLst/>
+                              <a:latin typeface="Cambria Math" panose="02040503050406030204" pitchFamily="18" charset="0"/>
+                              <a:ea typeface="Calibri" panose="020F0502020204030204" pitchFamily="34" charset="0"/>
+                              <a:cs typeface="Times New Roman" panose="02020603050405020304" pitchFamily="18" charset="0"/>
+                            </a:rPr>
+                            <m:t>2</m:t>
+                          </m:r>
+                          <m:r>
+                            <m:rPr>
+                              <m:sty m:val="p"/>
+                            </m:rPr>
+                            <a:rPr lang="fr-CA" sz="2400">
+                              <a:effectLst/>
+                              <a:latin typeface="Cambria Math" panose="02040503050406030204" pitchFamily="18" charset="0"/>
+                              <a:ea typeface="Calibri" panose="020F0502020204030204" pitchFamily="34" charset="0"/>
+                              <a:cs typeface="Times New Roman" panose="02020603050405020304" pitchFamily="18" charset="0"/>
+                            </a:rPr>
+                            <m:t>Δtk</m:t>
+                          </m:r>
+                        </m:num>
+                        <m:den>
+                          <m:r>
+                            <m:rPr>
+                              <m:sty m:val="p"/>
+                            </m:rPr>
+                            <a:rPr lang="fr-CA" sz="2400">
+                              <a:effectLst/>
+                              <a:latin typeface="Cambria Math" panose="02040503050406030204" pitchFamily="18" charset="0"/>
+                              <a:ea typeface="Calibri" panose="020F0502020204030204" pitchFamily="34" charset="0"/>
+                              <a:cs typeface="Times New Roman" panose="02020603050405020304" pitchFamily="18" charset="0"/>
+                            </a:rPr>
+                            <m:t>ρ</m:t>
+                          </m:r>
+                          <m:sSub>
+                            <m:sSubPr>
+                              <m:ctrlPr>
+                                <a:rPr lang="fr-CA" sz="2400" i="1">
+                                  <a:effectLst/>
+                                  <a:latin typeface="Cambria Math" panose="02040503050406030204" pitchFamily="18" charset="0"/>
+                                  <a:ea typeface="Calibri" panose="020F0502020204030204" pitchFamily="34" charset="0"/>
+                                  <a:cs typeface="Times New Roman" panose="02020603050405020304" pitchFamily="18" charset="0"/>
+                                </a:rPr>
+                              </m:ctrlPr>
+                            </m:sSubPr>
+                            <m:e>
+                              <m:r>
+                                <m:rPr>
+                                  <m:sty m:val="p"/>
+                                </m:rPr>
+                                <a:rPr lang="fr-CA" sz="2400">
+                                  <a:effectLst/>
+                                  <a:latin typeface="Cambria Math" panose="02040503050406030204" pitchFamily="18" charset="0"/>
+                                  <a:ea typeface="Calibri" panose="020F0502020204030204" pitchFamily="34" charset="0"/>
+                                  <a:cs typeface="Times New Roman" panose="02020603050405020304" pitchFamily="18" charset="0"/>
+                                </a:rPr>
+                                <m:t>C</m:t>
+                              </m:r>
+                            </m:e>
+                            <m:sub>
+                              <m:r>
+                                <m:rPr>
+                                  <m:sty m:val="p"/>
+                                </m:rPr>
+                                <a:rPr lang="fr-CA" sz="2400">
+                                  <a:effectLst/>
+                                  <a:latin typeface="Cambria Math" panose="02040503050406030204" pitchFamily="18" charset="0"/>
+                                  <a:ea typeface="Calibri" panose="020F0502020204030204" pitchFamily="34" charset="0"/>
+                                  <a:cs typeface="Times New Roman" panose="02020603050405020304" pitchFamily="18" charset="0"/>
+                                </a:rPr>
+                                <m:t>p</m:t>
+                              </m:r>
+                            </m:sub>
+                          </m:sSub>
+                          <m:r>
+                            <m:rPr>
+                              <m:sty m:val="p"/>
+                            </m:rPr>
+                            <a:rPr lang="fr-CA" sz="2400">
+                              <a:effectLst/>
+                              <a:latin typeface="Cambria Math" panose="02040503050406030204" pitchFamily="18" charset="0"/>
+                              <a:ea typeface="Calibri" panose="020F0502020204030204" pitchFamily="34" charset="0"/>
+                              <a:cs typeface="Times New Roman" panose="02020603050405020304" pitchFamily="18" charset="0"/>
+                            </a:rPr>
+                            <m:t>Δ</m:t>
+                          </m:r>
+                          <m:sSup>
+                            <m:sSupPr>
+                              <m:ctrlPr>
+                                <a:rPr lang="fr-CA" sz="2400" i="1">
+                                  <a:effectLst/>
+                                  <a:latin typeface="Cambria Math" panose="02040503050406030204" pitchFamily="18" charset="0"/>
+                                  <a:ea typeface="Calibri" panose="020F0502020204030204" pitchFamily="34" charset="0"/>
+                                  <a:cs typeface="Times New Roman" panose="02020603050405020304" pitchFamily="18" charset="0"/>
+                                </a:rPr>
+                              </m:ctrlPr>
+                            </m:sSupPr>
+                            <m:e>
+                              <m:r>
+                                <m:rPr>
+                                  <m:sty m:val="p"/>
+                                </m:rPr>
+                                <a:rPr lang="fr-CA" sz="2400">
+                                  <a:effectLst/>
+                                  <a:latin typeface="Cambria Math" panose="02040503050406030204" pitchFamily="18" charset="0"/>
+                                  <a:ea typeface="Calibri" panose="020F0502020204030204" pitchFamily="34" charset="0"/>
+                                  <a:cs typeface="Times New Roman" panose="02020603050405020304" pitchFamily="18" charset="0"/>
+                                </a:rPr>
+                                <m:t>z</m:t>
+                              </m:r>
+                            </m:e>
+                            <m:sup>
+                              <m:r>
+                                <a:rPr lang="fr-CA" sz="2400">
+                                  <a:effectLst/>
+                                  <a:latin typeface="Cambria Math" panose="02040503050406030204" pitchFamily="18" charset="0"/>
+                                  <a:ea typeface="Calibri" panose="020F0502020204030204" pitchFamily="34" charset="0"/>
+                                  <a:cs typeface="Times New Roman" panose="02020603050405020304" pitchFamily="18" charset="0"/>
+                                </a:rPr>
+                                <m:t>2</m:t>
+                              </m:r>
+                            </m:sup>
+                          </m:sSup>
+                        </m:den>
+                      </m:f>
+                    </m:oMath>
+                  </m:oMathPara>
+                </a14:m>
+                <a:endParaRPr lang="fr-CA" sz="2400" dirty="0">
+                  <a:effectLst/>
+                  <a:latin typeface="Calibri" panose="020F0502020204030204" pitchFamily="34" charset="0"/>
+                  <a:ea typeface="Calibri" panose="020F0502020204030204" pitchFamily="34" charset="0"/>
+                  <a:cs typeface="Times New Roman" panose="02020603050405020304" pitchFamily="18" charset="0"/>
+                </a:endParaRPr>
+              </a:p>
+              <a:p>
+                <a:pPr>
+                  <a:lnSpc>
+                    <a:spcPct val="107000"/>
+                  </a:lnSpc>
+                  <a:spcAft>
+                    <a:spcPts val="800"/>
+                  </a:spcAft>
+                </a:pPr>
+                <a:r>
+                  <a:rPr lang="fr-CA" sz="2400" dirty="0"/>
+                  <a:t>La discrétisation temporelle et spatiale doivent respecter cet inégalité.</a:t>
+                </a:r>
+              </a:p>
+            </p:txBody>
+          </p:sp>
+        </mc:Choice>
+        <mc:Fallback>
+          <p:sp>
+            <p:nvSpPr>
+              <p:cNvPr id="3" name="Espace réservé du contenu 2">
+                <a:extLst>
+                  <a:ext uri="{FF2B5EF4-FFF2-40B4-BE49-F238E27FC236}">
+                    <a16:creationId xmlns:a16="http://schemas.microsoft.com/office/drawing/2014/main" id="{A0E4EA12-0960-4D9A-BBB5-EA4E8C7D5767}"/>
+                  </a:ext>
+                </a:extLst>
+              </p:cNvPr>
+              <p:cNvSpPr>
+                <a:spLocks noGrp="1" noRot="1" noChangeAspect="1" noMove="1" noResize="1" noEditPoints="1" noAdjustHandles="1" noChangeArrowheads="1" noChangeShapeType="1" noTextEdit="1"/>
+              </p:cNvSpPr>
+              <p:nvPr>
+                <p:ph idx="1"/>
+              </p:nvPr>
+            </p:nvSpPr>
+            <p:spPr>
+              <a:blipFill>
+                <a:blip r:embed="rId2"/>
+                <a:stretch>
+                  <a:fillRect l="-1043" t="-1148"/>
+                </a:stretch>
+              </a:blipFill>
+            </p:spPr>
+            <p:txBody>
+              <a:bodyPr/>
+              <a:lstStyle/>
+              <a:p>
+                <a:r>
+                  <a:rPr lang="fr-CA">
+                    <a:noFill/>
+                  </a:rPr>
+                  <a:t> </a:t>
+                </a:r>
+              </a:p>
+            </p:txBody>
+          </p:sp>
+        </mc:Fallback>
+      </mc:AlternateContent>
+    </p:spTree>
+    <p:extLst>
+      <p:ext uri="{BB962C8B-B14F-4D97-AF65-F5344CB8AC3E}">
+        <p14:creationId xmlns:p14="http://schemas.microsoft.com/office/powerpoint/2010/main" val="689180868"/>
+      </p:ext>
+    </p:extLst>
+  </p:cSld>
+  <p:clrMapOvr>
+    <a:masterClrMapping/>
+  </p:clrMapOvr>
+</p:sld>
+</file>
+
+<file path=ppt/slides/slide12.xml><?xml version="1.0" encoding="utf-8"?>
+<p:sld xmlns:a="http://schemas.openxmlformats.org/drawingml/2006/main" xmlns:r="http://schemas.openxmlformats.org/officeDocument/2006/relationships" xmlns:p="http://schemas.openxmlformats.org/presentationml/2006/main">
+  <p:cSld>
+    <p:spTree>
+      <p:nvGrpSpPr>
+        <p:cNvPr id="1" name=""/>
+        <p:cNvGrpSpPr/>
+        <p:nvPr/>
+      </p:nvGrpSpPr>
+      <p:grpSpPr>
+        <a:xfrm>
+          <a:off x="0" y="0"/>
+          <a:ext cx="0" cy="0"/>
+          <a:chOff x="0" y="0"/>
+          <a:chExt cx="0" cy="0"/>
+        </a:xfrm>
+      </p:grpSpPr>
+      <p:sp>
+        <p:nvSpPr>
+          <p:cNvPr id="2" name="Titre 1">
+            <a:extLst>
+              <a:ext uri="{FF2B5EF4-FFF2-40B4-BE49-F238E27FC236}">
+                <a16:creationId xmlns:a16="http://schemas.microsoft.com/office/drawing/2014/main" id="{4C6BDE48-8CA3-4FEC-B6B8-9C0DA1AEE0E9}"/>
+              </a:ext>
+            </a:extLst>
+          </p:cNvPr>
+          <p:cNvSpPr>
+            <a:spLocks noGrp="1"/>
+          </p:cNvSpPr>
+          <p:nvPr>
+            <p:ph type="title"/>
+          </p:nvPr>
+        </p:nvSpPr>
+        <p:spPr/>
+        <p:txBody>
+          <a:bodyPr/>
+          <a:lstStyle/>
+          <a:p>
+            <a:r>
+              <a:rPr lang="fr-CA" dirty="0"/>
+              <a:t>2) Stabilité</a:t>
+            </a:r>
+          </a:p>
+        </p:txBody>
+      </p:sp>
+      <p:pic>
+        <p:nvPicPr>
+          <p:cNvPr id="17" name="Espace réservé du contenu 16">
+            <a:extLst>
+              <a:ext uri="{FF2B5EF4-FFF2-40B4-BE49-F238E27FC236}">
+                <a16:creationId xmlns:a16="http://schemas.microsoft.com/office/drawing/2014/main" id="{3ED466D2-28C3-4D1A-BB27-11EEA6E87187}"/>
+              </a:ext>
+            </a:extLst>
+          </p:cNvPr>
+          <p:cNvPicPr>
+            <a:picLocks noGrp="1" noChangeAspect="1"/>
+          </p:cNvPicPr>
+          <p:nvPr>
+            <p:ph idx="1"/>
+          </p:nvPr>
+        </p:nvPicPr>
+        <p:blipFill>
+          <a:blip r:embed="rId2">
+            <a:extLst>
+              <a:ext uri="{28A0092B-C50C-407E-A947-70E740481C1C}">
+                <a14:useLocalDpi xmlns:a14="http://schemas.microsoft.com/office/drawing/2010/main" val="0"/>
+              </a:ext>
+            </a:extLst>
+          </a:blip>
+          <a:stretch>
+            <a:fillRect/>
+          </a:stretch>
+        </p:blipFill>
+        <p:spPr>
+          <a:xfrm>
+            <a:off x="2605722" y="1858473"/>
+            <a:ext cx="6980555" cy="5235417"/>
+          </a:xfrm>
+        </p:spPr>
+      </p:pic>
+    </p:spTree>
+    <p:extLst>
+      <p:ext uri="{BB962C8B-B14F-4D97-AF65-F5344CB8AC3E}">
+        <p14:creationId xmlns:p14="http://schemas.microsoft.com/office/powerpoint/2010/main" val="3910353709"/>
+      </p:ext>
+    </p:extLst>
+  </p:cSld>
+  <p:clrMapOvr>
+    <a:masterClrMapping/>
+  </p:clrMapOvr>
+</p:sld>
+</file>
+
+<file path=ppt/slides/slide13.xml><?xml version="1.0" encoding="utf-8"?>
+<p:sld xmlns:a="http://schemas.openxmlformats.org/drawingml/2006/main" xmlns:r="http://schemas.openxmlformats.org/officeDocument/2006/relationships" xmlns:p="http://schemas.openxmlformats.org/presentationml/2006/main">
+  <p:cSld>
+    <p:spTree>
+      <p:nvGrpSpPr>
+        <p:cNvPr id="1" name=""/>
+        <p:cNvGrpSpPr/>
+        <p:nvPr/>
+      </p:nvGrpSpPr>
+      <p:grpSpPr>
+        <a:xfrm>
+          <a:off x="0" y="0"/>
+          <a:ext cx="0" cy="0"/>
+          <a:chOff x="0" y="0"/>
+          <a:chExt cx="0" cy="0"/>
+        </a:xfrm>
+      </p:grpSpPr>
+      <p:sp>
+        <p:nvSpPr>
+          <p:cNvPr id="2" name="Titre 1">
+            <a:extLst>
+              <a:ext uri="{FF2B5EF4-FFF2-40B4-BE49-F238E27FC236}">
+                <a16:creationId xmlns:a16="http://schemas.microsoft.com/office/drawing/2014/main" id="{9F39E7AA-D89B-4A83-B3DD-B6052D24FD3F}"/>
+              </a:ext>
+            </a:extLst>
+          </p:cNvPr>
+          <p:cNvSpPr>
+            <a:spLocks noGrp="1"/>
+          </p:cNvSpPr>
+          <p:nvPr>
+            <p:ph type="title"/>
+          </p:nvPr>
+        </p:nvSpPr>
+        <p:spPr/>
+        <p:txBody>
+          <a:bodyPr/>
+          <a:lstStyle/>
+          <a:p>
+            <a:r>
+              <a:rPr lang="fr-CA" dirty="0"/>
+              <a:t>3) Résolution des équations</a:t>
+            </a:r>
+          </a:p>
+        </p:txBody>
+      </p:sp>
+      <p:sp>
+        <p:nvSpPr>
+          <p:cNvPr id="3" name="Espace réservé du contenu 2">
+            <a:extLst>
+              <a:ext uri="{FF2B5EF4-FFF2-40B4-BE49-F238E27FC236}">
+                <a16:creationId xmlns:a16="http://schemas.microsoft.com/office/drawing/2014/main" id="{6F307162-CD05-4FA9-ACEA-A4AD4B69A848}"/>
+              </a:ext>
+            </a:extLst>
+          </p:cNvPr>
+          <p:cNvSpPr>
+            <a:spLocks noGrp="1"/>
+          </p:cNvSpPr>
+          <p:nvPr>
+            <p:ph idx="1"/>
+          </p:nvPr>
+        </p:nvSpPr>
+        <p:spPr/>
+        <p:txBody>
+          <a:bodyPr/>
+          <a:lstStyle/>
+          <a:p>
+            <a:r>
+              <a:rPr lang="fr-CA" dirty="0"/>
+              <a:t>Résolution des équations pour construire le profil de température.</a:t>
+            </a:r>
+          </a:p>
+          <a:p>
+            <a:pPr marL="0" indent="0" algn="ctr">
+              <a:buNone/>
+            </a:pPr>
+            <a:r>
+              <a:rPr lang="fr-CA" dirty="0"/>
+              <a:t>n = 9 nœuds, </a:t>
+            </a:r>
+            <a:r>
+              <a:rPr lang="fr-CA" dirty="0" err="1"/>
+              <a:t>dt</a:t>
+            </a:r>
+            <a:r>
+              <a:rPr lang="fr-CA" dirty="0"/>
+              <a:t> = 0.1 s</a:t>
+            </a:r>
+          </a:p>
+          <a:p>
+            <a:endParaRPr lang="fr-CA" dirty="0"/>
+          </a:p>
+        </p:txBody>
+      </p:sp>
+      <p:pic>
+        <p:nvPicPr>
+          <p:cNvPr id="7" name="Image 6">
+            <a:extLst>
+              <a:ext uri="{FF2B5EF4-FFF2-40B4-BE49-F238E27FC236}">
+                <a16:creationId xmlns:a16="http://schemas.microsoft.com/office/drawing/2014/main" id="{C22A8E0E-A381-413D-8EA3-C7494284EC28}"/>
+              </a:ext>
+            </a:extLst>
+          </p:cNvPr>
+          <p:cNvPicPr>
+            <a:picLocks noChangeAspect="1"/>
+          </p:cNvPicPr>
+          <p:nvPr/>
+        </p:nvPicPr>
+        <p:blipFill>
+          <a:blip r:embed="rId2">
+            <a:extLst>
+              <a:ext uri="{28A0092B-C50C-407E-A947-70E740481C1C}">
+                <a14:useLocalDpi xmlns:a14="http://schemas.microsoft.com/office/drawing/2010/main" val="0"/>
+              </a:ext>
+            </a:extLst>
+          </a:blip>
+          <a:stretch>
+            <a:fillRect/>
+          </a:stretch>
+        </p:blipFill>
+        <p:spPr>
+          <a:xfrm>
+            <a:off x="2014025" y="3053232"/>
+            <a:ext cx="8163950" cy="3703206"/>
+          </a:xfrm>
+          <a:prstGeom prst="rect">
+            <a:avLst/>
+          </a:prstGeom>
+        </p:spPr>
+      </p:pic>
+    </p:spTree>
+    <p:extLst>
+      <p:ext uri="{BB962C8B-B14F-4D97-AF65-F5344CB8AC3E}">
+        <p14:creationId xmlns:p14="http://schemas.microsoft.com/office/powerpoint/2010/main" val="2243097412"/>
+      </p:ext>
+    </p:extLst>
+  </p:cSld>
+  <p:clrMapOvr>
+    <a:masterClrMapping/>
+  </p:clrMapOvr>
+</p:sld>
+</file>
+
+<file path=ppt/slides/slide14.xml><?xml version="1.0" encoding="utf-8"?>
+<p:sld xmlns:a="http://schemas.openxmlformats.org/drawingml/2006/main" xmlns:r="http://schemas.openxmlformats.org/officeDocument/2006/relationships" xmlns:p="http://schemas.openxmlformats.org/presentationml/2006/main">
+  <p:cSld>
+    <p:spTree>
+      <p:nvGrpSpPr>
+        <p:cNvPr id="1" name=""/>
+        <p:cNvGrpSpPr/>
+        <p:nvPr/>
+      </p:nvGrpSpPr>
+      <p:grpSpPr>
+        <a:xfrm>
+          <a:off x="0" y="0"/>
+          <a:ext cx="0" cy="0"/>
+          <a:chOff x="0" y="0"/>
+          <a:chExt cx="0" cy="0"/>
+        </a:xfrm>
+      </p:grpSpPr>
+      <p:sp>
+        <p:nvSpPr>
+          <p:cNvPr id="2" name="Titre 1">
+            <a:extLst>
+              <a:ext uri="{FF2B5EF4-FFF2-40B4-BE49-F238E27FC236}">
+                <a16:creationId xmlns:a16="http://schemas.microsoft.com/office/drawing/2014/main" id="{AF2545D9-1073-49FF-9FCB-7180A6012791}"/>
+              </a:ext>
+            </a:extLst>
+          </p:cNvPr>
+          <p:cNvSpPr>
+            <a:spLocks noGrp="1"/>
+          </p:cNvSpPr>
+          <p:nvPr>
+            <p:ph type="title"/>
+          </p:nvPr>
+        </p:nvSpPr>
+        <p:spPr/>
+        <p:txBody>
+          <a:bodyPr/>
+          <a:lstStyle/>
+          <a:p>
+            <a:r>
+              <a:rPr lang="fr-CA" dirty="0"/>
+              <a:t>3) Résolution des équations</a:t>
+            </a:r>
+          </a:p>
+        </p:txBody>
+      </p:sp>
+      <p:pic>
+        <p:nvPicPr>
+          <p:cNvPr id="5" name="Espace réservé du contenu 4">
+            <a:extLst>
+              <a:ext uri="{FF2B5EF4-FFF2-40B4-BE49-F238E27FC236}">
+                <a16:creationId xmlns:a16="http://schemas.microsoft.com/office/drawing/2014/main" id="{6C1F377C-A876-435D-8497-182F37480D45}"/>
+              </a:ext>
+            </a:extLst>
+          </p:cNvPr>
+          <p:cNvPicPr>
+            <a:picLocks noGrp="1" noChangeAspect="1"/>
+          </p:cNvPicPr>
+          <p:nvPr>
+            <p:ph idx="1"/>
+          </p:nvPr>
+        </p:nvPicPr>
+        <p:blipFill>
+          <a:blip r:embed="rId2">
+            <a:extLst>
+              <a:ext uri="{28A0092B-C50C-407E-A947-70E740481C1C}">
+                <a14:useLocalDpi xmlns:a14="http://schemas.microsoft.com/office/drawing/2010/main" val="0"/>
+              </a:ext>
+            </a:extLst>
+          </a:blip>
+          <a:stretch>
+            <a:fillRect/>
+          </a:stretch>
+        </p:blipFill>
+        <p:spPr>
+          <a:xfrm>
+            <a:off x="1813407" y="2605088"/>
+            <a:ext cx="8762410" cy="4252912"/>
+          </a:xfrm>
+        </p:spPr>
+      </p:pic>
+      <p:sp>
+        <p:nvSpPr>
+          <p:cNvPr id="7" name="ZoneTexte 6">
+            <a:extLst>
+              <a:ext uri="{FF2B5EF4-FFF2-40B4-BE49-F238E27FC236}">
+                <a16:creationId xmlns:a16="http://schemas.microsoft.com/office/drawing/2014/main" id="{8B89E0A2-43AB-4412-9912-B3F1F1F3DFF0}"/>
+              </a:ext>
+            </a:extLst>
+          </p:cNvPr>
+          <p:cNvSpPr txBox="1"/>
+          <p:nvPr/>
+        </p:nvSpPr>
+        <p:spPr>
+          <a:xfrm>
+            <a:off x="838200" y="2035765"/>
+            <a:ext cx="10712824" cy="523220"/>
+          </a:xfrm>
+          <a:prstGeom prst="rect">
+            <a:avLst/>
+          </a:prstGeom>
+          <a:noFill/>
+        </p:spPr>
+        <p:txBody>
+          <a:bodyPr wrap="square">
+            <a:spAutoFit/>
+          </a:bodyPr>
+          <a:lstStyle/>
+          <a:p>
+            <a:pPr marL="0" indent="0" algn="ctr">
+              <a:buNone/>
+            </a:pPr>
+            <a:r>
+              <a:rPr lang="fr-CA" sz="2800" dirty="0"/>
+              <a:t>n = 100 nœuds, </a:t>
+            </a:r>
+            <a:r>
+              <a:rPr lang="fr-CA" sz="2800" dirty="0" err="1"/>
+              <a:t>dt</a:t>
+            </a:r>
+            <a:r>
+              <a:rPr lang="fr-CA" sz="2800" dirty="0"/>
+              <a:t> = 0.1 s</a:t>
+            </a:r>
+          </a:p>
+        </p:txBody>
+      </p:sp>
+    </p:spTree>
+    <p:extLst>
+      <p:ext uri="{BB962C8B-B14F-4D97-AF65-F5344CB8AC3E}">
+        <p14:creationId xmlns:p14="http://schemas.microsoft.com/office/powerpoint/2010/main" val="1041019215"/>
+      </p:ext>
+    </p:extLst>
+  </p:cSld>
+  <p:clrMapOvr>
+    <a:masterClrMapping/>
+  </p:clrMapOvr>
+</p:sld>
+</file>
+
+<file path=ppt/slides/slide15.xml><?xml version="1.0" encoding="utf-8"?>
+<p:sld xmlns:a="http://schemas.openxmlformats.org/drawingml/2006/main" xmlns:r="http://schemas.openxmlformats.org/officeDocument/2006/relationships" xmlns:p="http://schemas.openxmlformats.org/presentationml/2006/main">
+  <p:cSld>
+    <p:spTree>
+      <p:nvGrpSpPr>
+        <p:cNvPr id="1" name=""/>
+        <p:cNvGrpSpPr/>
+        <p:nvPr/>
+      </p:nvGrpSpPr>
+      <p:grpSpPr>
+        <a:xfrm>
+          <a:off x="0" y="0"/>
+          <a:ext cx="0" cy="0"/>
+          <a:chOff x="0" y="0"/>
+          <a:chExt cx="0" cy="0"/>
+        </a:xfrm>
+      </p:grpSpPr>
+      <p:sp>
+        <p:nvSpPr>
+          <p:cNvPr id="2" name="Titre 1">
+            <a:extLst>
+              <a:ext uri="{FF2B5EF4-FFF2-40B4-BE49-F238E27FC236}">
+                <a16:creationId xmlns:a16="http://schemas.microsoft.com/office/drawing/2014/main" id="{8881580D-31F8-4F8B-A98A-0FD1776C0DFC}"/>
+              </a:ext>
+            </a:extLst>
+          </p:cNvPr>
+          <p:cNvSpPr>
+            <a:spLocks noGrp="1"/>
+          </p:cNvSpPr>
+          <p:nvPr>
+            <p:ph type="title"/>
+          </p:nvPr>
+        </p:nvSpPr>
+        <p:spPr/>
+        <p:txBody>
+          <a:bodyPr/>
+          <a:lstStyle/>
+          <a:p>
+            <a:r>
+              <a:rPr lang="fr-CA" dirty="0"/>
+              <a:t>3) Résolution des équations</a:t>
+            </a:r>
+          </a:p>
+        </p:txBody>
+      </p:sp>
+      <p:pic>
+        <p:nvPicPr>
+          <p:cNvPr id="5" name="Espace réservé du contenu 4">
+            <a:extLst>
+              <a:ext uri="{FF2B5EF4-FFF2-40B4-BE49-F238E27FC236}">
+                <a16:creationId xmlns:a16="http://schemas.microsoft.com/office/drawing/2014/main" id="{6600C27A-A386-4A25-B308-1F71D75917C8}"/>
+              </a:ext>
+            </a:extLst>
+          </p:cNvPr>
+          <p:cNvPicPr>
+            <a:picLocks noGrp="1" noChangeAspect="1"/>
+          </p:cNvPicPr>
+          <p:nvPr>
+            <p:ph idx="1"/>
+          </p:nvPr>
+        </p:nvPicPr>
+        <p:blipFill>
+          <a:blip r:embed="rId2">
+            <a:extLst>
+              <a:ext uri="{28A0092B-C50C-407E-A947-70E740481C1C}">
+                <a14:useLocalDpi xmlns:a14="http://schemas.microsoft.com/office/drawing/2010/main" val="0"/>
+              </a:ext>
+            </a:extLst>
+          </a:blip>
+          <a:stretch>
+            <a:fillRect/>
+          </a:stretch>
+        </p:blipFill>
+        <p:spPr>
+          <a:xfrm>
+            <a:off x="1714795" y="2605088"/>
+            <a:ext cx="8762410" cy="4252912"/>
+          </a:xfrm>
+        </p:spPr>
+      </p:pic>
+      <p:sp>
+        <p:nvSpPr>
+          <p:cNvPr id="7" name="ZoneTexte 6">
+            <a:extLst>
+              <a:ext uri="{FF2B5EF4-FFF2-40B4-BE49-F238E27FC236}">
+                <a16:creationId xmlns:a16="http://schemas.microsoft.com/office/drawing/2014/main" id="{78E5B072-4478-44C0-975C-6D326A712AC5}"/>
+              </a:ext>
+            </a:extLst>
+          </p:cNvPr>
+          <p:cNvSpPr txBox="1"/>
+          <p:nvPr/>
+        </p:nvSpPr>
+        <p:spPr>
+          <a:xfrm>
+            <a:off x="838200" y="1913512"/>
+            <a:ext cx="10515600" cy="954107"/>
+          </a:xfrm>
+          <a:prstGeom prst="rect">
+            <a:avLst/>
+          </a:prstGeom>
+          <a:noFill/>
+        </p:spPr>
+        <p:txBody>
+          <a:bodyPr wrap="square">
+            <a:spAutoFit/>
+          </a:bodyPr>
+          <a:lstStyle/>
+          <a:p>
+            <a:endParaRPr lang="fr-CA" sz="2800" dirty="0"/>
+          </a:p>
+          <a:p>
+            <a:pPr marL="0" indent="0" algn="ctr">
+              <a:buNone/>
+            </a:pPr>
+            <a:r>
+              <a:rPr lang="fr-CA" sz="2800" dirty="0"/>
+              <a:t>n = 100 nœuds, </a:t>
+            </a:r>
+            <a:r>
+              <a:rPr lang="fr-CA" sz="2800" dirty="0" err="1"/>
+              <a:t>dt</a:t>
+            </a:r>
+            <a:r>
+              <a:rPr lang="fr-CA" sz="2800" dirty="0"/>
+              <a:t> = 10 s</a:t>
+            </a:r>
+          </a:p>
+        </p:txBody>
+      </p:sp>
+    </p:spTree>
+    <p:extLst>
+      <p:ext uri="{BB962C8B-B14F-4D97-AF65-F5344CB8AC3E}">
+        <p14:creationId xmlns:p14="http://schemas.microsoft.com/office/powerpoint/2010/main" val="3551835541"/>
+      </p:ext>
+    </p:extLst>
+  </p:cSld>
+  <p:clrMapOvr>
+    <a:masterClrMapping/>
+  </p:clrMapOvr>
+</p:sld>
+</file>
+
+<file path=ppt/slides/slide16.xml><?xml version="1.0" encoding="utf-8"?>
+<p:sld xmlns:a="http://schemas.openxmlformats.org/drawingml/2006/main" xmlns:r="http://schemas.openxmlformats.org/officeDocument/2006/relationships" xmlns:p="http://schemas.openxmlformats.org/presentationml/2006/main">
+  <p:cSld>
+    <p:bg>
+      <p:bgPr>
+        <a:solidFill>
+          <a:schemeClr val="bg1"/>
+        </a:solidFill>
+        <a:effectLst/>
+      </p:bgPr>
+    </p:bg>
+    <p:spTree>
+      <p:nvGrpSpPr>
+        <p:cNvPr id="1" name=""/>
+        <p:cNvGrpSpPr/>
+        <p:nvPr/>
+      </p:nvGrpSpPr>
+      <p:grpSpPr>
+        <a:xfrm>
+          <a:off x="0" y="0"/>
+          <a:ext cx="0" cy="0"/>
+          <a:chOff x="0" y="0"/>
+          <a:chExt cx="0" cy="0"/>
+        </a:xfrm>
+      </p:grpSpPr>
+      <p:sp>
+        <p:nvSpPr>
+          <p:cNvPr id="9" name="Rectangle 6">
+            <a:extLst>
+              <a:ext uri="{FF2B5EF4-FFF2-40B4-BE49-F238E27FC236}">
+                <a16:creationId xmlns:a16="http://schemas.microsoft.com/office/drawing/2014/main" id="{DA381740-063A-41A4-836D-85D14980EEF0}"/>
+              </a:ext>
+              <a:ext uri="{C183D7F6-B498-43B3-948B-1728B52AA6E4}">
+                <adec:decorative xmlns:adec="http://schemas.microsoft.com/office/drawing/2017/decorative" val="1"/>
+              </a:ext>
+            </a:extLst>
+          </p:cNvPr>
+          <p:cNvSpPr>
+            <a:spLocks noGrp="1" noRot="1" noChangeAspect="1" noMove="1" noResize="1" noEditPoints="1" noAdjustHandles="1" noChangeArrowheads="1" noChangeShapeType="1" noTextEdit="1"/>
+          </p:cNvSpPr>
+          <p:nvPr>
+            <p:extLst>
+              <p:ext uri="{386F3935-93C4-4BCD-93E2-E3B085C9AB24}">
+                <p16:designElem xmlns:p16="http://schemas.microsoft.com/office/powerpoint/2015/main" val="1"/>
+              </p:ext>
+            </p:extLst>
+          </p:nvPr>
+        </p:nvSpPr>
+        <p:spPr>
+          <a:xfrm>
+            <a:off x="838200" y="4736883"/>
+            <a:ext cx="4243589" cy="27432"/>
+          </a:xfrm>
+          <a:custGeom>
+            <a:avLst/>
+            <a:gdLst>
+              <a:gd name="connsiteX0" fmla="*/ 0 w 4243589"/>
+              <a:gd name="connsiteY0" fmla="*/ 0 h 27432"/>
+              <a:gd name="connsiteX1" fmla="*/ 563791 w 4243589"/>
+              <a:gd name="connsiteY1" fmla="*/ 0 h 27432"/>
+              <a:gd name="connsiteX2" fmla="*/ 1042710 w 4243589"/>
+              <a:gd name="connsiteY2" fmla="*/ 0 h 27432"/>
+              <a:gd name="connsiteX3" fmla="*/ 1564066 w 4243589"/>
+              <a:gd name="connsiteY3" fmla="*/ 0 h 27432"/>
+              <a:gd name="connsiteX4" fmla="*/ 2212729 w 4243589"/>
+              <a:gd name="connsiteY4" fmla="*/ 0 h 27432"/>
+              <a:gd name="connsiteX5" fmla="*/ 2776520 w 4243589"/>
+              <a:gd name="connsiteY5" fmla="*/ 0 h 27432"/>
+              <a:gd name="connsiteX6" fmla="*/ 3297875 w 4243589"/>
+              <a:gd name="connsiteY6" fmla="*/ 0 h 27432"/>
+              <a:gd name="connsiteX7" fmla="*/ 4243589 w 4243589"/>
+              <a:gd name="connsiteY7" fmla="*/ 0 h 27432"/>
+              <a:gd name="connsiteX8" fmla="*/ 4243589 w 4243589"/>
+              <a:gd name="connsiteY8" fmla="*/ 27432 h 27432"/>
+              <a:gd name="connsiteX9" fmla="*/ 3637362 w 4243589"/>
+              <a:gd name="connsiteY9" fmla="*/ 27432 h 27432"/>
+              <a:gd name="connsiteX10" fmla="*/ 3116007 w 4243589"/>
+              <a:gd name="connsiteY10" fmla="*/ 27432 h 27432"/>
+              <a:gd name="connsiteX11" fmla="*/ 2424908 w 4243589"/>
+              <a:gd name="connsiteY11" fmla="*/ 27432 h 27432"/>
+              <a:gd name="connsiteX12" fmla="*/ 1861117 w 4243589"/>
+              <a:gd name="connsiteY12" fmla="*/ 27432 h 27432"/>
+              <a:gd name="connsiteX13" fmla="*/ 1382198 w 4243589"/>
+              <a:gd name="connsiteY13" fmla="*/ 27432 h 27432"/>
+              <a:gd name="connsiteX14" fmla="*/ 733535 w 4243589"/>
+              <a:gd name="connsiteY14" fmla="*/ 27432 h 27432"/>
+              <a:gd name="connsiteX15" fmla="*/ 0 w 4243589"/>
+              <a:gd name="connsiteY15" fmla="*/ 27432 h 27432"/>
+              <a:gd name="connsiteX16" fmla="*/ 0 w 4243589"/>
+              <a:gd name="connsiteY16" fmla="*/ 0 h 27432"/>
+            </a:gdLst>
+            <a:ahLst/>
+            <a:cxnLst>
+              <a:cxn ang="0">
+                <a:pos x="connsiteX0" y="connsiteY0"/>
+              </a:cxn>
+              <a:cxn ang="0">
+                <a:pos x="connsiteX1" y="connsiteY1"/>
+              </a:cxn>
+              <a:cxn ang="0">
+                <a:pos x="connsiteX2" y="connsiteY2"/>
+              </a:cxn>
+              <a:cxn ang="0">
+                <a:pos x="connsiteX3" y="connsiteY3"/>
+              </a:cxn>
+              <a:cxn ang="0">
+                <a:pos x="connsiteX4" y="connsiteY4"/>
+              </a:cxn>
+              <a:cxn ang="0">
+                <a:pos x="connsiteX5" y="connsiteY5"/>
+              </a:cxn>
+              <a:cxn ang="0">
+                <a:pos x="connsiteX6" y="connsiteY6"/>
+              </a:cxn>
+              <a:cxn ang="0">
+                <a:pos x="connsiteX7" y="connsiteY7"/>
+              </a:cxn>
+              <a:cxn ang="0">
+                <a:pos x="connsiteX8" y="connsiteY8"/>
+              </a:cxn>
+              <a:cxn ang="0">
+                <a:pos x="connsiteX9" y="connsiteY9"/>
+              </a:cxn>
+              <a:cxn ang="0">
+                <a:pos x="connsiteX10" y="connsiteY10"/>
+              </a:cxn>
+              <a:cxn ang="0">
+                <a:pos x="connsiteX11" y="connsiteY11"/>
+              </a:cxn>
+              <a:cxn ang="0">
+                <a:pos x="connsiteX12" y="connsiteY12"/>
+              </a:cxn>
+              <a:cxn ang="0">
+                <a:pos x="connsiteX13" y="connsiteY13"/>
+              </a:cxn>
+              <a:cxn ang="0">
+                <a:pos x="connsiteX14" y="connsiteY14"/>
+              </a:cxn>
+              <a:cxn ang="0">
+                <a:pos x="connsiteX15" y="connsiteY15"/>
+              </a:cxn>
+              <a:cxn ang="0">
+                <a:pos x="connsiteX16" y="connsiteY16"/>
+              </a:cxn>
+            </a:cxnLst>
+            <a:rect l="l" t="t" r="r" b="b"/>
+            <a:pathLst>
+              <a:path w="4243589" h="27432" fill="none" extrusionOk="0">
+                <a:moveTo>
+                  <a:pt x="0" y="0"/>
+                </a:moveTo>
+                <a:cubicBezTo>
+                  <a:pt x="157351" y="-15653"/>
+                  <a:pt x="378877" y="-5828"/>
+                  <a:pt x="563791" y="0"/>
+                </a:cubicBezTo>
+                <a:cubicBezTo>
+                  <a:pt x="748705" y="5828"/>
+                  <a:pt x="905659" y="-5525"/>
+                  <a:pt x="1042710" y="0"/>
+                </a:cubicBezTo>
+                <a:cubicBezTo>
+                  <a:pt x="1179761" y="5525"/>
+                  <a:pt x="1356845" y="-21288"/>
+                  <a:pt x="1564066" y="0"/>
+                </a:cubicBezTo>
+                <a:cubicBezTo>
+                  <a:pt x="1771287" y="21288"/>
+                  <a:pt x="1912099" y="25135"/>
+                  <a:pt x="2212729" y="0"/>
+                </a:cubicBezTo>
+                <a:cubicBezTo>
+                  <a:pt x="2513359" y="-25135"/>
+                  <a:pt x="2514918" y="-27119"/>
+                  <a:pt x="2776520" y="0"/>
+                </a:cubicBezTo>
+                <a:cubicBezTo>
+                  <a:pt x="3038122" y="27119"/>
+                  <a:pt x="3178771" y="18116"/>
+                  <a:pt x="3297875" y="0"/>
+                </a:cubicBezTo>
+                <a:cubicBezTo>
+                  <a:pt x="3416980" y="-18116"/>
+                  <a:pt x="4012240" y="-40869"/>
+                  <a:pt x="4243589" y="0"/>
+                </a:cubicBezTo>
+                <a:cubicBezTo>
+                  <a:pt x="4242616" y="8304"/>
+                  <a:pt x="4243111" y="21512"/>
+                  <a:pt x="4243589" y="27432"/>
+                </a:cubicBezTo>
+                <a:cubicBezTo>
+                  <a:pt x="4112949" y="6289"/>
+                  <a:pt x="3928037" y="10975"/>
+                  <a:pt x="3637362" y="27432"/>
+                </a:cubicBezTo>
+                <a:cubicBezTo>
+                  <a:pt x="3346687" y="43889"/>
+                  <a:pt x="3254446" y="35813"/>
+                  <a:pt x="3116007" y="27432"/>
+                </a:cubicBezTo>
+                <a:cubicBezTo>
+                  <a:pt x="2977569" y="19051"/>
+                  <a:pt x="2620228" y="38017"/>
+                  <a:pt x="2424908" y="27432"/>
+                </a:cubicBezTo>
+                <a:cubicBezTo>
+                  <a:pt x="2229588" y="16847"/>
+                  <a:pt x="2088287" y="5290"/>
+                  <a:pt x="1861117" y="27432"/>
+                </a:cubicBezTo>
+                <a:cubicBezTo>
+                  <a:pt x="1633947" y="49574"/>
+                  <a:pt x="1502447" y="8273"/>
+                  <a:pt x="1382198" y="27432"/>
+                </a:cubicBezTo>
+                <a:cubicBezTo>
+                  <a:pt x="1261949" y="46591"/>
+                  <a:pt x="1045440" y="37497"/>
+                  <a:pt x="733535" y="27432"/>
+                </a:cubicBezTo>
+                <a:cubicBezTo>
+                  <a:pt x="421630" y="17367"/>
+                  <a:pt x="341257" y="-9215"/>
+                  <a:pt x="0" y="27432"/>
+                </a:cubicBezTo>
+                <a:cubicBezTo>
+                  <a:pt x="-1048" y="14992"/>
+                  <a:pt x="-1120" y="7447"/>
+                  <a:pt x="0" y="0"/>
+                </a:cubicBezTo>
+                <a:close/>
+              </a:path>
+              <a:path w="4243589" h="27432" stroke="0" extrusionOk="0">
+                <a:moveTo>
+                  <a:pt x="0" y="0"/>
+                </a:moveTo>
+                <a:cubicBezTo>
+                  <a:pt x="128164" y="17204"/>
+                  <a:pt x="312653" y="1129"/>
+                  <a:pt x="563791" y="0"/>
+                </a:cubicBezTo>
+                <a:cubicBezTo>
+                  <a:pt x="814929" y="-1129"/>
+                  <a:pt x="837271" y="8503"/>
+                  <a:pt x="1042710" y="0"/>
+                </a:cubicBezTo>
+                <a:cubicBezTo>
+                  <a:pt x="1248149" y="-8503"/>
+                  <a:pt x="1588432" y="-28862"/>
+                  <a:pt x="1733809" y="0"/>
+                </a:cubicBezTo>
+                <a:cubicBezTo>
+                  <a:pt x="1879186" y="28862"/>
+                  <a:pt x="2052815" y="5974"/>
+                  <a:pt x="2297600" y="0"/>
+                </a:cubicBezTo>
+                <a:cubicBezTo>
+                  <a:pt x="2542385" y="-5974"/>
+                  <a:pt x="2699960" y="-23550"/>
+                  <a:pt x="2861391" y="0"/>
+                </a:cubicBezTo>
+                <a:cubicBezTo>
+                  <a:pt x="3022822" y="23550"/>
+                  <a:pt x="3390411" y="25272"/>
+                  <a:pt x="3552490" y="0"/>
+                </a:cubicBezTo>
+                <a:cubicBezTo>
+                  <a:pt x="3714569" y="-25272"/>
+                  <a:pt x="3950585" y="-31327"/>
+                  <a:pt x="4243589" y="0"/>
+                </a:cubicBezTo>
+                <a:cubicBezTo>
+                  <a:pt x="4244074" y="9333"/>
+                  <a:pt x="4244867" y="19699"/>
+                  <a:pt x="4243589" y="27432"/>
+                </a:cubicBezTo>
+                <a:cubicBezTo>
+                  <a:pt x="4130424" y="7904"/>
+                  <a:pt x="3932803" y="51393"/>
+                  <a:pt x="3722234" y="27432"/>
+                </a:cubicBezTo>
+                <a:cubicBezTo>
+                  <a:pt x="3511665" y="3471"/>
+                  <a:pt x="3269903" y="55138"/>
+                  <a:pt x="3116007" y="27432"/>
+                </a:cubicBezTo>
+                <a:cubicBezTo>
+                  <a:pt x="2962111" y="-274"/>
+                  <a:pt x="2744280" y="32368"/>
+                  <a:pt x="2509780" y="27432"/>
+                </a:cubicBezTo>
+                <a:cubicBezTo>
+                  <a:pt x="2275280" y="22496"/>
+                  <a:pt x="2066059" y="52808"/>
+                  <a:pt x="1945989" y="27432"/>
+                </a:cubicBezTo>
+                <a:cubicBezTo>
+                  <a:pt x="1825919" y="2056"/>
+                  <a:pt x="1407329" y="21760"/>
+                  <a:pt x="1254890" y="27432"/>
+                </a:cubicBezTo>
+                <a:cubicBezTo>
+                  <a:pt x="1102451" y="33104"/>
+                  <a:pt x="837950" y="40817"/>
+                  <a:pt x="563791" y="27432"/>
+                </a:cubicBezTo>
+                <a:cubicBezTo>
+                  <a:pt x="289632" y="14047"/>
+                  <a:pt x="132768" y="16249"/>
+                  <a:pt x="0" y="27432"/>
+                </a:cubicBezTo>
+                <a:cubicBezTo>
+                  <a:pt x="211" y="18145"/>
+                  <a:pt x="120" y="6480"/>
+                  <a:pt x="0" y="0"/>
+                </a:cubicBezTo>
+                <a:close/>
+              </a:path>
+            </a:pathLst>
+          </a:custGeom>
+          <a:solidFill>
+            <a:schemeClr val="tx1"/>
+          </a:solidFill>
+          <a:ln w="38100" cap="rnd">
+            <a:solidFill>
+              <a:schemeClr val="tx1"/>
+            </a:solidFill>
+            <a:round/>
+            <a:extLst>
+              <a:ext uri="{C807C97D-BFC1-408E-A445-0C87EB9F89A2}">
+                <ask:lineSketchStyleProps xmlns:ask="http://schemas.microsoft.com/office/drawing/2018/sketchyshapes" sd="1219033472">
+                  <a:prstGeom prst="rect">
+                    <a:avLst/>
+                  </a:prstGeom>
+                  <ask:type>
+                    <ask:lineSketchFreehand/>
+                  </ask:type>
+                </ask:lineSketchStyleProps>
+              </a:ext>
+            </a:extLst>
+          </a:ln>
+        </p:spPr>
+        <p:style>
+          <a:lnRef idx="2">
+            <a:schemeClr val="accent1">
+              <a:shade val="50000"/>
+            </a:schemeClr>
+          </a:lnRef>
+          <a:fillRef idx="1">
+            <a:schemeClr val="accent1"/>
+          </a:fillRef>
+          <a:effectRef idx="0">
+            <a:schemeClr val="accent1"/>
+          </a:effectRef>
+          <a:fontRef idx="minor">
+            <a:schemeClr val="lt1"/>
+          </a:fontRef>
+        </p:style>
+        <p:txBody>
+          <a:bodyPr rtlCol="0" anchor="ctr"/>
+          <a:lstStyle/>
+          <a:p>
+            <a:pPr algn="ctr"/>
+            <a:endParaRPr lang="en-US">
+              <a:solidFill>
+                <a:schemeClr val="tx1"/>
+              </a:solidFill>
+            </a:endParaRPr>
+          </a:p>
+        </p:txBody>
+      </p:sp>
+      <p:sp useBgFill="1">
+        <p:nvSpPr>
+          <p:cNvPr id="11" name="Rectangle 10">
+            <a:extLst>
+              <a:ext uri="{FF2B5EF4-FFF2-40B4-BE49-F238E27FC236}">
+                <a16:creationId xmlns:a16="http://schemas.microsoft.com/office/drawing/2014/main" id="{0671A8AE-40A1-4631-A6B8-581AFF065482}"/>
+              </a:ext>
+              <a:ext uri="{C183D7F6-B498-43B3-948B-1728B52AA6E4}">
+                <adec:decorative xmlns:adec="http://schemas.microsoft.com/office/drawing/2017/decorative" val="1"/>
+              </a:ext>
+            </a:extLst>
+          </p:cNvPr>
+          <p:cNvSpPr>
+            <a:spLocks noGrp="1" noRot="1" noChangeAspect="1" noMove="1" noResize="1" noEditPoints="1" noAdjustHandles="1" noChangeArrowheads="1" noChangeShapeType="1" noTextEdit="1"/>
+          </p:cNvSpPr>
+          <p:nvPr>
+            <p:extLst>
+              <p:ext uri="{386F3935-93C4-4BCD-93E2-E3B085C9AB24}">
+                <p16:designElem xmlns:p16="http://schemas.microsoft.com/office/powerpoint/2015/main" val="1"/>
+              </p:ext>
+            </p:extLst>
+          </p:nvPr>
+        </p:nvSpPr>
+        <p:spPr>
+          <a:xfrm>
+            <a:off x="0" y="0"/>
+            <a:ext cx="12192000" cy="6858000"/>
+          </a:xfrm>
+          <a:prstGeom prst="rect">
+            <a:avLst/>
+          </a:prstGeom>
+          <a:ln>
+            <a:noFill/>
+          </a:ln>
+        </p:spPr>
+        <p:style>
+          <a:lnRef idx="2">
+            <a:schemeClr val="accent1">
+              <a:shade val="50000"/>
+            </a:schemeClr>
+          </a:lnRef>
+          <a:fillRef idx="1">
+            <a:schemeClr val="accent1"/>
+          </a:fillRef>
+          <a:effectRef idx="0">
+            <a:schemeClr val="accent1"/>
+          </a:effectRef>
+          <a:fontRef idx="minor">
+            <a:schemeClr val="lt1"/>
+          </a:fontRef>
+        </p:style>
+        <p:txBody>
+          <a:bodyPr rtlCol="0" anchor="ctr"/>
+          <a:lstStyle/>
+          <a:p>
+            <a:pPr algn="ctr"/>
+            <a:endParaRPr lang="en-US"/>
+          </a:p>
+        </p:txBody>
+      </p:sp>
+      <p:pic>
+        <p:nvPicPr>
+          <p:cNvPr id="5" name="Picture 4" descr="Pipette ajoutant un échantillon d'ADN dans une boîte de pétri">
+            <a:extLst>
+              <a:ext uri="{FF2B5EF4-FFF2-40B4-BE49-F238E27FC236}">
+                <a16:creationId xmlns:a16="http://schemas.microsoft.com/office/drawing/2014/main" id="{E450DBCF-0509-471B-5FC2-D864E15B9BA4}"/>
+              </a:ext>
+            </a:extLst>
+          </p:cNvPr>
+          <p:cNvPicPr>
+            <a:picLocks noChangeAspect="1"/>
+          </p:cNvPicPr>
+          <p:nvPr/>
+        </p:nvPicPr>
+        <p:blipFill rotWithShape="1">
+          <a:blip r:embed="rId2"/>
+          <a:srcRect t="25000"/>
+          <a:stretch/>
+        </p:blipFill>
+        <p:spPr>
+          <a:xfrm>
+            <a:off x="20" y="10"/>
+            <a:ext cx="12191980" cy="6857990"/>
+          </a:xfrm>
+          <a:prstGeom prst="rect">
+            <a:avLst/>
+          </a:prstGeom>
+        </p:spPr>
+      </p:pic>
+      <p:sp>
+        <p:nvSpPr>
+          <p:cNvPr id="13" name="Rectangle 12">
+            <a:extLst>
+              <a:ext uri="{FF2B5EF4-FFF2-40B4-BE49-F238E27FC236}">
+                <a16:creationId xmlns:a16="http://schemas.microsoft.com/office/drawing/2014/main" id="{A44CD100-6267-4E62-AA64-2182A3A6A1C0}"/>
+              </a:ext>
+              <a:ext uri="{C183D7F6-B498-43B3-948B-1728B52AA6E4}">
+                <adec:decorative xmlns:adec="http://schemas.microsoft.com/office/drawing/2017/decorative" val="1"/>
+              </a:ext>
+            </a:extLst>
+          </p:cNvPr>
+          <p:cNvSpPr>
+            <a:spLocks noGrp="1" noRot="1" noChangeAspect="1" noMove="1" noResize="1" noEditPoints="1" noAdjustHandles="1" noChangeArrowheads="1" noChangeShapeType="1" noTextEdit="1"/>
+          </p:cNvSpPr>
+          <p:nvPr>
+            <p:extLst>
+              <p:ext uri="{386F3935-93C4-4BCD-93E2-E3B085C9AB24}">
+                <p16:designElem xmlns:p16="http://schemas.microsoft.com/office/powerpoint/2015/main" val="1"/>
+              </p:ext>
+            </p:extLst>
+          </p:nvPr>
+        </p:nvSpPr>
+        <p:spPr>
+          <a:xfrm>
+            <a:off x="3" y="0"/>
+            <a:ext cx="9339206" cy="6858000"/>
+          </a:xfrm>
+          <a:prstGeom prst="rect">
+            <a:avLst/>
+          </a:prstGeom>
+          <a:gradFill>
+            <a:gsLst>
+              <a:gs pos="58000">
+                <a:schemeClr val="tx1">
+                  <a:alpha val="30000"/>
+                </a:schemeClr>
+              </a:gs>
+              <a:gs pos="33000">
+                <a:schemeClr val="tx1">
+                  <a:alpha val="20000"/>
+                </a:schemeClr>
+              </a:gs>
+              <a:gs pos="0">
+                <a:schemeClr val="tx1">
+                  <a:alpha val="0"/>
+                </a:schemeClr>
+              </a:gs>
+              <a:gs pos="100000">
+                <a:schemeClr val="tx1">
+                  <a:alpha val="30000"/>
+                </a:schemeClr>
+              </a:gs>
+            </a:gsLst>
+            <a:lin ang="10800000" scaled="0"/>
+          </a:gradFill>
+          <a:ln>
+            <a:noFill/>
+          </a:ln>
+        </p:spPr>
+        <p:style>
+          <a:lnRef idx="2">
+            <a:schemeClr val="accent1">
+              <a:shade val="50000"/>
+            </a:schemeClr>
+          </a:lnRef>
+          <a:fillRef idx="1">
+            <a:schemeClr val="accent1"/>
+          </a:fillRef>
+          <a:effectRef idx="0">
+            <a:schemeClr val="accent1"/>
+          </a:effectRef>
+          <a:fontRef idx="minor">
+            <a:schemeClr val="lt1"/>
+          </a:fontRef>
+        </p:style>
+        <p:txBody>
+          <a:bodyPr rtlCol="0" anchor="ctr"/>
+          <a:lstStyle/>
+          <a:p>
+            <a:pPr algn="ctr"/>
+            <a:endParaRPr lang="en-US" dirty="0"/>
+          </a:p>
+        </p:txBody>
+      </p:sp>
+      <p:sp>
+        <p:nvSpPr>
+          <p:cNvPr id="2" name="Title 1">
+            <a:extLst>
+              <a:ext uri="{FF2B5EF4-FFF2-40B4-BE49-F238E27FC236}">
+                <a16:creationId xmlns:a16="http://schemas.microsoft.com/office/drawing/2014/main" id="{DBD466F7-A4F2-EA78-CAFA-98BC1B777E40}"/>
+              </a:ext>
+            </a:extLst>
+          </p:cNvPr>
+          <p:cNvSpPr>
+            <a:spLocks noGrp="1"/>
+          </p:cNvSpPr>
+          <p:nvPr>
+            <p:ph type="title"/>
+          </p:nvPr>
+        </p:nvSpPr>
+        <p:spPr>
+          <a:xfrm>
+            <a:off x="477981" y="1122362"/>
+            <a:ext cx="4023360" cy="2802219"/>
+          </a:xfrm>
+        </p:spPr>
+        <p:txBody>
+          <a:bodyPr vert="horz" lIns="91440" tIns="45720" rIns="91440" bIns="45720" rtlCol="0" anchor="b">
+            <a:normAutofit/>
+          </a:bodyPr>
+          <a:lstStyle/>
+          <a:p>
+            <a:r>
+              <a:rPr lang="en-US">
+                <a:solidFill>
+                  <a:schemeClr val="bg1"/>
+                </a:solidFill>
+              </a:rPr>
+              <a:t>Vérification</a:t>
+            </a:r>
+          </a:p>
+        </p:txBody>
+      </p:sp>
+    </p:spTree>
+    <p:extLst>
+      <p:ext uri="{BB962C8B-B14F-4D97-AF65-F5344CB8AC3E}">
+        <p14:creationId xmlns:p14="http://schemas.microsoft.com/office/powerpoint/2010/main" val="4185439374"/>
+      </p:ext>
+    </p:extLst>
+  </p:cSld>
+  <p:clrMapOvr>
+    <a:masterClrMapping/>
+  </p:clrMapOvr>
+</p:sld>
+</file>
+
+<file path=ppt/slides/slide17.xml><?xml version="1.0" encoding="utf-8"?>
+<p:sld xmlns:a="http://schemas.openxmlformats.org/drawingml/2006/main" xmlns:r="http://schemas.openxmlformats.org/officeDocument/2006/relationships" xmlns:p="http://schemas.openxmlformats.org/presentationml/2006/main">
+  <p:cSld>
     <p:bg>
       <p:bgPr>
         <a:solidFill>
@@ -8435,7 +10025,7 @@
 </p:sld>
 </file>
 
-<file path=ppt/slides/slide11.xml><?xml version="1.0" encoding="utf-8"?>
+<file path=ppt/slides/slide18.xml><?xml version="1.0" encoding="utf-8"?>
 <p:sld xmlns:a="http://schemas.openxmlformats.org/drawingml/2006/main" xmlns:r="http://schemas.openxmlformats.org/officeDocument/2006/relationships" xmlns:p="http://schemas.openxmlformats.org/presentationml/2006/main">
   <p:cSld>
     <p:bg>
@@ -8959,11 +10549,19 @@
             </a:r>
             <a:r>
               <a:rPr lang="en-US" sz="2000" dirty="0" err="1"/>
-              <a:t>retourne</a:t>
+              <a:t>retournent</a:t>
             </a:r>
             <a:r>
               <a:rPr lang="en-US" sz="2000" dirty="0"/>
-              <a:t> Presque les </a:t>
+              <a:t> </a:t>
+            </a:r>
+            <a:r>
+              <a:rPr lang="en-US" sz="2000" dirty="0" err="1"/>
+              <a:t>presque</a:t>
+            </a:r>
+            <a:r>
+              <a:rPr lang="en-US" sz="2000" dirty="0"/>
+              <a:t> les </a:t>
             </a:r>
             <a:r>
               <a:rPr lang="en-US" sz="2000" dirty="0" err="1"/>
@@ -16582,8 +18180,8 @@
           </a:p>
         </p:txBody>
       </p:sp>
-      <mc:AlternateContent xmlns:mc="http://schemas.openxmlformats.org/markup-compatibility/2006" xmlns:a14="http://schemas.microsoft.com/office/drawing/2010/main">
-        <mc:Choice Requires="a14">
+      <mc:AlternateContent xmlns:mc="http://schemas.openxmlformats.org/markup-compatibility/2006">
+        <mc:Choice xmlns:a14="http://schemas.microsoft.com/office/drawing/2010/main" Requires="a14">
           <p:sp>
             <p:nvSpPr>
               <p:cNvPr id="3" name="Content Placeholder 2">
@@ -16608,7 +18206,7 @@
             </p:spPr>
             <p:txBody>
               <a:bodyPr vert="horz" lIns="91440" tIns="45720" rIns="91440" bIns="45720" rtlCol="0">
-                <a:normAutofit fontScale="92500"/>
+                <a:normAutofit/>
               </a:bodyPr>
               <a:lstStyle/>
               <a:p>
@@ -16617,7 +18215,7 @@
                   <a:t>Euler </a:t>
                 </a:r>
                 <a:r>
-                  <a:rPr lang="en-US"/>
+                  <a:rPr lang="en-US" dirty="0" err="1"/>
                   <a:t>implicite</a:t>
                 </a:r>
                 <a:r>
@@ -17087,16 +18685,16 @@
                     </m:d>
                   </m:oMath>
                 </a14:m>
-                <a:endParaRPr lang="en-US"/>
+                <a:endParaRPr lang="en-US" dirty="0"/>
               </a:p>
               <a:p>
                 <a:pPr marL="0"/>
-                <a:endParaRPr lang="en-US"/>
+                <a:endParaRPr lang="en-US" dirty="0"/>
               </a:p>
             </p:txBody>
           </p:sp>
         </mc:Choice>
-        <mc:Fallback xmlns="">
+        <mc:Fallback>
           <p:sp>
             <p:nvSpPr>
               <p:cNvPr id="3" name="Content Placeholder 2">
@@ -17121,7 +18719,7 @@
               <a:blipFill>
                 <a:blip r:embed="rId2"/>
                 <a:stretch>
-                  <a:fillRect l="-1949" t="-1748"/>
+                  <a:fillRect l="-2242" t="-1748"/>
                 </a:stretch>
               </a:blipFill>
             </p:spPr>
@@ -17960,14 +19558,6 @@
 <file path=ppt/slides/slide9.xml><?xml version="1.0" encoding="utf-8"?>
 <p:sld xmlns:a="http://schemas.openxmlformats.org/drawingml/2006/main" xmlns:r="http://schemas.openxmlformats.org/officeDocument/2006/relationships" xmlns:p="http://schemas.openxmlformats.org/presentationml/2006/main">
   <p:cSld>
-    <p:bg>
-      <p:bgPr>
-        <a:solidFill>
-          <a:schemeClr val="bg1"/>
-        </a:solidFill>
-        <a:effectLst/>
-      </p:bgPr>
-    </p:bg>
     <p:spTree>
       <p:nvGrpSpPr>
         <p:cNvPr id="1" name=""/>
@@ -17984,531 +19574,10 @@
       </p:grpSpPr>
       <p:sp>
         <p:nvSpPr>
-          <p:cNvPr id="9" name="Rectangle 6">
+          <p:cNvPr id="2" name="Titre 1">
             <a:extLst>
               <a:ext uri="{FF2B5EF4-FFF2-40B4-BE49-F238E27FC236}">
-                <a16:creationId xmlns:a16="http://schemas.microsoft.com/office/drawing/2014/main" id="{DA381740-063A-41A4-836D-85D14980EEF0}"/>
-              </a:ext>
-              <a:ext uri="{C183D7F6-B498-43B3-948B-1728B52AA6E4}">
-                <adec:decorative xmlns:adec="http://schemas.microsoft.com/office/drawing/2017/decorative" val="1"/>
-              </a:ext>
-            </a:extLst>
-          </p:cNvPr>
-          <p:cNvSpPr>
-            <a:spLocks noGrp="1" noRot="1" noChangeAspect="1" noMove="1" noResize="1" noEditPoints="1" noAdjustHandles="1" noChangeArrowheads="1" noChangeShapeType="1" noTextEdit="1"/>
-          </p:cNvSpPr>
-          <p:nvPr>
-            <p:extLst>
-              <p:ext uri="{386F3935-93C4-4BCD-93E2-E3B085C9AB24}">
-                <p16:designElem xmlns:p16="http://schemas.microsoft.com/office/powerpoint/2015/main" val="1"/>
-              </p:ext>
-            </p:extLst>
-          </p:nvPr>
-        </p:nvSpPr>
-        <p:spPr>
-          <a:xfrm>
-            <a:off x="838200" y="4736883"/>
-            <a:ext cx="4243589" cy="27432"/>
-          </a:xfrm>
-          <a:custGeom>
-            <a:avLst/>
-            <a:gdLst>
-              <a:gd name="connsiteX0" fmla="*/ 0 w 4243589"/>
-              <a:gd name="connsiteY0" fmla="*/ 0 h 27432"/>
-              <a:gd name="connsiteX1" fmla="*/ 563791 w 4243589"/>
-              <a:gd name="connsiteY1" fmla="*/ 0 h 27432"/>
-              <a:gd name="connsiteX2" fmla="*/ 1042710 w 4243589"/>
-              <a:gd name="connsiteY2" fmla="*/ 0 h 27432"/>
-              <a:gd name="connsiteX3" fmla="*/ 1564066 w 4243589"/>
-              <a:gd name="connsiteY3" fmla="*/ 0 h 27432"/>
-              <a:gd name="connsiteX4" fmla="*/ 2212729 w 4243589"/>
-              <a:gd name="connsiteY4" fmla="*/ 0 h 27432"/>
-              <a:gd name="connsiteX5" fmla="*/ 2776520 w 4243589"/>
-              <a:gd name="connsiteY5" fmla="*/ 0 h 27432"/>
-              <a:gd name="connsiteX6" fmla="*/ 3297875 w 4243589"/>
-              <a:gd name="connsiteY6" fmla="*/ 0 h 27432"/>
-              <a:gd name="connsiteX7" fmla="*/ 4243589 w 4243589"/>
-              <a:gd name="connsiteY7" fmla="*/ 0 h 27432"/>
-              <a:gd name="connsiteX8" fmla="*/ 4243589 w 4243589"/>
-              <a:gd name="connsiteY8" fmla="*/ 27432 h 27432"/>
-              <a:gd name="connsiteX9" fmla="*/ 3637362 w 4243589"/>
-              <a:gd name="connsiteY9" fmla="*/ 27432 h 27432"/>
-              <a:gd name="connsiteX10" fmla="*/ 3116007 w 4243589"/>
-              <a:gd name="connsiteY10" fmla="*/ 27432 h 27432"/>
-              <a:gd name="connsiteX11" fmla="*/ 2424908 w 4243589"/>
-              <a:gd name="connsiteY11" fmla="*/ 27432 h 27432"/>
-              <a:gd name="connsiteX12" fmla="*/ 1861117 w 4243589"/>
-              <a:gd name="connsiteY12" fmla="*/ 27432 h 27432"/>
-              <a:gd name="connsiteX13" fmla="*/ 1382198 w 4243589"/>
-              <a:gd name="connsiteY13" fmla="*/ 27432 h 27432"/>
-              <a:gd name="connsiteX14" fmla="*/ 733535 w 4243589"/>
-              <a:gd name="connsiteY14" fmla="*/ 27432 h 27432"/>
-              <a:gd name="connsiteX15" fmla="*/ 0 w 4243589"/>
-              <a:gd name="connsiteY15" fmla="*/ 27432 h 27432"/>
-              <a:gd name="connsiteX16" fmla="*/ 0 w 4243589"/>
-              <a:gd name="connsiteY16" fmla="*/ 0 h 27432"/>
-            </a:gdLst>
-            <a:ahLst/>
-            <a:cxnLst>
-              <a:cxn ang="0">
-                <a:pos x="connsiteX0" y="connsiteY0"/>
-              </a:cxn>
-              <a:cxn ang="0">
-                <a:pos x="connsiteX1" y="connsiteY1"/>
-              </a:cxn>
-              <a:cxn ang="0">
-                <a:pos x="connsiteX2" y="connsiteY2"/>
-              </a:cxn>
-              <a:cxn ang="0">
-                <a:pos x="connsiteX3" y="connsiteY3"/>
-              </a:cxn>
-              <a:cxn ang="0">
-                <a:pos x="connsiteX4" y="connsiteY4"/>
-              </a:cxn>
-              <a:cxn ang="0">
-                <a:pos x="connsiteX5" y="connsiteY5"/>
-              </a:cxn>
-              <a:cxn ang="0">
-                <a:pos x="connsiteX6" y="connsiteY6"/>
-              </a:cxn>
-              <a:cxn ang="0">
-                <a:pos x="connsiteX7" y="connsiteY7"/>
-              </a:cxn>
-              <a:cxn ang="0">
-                <a:pos x="connsiteX8" y="connsiteY8"/>
-              </a:cxn>
-              <a:cxn ang="0">
-                <a:pos x="connsiteX9" y="connsiteY9"/>
-              </a:cxn>
-              <a:cxn ang="0">
-                <a:pos x="connsiteX10" y="connsiteY10"/>
-              </a:cxn>
-              <a:cxn ang="0">
-                <a:pos x="connsiteX11" y="connsiteY11"/>
-              </a:cxn>
-              <a:cxn ang="0">
-                <a:pos x="connsiteX12" y="connsiteY12"/>
-              </a:cxn>
-              <a:cxn ang="0">
-                <a:pos x="connsiteX13" y="connsiteY13"/>
-              </a:cxn>
-              <a:cxn ang="0">
-                <a:pos x="connsiteX14" y="connsiteY14"/>
-              </a:cxn>
-              <a:cxn ang="0">
-                <a:pos x="connsiteX15" y="connsiteY15"/>
-              </a:cxn>
-              <a:cxn ang="0">
-                <a:pos x="connsiteX16" y="connsiteY16"/>
-              </a:cxn>
-            </a:cxnLst>
-            <a:rect l="l" t="t" r="r" b="b"/>
-            <a:pathLst>
-              <a:path w="4243589" h="27432" fill="none" extrusionOk="0">
-                <a:moveTo>
-                  <a:pt x="0" y="0"/>
-                </a:moveTo>
-                <a:cubicBezTo>
-                  <a:pt x="157351" y="-15653"/>
-                  <a:pt x="378877" y="-5828"/>
-                  <a:pt x="563791" y="0"/>
-                </a:cubicBezTo>
-                <a:cubicBezTo>
-                  <a:pt x="748705" y="5828"/>
-                  <a:pt x="905659" y="-5525"/>
-                  <a:pt x="1042710" y="0"/>
-                </a:cubicBezTo>
-                <a:cubicBezTo>
-                  <a:pt x="1179761" y="5525"/>
-                  <a:pt x="1356845" y="-21288"/>
-                  <a:pt x="1564066" y="0"/>
-                </a:cubicBezTo>
-                <a:cubicBezTo>
-                  <a:pt x="1771287" y="21288"/>
-                  <a:pt x="1912099" y="25135"/>
-                  <a:pt x="2212729" y="0"/>
-                </a:cubicBezTo>
-                <a:cubicBezTo>
-                  <a:pt x="2513359" y="-25135"/>
-                  <a:pt x="2514918" y="-27119"/>
-                  <a:pt x="2776520" y="0"/>
-                </a:cubicBezTo>
-                <a:cubicBezTo>
-                  <a:pt x="3038122" y="27119"/>
-                  <a:pt x="3178771" y="18116"/>
-                  <a:pt x="3297875" y="0"/>
-                </a:cubicBezTo>
-                <a:cubicBezTo>
-                  <a:pt x="3416980" y="-18116"/>
-                  <a:pt x="4012240" y="-40869"/>
-                  <a:pt x="4243589" y="0"/>
-                </a:cubicBezTo>
-                <a:cubicBezTo>
-                  <a:pt x="4242616" y="8304"/>
-                  <a:pt x="4243111" y="21512"/>
-                  <a:pt x="4243589" y="27432"/>
-                </a:cubicBezTo>
-                <a:cubicBezTo>
-                  <a:pt x="4112949" y="6289"/>
-                  <a:pt x="3928037" y="10975"/>
-                  <a:pt x="3637362" y="27432"/>
-                </a:cubicBezTo>
-                <a:cubicBezTo>
-                  <a:pt x="3346687" y="43889"/>
-                  <a:pt x="3254446" y="35813"/>
-                  <a:pt x="3116007" y="27432"/>
-                </a:cubicBezTo>
-                <a:cubicBezTo>
-                  <a:pt x="2977569" y="19051"/>
-                  <a:pt x="2620228" y="38017"/>
-                  <a:pt x="2424908" y="27432"/>
-                </a:cubicBezTo>
-                <a:cubicBezTo>
-                  <a:pt x="2229588" y="16847"/>
-                  <a:pt x="2088287" y="5290"/>
-                  <a:pt x="1861117" y="27432"/>
-                </a:cubicBezTo>
-                <a:cubicBezTo>
-                  <a:pt x="1633947" y="49574"/>
-                  <a:pt x="1502447" y="8273"/>
-                  <a:pt x="1382198" y="27432"/>
-                </a:cubicBezTo>
-                <a:cubicBezTo>
-                  <a:pt x="1261949" y="46591"/>
-                  <a:pt x="1045440" y="37497"/>
-                  <a:pt x="733535" y="27432"/>
-                </a:cubicBezTo>
-                <a:cubicBezTo>
-                  <a:pt x="421630" y="17367"/>
-                  <a:pt x="341257" y="-9215"/>
-                  <a:pt x="0" y="27432"/>
-                </a:cubicBezTo>
-                <a:cubicBezTo>
-                  <a:pt x="-1048" y="14992"/>
-                  <a:pt x="-1120" y="7447"/>
-                  <a:pt x="0" y="0"/>
-                </a:cubicBezTo>
-                <a:close/>
-              </a:path>
-              <a:path w="4243589" h="27432" stroke="0" extrusionOk="0">
-                <a:moveTo>
-                  <a:pt x="0" y="0"/>
-                </a:moveTo>
-                <a:cubicBezTo>
-                  <a:pt x="128164" y="17204"/>
-                  <a:pt x="312653" y="1129"/>
-                  <a:pt x="563791" y="0"/>
-                </a:cubicBezTo>
-                <a:cubicBezTo>
-                  <a:pt x="814929" y="-1129"/>
-                  <a:pt x="837271" y="8503"/>
-                  <a:pt x="1042710" y="0"/>
-                </a:cubicBezTo>
-                <a:cubicBezTo>
-                  <a:pt x="1248149" y="-8503"/>
-                  <a:pt x="1588432" y="-28862"/>
-                  <a:pt x="1733809" y="0"/>
-                </a:cubicBezTo>
-                <a:cubicBezTo>
-                  <a:pt x="1879186" y="28862"/>
-                  <a:pt x="2052815" y="5974"/>
-                  <a:pt x="2297600" y="0"/>
-                </a:cubicBezTo>
-                <a:cubicBezTo>
-                  <a:pt x="2542385" y="-5974"/>
-                  <a:pt x="2699960" y="-23550"/>
-                  <a:pt x="2861391" y="0"/>
-                </a:cubicBezTo>
-                <a:cubicBezTo>
-                  <a:pt x="3022822" y="23550"/>
-                  <a:pt x="3390411" y="25272"/>
-                  <a:pt x="3552490" y="0"/>
-                </a:cubicBezTo>
-                <a:cubicBezTo>
-                  <a:pt x="3714569" y="-25272"/>
-                  <a:pt x="3950585" y="-31327"/>
-                  <a:pt x="4243589" y="0"/>
-                </a:cubicBezTo>
-                <a:cubicBezTo>
-                  <a:pt x="4244074" y="9333"/>
-                  <a:pt x="4244867" y="19699"/>
-                  <a:pt x="4243589" y="27432"/>
-                </a:cubicBezTo>
-                <a:cubicBezTo>
-                  <a:pt x="4130424" y="7904"/>
-                  <a:pt x="3932803" y="51393"/>
-                  <a:pt x="3722234" y="27432"/>
-                </a:cubicBezTo>
-                <a:cubicBezTo>
-                  <a:pt x="3511665" y="3471"/>
-                  <a:pt x="3269903" y="55138"/>
-                  <a:pt x="3116007" y="27432"/>
-                </a:cubicBezTo>
-                <a:cubicBezTo>
-                  <a:pt x="2962111" y="-274"/>
-                  <a:pt x="2744280" y="32368"/>
-                  <a:pt x="2509780" y="27432"/>
-                </a:cubicBezTo>
-                <a:cubicBezTo>
-                  <a:pt x="2275280" y="22496"/>
-                  <a:pt x="2066059" y="52808"/>
-                  <a:pt x="1945989" y="27432"/>
-                </a:cubicBezTo>
-                <a:cubicBezTo>
-                  <a:pt x="1825919" y="2056"/>
-                  <a:pt x="1407329" y="21760"/>
-                  <a:pt x="1254890" y="27432"/>
-                </a:cubicBezTo>
-                <a:cubicBezTo>
-                  <a:pt x="1102451" y="33104"/>
-                  <a:pt x="837950" y="40817"/>
-                  <a:pt x="563791" y="27432"/>
-                </a:cubicBezTo>
-                <a:cubicBezTo>
-                  <a:pt x="289632" y="14047"/>
-                  <a:pt x="132768" y="16249"/>
-                  <a:pt x="0" y="27432"/>
-                </a:cubicBezTo>
-                <a:cubicBezTo>
-                  <a:pt x="211" y="18145"/>
-                  <a:pt x="120" y="6480"/>
-                  <a:pt x="0" y="0"/>
-                </a:cubicBezTo>
-                <a:close/>
-              </a:path>
-            </a:pathLst>
-          </a:custGeom>
-          <a:solidFill>
-            <a:schemeClr val="tx1"/>
-          </a:solidFill>
-          <a:ln w="38100" cap="rnd">
-            <a:solidFill>
-              <a:schemeClr val="tx1"/>
-            </a:solidFill>
-            <a:round/>
-            <a:extLst>
-              <a:ext uri="{C807C97D-BFC1-408E-A445-0C87EB9F89A2}">
-                <ask:lineSketchStyleProps xmlns:ask="http://schemas.microsoft.com/office/drawing/2018/sketchyshapes" sd="1219033472">
-                  <a:prstGeom prst="rect">
-                    <a:avLst/>
-                  </a:prstGeom>
-                  <ask:type>
-                    <ask:lineSketchFreehand/>
-                  </ask:type>
-                </ask:lineSketchStyleProps>
-              </a:ext>
-            </a:extLst>
-          </a:ln>
-        </p:spPr>
-        <p:style>
-          <a:lnRef idx="2">
-            <a:schemeClr val="accent1">
-              <a:shade val="50000"/>
-            </a:schemeClr>
-          </a:lnRef>
-          <a:fillRef idx="1">
-            <a:schemeClr val="accent1"/>
-          </a:fillRef>
-          <a:effectRef idx="0">
-            <a:schemeClr val="accent1"/>
-          </a:effectRef>
-          <a:fontRef idx="minor">
-            <a:schemeClr val="lt1"/>
-          </a:fontRef>
-        </p:style>
-        <p:txBody>
-          <a:bodyPr rtlCol="0" anchor="ctr"/>
-          <a:lstStyle/>
-          <a:p>
-            <a:pPr algn="ctr"/>
-            <a:endParaRPr lang="en-US">
-              <a:solidFill>
-                <a:schemeClr val="tx1"/>
-              </a:solidFill>
-            </a:endParaRPr>
-          </a:p>
-        </p:txBody>
-      </p:sp>
-      <p:sp useBgFill="1">
-        <p:nvSpPr>
-          <p:cNvPr id="11" name="Rectangle 10">
-            <a:extLst>
-              <a:ext uri="{FF2B5EF4-FFF2-40B4-BE49-F238E27FC236}">
-                <a16:creationId xmlns:a16="http://schemas.microsoft.com/office/drawing/2014/main" id="{0671A8AE-40A1-4631-A6B8-581AFF065482}"/>
-              </a:ext>
-              <a:ext uri="{C183D7F6-B498-43B3-948B-1728B52AA6E4}">
-                <adec:decorative xmlns:adec="http://schemas.microsoft.com/office/drawing/2017/decorative" val="1"/>
-              </a:ext>
-            </a:extLst>
-          </p:cNvPr>
-          <p:cNvSpPr>
-            <a:spLocks noGrp="1" noRot="1" noChangeAspect="1" noMove="1" noResize="1" noEditPoints="1" noAdjustHandles="1" noChangeArrowheads="1" noChangeShapeType="1" noTextEdit="1"/>
-          </p:cNvSpPr>
-          <p:nvPr>
-            <p:extLst>
-              <p:ext uri="{386F3935-93C4-4BCD-93E2-E3B085C9AB24}">
-                <p16:designElem xmlns:p16="http://schemas.microsoft.com/office/powerpoint/2015/main" val="1"/>
-              </p:ext>
-            </p:extLst>
-          </p:nvPr>
-        </p:nvSpPr>
-        <p:spPr>
-          <a:xfrm>
-            <a:off x="0" y="0"/>
-            <a:ext cx="12192000" cy="6858000"/>
-          </a:xfrm>
-          <a:prstGeom prst="rect">
-            <a:avLst/>
-          </a:prstGeom>
-          <a:ln>
-            <a:noFill/>
-          </a:ln>
-        </p:spPr>
-        <p:style>
-          <a:lnRef idx="2">
-            <a:schemeClr val="accent1">
-              <a:shade val="50000"/>
-            </a:schemeClr>
-          </a:lnRef>
-          <a:fillRef idx="1">
-            <a:schemeClr val="accent1"/>
-          </a:fillRef>
-          <a:effectRef idx="0">
-            <a:schemeClr val="accent1"/>
-          </a:effectRef>
-          <a:fontRef idx="minor">
-            <a:schemeClr val="lt1"/>
-          </a:fontRef>
-        </p:style>
-        <p:txBody>
-          <a:bodyPr rtlCol="0" anchor="ctr"/>
-          <a:lstStyle/>
-          <a:p>
-            <a:pPr algn="ctr"/>
-            <a:endParaRPr lang="en-US"/>
-          </a:p>
-        </p:txBody>
-      </p:sp>
-      <p:pic>
-        <p:nvPicPr>
-          <p:cNvPr id="5" name="Picture 4" descr="Pipette ajoutant un échantillon d'ADN dans une boîte de pétri">
-            <a:extLst>
-              <a:ext uri="{FF2B5EF4-FFF2-40B4-BE49-F238E27FC236}">
-                <a16:creationId xmlns:a16="http://schemas.microsoft.com/office/drawing/2014/main" id="{E450DBCF-0509-471B-5FC2-D864E15B9BA4}"/>
-              </a:ext>
-            </a:extLst>
-          </p:cNvPr>
-          <p:cNvPicPr>
-            <a:picLocks noChangeAspect="1"/>
-          </p:cNvPicPr>
-          <p:nvPr/>
-        </p:nvPicPr>
-        <p:blipFill rotWithShape="1">
-          <a:blip r:embed="rId2"/>
-          <a:srcRect t="25000"/>
-          <a:stretch/>
-        </p:blipFill>
-        <p:spPr>
-          <a:xfrm>
-            <a:off x="20" y="10"/>
-            <a:ext cx="12191980" cy="6857990"/>
-          </a:xfrm>
-          <a:prstGeom prst="rect">
-            <a:avLst/>
-          </a:prstGeom>
-        </p:spPr>
-      </p:pic>
-      <p:sp>
-        <p:nvSpPr>
-          <p:cNvPr id="13" name="Rectangle 12">
-            <a:extLst>
-              <a:ext uri="{FF2B5EF4-FFF2-40B4-BE49-F238E27FC236}">
-                <a16:creationId xmlns:a16="http://schemas.microsoft.com/office/drawing/2014/main" id="{A44CD100-6267-4E62-AA64-2182A3A6A1C0}"/>
-              </a:ext>
-              <a:ext uri="{C183D7F6-B498-43B3-948B-1728B52AA6E4}">
-                <adec:decorative xmlns:adec="http://schemas.microsoft.com/office/drawing/2017/decorative" val="1"/>
-              </a:ext>
-            </a:extLst>
-          </p:cNvPr>
-          <p:cNvSpPr>
-            <a:spLocks noGrp="1" noRot="1" noChangeAspect="1" noMove="1" noResize="1" noEditPoints="1" noAdjustHandles="1" noChangeArrowheads="1" noChangeShapeType="1" noTextEdit="1"/>
-          </p:cNvSpPr>
-          <p:nvPr>
-            <p:extLst>
-              <p:ext uri="{386F3935-93C4-4BCD-93E2-E3B085C9AB24}">
-                <p16:designElem xmlns:p16="http://schemas.microsoft.com/office/powerpoint/2015/main" val="1"/>
-              </p:ext>
-            </p:extLst>
-          </p:nvPr>
-        </p:nvSpPr>
-        <p:spPr>
-          <a:xfrm>
-            <a:off x="3" y="0"/>
-            <a:ext cx="9339206" cy="6858000"/>
-          </a:xfrm>
-          <a:prstGeom prst="rect">
-            <a:avLst/>
-          </a:prstGeom>
-          <a:gradFill>
-            <a:gsLst>
-              <a:gs pos="58000">
-                <a:schemeClr val="tx1">
-                  <a:alpha val="30000"/>
-                </a:schemeClr>
-              </a:gs>
-              <a:gs pos="33000">
-                <a:schemeClr val="tx1">
-                  <a:alpha val="20000"/>
-                </a:schemeClr>
-              </a:gs>
-              <a:gs pos="0">
-                <a:schemeClr val="tx1">
-                  <a:alpha val="0"/>
-                </a:schemeClr>
-              </a:gs>
-              <a:gs pos="100000">
-                <a:schemeClr val="tx1">
-                  <a:alpha val="30000"/>
-                </a:schemeClr>
-              </a:gs>
-            </a:gsLst>
-            <a:lin ang="10800000" scaled="0"/>
-          </a:gradFill>
-          <a:ln>
-            <a:noFill/>
-          </a:ln>
-        </p:spPr>
-        <p:style>
-          <a:lnRef idx="2">
-            <a:schemeClr val="accent1">
-              <a:shade val="50000"/>
-            </a:schemeClr>
-          </a:lnRef>
-          <a:fillRef idx="1">
-            <a:schemeClr val="accent1"/>
-          </a:fillRef>
-          <a:effectRef idx="0">
-            <a:schemeClr val="accent1"/>
-          </a:effectRef>
-          <a:fontRef idx="minor">
-            <a:schemeClr val="lt1"/>
-          </a:fontRef>
-        </p:style>
-        <p:txBody>
-          <a:bodyPr rtlCol="0" anchor="ctr"/>
-          <a:lstStyle/>
-          <a:p>
-            <a:pPr algn="ctr"/>
-            <a:endParaRPr lang="en-US" dirty="0"/>
-          </a:p>
-        </p:txBody>
-      </p:sp>
-      <p:sp>
-        <p:nvSpPr>
-          <p:cNvPr id="2" name="Title 1">
-            <a:extLst>
-              <a:ext uri="{FF2B5EF4-FFF2-40B4-BE49-F238E27FC236}">
-                <a16:creationId xmlns:a16="http://schemas.microsoft.com/office/drawing/2014/main" id="{DBD466F7-A4F2-EA78-CAFA-98BC1B777E40}"/>
+                <a16:creationId xmlns:a16="http://schemas.microsoft.com/office/drawing/2014/main" id="{957FCD7C-1C04-4CBE-AB98-5ED3CCBBECC2}"/>
               </a:ext>
             </a:extLst>
           </p:cNvPr>
@@ -18519,33 +19588,571 @@
             <p:ph type="title"/>
           </p:nvPr>
         </p:nvSpPr>
-        <p:spPr>
-          <a:xfrm>
-            <a:off x="477981" y="1122362"/>
-            <a:ext cx="4023360" cy="2802219"/>
-          </a:xfrm>
-        </p:spPr>
+        <p:spPr/>
         <p:txBody>
-          <a:bodyPr vert="horz" lIns="91440" tIns="45720" rIns="91440" bIns="45720" rtlCol="0" anchor="b">
-            <a:normAutofit/>
-          </a:bodyPr>
+          <a:bodyPr/>
           <a:lstStyle/>
           <a:p>
             <a:r>
-              <a:rPr lang="en-US">
-                <a:solidFill>
-                  <a:schemeClr val="bg1"/>
-                </a:solidFill>
-              </a:rPr>
-              <a:t>Vérification</a:t>
+              <a:rPr lang="fr-CA" dirty="0"/>
+              <a:t>1)Optimisation</a:t>
             </a:r>
           </a:p>
         </p:txBody>
       </p:sp>
+      <mc:AlternateContent xmlns:mc="http://schemas.openxmlformats.org/markup-compatibility/2006">
+        <mc:Choice xmlns:a14="http://schemas.microsoft.com/office/drawing/2010/main" Requires="a14">
+          <p:sp>
+            <p:nvSpPr>
+              <p:cNvPr id="3" name="Espace réservé du contenu 2">
+                <a:extLst>
+                  <a:ext uri="{FF2B5EF4-FFF2-40B4-BE49-F238E27FC236}">
+                    <a16:creationId xmlns:a16="http://schemas.microsoft.com/office/drawing/2014/main" id="{F2288242-D90A-43BC-BAF3-8ED4775855ED}"/>
+                  </a:ext>
+                </a:extLst>
+              </p:cNvPr>
+              <p:cNvSpPr>
+                <a:spLocks noGrp="1"/>
+              </p:cNvSpPr>
+              <p:nvPr>
+                <p:ph idx="1"/>
+              </p:nvPr>
+            </p:nvSpPr>
+            <p:spPr/>
+            <p:txBody>
+              <a:bodyPr/>
+              <a:lstStyle/>
+              <a:p>
+                <a:r>
+                  <a:rPr lang="fr-CA" dirty="0"/>
+                  <a:t>Déterminer de propriétés physiques de la pâte à bagel en minimisant une fonction-objectif.</a:t>
+                </a:r>
+              </a:p>
+              <a:p>
+                <a:r>
+                  <a:rPr lang="fr-CA" dirty="0"/>
+                  <a:t>Capacité thermique massique (Cp) et conductivité thermique (k)</a:t>
+                </a:r>
+              </a:p>
+              <a:p>
+                <a:pPr marL="0" indent="0">
+                  <a:buNone/>
+                </a:pPr>
+                <a:endParaRPr lang="fr-CA" sz="2400" i="1" dirty="0">
+                  <a:effectLst/>
+                  <a:latin typeface="Cambria Math" panose="02040503050406030204" pitchFamily="18" charset="0"/>
+                  <a:ea typeface="Calibri" panose="020F0502020204030204" pitchFamily="34" charset="0"/>
+                  <a:cs typeface="Times New Roman" panose="02020603050405020304" pitchFamily="18" charset="0"/>
+                </a:endParaRPr>
+              </a:p>
+              <a:p>
+                <a:pPr marL="0" indent="0">
+                  <a:buNone/>
+                </a:pPr>
+                <a14:m>
+                  <m:oMathPara xmlns:m="http://schemas.openxmlformats.org/officeDocument/2006/math">
+                    <m:oMathParaPr>
+                      <m:jc m:val="centerGroup"/>
+                    </m:oMathParaPr>
+                    <m:oMath xmlns:m="http://schemas.openxmlformats.org/officeDocument/2006/math">
+                      <m:sSub>
+                        <m:sSubPr>
+                          <m:ctrlPr>
+                            <a:rPr lang="fr-CA" sz="2400" i="1" smtClean="0">
+                              <a:effectLst/>
+                              <a:latin typeface="Cambria Math" panose="02040503050406030204" pitchFamily="18" charset="0"/>
+                              <a:ea typeface="Calibri" panose="020F0502020204030204" pitchFamily="34" charset="0"/>
+                              <a:cs typeface="Times New Roman" panose="02020603050405020304" pitchFamily="18" charset="0"/>
+                            </a:rPr>
+                          </m:ctrlPr>
+                        </m:sSubPr>
+                        <m:e>
+                          <m:r>
+                            <a:rPr lang="fr-CA" sz="2400" i="1">
+                              <a:effectLst/>
+                              <a:latin typeface="Cambria Math" panose="02040503050406030204" pitchFamily="18" charset="0"/>
+                              <a:ea typeface="Calibri" panose="020F0502020204030204" pitchFamily="34" charset="0"/>
+                              <a:cs typeface="Times New Roman" panose="02020603050405020304" pitchFamily="18" charset="0"/>
+                            </a:rPr>
+                            <m:t>𝑓</m:t>
+                          </m:r>
+                        </m:e>
+                        <m:sub>
+                          <m:r>
+                            <a:rPr lang="fr-CA" sz="2400" i="1">
+                              <a:effectLst/>
+                              <a:latin typeface="Cambria Math" panose="02040503050406030204" pitchFamily="18" charset="0"/>
+                              <a:ea typeface="Calibri" panose="020F0502020204030204" pitchFamily="34" charset="0"/>
+                              <a:cs typeface="Times New Roman" panose="02020603050405020304" pitchFamily="18" charset="0"/>
+                            </a:rPr>
+                            <m:t>𝑜𝑏𝑗</m:t>
+                          </m:r>
+                        </m:sub>
+                      </m:sSub>
+                      <m:r>
+                        <a:rPr lang="fr-CA" sz="2400" i="1">
+                          <a:effectLst/>
+                          <a:latin typeface="Cambria Math" panose="02040503050406030204" pitchFamily="18" charset="0"/>
+                          <a:ea typeface="Calibri" panose="020F0502020204030204" pitchFamily="34" charset="0"/>
+                          <a:cs typeface="Times New Roman" panose="02020603050405020304" pitchFamily="18" charset="0"/>
+                        </a:rPr>
+                        <m:t>=</m:t>
+                      </m:r>
+                      <m:nary>
+                        <m:naryPr>
+                          <m:chr m:val="∑"/>
+                          <m:supHide m:val="on"/>
+                          <m:ctrlPr>
+                            <a:rPr lang="fr-CA" sz="2400" i="1">
+                              <a:effectLst/>
+                              <a:latin typeface="Cambria Math" panose="02040503050406030204" pitchFamily="18" charset="0"/>
+                              <a:ea typeface="Calibri" panose="020F0502020204030204" pitchFamily="34" charset="0"/>
+                              <a:cs typeface="Times New Roman" panose="02020603050405020304" pitchFamily="18" charset="0"/>
+                            </a:rPr>
+                          </m:ctrlPr>
+                        </m:naryPr>
+                        <m:sub>
+                          <m:r>
+                            <a:rPr lang="fr-CA" sz="2400" i="1">
+                              <a:effectLst/>
+                              <a:latin typeface="Cambria Math" panose="02040503050406030204" pitchFamily="18" charset="0"/>
+                              <a:ea typeface="Times New Roman" panose="02020603050405020304" pitchFamily="18" charset="0"/>
+                              <a:cs typeface="Times New Roman" panose="02020603050405020304" pitchFamily="18" charset="0"/>
+                            </a:rPr>
+                            <m:t>𝑧</m:t>
+                          </m:r>
+                          <m:r>
+                            <a:rPr lang="fr-CA" sz="2400" i="1">
+                              <a:effectLst/>
+                              <a:latin typeface="Cambria Math" panose="02040503050406030204" pitchFamily="18" charset="0"/>
+                              <a:ea typeface="Times New Roman" panose="02020603050405020304" pitchFamily="18" charset="0"/>
+                              <a:cs typeface="Times New Roman" panose="02020603050405020304" pitchFamily="18" charset="0"/>
+                            </a:rPr>
+                            <m:t> </m:t>
+                          </m:r>
+                          <m:r>
+                            <a:rPr lang="fr-CA" sz="2400">
+                              <a:effectLst/>
+                              <a:latin typeface="Cambria Math" panose="02040503050406030204" pitchFamily="18" charset="0"/>
+                              <a:ea typeface="Times New Roman" panose="02020603050405020304" pitchFamily="18" charset="0"/>
+                              <a:cs typeface="Times New Roman" panose="02020603050405020304" pitchFamily="18" charset="0"/>
+                            </a:rPr>
+                            <m:t>∈ </m:t>
+                          </m:r>
+                          <m:d>
+                            <m:dPr>
+                              <m:begChr m:val="["/>
+                              <m:endChr m:val="]"/>
+                              <m:ctrlPr>
+                                <a:rPr lang="fr-CA" sz="2400" i="1">
+                                  <a:effectLst/>
+                                  <a:latin typeface="Cambria Math" panose="02040503050406030204" pitchFamily="18" charset="0"/>
+                                  <a:ea typeface="Times New Roman" panose="02020603050405020304" pitchFamily="18" charset="0"/>
+                                  <a:cs typeface="Times New Roman" panose="02020603050405020304" pitchFamily="18" charset="0"/>
+                                </a:rPr>
+                              </m:ctrlPr>
+                            </m:dPr>
+                            <m:e>
+                              <m:r>
+                                <a:rPr lang="fr-CA" sz="2400" i="1">
+                                  <a:effectLst/>
+                                  <a:latin typeface="Cambria Math" panose="02040503050406030204" pitchFamily="18" charset="0"/>
+                                  <a:ea typeface="Times New Roman" panose="02020603050405020304" pitchFamily="18" charset="0"/>
+                                  <a:cs typeface="Times New Roman" panose="02020603050405020304" pitchFamily="18" charset="0"/>
+                                </a:rPr>
+                                <m:t>0,</m:t>
+                              </m:r>
+                              <m:r>
+                                <a:rPr lang="fr-CA" sz="2400" i="1">
+                                  <a:effectLst/>
+                                  <a:latin typeface="Cambria Math" panose="02040503050406030204" pitchFamily="18" charset="0"/>
+                                  <a:ea typeface="Times New Roman" panose="02020603050405020304" pitchFamily="18" charset="0"/>
+                                  <a:cs typeface="Times New Roman" panose="02020603050405020304" pitchFamily="18" charset="0"/>
+                                </a:rPr>
+                                <m:t>𝐻</m:t>
+                              </m:r>
+                              <m:r>
+                                <m:rPr>
+                                  <m:lit/>
+                                </m:rPr>
+                                <a:rPr lang="fr-CA" sz="2400" i="1">
+                                  <a:effectLst/>
+                                  <a:latin typeface="Cambria Math" panose="02040503050406030204" pitchFamily="18" charset="0"/>
+                                  <a:ea typeface="Times New Roman" panose="02020603050405020304" pitchFamily="18" charset="0"/>
+                                  <a:cs typeface="Times New Roman" panose="02020603050405020304" pitchFamily="18" charset="0"/>
+                                </a:rPr>
+                                <m:t>/</m:t>
+                              </m:r>
+                              <m:r>
+                                <a:rPr lang="fr-CA" sz="2400" i="1">
+                                  <a:effectLst/>
+                                  <a:latin typeface="Cambria Math" panose="02040503050406030204" pitchFamily="18" charset="0"/>
+                                  <a:ea typeface="Times New Roman" panose="02020603050405020304" pitchFamily="18" charset="0"/>
+                                  <a:cs typeface="Times New Roman" panose="02020603050405020304" pitchFamily="18" charset="0"/>
+                                </a:rPr>
+                                <m:t>2,</m:t>
+                              </m:r>
+                              <m:r>
+                                <a:rPr lang="fr-CA" sz="2400" i="1">
+                                  <a:effectLst/>
+                                  <a:latin typeface="Cambria Math" panose="02040503050406030204" pitchFamily="18" charset="0"/>
+                                  <a:ea typeface="Times New Roman" panose="02020603050405020304" pitchFamily="18" charset="0"/>
+                                  <a:cs typeface="Times New Roman" panose="02020603050405020304" pitchFamily="18" charset="0"/>
+                                </a:rPr>
+                                <m:t>𝐻</m:t>
+                              </m:r>
+                            </m:e>
+                          </m:d>
+                        </m:sub>
+                        <m:sup/>
+                        <m:e>
+                          <m:r>
+                            <a:rPr lang="fr-CA" sz="2400" i="1">
+                              <a:effectLst/>
+                              <a:latin typeface="Cambria Math" panose="02040503050406030204" pitchFamily="18" charset="0"/>
+                              <a:ea typeface="Times New Roman" panose="02020603050405020304" pitchFamily="18" charset="0"/>
+                              <a:cs typeface="Times New Roman" panose="02020603050405020304" pitchFamily="18" charset="0"/>
+                            </a:rPr>
+                            <m:t>(</m:t>
+                          </m:r>
+                          <m:sSubSup>
+                            <m:sSubSupPr>
+                              <m:ctrlPr>
+                                <a:rPr lang="fr-CA" sz="2400" i="1">
+                                  <a:effectLst/>
+                                  <a:latin typeface="Cambria Math" panose="02040503050406030204" pitchFamily="18" charset="0"/>
+                                  <a:ea typeface="Times New Roman" panose="02020603050405020304" pitchFamily="18" charset="0"/>
+                                  <a:cs typeface="Times New Roman" panose="02020603050405020304" pitchFamily="18" charset="0"/>
+                                </a:rPr>
+                              </m:ctrlPr>
+                            </m:sSubSupPr>
+                            <m:e>
+                              <m:r>
+                                <a:rPr lang="fr-CA" sz="2400" i="1">
+                                  <a:effectLst/>
+                                  <a:latin typeface="Cambria Math" panose="02040503050406030204" pitchFamily="18" charset="0"/>
+                                  <a:ea typeface="Times New Roman" panose="02020603050405020304" pitchFamily="18" charset="0"/>
+                                  <a:cs typeface="Times New Roman" panose="02020603050405020304" pitchFamily="18" charset="0"/>
+                                </a:rPr>
+                                <m:t>𝑇</m:t>
+                              </m:r>
+                            </m:e>
+                            <m:sub>
+                              <m:r>
+                                <a:rPr lang="fr-CA" sz="2400" i="1">
+                                  <a:effectLst/>
+                                  <a:latin typeface="Cambria Math" panose="02040503050406030204" pitchFamily="18" charset="0"/>
+                                  <a:ea typeface="Times New Roman" panose="02020603050405020304" pitchFamily="18" charset="0"/>
+                                  <a:cs typeface="Times New Roman" panose="02020603050405020304" pitchFamily="18" charset="0"/>
+                                </a:rPr>
+                                <m:t>𝑧</m:t>
+                              </m:r>
+                              <m:r>
+                                <a:rPr lang="fr-CA" sz="2400" i="1">
+                                  <a:effectLst/>
+                                  <a:latin typeface="Cambria Math" panose="02040503050406030204" pitchFamily="18" charset="0"/>
+                                  <a:ea typeface="Times New Roman" panose="02020603050405020304" pitchFamily="18" charset="0"/>
+                                  <a:cs typeface="Times New Roman" panose="02020603050405020304" pitchFamily="18" charset="0"/>
+                                </a:rPr>
+                                <m:t>,</m:t>
+                              </m:r>
+                              <m:r>
+                                <a:rPr lang="fr-CA" sz="2400" i="1">
+                                  <a:effectLst/>
+                                  <a:latin typeface="Cambria Math" panose="02040503050406030204" pitchFamily="18" charset="0"/>
+                                  <a:ea typeface="Times New Roman" panose="02020603050405020304" pitchFamily="18" charset="0"/>
+                                  <a:cs typeface="Times New Roman" panose="02020603050405020304" pitchFamily="18" charset="0"/>
+                                </a:rPr>
+                                <m:t>𝑡</m:t>
+                              </m:r>
+                              <m:r>
+                                <a:rPr lang="fr-CA" sz="2400" i="1">
+                                  <a:effectLst/>
+                                  <a:latin typeface="Cambria Math" panose="02040503050406030204" pitchFamily="18" charset="0"/>
+                                  <a:ea typeface="Times New Roman" panose="02020603050405020304" pitchFamily="18" charset="0"/>
+                                  <a:cs typeface="Times New Roman" panose="02020603050405020304" pitchFamily="18" charset="0"/>
+                                </a:rPr>
+                                <m:t>=3</m:t>
+                              </m:r>
+                              <m:r>
+                                <a:rPr lang="fr-CA" sz="2400" i="1">
+                                  <a:effectLst/>
+                                  <a:latin typeface="Cambria Math" panose="02040503050406030204" pitchFamily="18" charset="0"/>
+                                  <a:ea typeface="Times New Roman" panose="02020603050405020304" pitchFamily="18" charset="0"/>
+                                  <a:cs typeface="Times New Roman" panose="02020603050405020304" pitchFamily="18" charset="0"/>
+                                </a:rPr>
+                                <m:t>𝑚𝑖𝑛</m:t>
+                              </m:r>
+                            </m:sub>
+                            <m:sup>
+                              <m:r>
+                                <a:rPr lang="fr-CA" sz="2400" i="1">
+                                  <a:effectLst/>
+                                  <a:latin typeface="Cambria Math" panose="02040503050406030204" pitchFamily="18" charset="0"/>
+                                  <a:ea typeface="Times New Roman" panose="02020603050405020304" pitchFamily="18" charset="0"/>
+                                  <a:cs typeface="Times New Roman" panose="02020603050405020304" pitchFamily="18" charset="0"/>
+                                </a:rPr>
+                                <m:t>𝑒𝑥𝑝</m:t>
+                              </m:r>
+                            </m:sup>
+                          </m:sSubSup>
+                        </m:e>
+                      </m:nary>
+                      <m:r>
+                        <a:rPr lang="fr-CA" sz="2400" i="1">
+                          <a:effectLst/>
+                          <a:latin typeface="Cambria Math" panose="02040503050406030204" pitchFamily="18" charset="0"/>
+                          <a:ea typeface="Times New Roman" panose="02020603050405020304" pitchFamily="18" charset="0"/>
+                          <a:cs typeface="Times New Roman" panose="02020603050405020304" pitchFamily="18" charset="0"/>
+                        </a:rPr>
+                        <m:t>−</m:t>
+                      </m:r>
+                      <m:sSubSup>
+                        <m:sSubSupPr>
+                          <m:ctrlPr>
+                            <a:rPr lang="fr-CA" sz="2400" i="1">
+                              <a:effectLst/>
+                              <a:latin typeface="Cambria Math" panose="02040503050406030204" pitchFamily="18" charset="0"/>
+                              <a:ea typeface="Times New Roman" panose="02020603050405020304" pitchFamily="18" charset="0"/>
+                              <a:cs typeface="Times New Roman" panose="02020603050405020304" pitchFamily="18" charset="0"/>
+                            </a:rPr>
+                          </m:ctrlPr>
+                        </m:sSubSupPr>
+                        <m:e>
+                          <m:r>
+                            <a:rPr lang="fr-CA" sz="2400" i="1">
+                              <a:effectLst/>
+                              <a:latin typeface="Cambria Math" panose="02040503050406030204" pitchFamily="18" charset="0"/>
+                              <a:ea typeface="Times New Roman" panose="02020603050405020304" pitchFamily="18" charset="0"/>
+                              <a:cs typeface="Times New Roman" panose="02020603050405020304" pitchFamily="18" charset="0"/>
+                            </a:rPr>
+                            <m:t>𝑇</m:t>
+                          </m:r>
+                        </m:e>
+                        <m:sub>
+                          <m:r>
+                            <a:rPr lang="fr-CA" sz="2400" i="1">
+                              <a:effectLst/>
+                              <a:latin typeface="Cambria Math" panose="02040503050406030204" pitchFamily="18" charset="0"/>
+                              <a:ea typeface="Times New Roman" panose="02020603050405020304" pitchFamily="18" charset="0"/>
+                              <a:cs typeface="Times New Roman" panose="02020603050405020304" pitchFamily="18" charset="0"/>
+                            </a:rPr>
+                            <m:t>𝑧</m:t>
+                          </m:r>
+                          <m:r>
+                            <a:rPr lang="fr-CA" sz="2400" i="1">
+                              <a:effectLst/>
+                              <a:latin typeface="Cambria Math" panose="02040503050406030204" pitchFamily="18" charset="0"/>
+                              <a:ea typeface="Times New Roman" panose="02020603050405020304" pitchFamily="18" charset="0"/>
+                              <a:cs typeface="Times New Roman" panose="02020603050405020304" pitchFamily="18" charset="0"/>
+                            </a:rPr>
+                            <m:t>,</m:t>
+                          </m:r>
+                          <m:r>
+                            <a:rPr lang="fr-CA" sz="2400" i="1">
+                              <a:effectLst/>
+                              <a:latin typeface="Cambria Math" panose="02040503050406030204" pitchFamily="18" charset="0"/>
+                              <a:ea typeface="Times New Roman" panose="02020603050405020304" pitchFamily="18" charset="0"/>
+                              <a:cs typeface="Times New Roman" panose="02020603050405020304" pitchFamily="18" charset="0"/>
+                            </a:rPr>
+                            <m:t>𝑡</m:t>
+                          </m:r>
+                          <m:r>
+                            <a:rPr lang="fr-CA" sz="2400" i="1">
+                              <a:effectLst/>
+                              <a:latin typeface="Cambria Math" panose="02040503050406030204" pitchFamily="18" charset="0"/>
+                              <a:ea typeface="Times New Roman" panose="02020603050405020304" pitchFamily="18" charset="0"/>
+                              <a:cs typeface="Times New Roman" panose="02020603050405020304" pitchFamily="18" charset="0"/>
+                            </a:rPr>
+                            <m:t>=3</m:t>
+                          </m:r>
+                          <m:r>
+                            <a:rPr lang="fr-CA" sz="2400" i="1">
+                              <a:effectLst/>
+                              <a:latin typeface="Cambria Math" panose="02040503050406030204" pitchFamily="18" charset="0"/>
+                              <a:ea typeface="Times New Roman" panose="02020603050405020304" pitchFamily="18" charset="0"/>
+                              <a:cs typeface="Times New Roman" panose="02020603050405020304" pitchFamily="18" charset="0"/>
+                            </a:rPr>
+                            <m:t>𝑚𝑖𝑛</m:t>
+                          </m:r>
+                        </m:sub>
+                        <m:sup>
+                          <m:r>
+                            <a:rPr lang="fr-CA" sz="2400" i="1">
+                              <a:effectLst/>
+                              <a:latin typeface="Cambria Math" panose="02040503050406030204" pitchFamily="18" charset="0"/>
+                              <a:ea typeface="Times New Roman" panose="02020603050405020304" pitchFamily="18" charset="0"/>
+                              <a:cs typeface="Times New Roman" panose="02020603050405020304" pitchFamily="18" charset="0"/>
+                            </a:rPr>
+                            <m:t>𝑠𝑖𝑚𝑢</m:t>
+                          </m:r>
+                        </m:sup>
+                      </m:sSubSup>
+                      <m:r>
+                        <a:rPr lang="fr-CA" sz="2400" i="1">
+                          <a:effectLst/>
+                          <a:latin typeface="Cambria Math" panose="02040503050406030204" pitchFamily="18" charset="0"/>
+                          <a:ea typeface="Times New Roman" panose="02020603050405020304" pitchFamily="18" charset="0"/>
+                          <a:cs typeface="Times New Roman" panose="02020603050405020304" pitchFamily="18" charset="0"/>
+                        </a:rPr>
+                        <m:t>)</m:t>
+                      </m:r>
+                      <m:r>
+                        <m:rPr>
+                          <m:lit/>
+                        </m:rPr>
+                        <a:rPr lang="fr-CA" sz="2400" i="1">
+                          <a:effectLst/>
+                          <a:latin typeface="Cambria Math" panose="02040503050406030204" pitchFamily="18" charset="0"/>
+                          <a:ea typeface="Times New Roman" panose="02020603050405020304" pitchFamily="18" charset="0"/>
+                          <a:cs typeface="Times New Roman" panose="02020603050405020304" pitchFamily="18" charset="0"/>
+                        </a:rPr>
+                        <m:t>/</m:t>
+                      </m:r>
+                      <m:sSubSup>
+                        <m:sSubSupPr>
+                          <m:ctrlPr>
+                            <a:rPr lang="fr-CA" sz="2400" i="1">
+                              <a:effectLst/>
+                              <a:latin typeface="Cambria Math" panose="02040503050406030204" pitchFamily="18" charset="0"/>
+                              <a:ea typeface="Times New Roman" panose="02020603050405020304" pitchFamily="18" charset="0"/>
+                              <a:cs typeface="Times New Roman" panose="02020603050405020304" pitchFamily="18" charset="0"/>
+                            </a:rPr>
+                          </m:ctrlPr>
+                        </m:sSubSupPr>
+                        <m:e>
+                          <m:r>
+                            <a:rPr lang="fr-CA" sz="2400" i="1">
+                              <a:effectLst/>
+                              <a:latin typeface="Cambria Math" panose="02040503050406030204" pitchFamily="18" charset="0"/>
+                              <a:ea typeface="Times New Roman" panose="02020603050405020304" pitchFamily="18" charset="0"/>
+                              <a:cs typeface="Times New Roman" panose="02020603050405020304" pitchFamily="18" charset="0"/>
+                            </a:rPr>
+                            <m:t>𝑇</m:t>
+                          </m:r>
+                        </m:e>
+                        <m:sub>
+                          <m:r>
+                            <a:rPr lang="fr-CA" sz="2400" i="1">
+                              <a:effectLst/>
+                              <a:latin typeface="Cambria Math" panose="02040503050406030204" pitchFamily="18" charset="0"/>
+                              <a:ea typeface="Times New Roman" panose="02020603050405020304" pitchFamily="18" charset="0"/>
+                              <a:cs typeface="Times New Roman" panose="02020603050405020304" pitchFamily="18" charset="0"/>
+                            </a:rPr>
+                            <m:t>𝑧</m:t>
+                          </m:r>
+                          <m:r>
+                            <a:rPr lang="fr-CA" sz="2400" i="1">
+                              <a:effectLst/>
+                              <a:latin typeface="Cambria Math" panose="02040503050406030204" pitchFamily="18" charset="0"/>
+                              <a:ea typeface="Times New Roman" panose="02020603050405020304" pitchFamily="18" charset="0"/>
+                              <a:cs typeface="Times New Roman" panose="02020603050405020304" pitchFamily="18" charset="0"/>
+                            </a:rPr>
+                            <m:t>,</m:t>
+                          </m:r>
+                          <m:r>
+                            <a:rPr lang="fr-CA" sz="2400" i="1">
+                              <a:effectLst/>
+                              <a:latin typeface="Cambria Math" panose="02040503050406030204" pitchFamily="18" charset="0"/>
+                              <a:ea typeface="Times New Roman" panose="02020603050405020304" pitchFamily="18" charset="0"/>
+                              <a:cs typeface="Times New Roman" panose="02020603050405020304" pitchFamily="18" charset="0"/>
+                            </a:rPr>
+                            <m:t>𝑡</m:t>
+                          </m:r>
+                          <m:r>
+                            <a:rPr lang="fr-CA" sz="2400" i="1">
+                              <a:effectLst/>
+                              <a:latin typeface="Cambria Math" panose="02040503050406030204" pitchFamily="18" charset="0"/>
+                              <a:ea typeface="Times New Roman" panose="02020603050405020304" pitchFamily="18" charset="0"/>
+                              <a:cs typeface="Times New Roman" panose="02020603050405020304" pitchFamily="18" charset="0"/>
+                            </a:rPr>
+                            <m:t>=3</m:t>
+                          </m:r>
+                          <m:r>
+                            <a:rPr lang="fr-CA" sz="2400" i="1">
+                              <a:effectLst/>
+                              <a:latin typeface="Cambria Math" panose="02040503050406030204" pitchFamily="18" charset="0"/>
+                              <a:ea typeface="Times New Roman" panose="02020603050405020304" pitchFamily="18" charset="0"/>
+                              <a:cs typeface="Times New Roman" panose="02020603050405020304" pitchFamily="18" charset="0"/>
+                            </a:rPr>
+                            <m:t>𝑚𝑖𝑛</m:t>
+                          </m:r>
+                        </m:sub>
+                        <m:sup>
+                          <m:r>
+                            <a:rPr lang="fr-CA" sz="2400" i="1">
+                              <a:effectLst/>
+                              <a:latin typeface="Cambria Math" panose="02040503050406030204" pitchFamily="18" charset="0"/>
+                              <a:ea typeface="Times New Roman" panose="02020603050405020304" pitchFamily="18" charset="0"/>
+                              <a:cs typeface="Times New Roman" panose="02020603050405020304" pitchFamily="18" charset="0"/>
+                            </a:rPr>
+                            <m:t>𝑒𝑥𝑝</m:t>
+                          </m:r>
+                        </m:sup>
+                      </m:sSubSup>
+                    </m:oMath>
+                  </m:oMathPara>
+                </a14:m>
+                <a:endParaRPr lang="fr-CA" sz="2400" dirty="0">
+                  <a:effectLst/>
+                  <a:latin typeface="Calibri" panose="020F0502020204030204" pitchFamily="34" charset="0"/>
+                  <a:ea typeface="Calibri" panose="020F0502020204030204" pitchFamily="34" charset="0"/>
+                  <a:cs typeface="Times New Roman" panose="02020603050405020304" pitchFamily="18" charset="0"/>
+                </a:endParaRPr>
+              </a:p>
+              <a:p>
+                <a:endParaRPr lang="fr-CA" dirty="0"/>
+              </a:p>
+              <a:p>
+                <a:endParaRPr lang="fr-CA" dirty="0"/>
+              </a:p>
+            </p:txBody>
+          </p:sp>
+        </mc:Choice>
+        <mc:Fallback>
+          <p:sp>
+            <p:nvSpPr>
+              <p:cNvPr id="3" name="Espace réservé du contenu 2">
+                <a:extLst>
+                  <a:ext uri="{FF2B5EF4-FFF2-40B4-BE49-F238E27FC236}">
+                    <a16:creationId xmlns:a16="http://schemas.microsoft.com/office/drawing/2014/main" id="{F2288242-D90A-43BC-BAF3-8ED4775855ED}"/>
+                  </a:ext>
+                </a:extLst>
+              </p:cNvPr>
+              <p:cNvSpPr>
+                <a:spLocks noGrp="1" noRot="1" noChangeAspect="1" noMove="1" noResize="1" noEditPoints="1" noAdjustHandles="1" noChangeArrowheads="1" noChangeShapeType="1" noTextEdit="1"/>
+              </p:cNvSpPr>
+              <p:nvPr>
+                <p:ph idx="1"/>
+              </p:nvPr>
+            </p:nvSpPr>
+            <p:spPr>
+              <a:blipFill>
+                <a:blip r:embed="rId2"/>
+                <a:stretch>
+                  <a:fillRect l="-1043" t="-1148"/>
+                </a:stretch>
+              </a:blipFill>
+            </p:spPr>
+            <p:txBody>
+              <a:bodyPr/>
+              <a:lstStyle/>
+              <a:p>
+                <a:r>
+                  <a:rPr lang="fr-CA">
+                    <a:noFill/>
+                  </a:rPr>
+                  <a:t> </a:t>
+                </a:r>
+              </a:p>
+            </p:txBody>
+          </p:sp>
+        </mc:Fallback>
+      </mc:AlternateContent>
     </p:spTree>
     <p:extLst>
       <p:ext uri="{BB962C8B-B14F-4D97-AF65-F5344CB8AC3E}">
-        <p14:creationId xmlns:p14="http://schemas.microsoft.com/office/powerpoint/2010/main" val="4185439374"/>
+        <p14:creationId xmlns:p14="http://schemas.microsoft.com/office/powerpoint/2010/main" val="1292112200"/>
       </p:ext>
     </p:extLst>
   </p:cSld>

--- a/Pâte à bagel.pptx
+++ b/Pâte à bagel.pptx
@@ -699,7 +699,7 @@
           <a:p>
             <a:fld id="{A7CD31F4-64FA-4BA0-9498-67783267A8C8}" type="slidenum">
               <a:rPr lang="en-US" smtClean="0"/>
-              <a:t>‹N°›</a:t>
+              <a:t>‹#›</a:t>
             </a:fld>
             <a:endParaRPr lang="en-US"/>
           </a:p>
@@ -897,7 +897,7 @@
           <a:p>
             <a:fld id="{A7CD31F4-64FA-4BA0-9498-67783267A8C8}" type="slidenum">
               <a:rPr lang="en-US" smtClean="0"/>
-              <a:t>‹N°›</a:t>
+              <a:t>‹#›</a:t>
             </a:fld>
             <a:endParaRPr lang="en-US"/>
           </a:p>
@@ -1105,7 +1105,7 @@
           <a:p>
             <a:fld id="{A7CD31F4-64FA-4BA0-9498-67783267A8C8}" type="slidenum">
               <a:rPr lang="en-US" smtClean="0"/>
-              <a:t>‹N°›</a:t>
+              <a:t>‹#›</a:t>
             </a:fld>
             <a:endParaRPr lang="en-US"/>
           </a:p>
@@ -1327,7 +1327,7 @@
           <a:p>
             <a:fld id="{A7CD31F4-64FA-4BA0-9498-67783267A8C8}" type="slidenum">
               <a:rPr lang="en-US" smtClean="0"/>
-              <a:t>‹N°›</a:t>
+              <a:t>‹#›</a:t>
             </a:fld>
             <a:endParaRPr lang="en-US"/>
           </a:p>
@@ -2238,7 +2238,7 @@
           <a:p>
             <a:fld id="{A7CD31F4-64FA-4BA0-9498-67783267A8C8}" type="slidenum">
               <a:rPr lang="en-US" smtClean="0"/>
-              <a:t>‹N°›</a:t>
+              <a:t>‹#›</a:t>
             </a:fld>
             <a:endParaRPr lang="en-US"/>
           </a:p>
@@ -2841,7 +2841,7 @@
           <a:p>
             <a:fld id="{A7CD31F4-64FA-4BA0-9498-67783267A8C8}" type="slidenum">
               <a:rPr lang="en-US" smtClean="0"/>
-              <a:t>‹N°›</a:t>
+              <a:t>‹#›</a:t>
             </a:fld>
             <a:endParaRPr lang="en-US"/>
           </a:p>
@@ -3889,7 +3889,7 @@
           <a:p>
             <a:fld id="{A7CD31F4-64FA-4BA0-9498-67783267A8C8}" type="slidenum">
               <a:rPr lang="en-US" smtClean="0"/>
-              <a:t>‹N°›</a:t>
+              <a:t>‹#›</a:t>
             </a:fld>
             <a:endParaRPr lang="en-US"/>
           </a:p>
@@ -4673,7 +4673,7 @@
           <a:p>
             <a:fld id="{A7CD31F4-64FA-4BA0-9498-67783267A8C8}" type="slidenum">
               <a:rPr lang="en-US" smtClean="0"/>
-              <a:t>‹N°›</a:t>
+              <a:t>‹#›</a:t>
             </a:fld>
             <a:endParaRPr lang="en-US"/>
           </a:p>
@@ -5122,7 +5122,7 @@
           <a:p>
             <a:fld id="{A7CD31F4-64FA-4BA0-9498-67783267A8C8}" type="slidenum">
               <a:rPr lang="en-US" smtClean="0"/>
-              <a:t>‹N°›</a:t>
+              <a:t>‹#›</a:t>
             </a:fld>
             <a:endParaRPr lang="en-US"/>
           </a:p>
@@ -5439,7 +5439,7 @@
           <a:p>
             <a:fld id="{A7CD31F4-64FA-4BA0-9498-67783267A8C8}" type="slidenum">
               <a:rPr lang="en-US" smtClean="0"/>
-              <a:t>‹N°›</a:t>
+              <a:t>‹#›</a:t>
             </a:fld>
             <a:endParaRPr lang="en-US"/>
           </a:p>
@@ -6067,7 +6067,7 @@
           <a:p>
             <a:fld id="{A7CD31F4-64FA-4BA0-9498-67783267A8C8}" type="slidenum">
               <a:rPr lang="en-US" smtClean="0"/>
-              <a:t>‹N°›</a:t>
+              <a:t>‹#›</a:t>
             </a:fld>
             <a:endParaRPr lang="en-US"/>
           </a:p>
@@ -6676,7 +6676,7 @@
           <a:p>
             <a:fld id="{A7CD31F4-64FA-4BA0-9498-67783267A8C8}" type="slidenum">
               <a:rPr lang="en-US" smtClean="0"/>
-              <a:t>‹N°›</a:t>
+              <a:t>‹#›</a:t>
             </a:fld>
             <a:endParaRPr lang="en-US" dirty="0"/>
           </a:p>
@@ -7756,8 +7756,8 @@
           </a:p>
         </p:txBody>
       </p:sp>
-      <mc:AlternateContent xmlns:mc="http://schemas.openxmlformats.org/markup-compatibility/2006">
-        <mc:Choice xmlns:a14="http://schemas.microsoft.com/office/drawing/2010/main" Requires="a14">
+      <mc:AlternateContent xmlns:mc="http://schemas.openxmlformats.org/markup-compatibility/2006" xmlns:a14="http://schemas.microsoft.com/office/drawing/2010/main">
+        <mc:Choice Requires="a14">
           <p:sp>
             <p:nvSpPr>
               <p:cNvPr id="3" name="Espace réservé du contenu 2">
@@ -7998,7 +7998,7 @@
             </p:txBody>
           </p:sp>
         </mc:Choice>
-        <mc:Fallback>
+        <mc:Fallback xmlns="">
           <p:sp>
             <p:nvSpPr>
               <p:cNvPr id="3" name="Espace réservé du contenu 2">
@@ -12425,7 +12425,7 @@
                   <a:schemeClr val="bg1"/>
                 </a:solidFill>
               </a:rPr>
-              <a:t>Équations</a:t>
+              <a:t>Équation</a:t>
             </a:r>
             <a:r>
               <a:rPr lang="en-US" sz="6800" dirty="0">
@@ -18180,8 +18180,8 @@
           </a:p>
         </p:txBody>
       </p:sp>
-      <mc:AlternateContent xmlns:mc="http://schemas.openxmlformats.org/markup-compatibility/2006">
-        <mc:Choice xmlns:a14="http://schemas.microsoft.com/office/drawing/2010/main" Requires="a14">
+      <mc:AlternateContent xmlns:mc="http://schemas.openxmlformats.org/markup-compatibility/2006" xmlns:a14="http://schemas.microsoft.com/office/drawing/2010/main">
+        <mc:Choice Requires="a14">
           <p:sp>
             <p:nvSpPr>
               <p:cNvPr id="3" name="Content Placeholder 2">
@@ -18694,7 +18694,7 @@
             </p:txBody>
           </p:sp>
         </mc:Choice>
-        <mc:Fallback>
+        <mc:Fallback xmlns="">
           <p:sp>
             <p:nvSpPr>
               <p:cNvPr id="3" name="Content Placeholder 2">
@@ -19600,8 +19600,8 @@
           </a:p>
         </p:txBody>
       </p:sp>
-      <mc:AlternateContent xmlns:mc="http://schemas.openxmlformats.org/markup-compatibility/2006">
-        <mc:Choice xmlns:a14="http://schemas.microsoft.com/office/drawing/2010/main" Requires="a14">
+      <mc:AlternateContent xmlns:mc="http://schemas.openxmlformats.org/markup-compatibility/2006" xmlns:a14="http://schemas.microsoft.com/office/drawing/2010/main">
+        <mc:Choice Requires="a14">
           <p:sp>
             <p:nvSpPr>
               <p:cNvPr id="3" name="Espace réservé du contenu 2">
@@ -20109,7 +20109,7 @@
             </p:txBody>
           </p:sp>
         </mc:Choice>
-        <mc:Fallback>
+        <mc:Fallback xmlns="">
           <p:sp>
             <p:nvSpPr>
               <p:cNvPr id="3" name="Espace réservé du contenu 2">

--- a/Pâte à bagel.pptx
+++ b/Pâte à bagel.pptx
@@ -23,6 +23,8 @@
     <p:sldId id="266" r:id="rId17"/>
     <p:sldId id="264" r:id="rId18"/>
     <p:sldId id="265" r:id="rId19"/>
+    <p:sldId id="274" r:id="rId20"/>
+    <p:sldId id="275" r:id="rId21"/>
   </p:sldIdLst>
   <p:sldSz cx="12192000" cy="6858000"/>
   <p:notesSz cx="6858000" cy="9144000"/>
@@ -699,7 +701,7 @@
           <a:p>
             <a:fld id="{A7CD31F4-64FA-4BA0-9498-67783267A8C8}" type="slidenum">
               <a:rPr lang="en-US" smtClean="0"/>
-              <a:t>‹#›</a:t>
+              <a:t>‹N°›</a:t>
             </a:fld>
             <a:endParaRPr lang="en-US"/>
           </a:p>
@@ -897,7 +899,7 @@
           <a:p>
             <a:fld id="{A7CD31F4-64FA-4BA0-9498-67783267A8C8}" type="slidenum">
               <a:rPr lang="en-US" smtClean="0"/>
-              <a:t>‹#›</a:t>
+              <a:t>‹N°›</a:t>
             </a:fld>
             <a:endParaRPr lang="en-US"/>
           </a:p>
@@ -1105,7 +1107,7 @@
           <a:p>
             <a:fld id="{A7CD31F4-64FA-4BA0-9498-67783267A8C8}" type="slidenum">
               <a:rPr lang="en-US" smtClean="0"/>
-              <a:t>‹#›</a:t>
+              <a:t>‹N°›</a:t>
             </a:fld>
             <a:endParaRPr lang="en-US"/>
           </a:p>
@@ -1327,7 +1329,7 @@
           <a:p>
             <a:fld id="{A7CD31F4-64FA-4BA0-9498-67783267A8C8}" type="slidenum">
               <a:rPr lang="en-US" smtClean="0"/>
-              <a:t>‹#›</a:t>
+              <a:t>‹N°›</a:t>
             </a:fld>
             <a:endParaRPr lang="en-US"/>
           </a:p>
@@ -2238,7 +2240,7 @@
           <a:p>
             <a:fld id="{A7CD31F4-64FA-4BA0-9498-67783267A8C8}" type="slidenum">
               <a:rPr lang="en-US" smtClean="0"/>
-              <a:t>‹#›</a:t>
+              <a:t>‹N°›</a:t>
             </a:fld>
             <a:endParaRPr lang="en-US"/>
           </a:p>
@@ -2841,7 +2843,7 @@
           <a:p>
             <a:fld id="{A7CD31F4-64FA-4BA0-9498-67783267A8C8}" type="slidenum">
               <a:rPr lang="en-US" smtClean="0"/>
-              <a:t>‹#›</a:t>
+              <a:t>‹N°›</a:t>
             </a:fld>
             <a:endParaRPr lang="en-US"/>
           </a:p>
@@ -3889,7 +3891,7 @@
           <a:p>
             <a:fld id="{A7CD31F4-64FA-4BA0-9498-67783267A8C8}" type="slidenum">
               <a:rPr lang="en-US" smtClean="0"/>
-              <a:t>‹#›</a:t>
+              <a:t>‹N°›</a:t>
             </a:fld>
             <a:endParaRPr lang="en-US"/>
           </a:p>
@@ -4673,7 +4675,7 @@
           <a:p>
             <a:fld id="{A7CD31F4-64FA-4BA0-9498-67783267A8C8}" type="slidenum">
               <a:rPr lang="en-US" smtClean="0"/>
-              <a:t>‹#›</a:t>
+              <a:t>‹N°›</a:t>
             </a:fld>
             <a:endParaRPr lang="en-US"/>
           </a:p>
@@ -5122,7 +5124,7 @@
           <a:p>
             <a:fld id="{A7CD31F4-64FA-4BA0-9498-67783267A8C8}" type="slidenum">
               <a:rPr lang="en-US" smtClean="0"/>
-              <a:t>‹#›</a:t>
+              <a:t>‹N°›</a:t>
             </a:fld>
             <a:endParaRPr lang="en-US"/>
           </a:p>
@@ -5439,7 +5441,7 @@
           <a:p>
             <a:fld id="{A7CD31F4-64FA-4BA0-9498-67783267A8C8}" type="slidenum">
               <a:rPr lang="en-US" smtClean="0"/>
-              <a:t>‹#›</a:t>
+              <a:t>‹N°›</a:t>
             </a:fld>
             <a:endParaRPr lang="en-US"/>
           </a:p>
@@ -6067,7 +6069,7 @@
           <a:p>
             <a:fld id="{A7CD31F4-64FA-4BA0-9498-67783267A8C8}" type="slidenum">
               <a:rPr lang="en-US" smtClean="0"/>
-              <a:t>‹#›</a:t>
+              <a:t>‹N°›</a:t>
             </a:fld>
             <a:endParaRPr lang="en-US"/>
           </a:p>
@@ -6676,7 +6678,7 @@
           <a:p>
             <a:fld id="{A7CD31F4-64FA-4BA0-9498-67783267A8C8}" type="slidenum">
               <a:rPr lang="en-US" smtClean="0"/>
-              <a:t>‹#›</a:t>
+              <a:t>‹N°›</a:t>
             </a:fld>
             <a:endParaRPr lang="en-US" dirty="0"/>
           </a:p>
@@ -10660,6 +10662,113 @@
 </p:sld>
 </file>
 
+<file path=ppt/slides/slide19.xml><?xml version="1.0" encoding="utf-8"?>
+<p:sld xmlns:a="http://schemas.openxmlformats.org/drawingml/2006/main" xmlns:r="http://schemas.openxmlformats.org/officeDocument/2006/relationships" xmlns:p="http://schemas.openxmlformats.org/presentationml/2006/main">
+  <p:cSld>
+    <p:spTree>
+      <p:nvGrpSpPr>
+        <p:cNvPr id="1" name=""/>
+        <p:cNvGrpSpPr/>
+        <p:nvPr/>
+      </p:nvGrpSpPr>
+      <p:grpSpPr>
+        <a:xfrm>
+          <a:off x="0" y="0"/>
+          <a:ext cx="0" cy="0"/>
+          <a:chOff x="0" y="0"/>
+          <a:chExt cx="0" cy="0"/>
+        </a:xfrm>
+      </p:grpSpPr>
+      <p:sp>
+        <p:nvSpPr>
+          <p:cNvPr id="2" name="Titre 1">
+            <a:extLst>
+              <a:ext uri="{FF2B5EF4-FFF2-40B4-BE49-F238E27FC236}">
+                <a16:creationId xmlns:a16="http://schemas.microsoft.com/office/drawing/2014/main" id="{3B8FD5DE-0C15-13E0-FB9C-CDD6EC36BFBB}"/>
+              </a:ext>
+            </a:extLst>
+          </p:cNvPr>
+          <p:cNvSpPr>
+            <a:spLocks noGrp="1"/>
+          </p:cNvSpPr>
+          <p:nvPr>
+            <p:ph type="title"/>
+          </p:nvPr>
+        </p:nvSpPr>
+        <p:spPr/>
+        <p:txBody>
+          <a:bodyPr/>
+          <a:lstStyle/>
+          <a:p>
+            <a:r>
+              <a:rPr lang="fr-CA" dirty="0"/>
+              <a:t>Défis à relever</a:t>
+            </a:r>
+          </a:p>
+        </p:txBody>
+      </p:sp>
+      <p:sp>
+        <p:nvSpPr>
+          <p:cNvPr id="3" name="Espace réservé du contenu 2">
+            <a:extLst>
+              <a:ext uri="{FF2B5EF4-FFF2-40B4-BE49-F238E27FC236}">
+                <a16:creationId xmlns:a16="http://schemas.microsoft.com/office/drawing/2014/main" id="{C997C2B1-FF66-2B5E-539E-44AF5ED734A8}"/>
+              </a:ext>
+            </a:extLst>
+          </p:cNvPr>
+          <p:cNvSpPr>
+            <a:spLocks noGrp="1"/>
+          </p:cNvSpPr>
+          <p:nvPr>
+            <p:ph idx="1"/>
+          </p:nvPr>
+        </p:nvSpPr>
+        <p:spPr/>
+        <p:txBody>
+          <a:bodyPr/>
+          <a:lstStyle/>
+          <a:p>
+            <a:r>
+              <a:rPr lang="fr-FR" b="1" dirty="0"/>
+              <a:t>Automatiser la construction de la matrice lors de l’utilisation de la méthode d’Euler implicite.</a:t>
+            </a:r>
+          </a:p>
+          <a:p>
+            <a:r>
+              <a:rPr lang="fr-FR" b="1" dirty="0"/>
+              <a:t>S’assurer que les conditions aux frontières sont bien définies.</a:t>
+            </a:r>
+          </a:p>
+          <a:p>
+            <a:r>
+              <a:rPr lang="fr-FR" b="1" dirty="0"/>
+              <a:t>Déterminer un moyen de validation et de vérification des résultats.</a:t>
+            </a:r>
+          </a:p>
+          <a:p>
+            <a:r>
+              <a:rPr lang="fr-FR" b="1" dirty="0"/>
+              <a:t>Analyser les limites des hypothèses faites.</a:t>
+            </a:r>
+          </a:p>
+          <a:p>
+            <a:endParaRPr lang="fr-CA" dirty="0"/>
+          </a:p>
+        </p:txBody>
+      </p:sp>
+    </p:spTree>
+    <p:extLst>
+      <p:ext uri="{BB962C8B-B14F-4D97-AF65-F5344CB8AC3E}">
+        <p14:creationId xmlns:p14="http://schemas.microsoft.com/office/powerpoint/2010/main" val="3707293994"/>
+      </p:ext>
+    </p:extLst>
+  </p:cSld>
+  <p:clrMapOvr>
+    <a:masterClrMapping/>
+  </p:clrMapOvr>
+</p:sld>
+</file>
+
 <file path=ppt/slides/slide2.xml><?xml version="1.0" encoding="utf-8"?>
 <p:sld xmlns:a="http://schemas.openxmlformats.org/drawingml/2006/main" xmlns:r="http://schemas.openxmlformats.org/officeDocument/2006/relationships" xmlns:p="http://schemas.openxmlformats.org/presentationml/2006/main">
   <p:cSld>
@@ -11434,6 +11543,112 @@
     <p:extLst>
       <p:ext uri="{BB962C8B-B14F-4D97-AF65-F5344CB8AC3E}">
         <p14:creationId xmlns:p14="http://schemas.microsoft.com/office/powerpoint/2010/main" val="22333135"/>
+      </p:ext>
+    </p:extLst>
+  </p:cSld>
+  <p:clrMapOvr>
+    <a:masterClrMapping/>
+  </p:clrMapOvr>
+</p:sld>
+</file>
+
+<file path=ppt/slides/slide20.xml><?xml version="1.0" encoding="utf-8"?>
+<p:sld xmlns:a="http://schemas.openxmlformats.org/drawingml/2006/main" xmlns:r="http://schemas.openxmlformats.org/officeDocument/2006/relationships" xmlns:p="http://schemas.openxmlformats.org/presentationml/2006/main">
+  <p:cSld>
+    <p:spTree>
+      <p:nvGrpSpPr>
+        <p:cNvPr id="1" name=""/>
+        <p:cNvGrpSpPr/>
+        <p:nvPr/>
+      </p:nvGrpSpPr>
+      <p:grpSpPr>
+        <a:xfrm>
+          <a:off x="0" y="0"/>
+          <a:ext cx="0" cy="0"/>
+          <a:chOff x="0" y="0"/>
+          <a:chExt cx="0" cy="0"/>
+        </a:xfrm>
+      </p:grpSpPr>
+      <p:sp>
+        <p:nvSpPr>
+          <p:cNvPr id="2" name="Titre 1">
+            <a:extLst>
+              <a:ext uri="{FF2B5EF4-FFF2-40B4-BE49-F238E27FC236}">
+                <a16:creationId xmlns:a16="http://schemas.microsoft.com/office/drawing/2014/main" id="{CA3FD7D4-C51F-3082-08B0-3EF52E8605A6}"/>
+              </a:ext>
+            </a:extLst>
+          </p:cNvPr>
+          <p:cNvSpPr>
+            <a:spLocks noGrp="1"/>
+          </p:cNvSpPr>
+          <p:nvPr>
+            <p:ph type="title"/>
+          </p:nvPr>
+        </p:nvSpPr>
+        <p:spPr/>
+        <p:txBody>
+          <a:bodyPr/>
+          <a:lstStyle/>
+          <a:p>
+            <a:r>
+              <a:rPr lang="fr-CA" dirty="0"/>
+              <a:t>Points forts</a:t>
+            </a:r>
+          </a:p>
+        </p:txBody>
+      </p:sp>
+      <p:sp>
+        <p:nvSpPr>
+          <p:cNvPr id="3" name="Espace réservé du contenu 2">
+            <a:extLst>
+              <a:ext uri="{FF2B5EF4-FFF2-40B4-BE49-F238E27FC236}">
+                <a16:creationId xmlns:a16="http://schemas.microsoft.com/office/drawing/2014/main" id="{8953ED78-4F78-46DB-0EDA-3D09522EBAB9}"/>
+              </a:ext>
+            </a:extLst>
+          </p:cNvPr>
+          <p:cNvSpPr>
+            <a:spLocks noGrp="1"/>
+          </p:cNvSpPr>
+          <p:nvPr>
+            <p:ph idx="1"/>
+          </p:nvPr>
+        </p:nvSpPr>
+        <p:spPr/>
+        <p:txBody>
+          <a:bodyPr/>
+          <a:lstStyle/>
+          <a:p>
+            <a:r>
+              <a:rPr lang="fr-CA" b="1" dirty="0"/>
+              <a:t>Partage des fichiers sur </a:t>
+            </a:r>
+            <a:r>
+              <a:rPr lang="fr-CA" b="1" dirty="0" err="1"/>
+              <a:t>Github</a:t>
+            </a:r>
+            <a:r>
+              <a:rPr lang="fr-CA" b="1" dirty="0"/>
+              <a:t> permettant le suivi du travail de chaque coéquipier</a:t>
+            </a:r>
+          </a:p>
+          <a:p>
+            <a:r>
+              <a:rPr lang="fr-CA" b="1" dirty="0"/>
+              <a:t>Mise en commun de la compréhension des méthodes de résolution afin de faire un code optimal</a:t>
+            </a:r>
+          </a:p>
+          <a:p>
+            <a:r>
+              <a:rPr lang="fr-CA" b="1" dirty="0"/>
+              <a:t>Mise en commun de la compréhension de problème permettant la clarification de certains points (conditions frontières)</a:t>
+            </a:r>
+          </a:p>
+        </p:txBody>
+      </p:sp>
+    </p:spTree>
+    <p:extLst>
+      <p:ext uri="{BB962C8B-B14F-4D97-AF65-F5344CB8AC3E}">
+        <p14:creationId xmlns:p14="http://schemas.microsoft.com/office/powerpoint/2010/main" val="263785562"/>
       </p:ext>
     </p:extLst>
   </p:cSld>
@@ -13942,6 +14157,379 @@
           </a:p>
         </p:txBody>
       </p:sp>
+      <p:graphicFrame>
+        <p:nvGraphicFramePr>
+          <p:cNvPr id="4" name="Tableau 4">
+            <a:extLst>
+              <a:ext uri="{FF2B5EF4-FFF2-40B4-BE49-F238E27FC236}">
+                <a16:creationId xmlns:a16="http://schemas.microsoft.com/office/drawing/2014/main" id="{B0C2C746-385F-4B83-82C0-AC97292E9358}"/>
+              </a:ext>
+            </a:extLst>
+          </p:cNvPr>
+          <p:cNvGraphicFramePr>
+            <a:graphicFrameLocks noGrp="1"/>
+          </p:cNvGraphicFramePr>
+          <p:nvPr>
+            <p:extLst>
+              <p:ext uri="{D42A27DB-BD31-4B8C-83A1-F6EECF244321}">
+                <p14:modId xmlns:p14="http://schemas.microsoft.com/office/powerpoint/2010/main" val="569953236"/>
+              </p:ext>
+            </p:extLst>
+          </p:nvPr>
+        </p:nvGraphicFramePr>
+        <p:xfrm>
+          <a:off x="1470723" y="3824936"/>
+          <a:ext cx="3069390" cy="1782904"/>
+        </p:xfrm>
+        <a:graphic>
+          <a:graphicData uri="http://schemas.openxmlformats.org/drawingml/2006/table">
+            <a:tbl>
+              <a:tblPr firstRow="1" bandRow="1">
+                <a:tableStyleId>{5C22544A-7EE6-4342-B048-85BDC9FD1C3A}</a:tableStyleId>
+              </a:tblPr>
+              <a:tblGrid>
+                <a:gridCol w="1534695">
+                  <a:extLst>
+                    <a:ext uri="{9D8B030D-6E8A-4147-A177-3AD203B41FA5}">
+                      <a16:colId xmlns:a16="http://schemas.microsoft.com/office/drawing/2014/main" val="2436083253"/>
+                    </a:ext>
+                  </a:extLst>
+                </a:gridCol>
+                <a:gridCol w="1534695">
+                  <a:extLst>
+                    <a:ext uri="{9D8B030D-6E8A-4147-A177-3AD203B41FA5}">
+                      <a16:colId xmlns:a16="http://schemas.microsoft.com/office/drawing/2014/main" val="3412607007"/>
+                    </a:ext>
+                  </a:extLst>
+                </a:gridCol>
+              </a:tblGrid>
+              <a:tr h="445726">
+                <a:tc>
+                  <a:txBody>
+                    <a:bodyPr/>
+                    <a:lstStyle/>
+                    <a:p>
+                      <a:pPr algn="ctr"/>
+                      <a:r>
+                        <a:rPr lang="fr-CA" b="1" dirty="0">
+                          <a:latin typeface="Abadi Extra Light" panose="020B0604020202020204" pitchFamily="34" charset="0"/>
+                        </a:rPr>
+                        <a:t>z</a:t>
+                      </a:r>
+                    </a:p>
+                  </a:txBody>
+                  <a:tcPr/>
+                </a:tc>
+                <a:tc>
+                  <a:txBody>
+                    <a:bodyPr/>
+                    <a:lstStyle/>
+                    <a:p>
+                      <a:pPr algn="ctr"/>
+                      <a:r>
+                        <a:rPr lang="fr-CA" b="1" dirty="0">
+                          <a:latin typeface="Abadi Extra Light" panose="020B0604020202020204" pitchFamily="34" charset="0"/>
+                        </a:rPr>
+                        <a:t>T</a:t>
+                      </a:r>
+                    </a:p>
+                  </a:txBody>
+                  <a:tcPr/>
+                </a:tc>
+                <a:extLst>
+                  <a:ext uri="{0D108BD9-81ED-4DB2-BD59-A6C34878D82A}">
+                    <a16:rowId xmlns:a16="http://schemas.microsoft.com/office/drawing/2014/main" val="2988548250"/>
+                  </a:ext>
+                </a:extLst>
+              </a:tr>
+              <a:tr h="445726">
+                <a:tc>
+                  <a:txBody>
+                    <a:bodyPr/>
+                    <a:lstStyle/>
+                    <a:p>
+                      <a:pPr algn="ctr"/>
+                      <a:r>
+                        <a:rPr lang="fr-CA" b="1" dirty="0">
+                          <a:latin typeface="Abadi Extra Light" panose="020B0604020202020204" pitchFamily="34" charset="0"/>
+                        </a:rPr>
+                        <a:t>0</a:t>
+                      </a:r>
+                    </a:p>
+                  </a:txBody>
+                  <a:tcPr/>
+                </a:tc>
+                <a:tc>
+                  <a:txBody>
+                    <a:bodyPr/>
+                    <a:lstStyle/>
+                    <a:p>
+                      <a:pPr algn="ctr"/>
+                      <a:r>
+                        <a:rPr lang="fr-CA" b="1" dirty="0">
+                          <a:latin typeface="Abadi Extra Light" panose="020B0604020202020204" pitchFamily="34" charset="0"/>
+                        </a:rPr>
+                        <a:t>27,92</a:t>
+                      </a:r>
+                    </a:p>
+                  </a:txBody>
+                  <a:tcPr/>
+                </a:tc>
+                <a:extLst>
+                  <a:ext uri="{0D108BD9-81ED-4DB2-BD59-A6C34878D82A}">
+                    <a16:rowId xmlns:a16="http://schemas.microsoft.com/office/drawing/2014/main" val="2584984559"/>
+                  </a:ext>
+                </a:extLst>
+              </a:tr>
+              <a:tr h="445726">
+                <a:tc>
+                  <a:txBody>
+                    <a:bodyPr/>
+                    <a:lstStyle/>
+                    <a:p>
+                      <a:pPr algn="ctr"/>
+                      <a:r>
+                        <a:rPr lang="fr-CA" b="1" dirty="0">
+                          <a:latin typeface="Abadi Extra Light" panose="020B0604020202020204" pitchFamily="34" charset="0"/>
+                        </a:rPr>
+                        <a:t>0,0225</a:t>
+                      </a:r>
+                    </a:p>
+                  </a:txBody>
+                  <a:tcPr/>
+                </a:tc>
+                <a:tc>
+                  <a:txBody>
+                    <a:bodyPr/>
+                    <a:lstStyle/>
+                    <a:p>
+                      <a:pPr algn="ctr"/>
+                      <a:r>
+                        <a:rPr lang="fr-CA" b="1" dirty="0">
+                          <a:latin typeface="Abadi Extra Light" panose="020B0604020202020204" pitchFamily="34" charset="0"/>
+                        </a:rPr>
+                        <a:t>24,01</a:t>
+                      </a:r>
+                    </a:p>
+                  </a:txBody>
+                  <a:tcPr/>
+                </a:tc>
+                <a:extLst>
+                  <a:ext uri="{0D108BD9-81ED-4DB2-BD59-A6C34878D82A}">
+                    <a16:rowId xmlns:a16="http://schemas.microsoft.com/office/drawing/2014/main" val="1088347196"/>
+                  </a:ext>
+                </a:extLst>
+              </a:tr>
+              <a:tr h="445726">
+                <a:tc>
+                  <a:txBody>
+                    <a:bodyPr/>
+                    <a:lstStyle/>
+                    <a:p>
+                      <a:pPr algn="ctr"/>
+                      <a:r>
+                        <a:rPr lang="fr-CA" b="1" dirty="0">
+                          <a:latin typeface="Abadi Extra Light" panose="020B0604020202020204" pitchFamily="34" charset="0"/>
+                        </a:rPr>
+                        <a:t>0,045</a:t>
+                      </a:r>
+                    </a:p>
+                  </a:txBody>
+                  <a:tcPr/>
+                </a:tc>
+                <a:tc>
+                  <a:txBody>
+                    <a:bodyPr/>
+                    <a:lstStyle/>
+                    <a:p>
+                      <a:pPr algn="ctr"/>
+                      <a:r>
+                        <a:rPr lang="fr-CA" b="1" dirty="0">
+                          <a:latin typeface="Abadi Extra Light" panose="020B0604020202020204" pitchFamily="34" charset="0"/>
+                        </a:rPr>
+                        <a:t>23,12</a:t>
+                      </a:r>
+                    </a:p>
+                  </a:txBody>
+                  <a:tcPr/>
+                </a:tc>
+                <a:extLst>
+                  <a:ext uri="{0D108BD9-81ED-4DB2-BD59-A6C34878D82A}">
+                    <a16:rowId xmlns:a16="http://schemas.microsoft.com/office/drawing/2014/main" val="828307412"/>
+                  </a:ext>
+                </a:extLst>
+              </a:tr>
+            </a:tbl>
+          </a:graphicData>
+        </a:graphic>
+      </p:graphicFrame>
+      <mc:AlternateContent xmlns:mc="http://schemas.openxmlformats.org/markup-compatibility/2006">
+        <mc:Choice xmlns:a14="http://schemas.microsoft.com/office/drawing/2010/main" Requires="a14">
+          <p:sp>
+            <p:nvSpPr>
+              <p:cNvPr id="6" name="ZoneTexte 5">
+                <a:extLst>
+                  <a:ext uri="{FF2B5EF4-FFF2-40B4-BE49-F238E27FC236}">
+                    <a16:creationId xmlns:a16="http://schemas.microsoft.com/office/drawing/2014/main" id="{4DDBDC24-6B64-F813-AD24-00B5962CE738}"/>
+                  </a:ext>
+                </a:extLst>
+              </p:cNvPr>
+              <p:cNvSpPr txBox="1"/>
+              <p:nvPr/>
+            </p:nvSpPr>
+            <p:spPr>
+              <a:xfrm>
+                <a:off x="5359223" y="4510596"/>
+                <a:ext cx="6164508" cy="430887"/>
+              </a:xfrm>
+              <a:prstGeom prst="rect">
+                <a:avLst/>
+              </a:prstGeom>
+              <a:noFill/>
+            </p:spPr>
+            <p:txBody>
+              <a:bodyPr wrap="none" lIns="0" tIns="0" rIns="0" bIns="0" rtlCol="0">
+                <a:spAutoFit/>
+              </a:bodyPr>
+              <a:lstStyle/>
+              <a:p>
+                <a14:m>
+                  <m:oMathPara xmlns:m="http://schemas.openxmlformats.org/officeDocument/2006/math">
+                    <m:oMathParaPr>
+                      <m:jc m:val="centerGroup"/>
+                    </m:oMathParaPr>
+                    <m:oMath xmlns:m="http://schemas.openxmlformats.org/officeDocument/2006/math">
+                      <m:r>
+                        <a:rPr lang="fr-CA" sz="2800" b="0" i="1" smtClean="0">
+                          <a:latin typeface="Cambria Math" panose="02040503050406030204" pitchFamily="18" charset="0"/>
+                        </a:rPr>
+                        <m:t>𝑇</m:t>
+                      </m:r>
+                      <m:d>
+                        <m:dPr>
+                          <m:ctrlPr>
+                            <a:rPr lang="fr-CA" sz="2800" b="0" i="1" smtClean="0">
+                              <a:latin typeface="Cambria Math" panose="02040503050406030204" pitchFamily="18" charset="0"/>
+                            </a:rPr>
+                          </m:ctrlPr>
+                        </m:dPr>
+                        <m:e>
+                          <m:r>
+                            <a:rPr lang="fr-CA" sz="2800" b="0" i="1" smtClean="0">
+                              <a:latin typeface="Cambria Math" panose="02040503050406030204" pitchFamily="18" charset="0"/>
+                            </a:rPr>
+                            <m:t>𝑧</m:t>
+                          </m:r>
+                          <m:r>
+                            <a:rPr lang="fr-CA" sz="2800" b="0" i="1" smtClean="0">
+                              <a:latin typeface="Cambria Math" panose="02040503050406030204" pitchFamily="18" charset="0"/>
+                            </a:rPr>
+                            <m:t>,1</m:t>
+                          </m:r>
+                        </m:e>
+                      </m:d>
+                      <m:r>
+                        <a:rPr lang="fr-CA" sz="2800" b="0" i="1" smtClean="0">
+                          <a:latin typeface="Cambria Math" panose="02040503050406030204" pitchFamily="18" charset="0"/>
+                        </a:rPr>
+                        <m:t>=2982,72</m:t>
+                      </m:r>
+                      <m:sSup>
+                        <m:sSupPr>
+                          <m:ctrlPr>
+                            <a:rPr lang="fr-CA" sz="2800" b="0" i="1" smtClean="0">
+                              <a:latin typeface="Cambria Math" panose="02040503050406030204" pitchFamily="18" charset="0"/>
+                            </a:rPr>
+                          </m:ctrlPr>
+                        </m:sSupPr>
+                        <m:e>
+                          <m:r>
+                            <a:rPr lang="fr-CA" sz="2800" b="0" i="1" smtClean="0">
+                              <a:latin typeface="Cambria Math" panose="02040503050406030204" pitchFamily="18" charset="0"/>
+                            </a:rPr>
+                            <m:t>𝑧</m:t>
+                          </m:r>
+                        </m:e>
+                        <m:sup>
+                          <m:r>
+                            <a:rPr lang="fr-CA" sz="2800" b="0" i="1" smtClean="0">
+                              <a:latin typeface="Cambria Math" panose="02040503050406030204" pitchFamily="18" charset="0"/>
+                            </a:rPr>
+                            <m:t>2</m:t>
+                          </m:r>
+                        </m:sup>
+                      </m:sSup>
+                      <m:r>
+                        <a:rPr lang="fr-CA" sz="2800" b="0" i="1" smtClean="0">
+                          <a:latin typeface="Cambria Math" panose="02040503050406030204" pitchFamily="18" charset="0"/>
+                        </a:rPr>
+                        <m:t>−240,89</m:t>
+                      </m:r>
+                      <m:r>
+                        <a:rPr lang="fr-CA" sz="2800" b="0" i="1" smtClean="0">
+                          <a:latin typeface="Cambria Math" panose="02040503050406030204" pitchFamily="18" charset="0"/>
+                        </a:rPr>
+                        <m:t>𝑧</m:t>
+                      </m:r>
+                      <m:r>
+                        <a:rPr lang="fr-CA" sz="2800" b="0" i="1" smtClean="0">
+                          <a:latin typeface="Cambria Math" panose="02040503050406030204" pitchFamily="18" charset="0"/>
+                        </a:rPr>
+                        <m:t>+27,92</m:t>
+                      </m:r>
+                    </m:oMath>
+                  </m:oMathPara>
+                </a14:m>
+                <a:endParaRPr lang="fr-CA" sz="2800" dirty="0"/>
+              </a:p>
+            </p:txBody>
+          </p:sp>
+        </mc:Choice>
+        <mc:Fallback>
+          <p:sp>
+            <p:nvSpPr>
+              <p:cNvPr id="6" name="ZoneTexte 5">
+                <a:extLst>
+                  <a:ext uri="{FF2B5EF4-FFF2-40B4-BE49-F238E27FC236}">
+                    <a16:creationId xmlns:a16="http://schemas.microsoft.com/office/drawing/2014/main" id="{4DDBDC24-6B64-F813-AD24-00B5962CE738}"/>
+                  </a:ext>
+                </a:extLst>
+              </p:cNvPr>
+              <p:cNvSpPr txBox="1">
+                <a:spLocks noRot="1" noChangeAspect="1" noMove="1" noResize="1" noEditPoints="1" noAdjustHandles="1" noChangeArrowheads="1" noChangeShapeType="1" noTextEdit="1"/>
+              </p:cNvSpPr>
+              <p:nvPr/>
+            </p:nvSpPr>
+            <p:spPr>
+              <a:xfrm>
+                <a:off x="5359223" y="4510596"/>
+                <a:ext cx="6164508" cy="430887"/>
+              </a:xfrm>
+              <a:prstGeom prst="rect">
+                <a:avLst/>
+              </a:prstGeom>
+              <a:blipFill>
+                <a:blip r:embed="rId2"/>
+                <a:stretch>
+                  <a:fillRect/>
+                </a:stretch>
+              </a:blipFill>
+            </p:spPr>
+            <p:txBody>
+              <a:bodyPr/>
+              <a:lstStyle/>
+              <a:p>
+                <a:r>
+                  <a:rPr lang="fr-CA">
+                    <a:noFill/>
+                  </a:rPr>
+                  <a:t> </a:t>
+                </a:r>
+              </a:p>
+            </p:txBody>
+          </p:sp>
+        </mc:Fallback>
+      </mc:AlternateContent>
     </p:spTree>
     <p:extLst>
       <p:ext uri="{BB962C8B-B14F-4D97-AF65-F5344CB8AC3E}">
@@ -18180,8 +18768,8 @@
           </a:p>
         </p:txBody>
       </p:sp>
-      <mc:AlternateContent xmlns:mc="http://schemas.openxmlformats.org/markup-compatibility/2006" xmlns:a14="http://schemas.microsoft.com/office/drawing/2010/main">
-        <mc:Choice Requires="a14">
+      <mc:AlternateContent xmlns:mc="http://schemas.openxmlformats.org/markup-compatibility/2006">
+        <mc:Choice xmlns:a14="http://schemas.microsoft.com/office/drawing/2010/main" Requires="a14">
           <p:sp>
             <p:nvSpPr>
               <p:cNvPr id="3" name="Content Placeholder 2">
@@ -18206,7 +18794,7 @@
             </p:spPr>
             <p:txBody>
               <a:bodyPr vert="horz" lIns="91440" tIns="45720" rIns="91440" bIns="45720" rtlCol="0">
-                <a:normAutofit/>
+                <a:normAutofit fontScale="92500"/>
               </a:bodyPr>
               <a:lstStyle/>
               <a:p>
@@ -18694,7 +19282,7 @@
             </p:txBody>
           </p:sp>
         </mc:Choice>
-        <mc:Fallback xmlns="">
+        <mc:Fallback>
           <p:sp>
             <p:nvSpPr>
               <p:cNvPr id="3" name="Content Placeholder 2">
@@ -18719,7 +19307,7 @@
               <a:blipFill>
                 <a:blip r:embed="rId2"/>
                 <a:stretch>
-                  <a:fillRect l="-2242" t="-1748"/>
+                  <a:fillRect l="-1949" t="-1748"/>
                 </a:stretch>
               </a:blipFill>
             </p:spPr>

--- a/Pâte à bagel.pptx
+++ b/Pâte à bagel.pptx
@@ -6,25 +6,26 @@
   </p:sldMasterIdLst>
   <p:sldIdLst>
     <p:sldId id="256" r:id="rId2"/>
-    <p:sldId id="257" r:id="rId3"/>
-    <p:sldId id="258" r:id="rId4"/>
-    <p:sldId id="259" r:id="rId5"/>
-    <p:sldId id="260" r:id="rId6"/>
-    <p:sldId id="261" r:id="rId7"/>
-    <p:sldId id="262" r:id="rId8"/>
-    <p:sldId id="263" r:id="rId9"/>
-    <p:sldId id="267" r:id="rId10"/>
-    <p:sldId id="270" r:id="rId11"/>
-    <p:sldId id="268" r:id="rId12"/>
-    <p:sldId id="271" r:id="rId13"/>
-    <p:sldId id="269" r:id="rId14"/>
-    <p:sldId id="273" r:id="rId15"/>
-    <p:sldId id="272" r:id="rId16"/>
-    <p:sldId id="266" r:id="rId17"/>
-    <p:sldId id="264" r:id="rId18"/>
-    <p:sldId id="265" r:id="rId19"/>
-    <p:sldId id="274" r:id="rId20"/>
-    <p:sldId id="275" r:id="rId21"/>
+    <p:sldId id="276" r:id="rId3"/>
+    <p:sldId id="257" r:id="rId4"/>
+    <p:sldId id="258" r:id="rId5"/>
+    <p:sldId id="259" r:id="rId6"/>
+    <p:sldId id="260" r:id="rId7"/>
+    <p:sldId id="261" r:id="rId8"/>
+    <p:sldId id="262" r:id="rId9"/>
+    <p:sldId id="263" r:id="rId10"/>
+    <p:sldId id="267" r:id="rId11"/>
+    <p:sldId id="270" r:id="rId12"/>
+    <p:sldId id="268" r:id="rId13"/>
+    <p:sldId id="271" r:id="rId14"/>
+    <p:sldId id="269" r:id="rId15"/>
+    <p:sldId id="273" r:id="rId16"/>
+    <p:sldId id="272" r:id="rId17"/>
+    <p:sldId id="266" r:id="rId18"/>
+    <p:sldId id="264" r:id="rId19"/>
+    <p:sldId id="265" r:id="rId20"/>
+    <p:sldId id="274" r:id="rId21"/>
+    <p:sldId id="275" r:id="rId22"/>
   </p:sldIdLst>
   <p:sldSz cx="12192000" cy="6858000"/>
   <p:notesSz cx="6858000" cy="9144000"/>
@@ -701,7 +702,7 @@
           <a:p>
             <a:fld id="{A7CD31F4-64FA-4BA0-9498-67783267A8C8}" type="slidenum">
               <a:rPr lang="en-US" smtClean="0"/>
-              <a:t>‹N°›</a:t>
+              <a:t>‹#›</a:t>
             </a:fld>
             <a:endParaRPr lang="en-US"/>
           </a:p>
@@ -899,7 +900,7 @@
           <a:p>
             <a:fld id="{A7CD31F4-64FA-4BA0-9498-67783267A8C8}" type="slidenum">
               <a:rPr lang="en-US" smtClean="0"/>
-              <a:t>‹N°›</a:t>
+              <a:t>‹#›</a:t>
             </a:fld>
             <a:endParaRPr lang="en-US"/>
           </a:p>
@@ -1107,7 +1108,7 @@
           <a:p>
             <a:fld id="{A7CD31F4-64FA-4BA0-9498-67783267A8C8}" type="slidenum">
               <a:rPr lang="en-US" smtClean="0"/>
-              <a:t>‹N°›</a:t>
+              <a:t>‹#›</a:t>
             </a:fld>
             <a:endParaRPr lang="en-US"/>
           </a:p>
@@ -1329,7 +1330,7 @@
           <a:p>
             <a:fld id="{A7CD31F4-64FA-4BA0-9498-67783267A8C8}" type="slidenum">
               <a:rPr lang="en-US" smtClean="0"/>
-              <a:t>‹N°›</a:t>
+              <a:t>‹#›</a:t>
             </a:fld>
             <a:endParaRPr lang="en-US"/>
           </a:p>
@@ -2240,7 +2241,7 @@
           <a:p>
             <a:fld id="{A7CD31F4-64FA-4BA0-9498-67783267A8C8}" type="slidenum">
               <a:rPr lang="en-US" smtClean="0"/>
-              <a:t>‹N°›</a:t>
+              <a:t>‹#›</a:t>
             </a:fld>
             <a:endParaRPr lang="en-US"/>
           </a:p>
@@ -2843,7 +2844,7 @@
           <a:p>
             <a:fld id="{A7CD31F4-64FA-4BA0-9498-67783267A8C8}" type="slidenum">
               <a:rPr lang="en-US" smtClean="0"/>
-              <a:t>‹N°›</a:t>
+              <a:t>‹#›</a:t>
             </a:fld>
             <a:endParaRPr lang="en-US"/>
           </a:p>
@@ -3891,7 +3892,7 @@
           <a:p>
             <a:fld id="{A7CD31F4-64FA-4BA0-9498-67783267A8C8}" type="slidenum">
               <a:rPr lang="en-US" smtClean="0"/>
-              <a:t>‹N°›</a:t>
+              <a:t>‹#›</a:t>
             </a:fld>
             <a:endParaRPr lang="en-US"/>
           </a:p>
@@ -4675,7 +4676,7 @@
           <a:p>
             <a:fld id="{A7CD31F4-64FA-4BA0-9498-67783267A8C8}" type="slidenum">
               <a:rPr lang="en-US" smtClean="0"/>
-              <a:t>‹N°›</a:t>
+              <a:t>‹#›</a:t>
             </a:fld>
             <a:endParaRPr lang="en-US"/>
           </a:p>
@@ -5124,7 +5125,7 @@
           <a:p>
             <a:fld id="{A7CD31F4-64FA-4BA0-9498-67783267A8C8}" type="slidenum">
               <a:rPr lang="en-US" smtClean="0"/>
-              <a:t>‹N°›</a:t>
+              <a:t>‹#›</a:t>
             </a:fld>
             <a:endParaRPr lang="en-US"/>
           </a:p>
@@ -5441,7 +5442,7 @@
           <a:p>
             <a:fld id="{A7CD31F4-64FA-4BA0-9498-67783267A8C8}" type="slidenum">
               <a:rPr lang="en-US" smtClean="0"/>
-              <a:t>‹N°›</a:t>
+              <a:t>‹#›</a:t>
             </a:fld>
             <a:endParaRPr lang="en-US"/>
           </a:p>
@@ -6069,7 +6070,7 @@
           <a:p>
             <a:fld id="{A7CD31F4-64FA-4BA0-9498-67783267A8C8}" type="slidenum">
               <a:rPr lang="en-US" smtClean="0"/>
-              <a:t>‹N°›</a:t>
+              <a:t>‹#›</a:t>
             </a:fld>
             <a:endParaRPr lang="en-US"/>
           </a:p>
@@ -6678,7 +6679,7 @@
           <a:p>
             <a:fld id="{A7CD31F4-64FA-4BA0-9498-67783267A8C8}" type="slidenum">
               <a:rPr lang="en-US" smtClean="0"/>
-              <a:t>‹N°›</a:t>
+              <a:t>‹#›</a:t>
             </a:fld>
             <a:endParaRPr lang="en-US" dirty="0"/>
           </a:p>
@@ -7015,10 +7016,10 @@
       </p:grpSpPr>
       <p:sp useBgFill="1">
         <p:nvSpPr>
-          <p:cNvPr id="9" name="Rectangle 8">
+          <p:cNvPr id="16" name="Rectangle 15">
             <a:extLst>
               <a:ext uri="{FF2B5EF4-FFF2-40B4-BE49-F238E27FC236}">
-                <a16:creationId xmlns:a16="http://schemas.microsoft.com/office/drawing/2014/main" id="{9B7AD9F6-8CE7-4299-8FC6-328F4DCD3FF9}"/>
+                <a16:creationId xmlns:a16="http://schemas.microsoft.com/office/drawing/2014/main" id="{AD35AE2F-5E3A-49D9-8DE1-8A333BA4088E}"/>
               </a:ext>
               <a:ext uri="{C183D7F6-B498-43B3-948B-1728B52AA6E4}">
                 <adec:decorative xmlns:adec="http://schemas.microsoft.com/office/drawing/2017/decorative" val="1"/>
@@ -7073,6 +7074,807 @@
           </a:p>
         </p:txBody>
       </p:sp>
+      <p:pic>
+        <p:nvPicPr>
+          <p:cNvPr id="4" name="Picture 3" descr="Colorful paint pigments">
+            <a:extLst>
+              <a:ext uri="{FF2B5EF4-FFF2-40B4-BE49-F238E27FC236}">
+                <a16:creationId xmlns:a16="http://schemas.microsoft.com/office/drawing/2014/main" id="{3827CC27-49F7-4BC0-E1EA-C60EAEC7ACF9}"/>
+              </a:ext>
+            </a:extLst>
+          </p:cNvPr>
+          <p:cNvPicPr>
+            <a:picLocks noChangeAspect="1"/>
+          </p:cNvPicPr>
+          <p:nvPr/>
+        </p:nvPicPr>
+        <p:blipFill rotWithShape="1">
+          <a:blip r:embed="rId2">
+            <a:alphaModFix/>
+          </a:blip>
+          <a:srcRect t="9978" r="-1" b="-1"/>
+          <a:stretch/>
+        </p:blipFill>
+        <p:spPr>
+          <a:xfrm>
+            <a:off x="20" y="10"/>
+            <a:ext cx="12188930" cy="6857990"/>
+          </a:xfrm>
+          <a:prstGeom prst="rect">
+            <a:avLst/>
+          </a:prstGeom>
+        </p:spPr>
+      </p:pic>
+      <p:sp>
+        <p:nvSpPr>
+          <p:cNvPr id="18" name="Rectangle 6">
+            <a:extLst>
+              <a:ext uri="{FF2B5EF4-FFF2-40B4-BE49-F238E27FC236}">
+                <a16:creationId xmlns:a16="http://schemas.microsoft.com/office/drawing/2014/main" id="{79EB4626-023C-436D-9F57-9EB46080909D}"/>
+              </a:ext>
+              <a:ext uri="{C183D7F6-B498-43B3-948B-1728B52AA6E4}">
+                <adec:decorative xmlns:adec="http://schemas.microsoft.com/office/drawing/2017/decorative" val="1"/>
+              </a:ext>
+            </a:extLst>
+          </p:cNvPr>
+          <p:cNvSpPr>
+            <a:spLocks noGrp="1" noRot="1" noChangeAspect="1" noMove="1" noResize="1" noEditPoints="1" noAdjustHandles="1" noChangeArrowheads="1" noChangeShapeType="1" noTextEdit="1"/>
+          </p:cNvSpPr>
+          <p:nvPr>
+            <p:extLst>
+              <p:ext uri="{386F3935-93C4-4BCD-93E2-E3B085C9AB24}">
+                <p16:designElem xmlns:p16="http://schemas.microsoft.com/office/powerpoint/2015/main" val="1"/>
+              </p:ext>
+            </p:extLst>
+          </p:nvPr>
+        </p:nvSpPr>
+        <p:spPr>
+          <a:xfrm flipV="1">
+            <a:off x="838200" y="720953"/>
+            <a:ext cx="10515600" cy="5416094"/>
+          </a:xfrm>
+          <a:custGeom>
+            <a:avLst/>
+            <a:gdLst>
+              <a:gd name="connsiteX0" fmla="*/ 0 w 10515600"/>
+              <a:gd name="connsiteY0" fmla="*/ 902700 h 5416094"/>
+              <a:gd name="connsiteX1" fmla="*/ 902700 w 10515600"/>
+              <a:gd name="connsiteY1" fmla="*/ 0 h 5416094"/>
+              <a:gd name="connsiteX2" fmla="*/ 1746919 w 10515600"/>
+              <a:gd name="connsiteY2" fmla="*/ 0 h 5416094"/>
+              <a:gd name="connsiteX3" fmla="*/ 2242731 w 10515600"/>
+              <a:gd name="connsiteY3" fmla="*/ 0 h 5416094"/>
+              <a:gd name="connsiteX4" fmla="*/ 2912746 w 10515600"/>
+              <a:gd name="connsiteY4" fmla="*/ 0 h 5416094"/>
+              <a:gd name="connsiteX5" fmla="*/ 3321456 w 10515600"/>
+              <a:gd name="connsiteY5" fmla="*/ 0 h 5416094"/>
+              <a:gd name="connsiteX6" fmla="*/ 4165675 w 10515600"/>
+              <a:gd name="connsiteY6" fmla="*/ 0 h 5416094"/>
+              <a:gd name="connsiteX7" fmla="*/ 4835690 w 10515600"/>
+              <a:gd name="connsiteY7" fmla="*/ 0 h 5416094"/>
+              <a:gd name="connsiteX8" fmla="*/ 5679910 w 10515600"/>
+              <a:gd name="connsiteY8" fmla="*/ 0 h 5416094"/>
+              <a:gd name="connsiteX9" fmla="*/ 6262823 w 10515600"/>
+              <a:gd name="connsiteY9" fmla="*/ 0 h 5416094"/>
+              <a:gd name="connsiteX10" fmla="*/ 6758634 w 10515600"/>
+              <a:gd name="connsiteY10" fmla="*/ 0 h 5416094"/>
+              <a:gd name="connsiteX11" fmla="*/ 7428650 w 10515600"/>
+              <a:gd name="connsiteY11" fmla="*/ 0 h 5416094"/>
+              <a:gd name="connsiteX12" fmla="*/ 8185767 w 10515600"/>
+              <a:gd name="connsiteY12" fmla="*/ 0 h 5416094"/>
+              <a:gd name="connsiteX13" fmla="*/ 9029987 w 10515600"/>
+              <a:gd name="connsiteY13" fmla="*/ 0 h 5416094"/>
+              <a:gd name="connsiteX14" fmla="*/ 9612900 w 10515600"/>
+              <a:gd name="connsiteY14" fmla="*/ 0 h 5416094"/>
+              <a:gd name="connsiteX15" fmla="*/ 10515600 w 10515600"/>
+              <a:gd name="connsiteY15" fmla="*/ 902700 h 5416094"/>
+              <a:gd name="connsiteX16" fmla="*/ 10515600 w 10515600"/>
+              <a:gd name="connsiteY16" fmla="*/ 1396162 h 5416094"/>
+              <a:gd name="connsiteX17" fmla="*/ 10515600 w 10515600"/>
+              <a:gd name="connsiteY17" fmla="*/ 2034051 h 5416094"/>
+              <a:gd name="connsiteX18" fmla="*/ 10515600 w 10515600"/>
+              <a:gd name="connsiteY18" fmla="*/ 2599726 h 5416094"/>
+              <a:gd name="connsiteX19" fmla="*/ 10515600 w 10515600"/>
+              <a:gd name="connsiteY19" fmla="*/ 3129295 h 5416094"/>
+              <a:gd name="connsiteX20" fmla="*/ 10515600 w 10515600"/>
+              <a:gd name="connsiteY20" fmla="*/ 3622756 h 5416094"/>
+              <a:gd name="connsiteX21" fmla="*/ 10515600 w 10515600"/>
+              <a:gd name="connsiteY21" fmla="*/ 4513394 h 5416094"/>
+              <a:gd name="connsiteX22" fmla="*/ 9612900 w 10515600"/>
+              <a:gd name="connsiteY22" fmla="*/ 5416094 h 5416094"/>
+              <a:gd name="connsiteX23" fmla="*/ 8855783 w 10515600"/>
+              <a:gd name="connsiteY23" fmla="*/ 5416094 h 5416094"/>
+              <a:gd name="connsiteX24" fmla="*/ 8272869 w 10515600"/>
+              <a:gd name="connsiteY24" fmla="*/ 5416094 h 5416094"/>
+              <a:gd name="connsiteX25" fmla="*/ 7428650 w 10515600"/>
+              <a:gd name="connsiteY25" fmla="*/ 5416094 h 5416094"/>
+              <a:gd name="connsiteX26" fmla="*/ 6932838 w 10515600"/>
+              <a:gd name="connsiteY26" fmla="*/ 5416094 h 5416094"/>
+              <a:gd name="connsiteX27" fmla="*/ 6088619 w 10515600"/>
+              <a:gd name="connsiteY27" fmla="*/ 5416094 h 5416094"/>
+              <a:gd name="connsiteX28" fmla="*/ 5592808 w 10515600"/>
+              <a:gd name="connsiteY28" fmla="*/ 5416094 h 5416094"/>
+              <a:gd name="connsiteX29" fmla="*/ 4835690 w 10515600"/>
+              <a:gd name="connsiteY29" fmla="*/ 5416094 h 5416094"/>
+              <a:gd name="connsiteX30" fmla="*/ 3991471 w 10515600"/>
+              <a:gd name="connsiteY30" fmla="*/ 5416094 h 5416094"/>
+              <a:gd name="connsiteX31" fmla="*/ 3582762 w 10515600"/>
+              <a:gd name="connsiteY31" fmla="*/ 5416094 h 5416094"/>
+              <a:gd name="connsiteX32" fmla="*/ 2738542 w 10515600"/>
+              <a:gd name="connsiteY32" fmla="*/ 5416094 h 5416094"/>
+              <a:gd name="connsiteX33" fmla="*/ 1894323 w 10515600"/>
+              <a:gd name="connsiteY33" fmla="*/ 5416094 h 5416094"/>
+              <a:gd name="connsiteX34" fmla="*/ 1485613 w 10515600"/>
+              <a:gd name="connsiteY34" fmla="*/ 5416094 h 5416094"/>
+              <a:gd name="connsiteX35" fmla="*/ 902700 w 10515600"/>
+              <a:gd name="connsiteY35" fmla="*/ 5416094 h 5416094"/>
+              <a:gd name="connsiteX36" fmla="*/ 0 w 10515600"/>
+              <a:gd name="connsiteY36" fmla="*/ 4513394 h 5416094"/>
+              <a:gd name="connsiteX37" fmla="*/ 0 w 10515600"/>
+              <a:gd name="connsiteY37" fmla="*/ 3983826 h 5416094"/>
+              <a:gd name="connsiteX38" fmla="*/ 0 w 10515600"/>
+              <a:gd name="connsiteY38" fmla="*/ 3490364 h 5416094"/>
+              <a:gd name="connsiteX39" fmla="*/ 0 w 10515600"/>
+              <a:gd name="connsiteY39" fmla="*/ 2816368 h 5416094"/>
+              <a:gd name="connsiteX40" fmla="*/ 0 w 10515600"/>
+              <a:gd name="connsiteY40" fmla="*/ 2142372 h 5416094"/>
+              <a:gd name="connsiteX41" fmla="*/ 0 w 10515600"/>
+              <a:gd name="connsiteY41" fmla="*/ 1648910 h 5416094"/>
+              <a:gd name="connsiteX42" fmla="*/ 0 w 10515600"/>
+              <a:gd name="connsiteY42" fmla="*/ 902700 h 5416094"/>
+            </a:gdLst>
+            <a:ahLst/>
+            <a:cxnLst>
+              <a:cxn ang="0">
+                <a:pos x="connsiteX0" y="connsiteY0"/>
+              </a:cxn>
+              <a:cxn ang="0">
+                <a:pos x="connsiteX1" y="connsiteY1"/>
+              </a:cxn>
+              <a:cxn ang="0">
+                <a:pos x="connsiteX2" y="connsiteY2"/>
+              </a:cxn>
+              <a:cxn ang="0">
+                <a:pos x="connsiteX3" y="connsiteY3"/>
+              </a:cxn>
+              <a:cxn ang="0">
+                <a:pos x="connsiteX4" y="connsiteY4"/>
+              </a:cxn>
+              <a:cxn ang="0">
+                <a:pos x="connsiteX5" y="connsiteY5"/>
+              </a:cxn>
+              <a:cxn ang="0">
+                <a:pos x="connsiteX6" y="connsiteY6"/>
+              </a:cxn>
+              <a:cxn ang="0">
+                <a:pos x="connsiteX7" y="connsiteY7"/>
+              </a:cxn>
+              <a:cxn ang="0">
+                <a:pos x="connsiteX8" y="connsiteY8"/>
+              </a:cxn>
+              <a:cxn ang="0">
+                <a:pos x="connsiteX9" y="connsiteY9"/>
+              </a:cxn>
+              <a:cxn ang="0">
+                <a:pos x="connsiteX10" y="connsiteY10"/>
+              </a:cxn>
+              <a:cxn ang="0">
+                <a:pos x="connsiteX11" y="connsiteY11"/>
+              </a:cxn>
+              <a:cxn ang="0">
+                <a:pos x="connsiteX12" y="connsiteY12"/>
+              </a:cxn>
+              <a:cxn ang="0">
+                <a:pos x="connsiteX13" y="connsiteY13"/>
+              </a:cxn>
+              <a:cxn ang="0">
+                <a:pos x="connsiteX14" y="connsiteY14"/>
+              </a:cxn>
+              <a:cxn ang="0">
+                <a:pos x="connsiteX15" y="connsiteY15"/>
+              </a:cxn>
+              <a:cxn ang="0">
+                <a:pos x="connsiteX16" y="connsiteY16"/>
+              </a:cxn>
+              <a:cxn ang="0">
+                <a:pos x="connsiteX17" y="connsiteY17"/>
+              </a:cxn>
+              <a:cxn ang="0">
+                <a:pos x="connsiteX18" y="connsiteY18"/>
+              </a:cxn>
+              <a:cxn ang="0">
+                <a:pos x="connsiteX19" y="connsiteY19"/>
+              </a:cxn>
+              <a:cxn ang="0">
+                <a:pos x="connsiteX20" y="connsiteY20"/>
+              </a:cxn>
+              <a:cxn ang="0">
+                <a:pos x="connsiteX21" y="connsiteY21"/>
+              </a:cxn>
+              <a:cxn ang="0">
+                <a:pos x="connsiteX22" y="connsiteY22"/>
+              </a:cxn>
+              <a:cxn ang="0">
+                <a:pos x="connsiteX23" y="connsiteY23"/>
+              </a:cxn>
+              <a:cxn ang="0">
+                <a:pos x="connsiteX24" y="connsiteY24"/>
+              </a:cxn>
+              <a:cxn ang="0">
+                <a:pos x="connsiteX25" y="connsiteY25"/>
+              </a:cxn>
+              <a:cxn ang="0">
+                <a:pos x="connsiteX26" y="connsiteY26"/>
+              </a:cxn>
+              <a:cxn ang="0">
+                <a:pos x="connsiteX27" y="connsiteY27"/>
+              </a:cxn>
+              <a:cxn ang="0">
+                <a:pos x="connsiteX28" y="connsiteY28"/>
+              </a:cxn>
+              <a:cxn ang="0">
+                <a:pos x="connsiteX29" y="connsiteY29"/>
+              </a:cxn>
+              <a:cxn ang="0">
+                <a:pos x="connsiteX30" y="connsiteY30"/>
+              </a:cxn>
+              <a:cxn ang="0">
+                <a:pos x="connsiteX31" y="connsiteY31"/>
+              </a:cxn>
+              <a:cxn ang="0">
+                <a:pos x="connsiteX32" y="connsiteY32"/>
+              </a:cxn>
+              <a:cxn ang="0">
+                <a:pos x="connsiteX33" y="connsiteY33"/>
+              </a:cxn>
+              <a:cxn ang="0">
+                <a:pos x="connsiteX34" y="connsiteY34"/>
+              </a:cxn>
+              <a:cxn ang="0">
+                <a:pos x="connsiteX35" y="connsiteY35"/>
+              </a:cxn>
+              <a:cxn ang="0">
+                <a:pos x="connsiteX36" y="connsiteY36"/>
+              </a:cxn>
+              <a:cxn ang="0">
+                <a:pos x="connsiteX37" y="connsiteY37"/>
+              </a:cxn>
+              <a:cxn ang="0">
+                <a:pos x="connsiteX38" y="connsiteY38"/>
+              </a:cxn>
+              <a:cxn ang="0">
+                <a:pos x="connsiteX39" y="connsiteY39"/>
+              </a:cxn>
+              <a:cxn ang="0">
+                <a:pos x="connsiteX40" y="connsiteY40"/>
+              </a:cxn>
+              <a:cxn ang="0">
+                <a:pos x="connsiteX41" y="connsiteY41"/>
+              </a:cxn>
+              <a:cxn ang="0">
+                <a:pos x="connsiteX42" y="connsiteY42"/>
+              </a:cxn>
+            </a:cxnLst>
+            <a:rect l="l" t="t" r="r" b="b"/>
+            <a:pathLst>
+              <a:path w="10515600" h="5416094" fill="none" extrusionOk="0">
+                <a:moveTo>
+                  <a:pt x="0" y="902700"/>
+                </a:moveTo>
+                <a:cubicBezTo>
+                  <a:pt x="-19339" y="382027"/>
+                  <a:pt x="461614" y="-62174"/>
+                  <a:pt x="902700" y="0"/>
+                </a:cubicBezTo>
+                <a:cubicBezTo>
+                  <a:pt x="1262668" y="8044"/>
+                  <a:pt x="1440695" y="-31846"/>
+                  <a:pt x="1746919" y="0"/>
+                </a:cubicBezTo>
+                <a:cubicBezTo>
+                  <a:pt x="2053143" y="31846"/>
+                  <a:pt x="2032928" y="-12671"/>
+                  <a:pt x="2242731" y="0"/>
+                </a:cubicBezTo>
+                <a:cubicBezTo>
+                  <a:pt x="2452534" y="12671"/>
+                  <a:pt x="2641794" y="-21752"/>
+                  <a:pt x="2912746" y="0"/>
+                </a:cubicBezTo>
+                <a:cubicBezTo>
+                  <a:pt x="3183699" y="21752"/>
+                  <a:pt x="3189987" y="20419"/>
+                  <a:pt x="3321456" y="0"/>
+                </a:cubicBezTo>
+                <a:cubicBezTo>
+                  <a:pt x="3452925" y="-20419"/>
+                  <a:pt x="3775727" y="742"/>
+                  <a:pt x="4165675" y="0"/>
+                </a:cubicBezTo>
+                <a:cubicBezTo>
+                  <a:pt x="4555623" y="-742"/>
+                  <a:pt x="4540466" y="25386"/>
+                  <a:pt x="4835690" y="0"/>
+                </a:cubicBezTo>
+                <a:cubicBezTo>
+                  <a:pt x="5130914" y="-25386"/>
+                  <a:pt x="5430015" y="14537"/>
+                  <a:pt x="5679910" y="0"/>
+                </a:cubicBezTo>
+                <a:cubicBezTo>
+                  <a:pt x="5929805" y="-14537"/>
+                  <a:pt x="5992815" y="15277"/>
+                  <a:pt x="6262823" y="0"/>
+                </a:cubicBezTo>
+                <a:cubicBezTo>
+                  <a:pt x="6532831" y="-15277"/>
+                  <a:pt x="6584465" y="-1217"/>
+                  <a:pt x="6758634" y="0"/>
+                </a:cubicBezTo>
+                <a:cubicBezTo>
+                  <a:pt x="6932803" y="1217"/>
+                  <a:pt x="7223295" y="29394"/>
+                  <a:pt x="7428650" y="0"/>
+                </a:cubicBezTo>
+                <a:cubicBezTo>
+                  <a:pt x="7634005" y="-29394"/>
+                  <a:pt x="7995773" y="8897"/>
+                  <a:pt x="8185767" y="0"/>
+                </a:cubicBezTo>
+                <a:cubicBezTo>
+                  <a:pt x="8375761" y="-8897"/>
+                  <a:pt x="8805707" y="34597"/>
+                  <a:pt x="9029987" y="0"/>
+                </a:cubicBezTo>
+                <a:cubicBezTo>
+                  <a:pt x="9254267" y="-34597"/>
+                  <a:pt x="9324614" y="-16829"/>
+                  <a:pt x="9612900" y="0"/>
+                </a:cubicBezTo>
+                <a:cubicBezTo>
+                  <a:pt x="10155739" y="86128"/>
+                  <a:pt x="10564208" y="390468"/>
+                  <a:pt x="10515600" y="902700"/>
+                </a:cubicBezTo>
+                <a:cubicBezTo>
+                  <a:pt x="10506536" y="1129738"/>
+                  <a:pt x="10511576" y="1179574"/>
+                  <a:pt x="10515600" y="1396162"/>
+                </a:cubicBezTo>
+                <a:cubicBezTo>
+                  <a:pt x="10519624" y="1612750"/>
+                  <a:pt x="10523491" y="1748819"/>
+                  <a:pt x="10515600" y="2034051"/>
+                </a:cubicBezTo>
+                <a:cubicBezTo>
+                  <a:pt x="10507709" y="2319283"/>
+                  <a:pt x="10516247" y="2386435"/>
+                  <a:pt x="10515600" y="2599726"/>
+                </a:cubicBezTo>
+                <a:cubicBezTo>
+                  <a:pt x="10514953" y="2813018"/>
+                  <a:pt x="10537663" y="2917734"/>
+                  <a:pt x="10515600" y="3129295"/>
+                </a:cubicBezTo>
+                <a:cubicBezTo>
+                  <a:pt x="10493537" y="3340856"/>
+                  <a:pt x="10505648" y="3444110"/>
+                  <a:pt x="10515600" y="3622756"/>
+                </a:cubicBezTo>
+                <a:cubicBezTo>
+                  <a:pt x="10525552" y="3801402"/>
+                  <a:pt x="10536187" y="4161567"/>
+                  <a:pt x="10515600" y="4513394"/>
+                </a:cubicBezTo>
+                <a:cubicBezTo>
+                  <a:pt x="10500032" y="5008650"/>
+                  <a:pt x="10187846" y="5431372"/>
+                  <a:pt x="9612900" y="5416094"/>
+                </a:cubicBezTo>
+                <a:cubicBezTo>
+                  <a:pt x="9285478" y="5425165"/>
+                  <a:pt x="9106842" y="5381882"/>
+                  <a:pt x="8855783" y="5416094"/>
+                </a:cubicBezTo>
+                <a:cubicBezTo>
+                  <a:pt x="8604724" y="5450306"/>
+                  <a:pt x="8395568" y="5391734"/>
+                  <a:pt x="8272869" y="5416094"/>
+                </a:cubicBezTo>
+                <a:cubicBezTo>
+                  <a:pt x="8150170" y="5440454"/>
+                  <a:pt x="7650175" y="5418370"/>
+                  <a:pt x="7428650" y="5416094"/>
+                </a:cubicBezTo>
+                <a:cubicBezTo>
+                  <a:pt x="7207125" y="5413818"/>
+                  <a:pt x="7054368" y="5412852"/>
+                  <a:pt x="6932838" y="5416094"/>
+                </a:cubicBezTo>
+                <a:cubicBezTo>
+                  <a:pt x="6811308" y="5419336"/>
+                  <a:pt x="6283286" y="5378872"/>
+                  <a:pt x="6088619" y="5416094"/>
+                </a:cubicBezTo>
+                <a:cubicBezTo>
+                  <a:pt x="5893952" y="5453316"/>
+                  <a:pt x="5785181" y="5416866"/>
+                  <a:pt x="5592808" y="5416094"/>
+                </a:cubicBezTo>
+                <a:cubicBezTo>
+                  <a:pt x="5400435" y="5415322"/>
+                  <a:pt x="5118546" y="5450296"/>
+                  <a:pt x="4835690" y="5416094"/>
+                </a:cubicBezTo>
+                <a:cubicBezTo>
+                  <a:pt x="4552834" y="5381892"/>
+                  <a:pt x="4334158" y="5455657"/>
+                  <a:pt x="3991471" y="5416094"/>
+                </a:cubicBezTo>
+                <a:cubicBezTo>
+                  <a:pt x="3648784" y="5376531"/>
+                  <a:pt x="3714393" y="5419602"/>
+                  <a:pt x="3582762" y="5416094"/>
+                </a:cubicBezTo>
+                <a:cubicBezTo>
+                  <a:pt x="3451131" y="5412586"/>
+                  <a:pt x="3139831" y="5440765"/>
+                  <a:pt x="2738542" y="5416094"/>
+                </a:cubicBezTo>
+                <a:cubicBezTo>
+                  <a:pt x="2337253" y="5391423"/>
+                  <a:pt x="2190895" y="5414277"/>
+                  <a:pt x="1894323" y="5416094"/>
+                </a:cubicBezTo>
+                <a:cubicBezTo>
+                  <a:pt x="1597751" y="5417911"/>
+                  <a:pt x="1581359" y="5415686"/>
+                  <a:pt x="1485613" y="5416094"/>
+                </a:cubicBezTo>
+                <a:cubicBezTo>
+                  <a:pt x="1389867" y="5416503"/>
+                  <a:pt x="1024032" y="5431199"/>
+                  <a:pt x="902700" y="5416094"/>
+                </a:cubicBezTo>
+                <a:cubicBezTo>
+                  <a:pt x="528543" y="5413384"/>
+                  <a:pt x="72262" y="4937846"/>
+                  <a:pt x="0" y="4513394"/>
+                </a:cubicBezTo>
+                <a:cubicBezTo>
+                  <a:pt x="19061" y="4384908"/>
+                  <a:pt x="-14688" y="4099856"/>
+                  <a:pt x="0" y="3983826"/>
+                </a:cubicBezTo>
+                <a:cubicBezTo>
+                  <a:pt x="14688" y="3867796"/>
+                  <a:pt x="23320" y="3727066"/>
+                  <a:pt x="0" y="3490364"/>
+                </a:cubicBezTo>
+                <a:cubicBezTo>
+                  <a:pt x="-23320" y="3253662"/>
+                  <a:pt x="28367" y="3042836"/>
+                  <a:pt x="0" y="2816368"/>
+                </a:cubicBezTo>
+                <a:cubicBezTo>
+                  <a:pt x="-28367" y="2589900"/>
+                  <a:pt x="26490" y="2414375"/>
+                  <a:pt x="0" y="2142372"/>
+                </a:cubicBezTo>
+                <a:cubicBezTo>
+                  <a:pt x="-26490" y="1870369"/>
+                  <a:pt x="-12149" y="1868714"/>
+                  <a:pt x="0" y="1648910"/>
+                </a:cubicBezTo>
+                <a:cubicBezTo>
+                  <a:pt x="12149" y="1429106"/>
+                  <a:pt x="-30083" y="1234771"/>
+                  <a:pt x="0" y="902700"/>
+                </a:cubicBezTo>
+                <a:close/>
+              </a:path>
+              <a:path w="10515600" h="5416094" stroke="0" extrusionOk="0">
+                <a:moveTo>
+                  <a:pt x="0" y="902700"/>
+                </a:moveTo>
+                <a:cubicBezTo>
+                  <a:pt x="-57306" y="368805"/>
+                  <a:pt x="305054" y="37193"/>
+                  <a:pt x="902700" y="0"/>
+                </a:cubicBezTo>
+                <a:cubicBezTo>
+                  <a:pt x="1280419" y="-35006"/>
+                  <a:pt x="1407743" y="-35339"/>
+                  <a:pt x="1746919" y="0"/>
+                </a:cubicBezTo>
+                <a:cubicBezTo>
+                  <a:pt x="2086095" y="35339"/>
+                  <a:pt x="2146539" y="-12333"/>
+                  <a:pt x="2329833" y="0"/>
+                </a:cubicBezTo>
+                <a:cubicBezTo>
+                  <a:pt x="2513127" y="12333"/>
+                  <a:pt x="2706706" y="12952"/>
+                  <a:pt x="2825644" y="0"/>
+                </a:cubicBezTo>
+                <a:cubicBezTo>
+                  <a:pt x="2944582" y="-12952"/>
+                  <a:pt x="3420817" y="-27100"/>
+                  <a:pt x="3582762" y="0"/>
+                </a:cubicBezTo>
+                <a:cubicBezTo>
+                  <a:pt x="3744707" y="27100"/>
+                  <a:pt x="4023584" y="-9167"/>
+                  <a:pt x="4165675" y="0"/>
+                </a:cubicBezTo>
+                <a:cubicBezTo>
+                  <a:pt x="4307766" y="9167"/>
+                  <a:pt x="4770188" y="27031"/>
+                  <a:pt x="5009894" y="0"/>
+                </a:cubicBezTo>
+                <a:cubicBezTo>
+                  <a:pt x="5249600" y="-27031"/>
+                  <a:pt x="5349881" y="-194"/>
+                  <a:pt x="5505706" y="0"/>
+                </a:cubicBezTo>
+                <a:cubicBezTo>
+                  <a:pt x="5661531" y="194"/>
+                  <a:pt x="6129254" y="-29363"/>
+                  <a:pt x="6349925" y="0"/>
+                </a:cubicBezTo>
+                <a:cubicBezTo>
+                  <a:pt x="6570596" y="29363"/>
+                  <a:pt x="6581199" y="-14617"/>
+                  <a:pt x="6758634" y="0"/>
+                </a:cubicBezTo>
+                <a:cubicBezTo>
+                  <a:pt x="6936069" y="14617"/>
+                  <a:pt x="7246491" y="25675"/>
+                  <a:pt x="7428650" y="0"/>
+                </a:cubicBezTo>
+                <a:cubicBezTo>
+                  <a:pt x="7610809" y="-25675"/>
+                  <a:pt x="7825190" y="-17078"/>
+                  <a:pt x="8098665" y="0"/>
+                </a:cubicBezTo>
+                <a:cubicBezTo>
+                  <a:pt x="8372141" y="17078"/>
+                  <a:pt x="8559625" y="-21568"/>
+                  <a:pt x="8681579" y="0"/>
+                </a:cubicBezTo>
+                <a:cubicBezTo>
+                  <a:pt x="8803533" y="21568"/>
+                  <a:pt x="9307226" y="-46066"/>
+                  <a:pt x="9612900" y="0"/>
+                </a:cubicBezTo>
+                <a:cubicBezTo>
+                  <a:pt x="10119954" y="-10560"/>
+                  <a:pt x="10418674" y="366684"/>
+                  <a:pt x="10515600" y="902700"/>
+                </a:cubicBezTo>
+                <a:cubicBezTo>
+                  <a:pt x="10494548" y="1140809"/>
+                  <a:pt x="10524881" y="1252168"/>
+                  <a:pt x="10515600" y="1504482"/>
+                </a:cubicBezTo>
+                <a:cubicBezTo>
+                  <a:pt x="10506319" y="1756796"/>
+                  <a:pt x="10494309" y="1995078"/>
+                  <a:pt x="10515600" y="2178479"/>
+                </a:cubicBezTo>
+                <a:cubicBezTo>
+                  <a:pt x="10536891" y="2361880"/>
+                  <a:pt x="10522845" y="2487483"/>
+                  <a:pt x="10515600" y="2780261"/>
+                </a:cubicBezTo>
+                <a:cubicBezTo>
+                  <a:pt x="10508355" y="3073039"/>
+                  <a:pt x="10533694" y="3138252"/>
+                  <a:pt x="10515600" y="3273722"/>
+                </a:cubicBezTo>
+                <a:cubicBezTo>
+                  <a:pt x="10497506" y="3409192"/>
+                  <a:pt x="10514952" y="3569910"/>
+                  <a:pt x="10515600" y="3803291"/>
+                </a:cubicBezTo>
+                <a:cubicBezTo>
+                  <a:pt x="10516248" y="4036672"/>
+                  <a:pt x="10499126" y="4317688"/>
+                  <a:pt x="10515600" y="4513394"/>
+                </a:cubicBezTo>
+                <a:cubicBezTo>
+                  <a:pt x="10585499" y="4997151"/>
+                  <a:pt x="10115437" y="5453981"/>
+                  <a:pt x="9612900" y="5416094"/>
+                </a:cubicBezTo>
+                <a:cubicBezTo>
+                  <a:pt x="9473271" y="5418358"/>
+                  <a:pt x="9316384" y="5423764"/>
+                  <a:pt x="9117089" y="5416094"/>
+                </a:cubicBezTo>
+                <a:cubicBezTo>
+                  <a:pt x="8917794" y="5408424"/>
+                  <a:pt x="8902141" y="5433256"/>
+                  <a:pt x="8708379" y="5416094"/>
+                </a:cubicBezTo>
+                <a:cubicBezTo>
+                  <a:pt x="8514617" y="5398933"/>
+                  <a:pt x="8454700" y="5422387"/>
+                  <a:pt x="8299670" y="5416094"/>
+                </a:cubicBezTo>
+                <a:cubicBezTo>
+                  <a:pt x="8144640" y="5409801"/>
+                  <a:pt x="7907022" y="5398388"/>
+                  <a:pt x="7629654" y="5416094"/>
+                </a:cubicBezTo>
+                <a:cubicBezTo>
+                  <a:pt x="7352286" y="5433800"/>
+                  <a:pt x="7244777" y="5409877"/>
+                  <a:pt x="7133843" y="5416094"/>
+                </a:cubicBezTo>
+                <a:cubicBezTo>
+                  <a:pt x="7022909" y="5422311"/>
+                  <a:pt x="6748865" y="5379753"/>
+                  <a:pt x="6376726" y="5416094"/>
+                </a:cubicBezTo>
+                <a:cubicBezTo>
+                  <a:pt x="6004587" y="5452435"/>
+                  <a:pt x="5991442" y="5438860"/>
+                  <a:pt x="5880914" y="5416094"/>
+                </a:cubicBezTo>
+                <a:cubicBezTo>
+                  <a:pt x="5770386" y="5393328"/>
+                  <a:pt x="5294303" y="5440618"/>
+                  <a:pt x="5123797" y="5416094"/>
+                </a:cubicBezTo>
+                <a:cubicBezTo>
+                  <a:pt x="4953291" y="5391570"/>
+                  <a:pt x="4828705" y="5430421"/>
+                  <a:pt x="4715088" y="5416094"/>
+                </a:cubicBezTo>
+                <a:cubicBezTo>
+                  <a:pt x="4601471" y="5401767"/>
+                  <a:pt x="4227806" y="5381491"/>
+                  <a:pt x="3957970" y="5416094"/>
+                </a:cubicBezTo>
+                <a:cubicBezTo>
+                  <a:pt x="3688134" y="5450697"/>
+                  <a:pt x="3670638" y="5425309"/>
+                  <a:pt x="3462159" y="5416094"/>
+                </a:cubicBezTo>
+                <a:cubicBezTo>
+                  <a:pt x="3253680" y="5406879"/>
+                  <a:pt x="3167443" y="5432031"/>
+                  <a:pt x="3053449" y="5416094"/>
+                </a:cubicBezTo>
+                <a:cubicBezTo>
+                  <a:pt x="2939455" y="5400158"/>
+                  <a:pt x="2701485" y="5433995"/>
+                  <a:pt x="2557638" y="5416094"/>
+                </a:cubicBezTo>
+                <a:cubicBezTo>
+                  <a:pt x="2413791" y="5398193"/>
+                  <a:pt x="2168647" y="5424510"/>
+                  <a:pt x="1800521" y="5416094"/>
+                </a:cubicBezTo>
+                <a:cubicBezTo>
+                  <a:pt x="1432395" y="5407678"/>
+                  <a:pt x="1261364" y="5454497"/>
+                  <a:pt x="902700" y="5416094"/>
+                </a:cubicBezTo>
+                <a:cubicBezTo>
+                  <a:pt x="519468" y="5419760"/>
+                  <a:pt x="63003" y="5077223"/>
+                  <a:pt x="0" y="4513394"/>
+                </a:cubicBezTo>
+                <a:cubicBezTo>
+                  <a:pt x="-20265" y="4243495"/>
+                  <a:pt x="27650" y="4053844"/>
+                  <a:pt x="0" y="3911612"/>
+                </a:cubicBezTo>
+                <a:cubicBezTo>
+                  <a:pt x="-27650" y="3769380"/>
+                  <a:pt x="24988" y="3469350"/>
+                  <a:pt x="0" y="3309829"/>
+                </a:cubicBezTo>
+                <a:cubicBezTo>
+                  <a:pt x="-24988" y="3150308"/>
+                  <a:pt x="-16973" y="2933511"/>
+                  <a:pt x="0" y="2780261"/>
+                </a:cubicBezTo>
+                <a:cubicBezTo>
+                  <a:pt x="16973" y="2627011"/>
+                  <a:pt x="-11552" y="2315258"/>
+                  <a:pt x="0" y="2106265"/>
+                </a:cubicBezTo>
+                <a:cubicBezTo>
+                  <a:pt x="11552" y="1897272"/>
+                  <a:pt x="-9167" y="1726905"/>
+                  <a:pt x="0" y="1504482"/>
+                </a:cubicBezTo>
+                <a:cubicBezTo>
+                  <a:pt x="9167" y="1282059"/>
+                  <a:pt x="10972" y="1160784"/>
+                  <a:pt x="0" y="902700"/>
+                </a:cubicBezTo>
+                <a:close/>
+              </a:path>
+            </a:pathLst>
+          </a:custGeom>
+          <a:gradFill>
+            <a:gsLst>
+              <a:gs pos="50000">
+                <a:schemeClr val="tx1">
+                  <a:alpha val="30000"/>
+                </a:schemeClr>
+              </a:gs>
+              <a:gs pos="80000">
+                <a:schemeClr val="tx1">
+                  <a:alpha val="15000"/>
+                </a:schemeClr>
+              </a:gs>
+              <a:gs pos="0">
+                <a:schemeClr val="tx1">
+                  <a:alpha val="0"/>
+                </a:schemeClr>
+              </a:gs>
+              <a:gs pos="20000">
+                <a:schemeClr val="tx1">
+                  <a:alpha val="15000"/>
+                </a:schemeClr>
+              </a:gs>
+              <a:gs pos="100000">
+                <a:schemeClr val="tx1">
+                  <a:alpha val="0"/>
+                </a:schemeClr>
+              </a:gs>
+            </a:gsLst>
+            <a:lin ang="16200000" scaled="1"/>
+          </a:gradFill>
+          <a:ln w="60325" cap="rnd">
+            <a:solidFill>
+              <a:schemeClr val="bg1"/>
+            </a:solidFill>
+            <a:round/>
+            <a:extLst>
+              <a:ext uri="{C807C97D-BFC1-408E-A445-0C87EB9F89A2}">
+                <ask:lineSketchStyleProps xmlns:ask="http://schemas.microsoft.com/office/drawing/2018/sketchyshapes" sd="1219033472">
+                  <a:prstGeom prst="roundRect">
+                    <a:avLst/>
+                  </a:prstGeom>
+                  <ask:type>
+                    <ask:lineSketchFreehand/>
+                  </ask:type>
+                </ask:lineSketchStyleProps>
+              </a:ext>
+            </a:extLst>
+          </a:ln>
+        </p:spPr>
+        <p:style>
+          <a:lnRef idx="2">
+            <a:schemeClr val="accent1">
+              <a:shade val="50000"/>
+            </a:schemeClr>
+          </a:lnRef>
+          <a:fillRef idx="1">
+            <a:schemeClr val="accent1"/>
+          </a:fillRef>
+          <a:effectRef idx="0">
+            <a:schemeClr val="accent1"/>
+          </a:effectRef>
+          <a:fontRef idx="minor">
+            <a:schemeClr val="lt1"/>
+          </a:fontRef>
+        </p:style>
+        <p:txBody>
+          <a:bodyPr rtlCol="0" anchor="ctr"/>
+          <a:lstStyle/>
+          <a:p>
+            <a:pPr algn="ctr"/>
+            <a:endParaRPr lang="en-US"/>
+          </a:p>
+        </p:txBody>
+      </p:sp>
       <p:sp>
         <p:nvSpPr>
           <p:cNvPr id="2" name="Title 1">
@@ -7091,21 +7893,30 @@
         </p:nvSpPr>
         <p:spPr>
           <a:xfrm>
-            <a:off x="890338" y="640080"/>
-            <a:ext cx="3734014" cy="3566160"/>
+            <a:off x="1524000" y="1122363"/>
+            <a:ext cx="9144000" cy="3063240"/>
           </a:xfrm>
         </p:spPr>
         <p:txBody>
-          <a:bodyPr anchor="b">
+          <a:bodyPr>
             <a:normAutofit/>
           </a:bodyPr>
           <a:lstStyle/>
           <a:p>
+            <a:pPr algn="ctr"/>
             <a:r>
-              <a:rPr lang="en-US" sz="8000" dirty="0"/>
+              <a:rPr lang="en-US">
+                <a:solidFill>
+                  <a:schemeClr val="bg1"/>
+                </a:solidFill>
+              </a:rPr>
               <a:t>Pâte à bagel</a:t>
             </a:r>
-            <a:endParaRPr lang="fr-CA" sz="8000" dirty="0"/>
+            <a:endParaRPr lang="fr-CA">
+              <a:solidFill>
+                <a:schemeClr val="bg1"/>
+              </a:solidFill>
+            </a:endParaRPr>
           </a:p>
         </p:txBody>
       </p:sp>
@@ -7127,42 +7938,73 @@
         </p:nvSpPr>
         <p:spPr>
           <a:xfrm>
-            <a:off x="890339" y="4636008"/>
-            <a:ext cx="3734014" cy="1572768"/>
+            <a:off x="1524000" y="4599432"/>
+            <a:ext cx="9144000" cy="1225296"/>
           </a:xfrm>
         </p:spPr>
         <p:txBody>
           <a:bodyPr>
-            <a:normAutofit fontScale="92500" lnSpcReduction="10000"/>
+            <a:normAutofit/>
           </a:bodyPr>
           <a:lstStyle/>
           <a:p>
+            <a:pPr algn="ctr">
+              <a:lnSpc>
+                <a:spcPct val="100000"/>
+              </a:lnSpc>
+            </a:pPr>
             <a:r>
-              <a:rPr lang="en-US" dirty="0"/>
+              <a:rPr lang="en-US" sz="1800">
+                <a:solidFill>
+                  <a:schemeClr val="bg1"/>
+                </a:solidFill>
+              </a:rPr>
               <a:t>Juliette Beauregard-Provost</a:t>
             </a:r>
           </a:p>
           <a:p>
+            <a:pPr algn="ctr">
+              <a:lnSpc>
+                <a:spcPct val="100000"/>
+              </a:lnSpc>
+            </a:pPr>
             <a:r>
-              <a:rPr lang="en-US" dirty="0"/>
+              <a:rPr lang="en-US" sz="1800">
+                <a:solidFill>
+                  <a:schemeClr val="bg1"/>
+                </a:solidFill>
+              </a:rPr>
               <a:t>Simon Desjardins</a:t>
             </a:r>
           </a:p>
           <a:p>
+            <a:pPr algn="ctr">
+              <a:lnSpc>
+                <a:spcPct val="100000"/>
+              </a:lnSpc>
+            </a:pPr>
             <a:r>
-              <a:rPr lang="en-US" dirty="0"/>
+              <a:rPr lang="en-US" sz="1800">
+                <a:solidFill>
+                  <a:schemeClr val="bg1"/>
+                </a:solidFill>
+              </a:rPr>
               <a:t>Rosalie Turgeon</a:t>
             </a:r>
-            <a:endParaRPr lang="fr-CA" dirty="0"/>
+            <a:endParaRPr lang="fr-CA" sz="1800">
+              <a:solidFill>
+                <a:schemeClr val="bg1"/>
+              </a:solidFill>
+            </a:endParaRPr>
           </a:p>
         </p:txBody>
       </p:sp>
       <p:sp>
         <p:nvSpPr>
-          <p:cNvPr id="11" name="Rectangle 6">
+          <p:cNvPr id="20" name="Rectangle 6">
             <a:extLst>
               <a:ext uri="{FF2B5EF4-FFF2-40B4-BE49-F238E27FC236}">
-                <a16:creationId xmlns:a16="http://schemas.microsoft.com/office/drawing/2014/main" id="{F49775AF-8896-43EE-92C6-83497D6DC56F}"/>
+                <a16:creationId xmlns:a16="http://schemas.microsoft.com/office/drawing/2014/main" id="{04D8AD8F-EF7F-481F-B99A-B8513897050A}"/>
               </a:ext>
               <a:ext uri="{C183D7F6-B498-43B3-948B-1728B52AA6E4}">
                 <adec:decorative xmlns:adec="http://schemas.microsoft.com/office/drawing/2017/decorative" val="1"/>
@@ -7182,36 +8024,46 @@
         </p:nvSpPr>
         <p:spPr>
           <a:xfrm>
-            <a:off x="890338" y="4409267"/>
-            <a:ext cx="3474720" cy="27432"/>
+            <a:off x="3974206" y="4419423"/>
+            <a:ext cx="4243589" cy="27432"/>
           </a:xfrm>
           <a:custGeom>
             <a:avLst/>
             <a:gdLst>
-              <a:gd name="connsiteX0" fmla="*/ 0 w 3474720"/>
+              <a:gd name="connsiteX0" fmla="*/ 0 w 4243589"/>
               <a:gd name="connsiteY0" fmla="*/ 0 h 27432"/>
-              <a:gd name="connsiteX1" fmla="*/ 660197 w 3474720"/>
+              <a:gd name="connsiteX1" fmla="*/ 563791 w 4243589"/>
               <a:gd name="connsiteY1" fmla="*/ 0 h 27432"/>
-              <a:gd name="connsiteX2" fmla="*/ 1355141 w 3474720"/>
+              <a:gd name="connsiteX2" fmla="*/ 1042710 w 4243589"/>
               <a:gd name="connsiteY2" fmla="*/ 0 h 27432"/>
-              <a:gd name="connsiteX3" fmla="*/ 2084832 w 3474720"/>
+              <a:gd name="connsiteX3" fmla="*/ 1564066 w 4243589"/>
               <a:gd name="connsiteY3" fmla="*/ 0 h 27432"/>
-              <a:gd name="connsiteX4" fmla="*/ 2814523 w 3474720"/>
+              <a:gd name="connsiteX4" fmla="*/ 2212729 w 4243589"/>
               <a:gd name="connsiteY4" fmla="*/ 0 h 27432"/>
-              <a:gd name="connsiteX5" fmla="*/ 3474720 w 3474720"/>
+              <a:gd name="connsiteX5" fmla="*/ 2776520 w 4243589"/>
               <a:gd name="connsiteY5" fmla="*/ 0 h 27432"/>
-              <a:gd name="connsiteX6" fmla="*/ 3474720 w 3474720"/>
-              <a:gd name="connsiteY6" fmla="*/ 27432 h 27432"/>
-              <a:gd name="connsiteX7" fmla="*/ 2710282 w 3474720"/>
-              <a:gd name="connsiteY7" fmla="*/ 27432 h 27432"/>
-              <a:gd name="connsiteX8" fmla="*/ 1945843 w 3474720"/>
+              <a:gd name="connsiteX6" fmla="*/ 3297875 w 4243589"/>
+              <a:gd name="connsiteY6" fmla="*/ 0 h 27432"/>
+              <a:gd name="connsiteX7" fmla="*/ 4243589 w 4243589"/>
+              <a:gd name="connsiteY7" fmla="*/ 0 h 27432"/>
+              <a:gd name="connsiteX8" fmla="*/ 4243589 w 4243589"/>
               <a:gd name="connsiteY8" fmla="*/ 27432 h 27432"/>
-              <a:gd name="connsiteX9" fmla="*/ 1250899 w 3474720"/>
+              <a:gd name="connsiteX9" fmla="*/ 3637362 w 4243589"/>
               <a:gd name="connsiteY9" fmla="*/ 27432 h 27432"/>
-              <a:gd name="connsiteX10" fmla="*/ 0 w 3474720"/>
+              <a:gd name="connsiteX10" fmla="*/ 3116007 w 4243589"/>
               <a:gd name="connsiteY10" fmla="*/ 27432 h 27432"/>
-              <a:gd name="connsiteX11" fmla="*/ 0 w 3474720"/>
-              <a:gd name="connsiteY11" fmla="*/ 0 h 27432"/>
+              <a:gd name="connsiteX11" fmla="*/ 2424908 w 4243589"/>
+              <a:gd name="connsiteY11" fmla="*/ 27432 h 27432"/>
+              <a:gd name="connsiteX12" fmla="*/ 1861117 w 4243589"/>
+              <a:gd name="connsiteY12" fmla="*/ 27432 h 27432"/>
+              <a:gd name="connsiteX13" fmla="*/ 1382198 w 4243589"/>
+              <a:gd name="connsiteY13" fmla="*/ 27432 h 27432"/>
+              <a:gd name="connsiteX14" fmla="*/ 733535 w 4243589"/>
+              <a:gd name="connsiteY14" fmla="*/ 27432 h 27432"/>
+              <a:gd name="connsiteX15" fmla="*/ 0 w 4243589"/>
+              <a:gd name="connsiteY15" fmla="*/ 27432 h 27432"/>
+              <a:gd name="connsiteX16" fmla="*/ 0 w 4243589"/>
+              <a:gd name="connsiteY16" fmla="*/ 0 h 27432"/>
             </a:gdLst>
             <a:ahLst/>
             <a:cxnLst>
@@ -7251,132 +8103,192 @@
               <a:cxn ang="0">
                 <a:pos x="connsiteX11" y="connsiteY11"/>
               </a:cxn>
+              <a:cxn ang="0">
+                <a:pos x="connsiteX12" y="connsiteY12"/>
+              </a:cxn>
+              <a:cxn ang="0">
+                <a:pos x="connsiteX13" y="connsiteY13"/>
+              </a:cxn>
+              <a:cxn ang="0">
+                <a:pos x="connsiteX14" y="connsiteY14"/>
+              </a:cxn>
+              <a:cxn ang="0">
+                <a:pos x="connsiteX15" y="connsiteY15"/>
+              </a:cxn>
+              <a:cxn ang="0">
+                <a:pos x="connsiteX16" y="connsiteY16"/>
+              </a:cxn>
             </a:cxnLst>
             <a:rect l="l" t="t" r="r" b="b"/>
             <a:pathLst>
-              <a:path w="3474720" h="27432" fill="none" extrusionOk="0">
+              <a:path w="4243589" h="27432" fill="none" extrusionOk="0">
                 <a:moveTo>
                   <a:pt x="0" y="0"/>
                 </a:moveTo>
                 <a:cubicBezTo>
-                  <a:pt x="307185" y="-8713"/>
-                  <a:pt x="392307" y="-13121"/>
-                  <a:pt x="660197" y="0"/>
-                </a:cubicBezTo>
-                <a:cubicBezTo>
-                  <a:pt x="928087" y="13121"/>
-                  <a:pt x="1167029" y="-2668"/>
-                  <a:pt x="1355141" y="0"/>
-                </a:cubicBezTo>
-                <a:cubicBezTo>
-                  <a:pt x="1543253" y="2668"/>
-                  <a:pt x="1739408" y="-6709"/>
-                  <a:pt x="2084832" y="0"/>
-                </a:cubicBezTo>
-                <a:cubicBezTo>
-                  <a:pt x="2430256" y="6709"/>
-                  <a:pt x="2538889" y="29706"/>
-                  <a:pt x="2814523" y="0"/>
-                </a:cubicBezTo>
-                <a:cubicBezTo>
-                  <a:pt x="3090157" y="-29706"/>
-                  <a:pt x="3152920" y="-15446"/>
-                  <a:pt x="3474720" y="0"/>
-                </a:cubicBezTo>
-                <a:cubicBezTo>
-                  <a:pt x="3473554" y="7395"/>
-                  <a:pt x="3474765" y="21864"/>
-                  <a:pt x="3474720" y="27432"/>
-                </a:cubicBezTo>
-                <a:cubicBezTo>
-                  <a:pt x="3275380" y="12730"/>
-                  <a:pt x="2958934" y="10130"/>
-                  <a:pt x="2710282" y="27432"/>
-                </a:cubicBezTo>
-                <a:cubicBezTo>
-                  <a:pt x="2461630" y="44734"/>
-                  <a:pt x="2131168" y="43757"/>
-                  <a:pt x="1945843" y="27432"/>
-                </a:cubicBezTo>
-                <a:cubicBezTo>
-                  <a:pt x="1760518" y="11107"/>
-                  <a:pt x="1444829" y="-3738"/>
-                  <a:pt x="1250899" y="27432"/>
-                </a:cubicBezTo>
-                <a:cubicBezTo>
-                  <a:pt x="1056969" y="58602"/>
-                  <a:pt x="444992" y="52761"/>
+                  <a:pt x="157351" y="-15653"/>
+                  <a:pt x="378877" y="-5828"/>
+                  <a:pt x="563791" y="0"/>
+                </a:cubicBezTo>
+                <a:cubicBezTo>
+                  <a:pt x="748705" y="5828"/>
+                  <a:pt x="905659" y="-5525"/>
+                  <a:pt x="1042710" y="0"/>
+                </a:cubicBezTo>
+                <a:cubicBezTo>
+                  <a:pt x="1179761" y="5525"/>
+                  <a:pt x="1356845" y="-21288"/>
+                  <a:pt x="1564066" y="0"/>
+                </a:cubicBezTo>
+                <a:cubicBezTo>
+                  <a:pt x="1771287" y="21288"/>
+                  <a:pt x="1912099" y="25135"/>
+                  <a:pt x="2212729" y="0"/>
+                </a:cubicBezTo>
+                <a:cubicBezTo>
+                  <a:pt x="2513359" y="-25135"/>
+                  <a:pt x="2514918" y="-27119"/>
+                  <a:pt x="2776520" y="0"/>
+                </a:cubicBezTo>
+                <a:cubicBezTo>
+                  <a:pt x="3038122" y="27119"/>
+                  <a:pt x="3178771" y="18116"/>
+                  <a:pt x="3297875" y="0"/>
+                </a:cubicBezTo>
+                <a:cubicBezTo>
+                  <a:pt x="3416980" y="-18116"/>
+                  <a:pt x="4012240" y="-40869"/>
+                  <a:pt x="4243589" y="0"/>
+                </a:cubicBezTo>
+                <a:cubicBezTo>
+                  <a:pt x="4242616" y="8304"/>
+                  <a:pt x="4243111" y="21512"/>
+                  <a:pt x="4243589" y="27432"/>
+                </a:cubicBezTo>
+                <a:cubicBezTo>
+                  <a:pt x="4112949" y="6289"/>
+                  <a:pt x="3928037" y="10975"/>
+                  <a:pt x="3637362" y="27432"/>
+                </a:cubicBezTo>
+                <a:cubicBezTo>
+                  <a:pt x="3346687" y="43889"/>
+                  <a:pt x="3254446" y="35813"/>
+                  <a:pt x="3116007" y="27432"/>
+                </a:cubicBezTo>
+                <a:cubicBezTo>
+                  <a:pt x="2977569" y="19051"/>
+                  <a:pt x="2620228" y="38017"/>
+                  <a:pt x="2424908" y="27432"/>
+                </a:cubicBezTo>
+                <a:cubicBezTo>
+                  <a:pt x="2229588" y="16847"/>
+                  <a:pt x="2088287" y="5290"/>
+                  <a:pt x="1861117" y="27432"/>
+                </a:cubicBezTo>
+                <a:cubicBezTo>
+                  <a:pt x="1633947" y="49574"/>
+                  <a:pt x="1502447" y="8273"/>
+                  <a:pt x="1382198" y="27432"/>
+                </a:cubicBezTo>
+                <a:cubicBezTo>
+                  <a:pt x="1261949" y="46591"/>
+                  <a:pt x="1045440" y="37497"/>
+                  <a:pt x="733535" y="27432"/>
+                </a:cubicBezTo>
+                <a:cubicBezTo>
+                  <a:pt x="421630" y="17367"/>
+                  <a:pt x="341257" y="-9215"/>
                   <a:pt x="0" y="27432"/>
                 </a:cubicBezTo>
                 <a:cubicBezTo>
-                  <a:pt x="-503" y="20663"/>
-                  <a:pt x="1168" y="5855"/>
+                  <a:pt x="-1048" y="14992"/>
+                  <a:pt x="-1120" y="7447"/>
                   <a:pt x="0" y="0"/>
                 </a:cubicBezTo>
                 <a:close/>
               </a:path>
-              <a:path w="3474720" h="27432" stroke="0" extrusionOk="0">
+              <a:path w="4243589" h="27432" stroke="0" extrusionOk="0">
                 <a:moveTo>
                   <a:pt x="0" y="0"/>
                 </a:moveTo>
                 <a:cubicBezTo>
-                  <a:pt x="300114" y="-5103"/>
-                  <a:pt x="525093" y="-25284"/>
-                  <a:pt x="660197" y="0"/>
-                </a:cubicBezTo>
-                <a:cubicBezTo>
-                  <a:pt x="795301" y="25284"/>
-                  <a:pt x="1023172" y="17955"/>
-                  <a:pt x="1250899" y="0"/>
-                </a:cubicBezTo>
-                <a:cubicBezTo>
-                  <a:pt x="1478626" y="-17955"/>
-                  <a:pt x="1782079" y="-27844"/>
-                  <a:pt x="2015338" y="0"/>
-                </a:cubicBezTo>
-                <a:cubicBezTo>
-                  <a:pt x="2248597" y="27844"/>
-                  <a:pt x="2491007" y="27648"/>
-                  <a:pt x="2675534" y="0"/>
-                </a:cubicBezTo>
-                <a:cubicBezTo>
-                  <a:pt x="2860061" y="-27648"/>
-                  <a:pt x="3088679" y="-3661"/>
-                  <a:pt x="3474720" y="0"/>
-                </a:cubicBezTo>
-                <a:cubicBezTo>
-                  <a:pt x="3474913" y="12649"/>
-                  <a:pt x="3473732" y="17989"/>
-                  <a:pt x="3474720" y="27432"/>
-                </a:cubicBezTo>
-                <a:cubicBezTo>
-                  <a:pt x="3317198" y="15714"/>
-                  <a:pt x="2959205" y="52182"/>
-                  <a:pt x="2779776" y="27432"/>
-                </a:cubicBezTo>
-                <a:cubicBezTo>
-                  <a:pt x="2600347" y="2682"/>
-                  <a:pt x="2382660" y="-684"/>
-                  <a:pt x="2015338" y="27432"/>
-                </a:cubicBezTo>
-                <a:cubicBezTo>
-                  <a:pt x="1648016" y="55548"/>
-                  <a:pt x="1641073" y="39646"/>
-                  <a:pt x="1424635" y="27432"/>
-                </a:cubicBezTo>
-                <a:cubicBezTo>
-                  <a:pt x="1208197" y="15218"/>
-                  <a:pt x="1021559" y="15893"/>
-                  <a:pt x="729691" y="27432"/>
-                </a:cubicBezTo>
-                <a:cubicBezTo>
-                  <a:pt x="437823" y="38971"/>
-                  <a:pt x="153856" y="-2647"/>
+                  <a:pt x="128164" y="17204"/>
+                  <a:pt x="312653" y="1129"/>
+                  <a:pt x="563791" y="0"/>
+                </a:cubicBezTo>
+                <a:cubicBezTo>
+                  <a:pt x="814929" y="-1129"/>
+                  <a:pt x="837271" y="8503"/>
+                  <a:pt x="1042710" y="0"/>
+                </a:cubicBezTo>
+                <a:cubicBezTo>
+                  <a:pt x="1248149" y="-8503"/>
+                  <a:pt x="1588432" y="-28862"/>
+                  <a:pt x="1733809" y="0"/>
+                </a:cubicBezTo>
+                <a:cubicBezTo>
+                  <a:pt x="1879186" y="28862"/>
+                  <a:pt x="2052815" y="5974"/>
+                  <a:pt x="2297600" y="0"/>
+                </a:cubicBezTo>
+                <a:cubicBezTo>
+                  <a:pt x="2542385" y="-5974"/>
+                  <a:pt x="2699960" y="-23550"/>
+                  <a:pt x="2861391" y="0"/>
+                </a:cubicBezTo>
+                <a:cubicBezTo>
+                  <a:pt x="3022822" y="23550"/>
+                  <a:pt x="3390411" y="25272"/>
+                  <a:pt x="3552490" y="0"/>
+                </a:cubicBezTo>
+                <a:cubicBezTo>
+                  <a:pt x="3714569" y="-25272"/>
+                  <a:pt x="3950585" y="-31327"/>
+                  <a:pt x="4243589" y="0"/>
+                </a:cubicBezTo>
+                <a:cubicBezTo>
+                  <a:pt x="4244074" y="9333"/>
+                  <a:pt x="4244867" y="19699"/>
+                  <a:pt x="4243589" y="27432"/>
+                </a:cubicBezTo>
+                <a:cubicBezTo>
+                  <a:pt x="4130424" y="7904"/>
+                  <a:pt x="3932803" y="51393"/>
+                  <a:pt x="3722234" y="27432"/>
+                </a:cubicBezTo>
+                <a:cubicBezTo>
+                  <a:pt x="3511665" y="3471"/>
+                  <a:pt x="3269903" y="55138"/>
+                  <a:pt x="3116007" y="27432"/>
+                </a:cubicBezTo>
+                <a:cubicBezTo>
+                  <a:pt x="2962111" y="-274"/>
+                  <a:pt x="2744280" y="32368"/>
+                  <a:pt x="2509780" y="27432"/>
+                </a:cubicBezTo>
+                <a:cubicBezTo>
+                  <a:pt x="2275280" y="22496"/>
+                  <a:pt x="2066059" y="52808"/>
+                  <a:pt x="1945989" y="27432"/>
+                </a:cubicBezTo>
+                <a:cubicBezTo>
+                  <a:pt x="1825919" y="2056"/>
+                  <a:pt x="1407329" y="21760"/>
+                  <a:pt x="1254890" y="27432"/>
+                </a:cubicBezTo>
+                <a:cubicBezTo>
+                  <a:pt x="1102451" y="33104"/>
+                  <a:pt x="837950" y="40817"/>
+                  <a:pt x="563791" y="27432"/>
+                </a:cubicBezTo>
+                <a:cubicBezTo>
+                  <a:pt x="289632" y="14047"/>
+                  <a:pt x="132768" y="16249"/>
                   <a:pt x="0" y="27432"/>
                 </a:cubicBezTo>
                 <a:cubicBezTo>
-                  <a:pt x="1300" y="19678"/>
-                  <a:pt x="-86" y="12044"/>
+                  <a:pt x="211" y="18145"/>
+                  <a:pt x="120" y="6480"/>
                   <a:pt x="0" y="0"/>
                 </a:cubicBezTo>
                 <a:close/>
@@ -7384,11 +8296,11 @@
             </a:pathLst>
           </a:custGeom>
           <a:solidFill>
-            <a:srgbClr val="CF972C"/>
+            <a:schemeClr val="bg1"/>
           </a:solidFill>
           <a:ln w="38100" cap="rnd">
             <a:solidFill>
-              <a:srgbClr val="CF972C"/>
+              <a:schemeClr val="bg1"/>
             </a:solidFill>
             <a:round/>
             <a:extLst>
@@ -7430,147 +8342,6 @@
           </a:p>
         </p:txBody>
       </p:sp>
-      <p:pic>
-        <p:nvPicPr>
-          <p:cNvPr id="4" name="Picture 3" descr="Colorful paint pigments">
-            <a:extLst>
-              <a:ext uri="{FF2B5EF4-FFF2-40B4-BE49-F238E27FC236}">
-                <a16:creationId xmlns:a16="http://schemas.microsoft.com/office/drawing/2014/main" id="{3827CC27-49F7-4BC0-E1EA-C60EAEC7ACF9}"/>
-              </a:ext>
-            </a:extLst>
-          </p:cNvPr>
-          <p:cNvPicPr>
-            <a:picLocks noChangeAspect="1"/>
-          </p:cNvPicPr>
-          <p:nvPr/>
-        </p:nvPicPr>
-        <p:blipFill rotWithShape="1">
-          <a:blip r:embed="rId2"/>
-          <a:srcRect r="37311"/>
-          <a:stretch/>
-        </p:blipFill>
-        <p:spPr>
-          <a:xfrm>
-            <a:off x="5311702" y="10"/>
-            <a:ext cx="6878775" cy="6857990"/>
-          </a:xfrm>
-          <a:custGeom>
-            <a:avLst/>
-            <a:gdLst/>
-            <a:ahLst/>
-            <a:cxnLst/>
-            <a:rect l="l" t="t" r="r" b="b"/>
-            <a:pathLst>
-              <a:path w="6878775" h="6858000">
-                <a:moveTo>
-                  <a:pt x="1102973" y="0"/>
-                </a:moveTo>
-                <a:lnTo>
-                  <a:pt x="1160688" y="0"/>
-                </a:lnTo>
-                <a:lnTo>
-                  <a:pt x="983189" y="331786"/>
-                </a:lnTo>
-                <a:cubicBezTo>
-                  <a:pt x="914866" y="469145"/>
-                  <a:pt x="850355" y="608712"/>
-                  <a:pt x="789261" y="750263"/>
-                </a:cubicBezTo>
-                <a:cubicBezTo>
-                  <a:pt x="774307" y="784928"/>
-                  <a:pt x="759992" y="819849"/>
-                  <a:pt x="745295" y="854514"/>
-                </a:cubicBezTo>
-                <a:cubicBezTo>
-                  <a:pt x="756682" y="845393"/>
-                  <a:pt x="765489" y="833492"/>
-                  <a:pt x="770857" y="819975"/>
-                </a:cubicBezTo>
-                <a:cubicBezTo>
-                  <a:pt x="879943" y="589569"/>
-                  <a:pt x="999605" y="365513"/>
-                  <a:pt x="1131329" y="148742"/>
-                </a:cubicBezTo>
-                <a:lnTo>
-                  <a:pt x="1227589" y="0"/>
-                </a:lnTo>
-                <a:lnTo>
-                  <a:pt x="6878775" y="0"/>
-                </a:lnTo>
-                <a:lnTo>
-                  <a:pt x="6878775" y="6858000"/>
-                </a:lnTo>
-                <a:lnTo>
-                  <a:pt x="713521" y="6858000"/>
-                </a:lnTo>
-                <a:lnTo>
-                  <a:pt x="625642" y="6670527"/>
-                </a:lnTo>
-                <a:cubicBezTo>
-                  <a:pt x="507232" y="6398531"/>
-                  <a:pt x="403083" y="6118381"/>
-                  <a:pt x="312785" y="5830359"/>
-                </a:cubicBezTo>
-                <a:cubicBezTo>
-                  <a:pt x="278149" y="5719759"/>
-                  <a:pt x="248879" y="5607635"/>
-                  <a:pt x="212198" y="5480401"/>
-                </a:cubicBezTo>
-                <a:cubicBezTo>
-                  <a:pt x="212208" y="5491601"/>
-                  <a:pt x="212803" y="5502788"/>
-                  <a:pt x="213988" y="5513923"/>
-                </a:cubicBezTo>
-                <a:cubicBezTo>
-                  <a:pt x="264089" y="5723695"/>
-                  <a:pt x="307290" y="5935370"/>
-                  <a:pt x="365826" y="6142729"/>
-                </a:cubicBezTo>
-                <a:cubicBezTo>
-                  <a:pt x="433152" y="6380817"/>
-                  <a:pt x="510068" y="6614016"/>
-                  <a:pt x="597975" y="6841549"/>
-                </a:cubicBezTo>
-                <a:lnTo>
-                  <a:pt x="604824" y="6858000"/>
-                </a:lnTo>
-                <a:lnTo>
-                  <a:pt x="552056" y="6858000"/>
-                </a:lnTo>
-                <a:lnTo>
-                  <a:pt x="539576" y="6828295"/>
-                </a:lnTo>
-                <a:cubicBezTo>
-                  <a:pt x="380597" y="6414594"/>
-                  <a:pt x="260223" y="5988893"/>
-                  <a:pt x="171555" y="5552906"/>
-                </a:cubicBezTo>
-                <a:cubicBezTo>
-                  <a:pt x="91163" y="5157998"/>
-                  <a:pt x="43746" y="4758899"/>
-                  <a:pt x="12305" y="4357388"/>
-                </a:cubicBezTo>
-                <a:cubicBezTo>
-                  <a:pt x="-14281" y="4013908"/>
-                  <a:pt x="4507" y="3672965"/>
-                  <a:pt x="46684" y="3331516"/>
-                </a:cubicBezTo>
-                <a:cubicBezTo>
-                  <a:pt x="127203" y="2664286"/>
-                  <a:pt x="277819" y="2007265"/>
-                  <a:pt x="496065" y="1371196"/>
-                </a:cubicBezTo>
-                <a:cubicBezTo>
-                  <a:pt x="636273" y="966066"/>
-                  <a:pt x="800445" y="573253"/>
-                  <a:pt x="995723" y="196614"/>
-                </a:cubicBezTo>
-                <a:close/>
-              </a:path>
-            </a:pathLst>
-          </a:custGeom>
-        </p:spPr>
-      </p:pic>
     </p:spTree>
     <p:extLst>
       <p:ext uri="{BB962C8B-B14F-4D97-AF65-F5344CB8AC3E}">
@@ -7585,6 +8356,613 @@
 </file>
 
 <file path=ppt/slides/slide10.xml><?xml version="1.0" encoding="utf-8"?>
+<p:sld xmlns:a="http://schemas.openxmlformats.org/drawingml/2006/main" xmlns:r="http://schemas.openxmlformats.org/officeDocument/2006/relationships" xmlns:p="http://schemas.openxmlformats.org/presentationml/2006/main">
+  <p:cSld>
+    <p:spTree>
+      <p:nvGrpSpPr>
+        <p:cNvPr id="1" name=""/>
+        <p:cNvGrpSpPr/>
+        <p:nvPr/>
+      </p:nvGrpSpPr>
+      <p:grpSpPr>
+        <a:xfrm>
+          <a:off x="0" y="0"/>
+          <a:ext cx="0" cy="0"/>
+          <a:chOff x="0" y="0"/>
+          <a:chExt cx="0" cy="0"/>
+        </a:xfrm>
+      </p:grpSpPr>
+      <p:sp>
+        <p:nvSpPr>
+          <p:cNvPr id="2" name="Titre 1">
+            <a:extLst>
+              <a:ext uri="{FF2B5EF4-FFF2-40B4-BE49-F238E27FC236}">
+                <a16:creationId xmlns:a16="http://schemas.microsoft.com/office/drawing/2014/main" id="{957FCD7C-1C04-4CBE-AB98-5ED3CCBBECC2}"/>
+              </a:ext>
+            </a:extLst>
+          </p:cNvPr>
+          <p:cNvSpPr>
+            <a:spLocks noGrp="1"/>
+          </p:cNvSpPr>
+          <p:nvPr>
+            <p:ph type="title"/>
+          </p:nvPr>
+        </p:nvSpPr>
+        <p:spPr/>
+        <p:txBody>
+          <a:bodyPr/>
+          <a:lstStyle/>
+          <a:p>
+            <a:r>
+              <a:rPr lang="fr-CA" dirty="0"/>
+              <a:t>1)Optimisation</a:t>
+            </a:r>
+          </a:p>
+        </p:txBody>
+      </p:sp>
+      <mc:AlternateContent xmlns:mc="http://schemas.openxmlformats.org/markup-compatibility/2006">
+        <mc:Choice xmlns:a14="http://schemas.microsoft.com/office/drawing/2010/main" Requires="a14">
+          <p:sp>
+            <p:nvSpPr>
+              <p:cNvPr id="3" name="Espace réservé du contenu 2">
+                <a:extLst>
+                  <a:ext uri="{FF2B5EF4-FFF2-40B4-BE49-F238E27FC236}">
+                    <a16:creationId xmlns:a16="http://schemas.microsoft.com/office/drawing/2014/main" id="{F2288242-D90A-43BC-BAF3-8ED4775855ED}"/>
+                  </a:ext>
+                </a:extLst>
+              </p:cNvPr>
+              <p:cNvSpPr>
+                <a:spLocks noGrp="1"/>
+              </p:cNvSpPr>
+              <p:nvPr>
+                <p:ph idx="1"/>
+              </p:nvPr>
+            </p:nvSpPr>
+            <p:spPr/>
+            <p:txBody>
+              <a:bodyPr/>
+              <a:lstStyle/>
+              <a:p>
+                <a:r>
+                  <a:rPr lang="fr-CA" dirty="0"/>
+                  <a:t>Déterminer des propriétés physiques de la pâte à bagel en minimisant une fonction-objectif.</a:t>
+                </a:r>
+              </a:p>
+              <a:p>
+                <a:r>
+                  <a:rPr lang="fr-CA" dirty="0"/>
+                  <a:t>Capacité thermique massique (Cp) et conductivité thermique (k)</a:t>
+                </a:r>
+              </a:p>
+              <a:p>
+                <a:pPr marL="0" indent="0">
+                  <a:buNone/>
+                </a:pPr>
+                <a:endParaRPr lang="fr-CA" sz="2400" i="1" dirty="0">
+                  <a:effectLst/>
+                  <a:latin typeface="Cambria Math" panose="02040503050406030204" pitchFamily="18" charset="0"/>
+                  <a:ea typeface="Calibri" panose="020F0502020204030204" pitchFamily="34" charset="0"/>
+                  <a:cs typeface="Times New Roman" panose="02020603050405020304" pitchFamily="18" charset="0"/>
+                </a:endParaRPr>
+              </a:p>
+              <a:p>
+                <a:pPr marL="0" indent="0">
+                  <a:buNone/>
+                </a:pPr>
+                <a14:m>
+                  <m:oMathPara xmlns:m="http://schemas.openxmlformats.org/officeDocument/2006/math">
+                    <m:oMathParaPr>
+                      <m:jc m:val="centerGroup"/>
+                    </m:oMathParaPr>
+                    <m:oMath xmlns:m="http://schemas.openxmlformats.org/officeDocument/2006/math">
+                      <m:sSub>
+                        <m:sSubPr>
+                          <m:ctrlPr>
+                            <a:rPr lang="fr-CA" sz="2400" i="1" smtClean="0">
+                              <a:effectLst/>
+                              <a:latin typeface="Cambria Math" panose="02040503050406030204" pitchFamily="18" charset="0"/>
+                              <a:ea typeface="Calibri" panose="020F0502020204030204" pitchFamily="34" charset="0"/>
+                              <a:cs typeface="Times New Roman" panose="02020603050405020304" pitchFamily="18" charset="0"/>
+                            </a:rPr>
+                          </m:ctrlPr>
+                        </m:sSubPr>
+                        <m:e>
+                          <m:r>
+                            <a:rPr lang="fr-CA" sz="2400" i="1">
+                              <a:effectLst/>
+                              <a:latin typeface="Cambria Math" panose="02040503050406030204" pitchFamily="18" charset="0"/>
+                              <a:ea typeface="Calibri" panose="020F0502020204030204" pitchFamily="34" charset="0"/>
+                              <a:cs typeface="Times New Roman" panose="02020603050405020304" pitchFamily="18" charset="0"/>
+                            </a:rPr>
+                            <m:t>𝑓</m:t>
+                          </m:r>
+                        </m:e>
+                        <m:sub>
+                          <m:r>
+                            <a:rPr lang="fr-CA" sz="2400" i="1">
+                              <a:effectLst/>
+                              <a:latin typeface="Cambria Math" panose="02040503050406030204" pitchFamily="18" charset="0"/>
+                              <a:ea typeface="Calibri" panose="020F0502020204030204" pitchFamily="34" charset="0"/>
+                              <a:cs typeface="Times New Roman" panose="02020603050405020304" pitchFamily="18" charset="0"/>
+                            </a:rPr>
+                            <m:t>𝑜𝑏𝑗</m:t>
+                          </m:r>
+                        </m:sub>
+                      </m:sSub>
+                      <m:r>
+                        <a:rPr lang="fr-CA" sz="2400" i="1">
+                          <a:effectLst/>
+                          <a:latin typeface="Cambria Math" panose="02040503050406030204" pitchFamily="18" charset="0"/>
+                          <a:ea typeface="Calibri" panose="020F0502020204030204" pitchFamily="34" charset="0"/>
+                          <a:cs typeface="Times New Roman" panose="02020603050405020304" pitchFamily="18" charset="0"/>
+                        </a:rPr>
+                        <m:t>=</m:t>
+                      </m:r>
+                      <m:nary>
+                        <m:naryPr>
+                          <m:chr m:val="∑"/>
+                          <m:supHide m:val="on"/>
+                          <m:ctrlPr>
+                            <a:rPr lang="fr-CA" sz="2400" i="1">
+                              <a:effectLst/>
+                              <a:latin typeface="Cambria Math" panose="02040503050406030204" pitchFamily="18" charset="0"/>
+                              <a:ea typeface="Calibri" panose="020F0502020204030204" pitchFamily="34" charset="0"/>
+                              <a:cs typeface="Times New Roman" panose="02020603050405020304" pitchFamily="18" charset="0"/>
+                            </a:rPr>
+                          </m:ctrlPr>
+                        </m:naryPr>
+                        <m:sub>
+                          <m:r>
+                            <a:rPr lang="fr-CA" sz="2400" i="1">
+                              <a:effectLst/>
+                              <a:latin typeface="Cambria Math" panose="02040503050406030204" pitchFamily="18" charset="0"/>
+                              <a:ea typeface="Times New Roman" panose="02020603050405020304" pitchFamily="18" charset="0"/>
+                              <a:cs typeface="Times New Roman" panose="02020603050405020304" pitchFamily="18" charset="0"/>
+                            </a:rPr>
+                            <m:t>𝑧</m:t>
+                          </m:r>
+                          <m:r>
+                            <a:rPr lang="fr-CA" sz="2400" i="1">
+                              <a:effectLst/>
+                              <a:latin typeface="Cambria Math" panose="02040503050406030204" pitchFamily="18" charset="0"/>
+                              <a:ea typeface="Times New Roman" panose="02020603050405020304" pitchFamily="18" charset="0"/>
+                              <a:cs typeface="Times New Roman" panose="02020603050405020304" pitchFamily="18" charset="0"/>
+                            </a:rPr>
+                            <m:t> </m:t>
+                          </m:r>
+                          <m:r>
+                            <a:rPr lang="fr-CA" sz="2400">
+                              <a:effectLst/>
+                              <a:latin typeface="Cambria Math" panose="02040503050406030204" pitchFamily="18" charset="0"/>
+                              <a:ea typeface="Times New Roman" panose="02020603050405020304" pitchFamily="18" charset="0"/>
+                              <a:cs typeface="Times New Roman" panose="02020603050405020304" pitchFamily="18" charset="0"/>
+                            </a:rPr>
+                            <m:t>∈ </m:t>
+                          </m:r>
+                          <m:d>
+                            <m:dPr>
+                              <m:begChr m:val="["/>
+                              <m:endChr m:val="]"/>
+                              <m:ctrlPr>
+                                <a:rPr lang="fr-CA" sz="2400" i="1">
+                                  <a:effectLst/>
+                                  <a:latin typeface="Cambria Math" panose="02040503050406030204" pitchFamily="18" charset="0"/>
+                                  <a:ea typeface="Times New Roman" panose="02020603050405020304" pitchFamily="18" charset="0"/>
+                                  <a:cs typeface="Times New Roman" panose="02020603050405020304" pitchFamily="18" charset="0"/>
+                                </a:rPr>
+                              </m:ctrlPr>
+                            </m:dPr>
+                            <m:e>
+                              <m:r>
+                                <a:rPr lang="fr-CA" sz="2400" i="1">
+                                  <a:effectLst/>
+                                  <a:latin typeface="Cambria Math" panose="02040503050406030204" pitchFamily="18" charset="0"/>
+                                  <a:ea typeface="Times New Roman" panose="02020603050405020304" pitchFamily="18" charset="0"/>
+                                  <a:cs typeface="Times New Roman" panose="02020603050405020304" pitchFamily="18" charset="0"/>
+                                </a:rPr>
+                                <m:t>0,</m:t>
+                              </m:r>
+                              <m:r>
+                                <a:rPr lang="fr-CA" sz="2400" i="1">
+                                  <a:effectLst/>
+                                  <a:latin typeface="Cambria Math" panose="02040503050406030204" pitchFamily="18" charset="0"/>
+                                  <a:ea typeface="Times New Roman" panose="02020603050405020304" pitchFamily="18" charset="0"/>
+                                  <a:cs typeface="Times New Roman" panose="02020603050405020304" pitchFamily="18" charset="0"/>
+                                </a:rPr>
+                                <m:t>𝐻</m:t>
+                              </m:r>
+                              <m:r>
+                                <m:rPr>
+                                  <m:lit/>
+                                </m:rPr>
+                                <a:rPr lang="fr-CA" sz="2400" i="1">
+                                  <a:effectLst/>
+                                  <a:latin typeface="Cambria Math" panose="02040503050406030204" pitchFamily="18" charset="0"/>
+                                  <a:ea typeface="Times New Roman" panose="02020603050405020304" pitchFamily="18" charset="0"/>
+                                  <a:cs typeface="Times New Roman" panose="02020603050405020304" pitchFamily="18" charset="0"/>
+                                </a:rPr>
+                                <m:t>/</m:t>
+                              </m:r>
+                              <m:r>
+                                <a:rPr lang="fr-CA" sz="2400" i="1">
+                                  <a:effectLst/>
+                                  <a:latin typeface="Cambria Math" panose="02040503050406030204" pitchFamily="18" charset="0"/>
+                                  <a:ea typeface="Times New Roman" panose="02020603050405020304" pitchFamily="18" charset="0"/>
+                                  <a:cs typeface="Times New Roman" panose="02020603050405020304" pitchFamily="18" charset="0"/>
+                                </a:rPr>
+                                <m:t>2,</m:t>
+                              </m:r>
+                              <m:r>
+                                <a:rPr lang="fr-CA" sz="2400" i="1">
+                                  <a:effectLst/>
+                                  <a:latin typeface="Cambria Math" panose="02040503050406030204" pitchFamily="18" charset="0"/>
+                                  <a:ea typeface="Times New Roman" panose="02020603050405020304" pitchFamily="18" charset="0"/>
+                                  <a:cs typeface="Times New Roman" panose="02020603050405020304" pitchFamily="18" charset="0"/>
+                                </a:rPr>
+                                <m:t>𝐻</m:t>
+                              </m:r>
+                            </m:e>
+                          </m:d>
+                        </m:sub>
+                        <m:sup/>
+                        <m:e>
+                          <m:r>
+                            <a:rPr lang="fr-CA" sz="2400" i="1">
+                              <a:effectLst/>
+                              <a:latin typeface="Cambria Math" panose="02040503050406030204" pitchFamily="18" charset="0"/>
+                              <a:ea typeface="Times New Roman" panose="02020603050405020304" pitchFamily="18" charset="0"/>
+                              <a:cs typeface="Times New Roman" panose="02020603050405020304" pitchFamily="18" charset="0"/>
+                            </a:rPr>
+                            <m:t>(</m:t>
+                          </m:r>
+                          <m:sSubSup>
+                            <m:sSubSupPr>
+                              <m:ctrlPr>
+                                <a:rPr lang="fr-CA" sz="2400" i="1">
+                                  <a:effectLst/>
+                                  <a:latin typeface="Cambria Math" panose="02040503050406030204" pitchFamily="18" charset="0"/>
+                                  <a:ea typeface="Times New Roman" panose="02020603050405020304" pitchFamily="18" charset="0"/>
+                                  <a:cs typeface="Times New Roman" panose="02020603050405020304" pitchFamily="18" charset="0"/>
+                                </a:rPr>
+                              </m:ctrlPr>
+                            </m:sSubSupPr>
+                            <m:e>
+                              <m:r>
+                                <a:rPr lang="fr-CA" sz="2400" i="1">
+                                  <a:effectLst/>
+                                  <a:latin typeface="Cambria Math" panose="02040503050406030204" pitchFamily="18" charset="0"/>
+                                  <a:ea typeface="Times New Roman" panose="02020603050405020304" pitchFamily="18" charset="0"/>
+                                  <a:cs typeface="Times New Roman" panose="02020603050405020304" pitchFamily="18" charset="0"/>
+                                </a:rPr>
+                                <m:t>𝑇</m:t>
+                              </m:r>
+                            </m:e>
+                            <m:sub>
+                              <m:r>
+                                <a:rPr lang="fr-CA" sz="2400" i="1">
+                                  <a:effectLst/>
+                                  <a:latin typeface="Cambria Math" panose="02040503050406030204" pitchFamily="18" charset="0"/>
+                                  <a:ea typeface="Times New Roman" panose="02020603050405020304" pitchFamily="18" charset="0"/>
+                                  <a:cs typeface="Times New Roman" panose="02020603050405020304" pitchFamily="18" charset="0"/>
+                                </a:rPr>
+                                <m:t>𝑧</m:t>
+                              </m:r>
+                              <m:r>
+                                <a:rPr lang="fr-CA" sz="2400" i="1">
+                                  <a:effectLst/>
+                                  <a:latin typeface="Cambria Math" panose="02040503050406030204" pitchFamily="18" charset="0"/>
+                                  <a:ea typeface="Times New Roman" panose="02020603050405020304" pitchFamily="18" charset="0"/>
+                                  <a:cs typeface="Times New Roman" panose="02020603050405020304" pitchFamily="18" charset="0"/>
+                                </a:rPr>
+                                <m:t>,</m:t>
+                              </m:r>
+                              <m:r>
+                                <a:rPr lang="fr-CA" sz="2400" i="1">
+                                  <a:effectLst/>
+                                  <a:latin typeface="Cambria Math" panose="02040503050406030204" pitchFamily="18" charset="0"/>
+                                  <a:ea typeface="Times New Roman" panose="02020603050405020304" pitchFamily="18" charset="0"/>
+                                  <a:cs typeface="Times New Roman" panose="02020603050405020304" pitchFamily="18" charset="0"/>
+                                </a:rPr>
+                                <m:t>𝑡</m:t>
+                              </m:r>
+                              <m:r>
+                                <a:rPr lang="fr-CA" sz="2400" i="1">
+                                  <a:effectLst/>
+                                  <a:latin typeface="Cambria Math" panose="02040503050406030204" pitchFamily="18" charset="0"/>
+                                  <a:ea typeface="Times New Roman" panose="02020603050405020304" pitchFamily="18" charset="0"/>
+                                  <a:cs typeface="Times New Roman" panose="02020603050405020304" pitchFamily="18" charset="0"/>
+                                </a:rPr>
+                                <m:t>=3</m:t>
+                              </m:r>
+                              <m:r>
+                                <a:rPr lang="fr-CA" sz="2400" i="1">
+                                  <a:effectLst/>
+                                  <a:latin typeface="Cambria Math" panose="02040503050406030204" pitchFamily="18" charset="0"/>
+                                  <a:ea typeface="Times New Roman" panose="02020603050405020304" pitchFamily="18" charset="0"/>
+                                  <a:cs typeface="Times New Roman" panose="02020603050405020304" pitchFamily="18" charset="0"/>
+                                </a:rPr>
+                                <m:t>𝑚𝑖𝑛</m:t>
+                              </m:r>
+                            </m:sub>
+                            <m:sup>
+                              <m:r>
+                                <a:rPr lang="fr-CA" sz="2400" i="1">
+                                  <a:effectLst/>
+                                  <a:latin typeface="Cambria Math" panose="02040503050406030204" pitchFamily="18" charset="0"/>
+                                  <a:ea typeface="Times New Roman" panose="02020603050405020304" pitchFamily="18" charset="0"/>
+                                  <a:cs typeface="Times New Roman" panose="02020603050405020304" pitchFamily="18" charset="0"/>
+                                </a:rPr>
+                                <m:t>𝑒𝑥𝑝</m:t>
+                              </m:r>
+                            </m:sup>
+                          </m:sSubSup>
+                        </m:e>
+                      </m:nary>
+                      <m:r>
+                        <a:rPr lang="fr-CA" sz="2400" i="1">
+                          <a:effectLst/>
+                          <a:latin typeface="Cambria Math" panose="02040503050406030204" pitchFamily="18" charset="0"/>
+                          <a:ea typeface="Times New Roman" panose="02020603050405020304" pitchFamily="18" charset="0"/>
+                          <a:cs typeface="Times New Roman" panose="02020603050405020304" pitchFamily="18" charset="0"/>
+                        </a:rPr>
+                        <m:t>−</m:t>
+                      </m:r>
+                      <m:sSubSup>
+                        <m:sSubSupPr>
+                          <m:ctrlPr>
+                            <a:rPr lang="fr-CA" sz="2400" i="1">
+                              <a:effectLst/>
+                              <a:latin typeface="Cambria Math" panose="02040503050406030204" pitchFamily="18" charset="0"/>
+                              <a:ea typeface="Times New Roman" panose="02020603050405020304" pitchFamily="18" charset="0"/>
+                              <a:cs typeface="Times New Roman" panose="02020603050405020304" pitchFamily="18" charset="0"/>
+                            </a:rPr>
+                          </m:ctrlPr>
+                        </m:sSubSupPr>
+                        <m:e>
+                          <m:r>
+                            <a:rPr lang="fr-CA" sz="2400" i="1">
+                              <a:effectLst/>
+                              <a:latin typeface="Cambria Math" panose="02040503050406030204" pitchFamily="18" charset="0"/>
+                              <a:ea typeface="Times New Roman" panose="02020603050405020304" pitchFamily="18" charset="0"/>
+                              <a:cs typeface="Times New Roman" panose="02020603050405020304" pitchFamily="18" charset="0"/>
+                            </a:rPr>
+                            <m:t>𝑇</m:t>
+                          </m:r>
+                        </m:e>
+                        <m:sub>
+                          <m:r>
+                            <a:rPr lang="fr-CA" sz="2400" i="1">
+                              <a:effectLst/>
+                              <a:latin typeface="Cambria Math" panose="02040503050406030204" pitchFamily="18" charset="0"/>
+                              <a:ea typeface="Times New Roman" panose="02020603050405020304" pitchFamily="18" charset="0"/>
+                              <a:cs typeface="Times New Roman" panose="02020603050405020304" pitchFamily="18" charset="0"/>
+                            </a:rPr>
+                            <m:t>𝑧</m:t>
+                          </m:r>
+                          <m:r>
+                            <a:rPr lang="fr-CA" sz="2400" i="1">
+                              <a:effectLst/>
+                              <a:latin typeface="Cambria Math" panose="02040503050406030204" pitchFamily="18" charset="0"/>
+                              <a:ea typeface="Times New Roman" panose="02020603050405020304" pitchFamily="18" charset="0"/>
+                              <a:cs typeface="Times New Roman" panose="02020603050405020304" pitchFamily="18" charset="0"/>
+                            </a:rPr>
+                            <m:t>,</m:t>
+                          </m:r>
+                          <m:r>
+                            <a:rPr lang="fr-CA" sz="2400" i="1">
+                              <a:effectLst/>
+                              <a:latin typeface="Cambria Math" panose="02040503050406030204" pitchFamily="18" charset="0"/>
+                              <a:ea typeface="Times New Roman" panose="02020603050405020304" pitchFamily="18" charset="0"/>
+                              <a:cs typeface="Times New Roman" panose="02020603050405020304" pitchFamily="18" charset="0"/>
+                            </a:rPr>
+                            <m:t>𝑡</m:t>
+                          </m:r>
+                          <m:r>
+                            <a:rPr lang="fr-CA" sz="2400" i="1">
+                              <a:effectLst/>
+                              <a:latin typeface="Cambria Math" panose="02040503050406030204" pitchFamily="18" charset="0"/>
+                              <a:ea typeface="Times New Roman" panose="02020603050405020304" pitchFamily="18" charset="0"/>
+                              <a:cs typeface="Times New Roman" panose="02020603050405020304" pitchFamily="18" charset="0"/>
+                            </a:rPr>
+                            <m:t>=3</m:t>
+                          </m:r>
+                          <m:r>
+                            <a:rPr lang="fr-CA" sz="2400" i="1">
+                              <a:effectLst/>
+                              <a:latin typeface="Cambria Math" panose="02040503050406030204" pitchFamily="18" charset="0"/>
+                              <a:ea typeface="Times New Roman" panose="02020603050405020304" pitchFamily="18" charset="0"/>
+                              <a:cs typeface="Times New Roman" panose="02020603050405020304" pitchFamily="18" charset="0"/>
+                            </a:rPr>
+                            <m:t>𝑚𝑖𝑛</m:t>
+                          </m:r>
+                        </m:sub>
+                        <m:sup>
+                          <m:r>
+                            <a:rPr lang="fr-CA" sz="2400" i="1">
+                              <a:effectLst/>
+                              <a:latin typeface="Cambria Math" panose="02040503050406030204" pitchFamily="18" charset="0"/>
+                              <a:ea typeface="Times New Roman" panose="02020603050405020304" pitchFamily="18" charset="0"/>
+                              <a:cs typeface="Times New Roman" panose="02020603050405020304" pitchFamily="18" charset="0"/>
+                            </a:rPr>
+                            <m:t>𝑠𝑖𝑚𝑢</m:t>
+                          </m:r>
+                        </m:sup>
+                      </m:sSubSup>
+                      <m:r>
+                        <a:rPr lang="fr-CA" sz="2400" i="1">
+                          <a:effectLst/>
+                          <a:latin typeface="Cambria Math" panose="02040503050406030204" pitchFamily="18" charset="0"/>
+                          <a:ea typeface="Times New Roman" panose="02020603050405020304" pitchFamily="18" charset="0"/>
+                          <a:cs typeface="Times New Roman" panose="02020603050405020304" pitchFamily="18" charset="0"/>
+                        </a:rPr>
+                        <m:t>)</m:t>
+                      </m:r>
+                      <m:r>
+                        <m:rPr>
+                          <m:lit/>
+                        </m:rPr>
+                        <a:rPr lang="fr-CA" sz="2400" i="1">
+                          <a:effectLst/>
+                          <a:latin typeface="Cambria Math" panose="02040503050406030204" pitchFamily="18" charset="0"/>
+                          <a:ea typeface="Times New Roman" panose="02020603050405020304" pitchFamily="18" charset="0"/>
+                          <a:cs typeface="Times New Roman" panose="02020603050405020304" pitchFamily="18" charset="0"/>
+                        </a:rPr>
+                        <m:t>/</m:t>
+                      </m:r>
+                      <m:sSubSup>
+                        <m:sSubSupPr>
+                          <m:ctrlPr>
+                            <a:rPr lang="fr-CA" sz="2400" i="1">
+                              <a:effectLst/>
+                              <a:latin typeface="Cambria Math" panose="02040503050406030204" pitchFamily="18" charset="0"/>
+                              <a:ea typeface="Times New Roman" panose="02020603050405020304" pitchFamily="18" charset="0"/>
+                              <a:cs typeface="Times New Roman" panose="02020603050405020304" pitchFamily="18" charset="0"/>
+                            </a:rPr>
+                          </m:ctrlPr>
+                        </m:sSubSupPr>
+                        <m:e>
+                          <m:r>
+                            <a:rPr lang="fr-CA" sz="2400" i="1">
+                              <a:effectLst/>
+                              <a:latin typeface="Cambria Math" panose="02040503050406030204" pitchFamily="18" charset="0"/>
+                              <a:ea typeface="Times New Roman" panose="02020603050405020304" pitchFamily="18" charset="0"/>
+                              <a:cs typeface="Times New Roman" panose="02020603050405020304" pitchFamily="18" charset="0"/>
+                            </a:rPr>
+                            <m:t>𝑇</m:t>
+                          </m:r>
+                        </m:e>
+                        <m:sub>
+                          <m:r>
+                            <a:rPr lang="fr-CA" sz="2400" i="1">
+                              <a:effectLst/>
+                              <a:latin typeface="Cambria Math" panose="02040503050406030204" pitchFamily="18" charset="0"/>
+                              <a:ea typeface="Times New Roman" panose="02020603050405020304" pitchFamily="18" charset="0"/>
+                              <a:cs typeface="Times New Roman" panose="02020603050405020304" pitchFamily="18" charset="0"/>
+                            </a:rPr>
+                            <m:t>𝑧</m:t>
+                          </m:r>
+                          <m:r>
+                            <a:rPr lang="fr-CA" sz="2400" i="1">
+                              <a:effectLst/>
+                              <a:latin typeface="Cambria Math" panose="02040503050406030204" pitchFamily="18" charset="0"/>
+                              <a:ea typeface="Times New Roman" panose="02020603050405020304" pitchFamily="18" charset="0"/>
+                              <a:cs typeface="Times New Roman" panose="02020603050405020304" pitchFamily="18" charset="0"/>
+                            </a:rPr>
+                            <m:t>,</m:t>
+                          </m:r>
+                          <m:r>
+                            <a:rPr lang="fr-CA" sz="2400" i="1">
+                              <a:effectLst/>
+                              <a:latin typeface="Cambria Math" panose="02040503050406030204" pitchFamily="18" charset="0"/>
+                              <a:ea typeface="Times New Roman" panose="02020603050405020304" pitchFamily="18" charset="0"/>
+                              <a:cs typeface="Times New Roman" panose="02020603050405020304" pitchFamily="18" charset="0"/>
+                            </a:rPr>
+                            <m:t>𝑡</m:t>
+                          </m:r>
+                          <m:r>
+                            <a:rPr lang="fr-CA" sz="2400" i="1">
+                              <a:effectLst/>
+                              <a:latin typeface="Cambria Math" panose="02040503050406030204" pitchFamily="18" charset="0"/>
+                              <a:ea typeface="Times New Roman" panose="02020603050405020304" pitchFamily="18" charset="0"/>
+                              <a:cs typeface="Times New Roman" panose="02020603050405020304" pitchFamily="18" charset="0"/>
+                            </a:rPr>
+                            <m:t>=3</m:t>
+                          </m:r>
+                          <m:r>
+                            <a:rPr lang="fr-CA" sz="2400" i="1">
+                              <a:effectLst/>
+                              <a:latin typeface="Cambria Math" panose="02040503050406030204" pitchFamily="18" charset="0"/>
+                              <a:ea typeface="Times New Roman" panose="02020603050405020304" pitchFamily="18" charset="0"/>
+                              <a:cs typeface="Times New Roman" panose="02020603050405020304" pitchFamily="18" charset="0"/>
+                            </a:rPr>
+                            <m:t>𝑚𝑖𝑛</m:t>
+                          </m:r>
+                        </m:sub>
+                        <m:sup>
+                          <m:r>
+                            <a:rPr lang="fr-CA" sz="2400" i="1">
+                              <a:effectLst/>
+                              <a:latin typeface="Cambria Math" panose="02040503050406030204" pitchFamily="18" charset="0"/>
+                              <a:ea typeface="Times New Roman" panose="02020603050405020304" pitchFamily="18" charset="0"/>
+                              <a:cs typeface="Times New Roman" panose="02020603050405020304" pitchFamily="18" charset="0"/>
+                            </a:rPr>
+                            <m:t>𝑒𝑥𝑝</m:t>
+                          </m:r>
+                        </m:sup>
+                      </m:sSubSup>
+                    </m:oMath>
+                  </m:oMathPara>
+                </a14:m>
+                <a:endParaRPr lang="fr-CA" sz="2400" dirty="0">
+                  <a:effectLst/>
+                  <a:latin typeface="Calibri" panose="020F0502020204030204" pitchFamily="34" charset="0"/>
+                  <a:ea typeface="Calibri" panose="020F0502020204030204" pitchFamily="34" charset="0"/>
+                  <a:cs typeface="Times New Roman" panose="02020603050405020304" pitchFamily="18" charset="0"/>
+                </a:endParaRPr>
+              </a:p>
+              <a:p>
+                <a:endParaRPr lang="fr-CA" dirty="0"/>
+              </a:p>
+              <a:p>
+                <a:endParaRPr lang="fr-CA" dirty="0"/>
+              </a:p>
+            </p:txBody>
+          </p:sp>
+        </mc:Choice>
+        <mc:Fallback>
+          <p:sp>
+            <p:nvSpPr>
+              <p:cNvPr id="3" name="Espace réservé du contenu 2">
+                <a:extLst>
+                  <a:ext uri="{FF2B5EF4-FFF2-40B4-BE49-F238E27FC236}">
+                    <a16:creationId xmlns:a16="http://schemas.microsoft.com/office/drawing/2014/main" id="{F2288242-D90A-43BC-BAF3-8ED4775855ED}"/>
+                  </a:ext>
+                </a:extLst>
+              </p:cNvPr>
+              <p:cNvSpPr>
+                <a:spLocks noGrp="1" noRot="1" noChangeAspect="1" noMove="1" noResize="1" noEditPoints="1" noAdjustHandles="1" noChangeArrowheads="1" noChangeShapeType="1" noTextEdit="1"/>
+              </p:cNvSpPr>
+              <p:nvPr>
+                <p:ph idx="1"/>
+              </p:nvPr>
+            </p:nvSpPr>
+            <p:spPr>
+              <a:blipFill>
+                <a:blip r:embed="rId2"/>
+                <a:stretch>
+                  <a:fillRect l="-1043" t="-1148"/>
+                </a:stretch>
+              </a:blipFill>
+            </p:spPr>
+            <p:txBody>
+              <a:bodyPr/>
+              <a:lstStyle/>
+              <a:p>
+                <a:r>
+                  <a:rPr lang="fr-CA">
+                    <a:noFill/>
+                  </a:rPr>
+                  <a:t> </a:t>
+                </a:r>
+              </a:p>
+            </p:txBody>
+          </p:sp>
+        </mc:Fallback>
+      </mc:AlternateContent>
+    </p:spTree>
+    <p:extLst>
+      <p:ext uri="{BB962C8B-B14F-4D97-AF65-F5344CB8AC3E}">
+        <p14:creationId xmlns:p14="http://schemas.microsoft.com/office/powerpoint/2010/main" val="1292112200"/>
+      </p:ext>
+    </p:extLst>
+  </p:cSld>
+  <p:clrMapOvr>
+    <a:masterClrMapping/>
+  </p:clrMapOvr>
+</p:sld>
+</file>
+
+<file path=ppt/slides/slide11.xml><?xml version="1.0" encoding="utf-8"?>
 <p:sld xmlns:a="http://schemas.openxmlformats.org/drawingml/2006/main" xmlns:r="http://schemas.openxmlformats.org/officeDocument/2006/relationships" xmlns:p="http://schemas.openxmlformats.org/presentationml/2006/main">
   <p:cSld>
     <p:spTree>
@@ -7713,7 +9091,7 @@
 </p:sld>
 </file>
 
-<file path=ppt/slides/slide11.xml><?xml version="1.0" encoding="utf-8"?>
+<file path=ppt/slides/slide12.xml><?xml version="1.0" encoding="utf-8"?>
 <p:sld xmlns:a="http://schemas.openxmlformats.org/drawingml/2006/main" xmlns:r="http://schemas.openxmlformats.org/officeDocument/2006/relationships" xmlns:p="http://schemas.openxmlformats.org/presentationml/2006/main">
   <p:cSld>
     <p:spTree>
@@ -8053,7 +9431,7 @@
 </p:sld>
 </file>
 
-<file path=ppt/slides/slide12.xml><?xml version="1.0" encoding="utf-8"?>
+<file path=ppt/slides/slide13.xml><?xml version="1.0" encoding="utf-8"?>
 <p:sld xmlns:a="http://schemas.openxmlformats.org/drawingml/2006/main" xmlns:r="http://schemas.openxmlformats.org/officeDocument/2006/relationships" xmlns:p="http://schemas.openxmlformats.org/presentationml/2006/main">
   <p:cSld>
     <p:spTree>
@@ -8146,7 +9524,7 @@
 </p:sld>
 </file>
 
-<file path=ppt/slides/slide13.xml><?xml version="1.0" encoding="utf-8"?>
+<file path=ppt/slides/slide14.xml><?xml version="1.0" encoding="utf-8"?>
 <p:sld xmlns:a="http://schemas.openxmlformats.org/drawingml/2006/main" xmlns:r="http://schemas.openxmlformats.org/officeDocument/2006/relationships" xmlns:p="http://schemas.openxmlformats.org/presentationml/2006/main">
   <p:cSld>
     <p:spTree>
@@ -8288,7 +9666,7 @@
 </p:sld>
 </file>
 
-<file path=ppt/slides/slide14.xml><?xml version="1.0" encoding="utf-8"?>
+<file path=ppt/slides/slide15.xml><?xml version="1.0" encoding="utf-8"?>
 <p:sld xmlns:a="http://schemas.openxmlformats.org/drawingml/2006/main" xmlns:r="http://schemas.openxmlformats.org/officeDocument/2006/relationships" xmlns:p="http://schemas.openxmlformats.org/presentationml/2006/main">
   <p:cSld>
     <p:spTree>
@@ -8427,7 +9805,7 @@
 </p:sld>
 </file>
 
-<file path=ppt/slides/slide15.xml><?xml version="1.0" encoding="utf-8"?>
+<file path=ppt/slides/slide16.xml><?xml version="1.0" encoding="utf-8"?>
 <p:sld xmlns:a="http://schemas.openxmlformats.org/drawingml/2006/main" xmlns:r="http://schemas.openxmlformats.org/officeDocument/2006/relationships" xmlns:p="http://schemas.openxmlformats.org/presentationml/2006/main">
   <p:cSld>
     <p:spTree>
@@ -8569,7 +9947,7 @@
 </p:sld>
 </file>
 
-<file path=ppt/slides/slide16.xml><?xml version="1.0" encoding="utf-8"?>
+<file path=ppt/slides/slide17.xml><?xml version="1.0" encoding="utf-8"?>
 <p:sld xmlns:a="http://schemas.openxmlformats.org/drawingml/2006/main" xmlns:r="http://schemas.openxmlformats.org/officeDocument/2006/relationships" xmlns:p="http://schemas.openxmlformats.org/presentationml/2006/main">
   <p:cSld>
     <p:bg>
@@ -9167,7 +10545,7 @@
 </p:sld>
 </file>
 
-<file path=ppt/slides/slide17.xml><?xml version="1.0" encoding="utf-8"?>
+<file path=ppt/slides/slide18.xml><?xml version="1.0" encoding="utf-8"?>
 <p:sld xmlns:a="http://schemas.openxmlformats.org/drawingml/2006/main" xmlns:r="http://schemas.openxmlformats.org/officeDocument/2006/relationships" xmlns:p="http://schemas.openxmlformats.org/presentationml/2006/main">
   <p:cSld>
     <p:bg>
@@ -10027,7 +11405,7 @@
 </p:sld>
 </file>
 
-<file path=ppt/slides/slide18.xml><?xml version="1.0" encoding="utf-8"?>
+<file path=ppt/slides/slide19.xml><?xml version="1.0" encoding="utf-8"?>
 <p:sld xmlns:a="http://schemas.openxmlformats.org/drawingml/2006/main" xmlns:r="http://schemas.openxmlformats.org/officeDocument/2006/relationships" xmlns:p="http://schemas.openxmlformats.org/presentationml/2006/main">
   <p:cSld>
     <p:bg>
@@ -10662,7 +12040,344 @@
 </p:sld>
 </file>
 
-<file path=ppt/slides/slide19.xml><?xml version="1.0" encoding="utf-8"?>
+<file path=ppt/slides/slide2.xml><?xml version="1.0" encoding="utf-8"?>
+<p:sld xmlns:a="http://schemas.openxmlformats.org/drawingml/2006/main" xmlns:r="http://schemas.openxmlformats.org/officeDocument/2006/relationships" xmlns:p="http://schemas.openxmlformats.org/presentationml/2006/main">
+  <p:cSld>
+    <p:bg>
+      <p:bgPr>
+        <a:solidFill>
+          <a:schemeClr val="bg1"/>
+        </a:solidFill>
+        <a:effectLst/>
+      </p:bgPr>
+    </p:bg>
+    <p:spTree>
+      <p:nvGrpSpPr>
+        <p:cNvPr id="1" name=""/>
+        <p:cNvGrpSpPr/>
+        <p:nvPr/>
+      </p:nvGrpSpPr>
+      <p:grpSpPr>
+        <a:xfrm>
+          <a:off x="0" y="0"/>
+          <a:ext cx="0" cy="0"/>
+          <a:chOff x="0" y="0"/>
+          <a:chExt cx="0" cy="0"/>
+        </a:xfrm>
+      </p:grpSpPr>
+      <p:sp useBgFill="1">
+        <p:nvSpPr>
+          <p:cNvPr id="10" name="Rectangle 7">
+            <a:extLst>
+              <a:ext uri="{FF2B5EF4-FFF2-40B4-BE49-F238E27FC236}">
+                <a16:creationId xmlns:a16="http://schemas.microsoft.com/office/drawing/2014/main" id="{F027EB3A-DF05-4A1A-99F5-BE83E7654676}"/>
+              </a:ext>
+              <a:ext uri="{C183D7F6-B498-43B3-948B-1728B52AA6E4}">
+                <adec:decorative xmlns:adec="http://schemas.microsoft.com/office/drawing/2017/decorative" val="1"/>
+              </a:ext>
+            </a:extLst>
+          </p:cNvPr>
+          <p:cNvSpPr>
+            <a:spLocks noGrp="1" noRot="1" noChangeAspect="1" noMove="1" noResize="1" noEditPoints="1" noAdjustHandles="1" noChangeArrowheads="1" noChangeShapeType="1" noTextEdit="1"/>
+          </p:cNvSpPr>
+          <p:nvPr>
+            <p:extLst>
+              <p:ext uri="{386F3935-93C4-4BCD-93E2-E3B085C9AB24}">
+                <p16:designElem xmlns:p16="http://schemas.microsoft.com/office/powerpoint/2015/main" val="1"/>
+              </p:ext>
+            </p:extLst>
+          </p:nvPr>
+        </p:nvSpPr>
+        <p:spPr>
+          <a:xfrm>
+            <a:off x="0" y="0"/>
+            <a:ext cx="12188952" cy="6858000"/>
+          </a:xfrm>
+          <a:prstGeom prst="rect">
+            <a:avLst/>
+          </a:prstGeom>
+          <a:ln>
+            <a:noFill/>
+          </a:ln>
+        </p:spPr>
+        <p:style>
+          <a:lnRef idx="2">
+            <a:schemeClr val="accent1">
+              <a:shade val="50000"/>
+            </a:schemeClr>
+          </a:lnRef>
+          <a:fillRef idx="1">
+            <a:schemeClr val="accent1"/>
+          </a:fillRef>
+          <a:effectRef idx="0">
+            <a:schemeClr val="accent1"/>
+          </a:effectRef>
+          <a:fontRef idx="minor">
+            <a:schemeClr val="lt1"/>
+          </a:fontRef>
+        </p:style>
+        <p:txBody>
+          <a:bodyPr rtlCol="0" anchor="ctr"/>
+          <a:lstStyle/>
+          <a:p>
+            <a:pPr algn="ctr"/>
+            <a:endParaRPr lang="en-US"/>
+          </a:p>
+        </p:txBody>
+      </p:sp>
+      <p:pic>
+        <p:nvPicPr>
+          <p:cNvPr id="3" name="Picture 2" descr="A picture containing indoor, preparing, cooking, baked&#10;&#10;Description automatically generated">
+            <a:extLst>
+              <a:ext uri="{FF2B5EF4-FFF2-40B4-BE49-F238E27FC236}">
+                <a16:creationId xmlns:a16="http://schemas.microsoft.com/office/drawing/2014/main" id="{A44FE34F-5BD4-40A6-FDBA-9B11EF95ED35}"/>
+              </a:ext>
+            </a:extLst>
+          </p:cNvPr>
+          <p:cNvPicPr>
+            <a:picLocks noChangeAspect="1"/>
+          </p:cNvPicPr>
+          <p:nvPr/>
+        </p:nvPicPr>
+        <p:blipFill rotWithShape="1">
+          <a:blip r:embed="rId2">
+            <a:extLst>
+              <a:ext uri="{28A0092B-C50C-407E-A947-70E740481C1C}">
+                <a14:useLocalDpi xmlns:a14="http://schemas.microsoft.com/office/drawing/2010/main" val="0"/>
+              </a:ext>
+            </a:extLst>
+          </a:blip>
+          <a:srcRect t="16428" r="1" b="1"/>
+          <a:stretch/>
+        </p:blipFill>
+        <p:spPr>
+          <a:xfrm>
+            <a:off x="625240" y="10"/>
+            <a:ext cx="10941520" cy="6857990"/>
+          </a:xfrm>
+          <a:custGeom>
+            <a:avLst/>
+            <a:gdLst/>
+            <a:ahLst/>
+            <a:cxnLst/>
+            <a:rect l="l" t="t" r="r" b="b"/>
+            <a:pathLst>
+              <a:path w="10941520" h="6858000">
+                <a:moveTo>
+                  <a:pt x="8510032" y="6464315"/>
+                </a:moveTo>
+                <a:lnTo>
+                  <a:pt x="8508022" y="6467080"/>
+                </a:lnTo>
+                <a:lnTo>
+                  <a:pt x="8511541" y="6467080"/>
+                </a:lnTo>
+                <a:close/>
+                <a:moveTo>
+                  <a:pt x="1598122" y="0"/>
+                </a:moveTo>
+                <a:lnTo>
+                  <a:pt x="1763667" y="0"/>
+                </a:lnTo>
+                <a:lnTo>
+                  <a:pt x="1587780" y="143783"/>
+                </a:lnTo>
+                <a:cubicBezTo>
+                  <a:pt x="1205033" y="482859"/>
+                  <a:pt x="877118" y="882898"/>
+                  <a:pt x="610636" y="1350720"/>
+                </a:cubicBezTo>
+                <a:cubicBezTo>
+                  <a:pt x="356503" y="1792611"/>
+                  <a:pt x="193167" y="2280779"/>
+                  <a:pt x="130237" y="2786631"/>
+                </a:cubicBezTo>
+                <a:cubicBezTo>
+                  <a:pt x="142310" y="2759217"/>
+                  <a:pt x="152875" y="2731298"/>
+                  <a:pt x="162431" y="2703128"/>
+                </a:cubicBezTo>
+                <a:cubicBezTo>
+                  <a:pt x="336482" y="2191794"/>
+                  <a:pt x="553037" y="1700077"/>
+                  <a:pt x="837253" y="1239549"/>
+                </a:cubicBezTo>
+                <a:cubicBezTo>
+                  <a:pt x="1093799" y="823288"/>
+                  <a:pt x="1394461" y="450355"/>
+                  <a:pt x="1746359" y="127320"/>
+                </a:cubicBezTo>
+                <a:lnTo>
+                  <a:pt x="1893724" y="0"/>
+                </a:lnTo>
+                <a:lnTo>
+                  <a:pt x="8848350" y="0"/>
+                </a:lnTo>
+                <a:lnTo>
+                  <a:pt x="9056324" y="144876"/>
+                </a:lnTo>
+                <a:cubicBezTo>
+                  <a:pt x="9483294" y="455963"/>
+                  <a:pt x="9863824" y="818761"/>
+                  <a:pt x="10176586" y="1256400"/>
+                </a:cubicBezTo>
+                <a:cubicBezTo>
+                  <a:pt x="10512361" y="1725731"/>
+                  <a:pt x="10733697" y="2243102"/>
+                  <a:pt x="10817449" y="2834418"/>
+                </a:cubicBezTo>
+                <a:cubicBezTo>
+                  <a:pt x="10838678" y="2662129"/>
+                  <a:pt x="10840364" y="2487979"/>
+                  <a:pt x="10822480" y="2315287"/>
+                </a:cubicBezTo>
+                <a:cubicBezTo>
+                  <a:pt x="10791218" y="1992617"/>
+                  <a:pt x="10694231" y="1679754"/>
+                  <a:pt x="10537512" y="1395993"/>
+                </a:cubicBezTo>
+                <a:cubicBezTo>
+                  <a:pt x="10298320" y="958605"/>
+                  <a:pt x="9956508" y="613523"/>
+                  <a:pt x="9560871" y="318241"/>
+                </a:cubicBezTo>
+                <a:cubicBezTo>
+                  <a:pt x="9444104" y="231090"/>
+                  <a:pt x="9324272" y="149552"/>
+                  <a:pt x="9201772" y="72906"/>
+                </a:cubicBezTo>
+                <a:lnTo>
+                  <a:pt x="9075150" y="0"/>
+                </a:lnTo>
+                <a:lnTo>
+                  <a:pt x="9285407" y="0"/>
+                </a:lnTo>
+                <a:lnTo>
+                  <a:pt x="9397484" y="71361"/>
+                </a:lnTo>
+                <a:cubicBezTo>
+                  <a:pt x="9466827" y="117668"/>
+                  <a:pt x="9535310" y="165633"/>
+                  <a:pt x="9602874" y="215370"/>
+                </a:cubicBezTo>
+                <a:cubicBezTo>
+                  <a:pt x="10023914" y="525240"/>
+                  <a:pt x="10385847" y="889941"/>
+                  <a:pt x="10637867" y="1353234"/>
+                </a:cubicBezTo>
+                <a:cubicBezTo>
+                  <a:pt x="10800070" y="1650452"/>
+                  <a:pt x="10899948" y="1977650"/>
+                  <a:pt x="10931388" y="2314785"/>
+                </a:cubicBezTo>
+                <a:cubicBezTo>
+                  <a:pt x="10955282" y="2563032"/>
+                  <a:pt x="10933651" y="2807506"/>
+                  <a:pt x="10900451" y="3053742"/>
+                </a:cubicBezTo>
+                <a:cubicBezTo>
+                  <a:pt x="10885435" y="3187448"/>
+                  <a:pt x="10884932" y="3322363"/>
+                  <a:pt x="10898943" y="3456170"/>
+                </a:cubicBezTo>
+                <a:cubicBezTo>
+                  <a:pt x="10947233" y="3973163"/>
+                  <a:pt x="10817200" y="4491137"/>
+                  <a:pt x="10530470" y="4924023"/>
+                </a:cubicBezTo>
+                <a:cubicBezTo>
+                  <a:pt x="10288786" y="5294609"/>
+                  <a:pt x="9971700" y="5610087"/>
+                  <a:pt x="9599856" y="5849858"/>
+                </a:cubicBezTo>
+                <a:cubicBezTo>
+                  <a:pt x="9239936" y="6085530"/>
+                  <a:pt x="8898626" y="6347611"/>
+                  <a:pt x="8538202" y="6581772"/>
+                </a:cubicBezTo>
+                <a:cubicBezTo>
+                  <a:pt x="8391505" y="6677034"/>
+                  <a:pt x="8242088" y="6766009"/>
+                  <a:pt x="8089708" y="6848031"/>
+                </a:cubicBezTo>
+                <a:lnTo>
+                  <a:pt x="8070163" y="6858000"/>
+                </a:lnTo>
+                <a:lnTo>
+                  <a:pt x="7820508" y="6858000"/>
+                </a:lnTo>
+                <a:lnTo>
+                  <a:pt x="7828138" y="6854555"/>
+                </a:lnTo>
+                <a:cubicBezTo>
+                  <a:pt x="8053199" y="6743844"/>
+                  <a:pt x="8273670" y="6617740"/>
+                  <a:pt x="8490666" y="6479908"/>
+                </a:cubicBezTo>
+                <a:cubicBezTo>
+                  <a:pt x="8262100" y="6578755"/>
+                  <a:pt x="8030908" y="6668688"/>
+                  <a:pt x="7797512" y="6751240"/>
+                </a:cubicBezTo>
+                <a:lnTo>
+                  <a:pt x="7480620" y="6858000"/>
+                </a:lnTo>
+                <a:lnTo>
+                  <a:pt x="3015004" y="6858000"/>
+                </a:lnTo>
+                <a:lnTo>
+                  <a:pt x="2781763" y="6750793"/>
+                </a:lnTo>
+                <a:cubicBezTo>
+                  <a:pt x="2466140" y="6597870"/>
+                  <a:pt x="2163376" y="6418916"/>
+                  <a:pt x="1876018" y="6208522"/>
+                </a:cubicBezTo>
+                <a:cubicBezTo>
+                  <a:pt x="1280928" y="5772643"/>
+                  <a:pt x="784936" y="5247977"/>
+                  <a:pt x="442370" y="4589004"/>
+                </a:cubicBezTo>
+                <a:cubicBezTo>
+                  <a:pt x="256073" y="4234615"/>
+                  <a:pt x="132829" y="3850522"/>
+                  <a:pt x="78174" y="3453907"/>
+                </a:cubicBezTo>
+                <a:cubicBezTo>
+                  <a:pt x="68264" y="3386374"/>
+                  <a:pt x="52872" y="3319746"/>
+                  <a:pt x="32147" y="3254704"/>
+                </a:cubicBezTo>
+                <a:cubicBezTo>
+                  <a:pt x="-18158" y="3091722"/>
+                  <a:pt x="-48" y="2927731"/>
+                  <a:pt x="23343" y="2765252"/>
+                </a:cubicBezTo>
+                <a:cubicBezTo>
+                  <a:pt x="165073" y="1773582"/>
+                  <a:pt x="613178" y="955032"/>
+                  <a:pt x="1299417" y="274384"/>
+                </a:cubicBezTo>
+                <a:close/>
+              </a:path>
+            </a:pathLst>
+          </a:custGeom>
+        </p:spPr>
+      </p:pic>
+    </p:spTree>
+    <p:extLst>
+      <p:ext uri="{BB962C8B-B14F-4D97-AF65-F5344CB8AC3E}">
+        <p14:creationId xmlns:p14="http://schemas.microsoft.com/office/powerpoint/2010/main" val="2196315168"/>
+      </p:ext>
+    </p:extLst>
+  </p:cSld>
+  <p:clrMapOvr>
+    <a:masterClrMapping/>
+  </p:clrMapOvr>
+</p:sld>
+</file>
+
+<file path=ppt/slides/slide20.xml><?xml version="1.0" encoding="utf-8"?>
 <p:sld xmlns:a="http://schemas.openxmlformats.org/drawingml/2006/main" xmlns:r="http://schemas.openxmlformats.org/officeDocument/2006/relationships" xmlns:p="http://schemas.openxmlformats.org/presentationml/2006/main">
   <p:cSld>
     <p:spTree>
@@ -10752,6 +12467,18 @@
             </a:r>
           </a:p>
           <a:p>
+            <a:r>
+              <a:rPr lang="fr-FR" b="1" dirty="0"/>
+              <a:t>Cohérence des figures (Bonnes échelles de grandeur, présentation)</a:t>
+            </a:r>
+          </a:p>
+          <a:p>
+            <a:endParaRPr lang="fr-FR" b="1" dirty="0"/>
+          </a:p>
+          <a:p>
+            <a:endParaRPr lang="fr-FR" b="1" dirty="0"/>
+          </a:p>
+          <a:p>
             <a:endParaRPr lang="fr-CA" dirty="0"/>
           </a:p>
         </p:txBody>
@@ -10769,7 +12496,119 @@
 </p:sld>
 </file>
 
-<file path=ppt/slides/slide2.xml><?xml version="1.0" encoding="utf-8"?>
+<file path=ppt/slides/slide21.xml><?xml version="1.0" encoding="utf-8"?>
+<p:sld xmlns:a="http://schemas.openxmlformats.org/drawingml/2006/main" xmlns:r="http://schemas.openxmlformats.org/officeDocument/2006/relationships" xmlns:p="http://schemas.openxmlformats.org/presentationml/2006/main">
+  <p:cSld>
+    <p:spTree>
+      <p:nvGrpSpPr>
+        <p:cNvPr id="1" name=""/>
+        <p:cNvGrpSpPr/>
+        <p:nvPr/>
+      </p:nvGrpSpPr>
+      <p:grpSpPr>
+        <a:xfrm>
+          <a:off x="0" y="0"/>
+          <a:ext cx="0" cy="0"/>
+          <a:chOff x="0" y="0"/>
+          <a:chExt cx="0" cy="0"/>
+        </a:xfrm>
+      </p:grpSpPr>
+      <p:sp>
+        <p:nvSpPr>
+          <p:cNvPr id="2" name="Titre 1">
+            <a:extLst>
+              <a:ext uri="{FF2B5EF4-FFF2-40B4-BE49-F238E27FC236}">
+                <a16:creationId xmlns:a16="http://schemas.microsoft.com/office/drawing/2014/main" id="{CA3FD7D4-C51F-3082-08B0-3EF52E8605A6}"/>
+              </a:ext>
+            </a:extLst>
+          </p:cNvPr>
+          <p:cNvSpPr>
+            <a:spLocks noGrp="1"/>
+          </p:cNvSpPr>
+          <p:nvPr>
+            <p:ph type="title"/>
+          </p:nvPr>
+        </p:nvSpPr>
+        <p:spPr/>
+        <p:txBody>
+          <a:bodyPr/>
+          <a:lstStyle/>
+          <a:p>
+            <a:r>
+              <a:rPr lang="fr-CA" dirty="0"/>
+              <a:t>Points forts</a:t>
+            </a:r>
+          </a:p>
+        </p:txBody>
+      </p:sp>
+      <p:sp>
+        <p:nvSpPr>
+          <p:cNvPr id="3" name="Espace réservé du contenu 2">
+            <a:extLst>
+              <a:ext uri="{FF2B5EF4-FFF2-40B4-BE49-F238E27FC236}">
+                <a16:creationId xmlns:a16="http://schemas.microsoft.com/office/drawing/2014/main" id="{8953ED78-4F78-46DB-0EDA-3D09522EBAB9}"/>
+              </a:ext>
+            </a:extLst>
+          </p:cNvPr>
+          <p:cNvSpPr>
+            <a:spLocks noGrp="1"/>
+          </p:cNvSpPr>
+          <p:nvPr>
+            <p:ph idx="1"/>
+          </p:nvPr>
+        </p:nvSpPr>
+        <p:spPr/>
+        <p:txBody>
+          <a:bodyPr/>
+          <a:lstStyle/>
+          <a:p>
+            <a:r>
+              <a:rPr lang="fr-CA" b="1" dirty="0"/>
+              <a:t>Partage des fichiers sur </a:t>
+            </a:r>
+            <a:r>
+              <a:rPr lang="fr-CA" b="1" dirty="0" err="1"/>
+              <a:t>Github</a:t>
+            </a:r>
+            <a:r>
+              <a:rPr lang="fr-CA" b="1" dirty="0"/>
+              <a:t> permettant de faciliter le suivi du travail de chaque coéquipier</a:t>
+            </a:r>
+          </a:p>
+          <a:p>
+            <a:r>
+              <a:rPr lang="fr-CA" b="1" dirty="0"/>
+              <a:t>Mise en commun de la compréhension des méthodes de résolution afin de faire un code optimal</a:t>
+            </a:r>
+          </a:p>
+          <a:p>
+            <a:r>
+              <a:rPr lang="fr-CA" b="1" dirty="0"/>
+              <a:t>Mise en commun de la compréhension de problème permettant la clarification de certains points (conditions frontières)</a:t>
+            </a:r>
+          </a:p>
+          <a:p>
+            <a:endParaRPr lang="fr-CA" b="1" dirty="0"/>
+          </a:p>
+          <a:p>
+            <a:endParaRPr lang="fr-CA" b="1" dirty="0"/>
+          </a:p>
+        </p:txBody>
+      </p:sp>
+    </p:spTree>
+    <p:extLst>
+      <p:ext uri="{BB962C8B-B14F-4D97-AF65-F5344CB8AC3E}">
+        <p14:creationId xmlns:p14="http://schemas.microsoft.com/office/powerpoint/2010/main" val="263785562"/>
+      </p:ext>
+    </p:extLst>
+  </p:cSld>
+  <p:clrMapOvr>
+    <a:masterClrMapping/>
+  </p:clrMapOvr>
+</p:sld>
+</file>
+
+<file path=ppt/slides/slide3.xml><?xml version="1.0" encoding="utf-8"?>
 <p:sld xmlns:a="http://schemas.openxmlformats.org/drawingml/2006/main" xmlns:r="http://schemas.openxmlformats.org/officeDocument/2006/relationships" xmlns:p="http://schemas.openxmlformats.org/presentationml/2006/main">
   <p:cSld>
     <p:bg>
@@ -11552,113 +13391,7 @@
 </p:sld>
 </file>
 
-<file path=ppt/slides/slide20.xml><?xml version="1.0" encoding="utf-8"?>
-<p:sld xmlns:a="http://schemas.openxmlformats.org/drawingml/2006/main" xmlns:r="http://schemas.openxmlformats.org/officeDocument/2006/relationships" xmlns:p="http://schemas.openxmlformats.org/presentationml/2006/main">
-  <p:cSld>
-    <p:spTree>
-      <p:nvGrpSpPr>
-        <p:cNvPr id="1" name=""/>
-        <p:cNvGrpSpPr/>
-        <p:nvPr/>
-      </p:nvGrpSpPr>
-      <p:grpSpPr>
-        <a:xfrm>
-          <a:off x="0" y="0"/>
-          <a:ext cx="0" cy="0"/>
-          <a:chOff x="0" y="0"/>
-          <a:chExt cx="0" cy="0"/>
-        </a:xfrm>
-      </p:grpSpPr>
-      <p:sp>
-        <p:nvSpPr>
-          <p:cNvPr id="2" name="Titre 1">
-            <a:extLst>
-              <a:ext uri="{FF2B5EF4-FFF2-40B4-BE49-F238E27FC236}">
-                <a16:creationId xmlns:a16="http://schemas.microsoft.com/office/drawing/2014/main" id="{CA3FD7D4-C51F-3082-08B0-3EF52E8605A6}"/>
-              </a:ext>
-            </a:extLst>
-          </p:cNvPr>
-          <p:cNvSpPr>
-            <a:spLocks noGrp="1"/>
-          </p:cNvSpPr>
-          <p:nvPr>
-            <p:ph type="title"/>
-          </p:nvPr>
-        </p:nvSpPr>
-        <p:spPr/>
-        <p:txBody>
-          <a:bodyPr/>
-          <a:lstStyle/>
-          <a:p>
-            <a:r>
-              <a:rPr lang="fr-CA" dirty="0"/>
-              <a:t>Points forts</a:t>
-            </a:r>
-          </a:p>
-        </p:txBody>
-      </p:sp>
-      <p:sp>
-        <p:nvSpPr>
-          <p:cNvPr id="3" name="Espace réservé du contenu 2">
-            <a:extLst>
-              <a:ext uri="{FF2B5EF4-FFF2-40B4-BE49-F238E27FC236}">
-                <a16:creationId xmlns:a16="http://schemas.microsoft.com/office/drawing/2014/main" id="{8953ED78-4F78-46DB-0EDA-3D09522EBAB9}"/>
-              </a:ext>
-            </a:extLst>
-          </p:cNvPr>
-          <p:cNvSpPr>
-            <a:spLocks noGrp="1"/>
-          </p:cNvSpPr>
-          <p:nvPr>
-            <p:ph idx="1"/>
-          </p:nvPr>
-        </p:nvSpPr>
-        <p:spPr/>
-        <p:txBody>
-          <a:bodyPr/>
-          <a:lstStyle/>
-          <a:p>
-            <a:r>
-              <a:rPr lang="fr-CA" b="1" dirty="0"/>
-              <a:t>Partage des fichiers sur </a:t>
-            </a:r>
-            <a:r>
-              <a:rPr lang="fr-CA" b="1" dirty="0" err="1"/>
-              <a:t>Github</a:t>
-            </a:r>
-            <a:r>
-              <a:rPr lang="fr-CA" b="1" dirty="0"/>
-              <a:t> permettant le suivi du travail de chaque coéquipier</a:t>
-            </a:r>
-          </a:p>
-          <a:p>
-            <a:r>
-              <a:rPr lang="fr-CA" b="1" dirty="0"/>
-              <a:t>Mise en commun de la compréhension des méthodes de résolution afin de faire un code optimal</a:t>
-            </a:r>
-          </a:p>
-          <a:p>
-            <a:r>
-              <a:rPr lang="fr-CA" b="1" dirty="0"/>
-              <a:t>Mise en commun de la compréhension de problème permettant la clarification de certains points (conditions frontières)</a:t>
-            </a:r>
-          </a:p>
-        </p:txBody>
-      </p:sp>
-    </p:spTree>
-    <p:extLst>
-      <p:ext uri="{BB962C8B-B14F-4D97-AF65-F5344CB8AC3E}">
-        <p14:creationId xmlns:p14="http://schemas.microsoft.com/office/powerpoint/2010/main" val="263785562"/>
-      </p:ext>
-    </p:extLst>
-  </p:cSld>
-  <p:clrMapOvr>
-    <a:masterClrMapping/>
-  </p:clrMapOvr>
-</p:sld>
-</file>
-
-<file path=ppt/slides/slide3.xml><?xml version="1.0" encoding="utf-8"?>
+<file path=ppt/slides/slide4.xml><?xml version="1.0" encoding="utf-8"?>
 <p:sld xmlns:a="http://schemas.openxmlformats.org/drawingml/2006/main" xmlns:r="http://schemas.openxmlformats.org/officeDocument/2006/relationships" xmlns:p="http://schemas.openxmlformats.org/presentationml/2006/main">
   <p:cSld>
     <p:bg>
@@ -13105,7 +14838,7 @@
 </p:sld>
 </file>
 
-<file path=ppt/slides/slide4.xml><?xml version="1.0" encoding="utf-8"?>
+<file path=ppt/slides/slide5.xml><?xml version="1.0" encoding="utf-8"?>
 <p:sld xmlns:a="http://schemas.openxmlformats.org/drawingml/2006/main" xmlns:r="http://schemas.openxmlformats.org/officeDocument/2006/relationships" xmlns:p="http://schemas.openxmlformats.org/presentationml/2006/main">
   <p:cSld>
     <p:bg>
@@ -14363,8 +16096,8 @@
           </a:graphicData>
         </a:graphic>
       </p:graphicFrame>
-      <mc:AlternateContent xmlns:mc="http://schemas.openxmlformats.org/markup-compatibility/2006">
-        <mc:Choice xmlns:a14="http://schemas.microsoft.com/office/drawing/2010/main" Requires="a14">
+      <mc:AlternateContent xmlns:mc="http://schemas.openxmlformats.org/markup-compatibility/2006" xmlns:a14="http://schemas.microsoft.com/office/drawing/2010/main">
+        <mc:Choice Requires="a14">
           <p:sp>
             <p:nvSpPr>
               <p:cNvPr id="6" name="ZoneTexte 5">
@@ -14393,6 +16126,7 @@
               </a:bodyPr>
               <a:lstStyle/>
               <a:p>
+                <a:pPr/>
                 <a14:m>
                   <m:oMathPara xmlns:m="http://schemas.openxmlformats.org/officeDocument/2006/math">
                     <m:oMathParaPr>
@@ -14485,7 +16219,7 @@
             </p:txBody>
           </p:sp>
         </mc:Choice>
-        <mc:Fallback>
+        <mc:Fallback xmlns="">
           <p:sp>
             <p:nvSpPr>
               <p:cNvPr id="6" name="ZoneTexte 5">
@@ -14543,7 +16277,7 @@
 </p:sld>
 </file>
 
-<file path=ppt/slides/slide5.xml><?xml version="1.0" encoding="utf-8"?>
+<file path=ppt/slides/slide6.xml><?xml version="1.0" encoding="utf-8"?>
 <p:sld xmlns:a="http://schemas.openxmlformats.org/drawingml/2006/main" xmlns:r="http://schemas.openxmlformats.org/officeDocument/2006/relationships" xmlns:p="http://schemas.openxmlformats.org/presentationml/2006/main">
   <p:cSld>
     <p:bg>
@@ -15866,7 +17600,7 @@
 </p:sld>
 </file>
 
-<file path=ppt/slides/slide6.xml><?xml version="1.0" encoding="utf-8"?>
+<file path=ppt/slides/slide7.xml><?xml version="1.0" encoding="utf-8"?>
 <p:sld xmlns:a="http://schemas.openxmlformats.org/drawingml/2006/main" xmlns:r="http://schemas.openxmlformats.org/officeDocument/2006/relationships" xmlns:p="http://schemas.openxmlformats.org/presentationml/2006/main">
   <p:cSld>
     <p:bg>
@@ -17658,7 +19392,7 @@
 </p:sld>
 </file>
 
-<file path=ppt/slides/slide7.xml><?xml version="1.0" encoding="utf-8"?>
+<file path=ppt/slides/slide8.xml><?xml version="1.0" encoding="utf-8"?>
 <p:sld xmlns:a="http://schemas.openxmlformats.org/drawingml/2006/main" xmlns:r="http://schemas.openxmlformats.org/officeDocument/2006/relationships" xmlns:p="http://schemas.openxmlformats.org/presentationml/2006/main">
   <p:cSld>
     <p:bg>
@@ -18768,8 +20502,8 @@
           </a:p>
         </p:txBody>
       </p:sp>
-      <mc:AlternateContent xmlns:mc="http://schemas.openxmlformats.org/markup-compatibility/2006">
-        <mc:Choice xmlns:a14="http://schemas.microsoft.com/office/drawing/2010/main" Requires="a14">
+      <mc:AlternateContent xmlns:mc="http://schemas.openxmlformats.org/markup-compatibility/2006" xmlns:a14="http://schemas.microsoft.com/office/drawing/2010/main">
+        <mc:Choice Requires="a14">
           <p:sp>
             <p:nvSpPr>
               <p:cNvPr id="3" name="Content Placeholder 2">
@@ -19282,7 +21016,7 @@
             </p:txBody>
           </p:sp>
         </mc:Choice>
-        <mc:Fallback>
+        <mc:Fallback xmlns="">
           <p:sp>
             <p:nvSpPr>
               <p:cNvPr id="3" name="Content Placeholder 2">
@@ -19480,7 +21214,7 @@
 </p:sld>
 </file>
 
-<file path=ppt/slides/slide8.xml><?xml version="1.0" encoding="utf-8"?>
+<file path=ppt/slides/slide9.xml><?xml version="1.0" encoding="utf-8"?>
 <p:sld xmlns:a="http://schemas.openxmlformats.org/drawingml/2006/main" xmlns:r="http://schemas.openxmlformats.org/officeDocument/2006/relationships" xmlns:p="http://schemas.openxmlformats.org/presentationml/2006/main">
   <p:cSld>
     <p:bg>
@@ -20102,7 +21836,33 @@
             </a:r>
             <a:r>
               <a:rPr lang="en-US" dirty="0"/>
-              <a:t> &lt;&lt;for&gt;&gt;</a:t>
+              <a:t> &lt;&lt;for&gt;&gt; (</a:t>
+            </a:r>
+            <a:r>
+              <a:rPr lang="en-US" dirty="0" err="1"/>
+              <a:t>Simplicité</a:t>
+            </a:r>
+            <a:r>
+              <a:rPr lang="en-US" dirty="0"/>
+              <a:t>)</a:t>
+            </a:r>
+          </a:p>
+          <a:p>
+            <a:r>
+              <a:rPr lang="en-US" dirty="0" err="1"/>
+              <a:t>Vectoriellement</a:t>
+            </a:r>
+            <a:r>
+              <a:rPr lang="en-US" dirty="0"/>
+              <a:t> (</a:t>
+            </a:r>
+            <a:r>
+              <a:rPr lang="en-US" dirty="0" err="1"/>
+              <a:t>Efficacité</a:t>
+            </a:r>
+            <a:r>
+              <a:rPr lang="en-US" dirty="0"/>
+              <a:t>)</a:t>
             </a:r>
           </a:p>
           <a:p>
@@ -20134,613 +21894,6 @@
     <p:extLst>
       <p:ext uri="{BB962C8B-B14F-4D97-AF65-F5344CB8AC3E}">
         <p14:creationId xmlns:p14="http://schemas.microsoft.com/office/powerpoint/2010/main" val="3233144716"/>
-      </p:ext>
-    </p:extLst>
-  </p:cSld>
-  <p:clrMapOvr>
-    <a:masterClrMapping/>
-  </p:clrMapOvr>
-</p:sld>
-</file>
-
-<file path=ppt/slides/slide9.xml><?xml version="1.0" encoding="utf-8"?>
-<p:sld xmlns:a="http://schemas.openxmlformats.org/drawingml/2006/main" xmlns:r="http://schemas.openxmlformats.org/officeDocument/2006/relationships" xmlns:p="http://schemas.openxmlformats.org/presentationml/2006/main">
-  <p:cSld>
-    <p:spTree>
-      <p:nvGrpSpPr>
-        <p:cNvPr id="1" name=""/>
-        <p:cNvGrpSpPr/>
-        <p:nvPr/>
-      </p:nvGrpSpPr>
-      <p:grpSpPr>
-        <a:xfrm>
-          <a:off x="0" y="0"/>
-          <a:ext cx="0" cy="0"/>
-          <a:chOff x="0" y="0"/>
-          <a:chExt cx="0" cy="0"/>
-        </a:xfrm>
-      </p:grpSpPr>
-      <p:sp>
-        <p:nvSpPr>
-          <p:cNvPr id="2" name="Titre 1">
-            <a:extLst>
-              <a:ext uri="{FF2B5EF4-FFF2-40B4-BE49-F238E27FC236}">
-                <a16:creationId xmlns:a16="http://schemas.microsoft.com/office/drawing/2014/main" id="{957FCD7C-1C04-4CBE-AB98-5ED3CCBBECC2}"/>
-              </a:ext>
-            </a:extLst>
-          </p:cNvPr>
-          <p:cNvSpPr>
-            <a:spLocks noGrp="1"/>
-          </p:cNvSpPr>
-          <p:nvPr>
-            <p:ph type="title"/>
-          </p:nvPr>
-        </p:nvSpPr>
-        <p:spPr/>
-        <p:txBody>
-          <a:bodyPr/>
-          <a:lstStyle/>
-          <a:p>
-            <a:r>
-              <a:rPr lang="fr-CA" dirty="0"/>
-              <a:t>1)Optimisation</a:t>
-            </a:r>
-          </a:p>
-        </p:txBody>
-      </p:sp>
-      <mc:AlternateContent xmlns:mc="http://schemas.openxmlformats.org/markup-compatibility/2006" xmlns:a14="http://schemas.microsoft.com/office/drawing/2010/main">
-        <mc:Choice Requires="a14">
-          <p:sp>
-            <p:nvSpPr>
-              <p:cNvPr id="3" name="Espace réservé du contenu 2">
-                <a:extLst>
-                  <a:ext uri="{FF2B5EF4-FFF2-40B4-BE49-F238E27FC236}">
-                    <a16:creationId xmlns:a16="http://schemas.microsoft.com/office/drawing/2014/main" id="{F2288242-D90A-43BC-BAF3-8ED4775855ED}"/>
-                  </a:ext>
-                </a:extLst>
-              </p:cNvPr>
-              <p:cNvSpPr>
-                <a:spLocks noGrp="1"/>
-              </p:cNvSpPr>
-              <p:nvPr>
-                <p:ph idx="1"/>
-              </p:nvPr>
-            </p:nvSpPr>
-            <p:spPr/>
-            <p:txBody>
-              <a:bodyPr/>
-              <a:lstStyle/>
-              <a:p>
-                <a:r>
-                  <a:rPr lang="fr-CA" dirty="0"/>
-                  <a:t>Déterminer de propriétés physiques de la pâte à bagel en minimisant une fonction-objectif.</a:t>
-                </a:r>
-              </a:p>
-              <a:p>
-                <a:r>
-                  <a:rPr lang="fr-CA" dirty="0"/>
-                  <a:t>Capacité thermique massique (Cp) et conductivité thermique (k)</a:t>
-                </a:r>
-              </a:p>
-              <a:p>
-                <a:pPr marL="0" indent="0">
-                  <a:buNone/>
-                </a:pPr>
-                <a:endParaRPr lang="fr-CA" sz="2400" i="1" dirty="0">
-                  <a:effectLst/>
-                  <a:latin typeface="Cambria Math" panose="02040503050406030204" pitchFamily="18" charset="0"/>
-                  <a:ea typeface="Calibri" panose="020F0502020204030204" pitchFamily="34" charset="0"/>
-                  <a:cs typeface="Times New Roman" panose="02020603050405020304" pitchFamily="18" charset="0"/>
-                </a:endParaRPr>
-              </a:p>
-              <a:p>
-                <a:pPr marL="0" indent="0">
-                  <a:buNone/>
-                </a:pPr>
-                <a14:m>
-                  <m:oMathPara xmlns:m="http://schemas.openxmlformats.org/officeDocument/2006/math">
-                    <m:oMathParaPr>
-                      <m:jc m:val="centerGroup"/>
-                    </m:oMathParaPr>
-                    <m:oMath xmlns:m="http://schemas.openxmlformats.org/officeDocument/2006/math">
-                      <m:sSub>
-                        <m:sSubPr>
-                          <m:ctrlPr>
-                            <a:rPr lang="fr-CA" sz="2400" i="1" smtClean="0">
-                              <a:effectLst/>
-                              <a:latin typeface="Cambria Math" panose="02040503050406030204" pitchFamily="18" charset="0"/>
-                              <a:ea typeface="Calibri" panose="020F0502020204030204" pitchFamily="34" charset="0"/>
-                              <a:cs typeface="Times New Roman" panose="02020603050405020304" pitchFamily="18" charset="0"/>
-                            </a:rPr>
-                          </m:ctrlPr>
-                        </m:sSubPr>
-                        <m:e>
-                          <m:r>
-                            <a:rPr lang="fr-CA" sz="2400" i="1">
-                              <a:effectLst/>
-                              <a:latin typeface="Cambria Math" panose="02040503050406030204" pitchFamily="18" charset="0"/>
-                              <a:ea typeface="Calibri" panose="020F0502020204030204" pitchFamily="34" charset="0"/>
-                              <a:cs typeface="Times New Roman" panose="02020603050405020304" pitchFamily="18" charset="0"/>
-                            </a:rPr>
-                            <m:t>𝑓</m:t>
-                          </m:r>
-                        </m:e>
-                        <m:sub>
-                          <m:r>
-                            <a:rPr lang="fr-CA" sz="2400" i="1">
-                              <a:effectLst/>
-                              <a:latin typeface="Cambria Math" panose="02040503050406030204" pitchFamily="18" charset="0"/>
-                              <a:ea typeface="Calibri" panose="020F0502020204030204" pitchFamily="34" charset="0"/>
-                              <a:cs typeface="Times New Roman" panose="02020603050405020304" pitchFamily="18" charset="0"/>
-                            </a:rPr>
-                            <m:t>𝑜𝑏𝑗</m:t>
-                          </m:r>
-                        </m:sub>
-                      </m:sSub>
-                      <m:r>
-                        <a:rPr lang="fr-CA" sz="2400" i="1">
-                          <a:effectLst/>
-                          <a:latin typeface="Cambria Math" panose="02040503050406030204" pitchFamily="18" charset="0"/>
-                          <a:ea typeface="Calibri" panose="020F0502020204030204" pitchFamily="34" charset="0"/>
-                          <a:cs typeface="Times New Roman" panose="02020603050405020304" pitchFamily="18" charset="0"/>
-                        </a:rPr>
-                        <m:t>=</m:t>
-                      </m:r>
-                      <m:nary>
-                        <m:naryPr>
-                          <m:chr m:val="∑"/>
-                          <m:supHide m:val="on"/>
-                          <m:ctrlPr>
-                            <a:rPr lang="fr-CA" sz="2400" i="1">
-                              <a:effectLst/>
-                              <a:latin typeface="Cambria Math" panose="02040503050406030204" pitchFamily="18" charset="0"/>
-                              <a:ea typeface="Calibri" panose="020F0502020204030204" pitchFamily="34" charset="0"/>
-                              <a:cs typeface="Times New Roman" panose="02020603050405020304" pitchFamily="18" charset="0"/>
-                            </a:rPr>
-                          </m:ctrlPr>
-                        </m:naryPr>
-                        <m:sub>
-                          <m:r>
-                            <a:rPr lang="fr-CA" sz="2400" i="1">
-                              <a:effectLst/>
-                              <a:latin typeface="Cambria Math" panose="02040503050406030204" pitchFamily="18" charset="0"/>
-                              <a:ea typeface="Times New Roman" panose="02020603050405020304" pitchFamily="18" charset="0"/>
-                              <a:cs typeface="Times New Roman" panose="02020603050405020304" pitchFamily="18" charset="0"/>
-                            </a:rPr>
-                            <m:t>𝑧</m:t>
-                          </m:r>
-                          <m:r>
-                            <a:rPr lang="fr-CA" sz="2400" i="1">
-                              <a:effectLst/>
-                              <a:latin typeface="Cambria Math" panose="02040503050406030204" pitchFamily="18" charset="0"/>
-                              <a:ea typeface="Times New Roman" panose="02020603050405020304" pitchFamily="18" charset="0"/>
-                              <a:cs typeface="Times New Roman" panose="02020603050405020304" pitchFamily="18" charset="0"/>
-                            </a:rPr>
-                            <m:t> </m:t>
-                          </m:r>
-                          <m:r>
-                            <a:rPr lang="fr-CA" sz="2400">
-                              <a:effectLst/>
-                              <a:latin typeface="Cambria Math" panose="02040503050406030204" pitchFamily="18" charset="0"/>
-                              <a:ea typeface="Times New Roman" panose="02020603050405020304" pitchFamily="18" charset="0"/>
-                              <a:cs typeface="Times New Roman" panose="02020603050405020304" pitchFamily="18" charset="0"/>
-                            </a:rPr>
-                            <m:t>∈ </m:t>
-                          </m:r>
-                          <m:d>
-                            <m:dPr>
-                              <m:begChr m:val="["/>
-                              <m:endChr m:val="]"/>
-                              <m:ctrlPr>
-                                <a:rPr lang="fr-CA" sz="2400" i="1">
-                                  <a:effectLst/>
-                                  <a:latin typeface="Cambria Math" panose="02040503050406030204" pitchFamily="18" charset="0"/>
-                                  <a:ea typeface="Times New Roman" panose="02020603050405020304" pitchFamily="18" charset="0"/>
-                                  <a:cs typeface="Times New Roman" panose="02020603050405020304" pitchFamily="18" charset="0"/>
-                                </a:rPr>
-                              </m:ctrlPr>
-                            </m:dPr>
-                            <m:e>
-                              <m:r>
-                                <a:rPr lang="fr-CA" sz="2400" i="1">
-                                  <a:effectLst/>
-                                  <a:latin typeface="Cambria Math" panose="02040503050406030204" pitchFamily="18" charset="0"/>
-                                  <a:ea typeface="Times New Roman" panose="02020603050405020304" pitchFamily="18" charset="0"/>
-                                  <a:cs typeface="Times New Roman" panose="02020603050405020304" pitchFamily="18" charset="0"/>
-                                </a:rPr>
-                                <m:t>0,</m:t>
-                              </m:r>
-                              <m:r>
-                                <a:rPr lang="fr-CA" sz="2400" i="1">
-                                  <a:effectLst/>
-                                  <a:latin typeface="Cambria Math" panose="02040503050406030204" pitchFamily="18" charset="0"/>
-                                  <a:ea typeface="Times New Roman" panose="02020603050405020304" pitchFamily="18" charset="0"/>
-                                  <a:cs typeface="Times New Roman" panose="02020603050405020304" pitchFamily="18" charset="0"/>
-                                </a:rPr>
-                                <m:t>𝐻</m:t>
-                              </m:r>
-                              <m:r>
-                                <m:rPr>
-                                  <m:lit/>
-                                </m:rPr>
-                                <a:rPr lang="fr-CA" sz="2400" i="1">
-                                  <a:effectLst/>
-                                  <a:latin typeface="Cambria Math" panose="02040503050406030204" pitchFamily="18" charset="0"/>
-                                  <a:ea typeface="Times New Roman" panose="02020603050405020304" pitchFamily="18" charset="0"/>
-                                  <a:cs typeface="Times New Roman" panose="02020603050405020304" pitchFamily="18" charset="0"/>
-                                </a:rPr>
-                                <m:t>/</m:t>
-                              </m:r>
-                              <m:r>
-                                <a:rPr lang="fr-CA" sz="2400" i="1">
-                                  <a:effectLst/>
-                                  <a:latin typeface="Cambria Math" panose="02040503050406030204" pitchFamily="18" charset="0"/>
-                                  <a:ea typeface="Times New Roman" panose="02020603050405020304" pitchFamily="18" charset="0"/>
-                                  <a:cs typeface="Times New Roman" panose="02020603050405020304" pitchFamily="18" charset="0"/>
-                                </a:rPr>
-                                <m:t>2,</m:t>
-                              </m:r>
-                              <m:r>
-                                <a:rPr lang="fr-CA" sz="2400" i="1">
-                                  <a:effectLst/>
-                                  <a:latin typeface="Cambria Math" panose="02040503050406030204" pitchFamily="18" charset="0"/>
-                                  <a:ea typeface="Times New Roman" panose="02020603050405020304" pitchFamily="18" charset="0"/>
-                                  <a:cs typeface="Times New Roman" panose="02020603050405020304" pitchFamily="18" charset="0"/>
-                                </a:rPr>
-                                <m:t>𝐻</m:t>
-                              </m:r>
-                            </m:e>
-                          </m:d>
-                        </m:sub>
-                        <m:sup/>
-                        <m:e>
-                          <m:r>
-                            <a:rPr lang="fr-CA" sz="2400" i="1">
-                              <a:effectLst/>
-                              <a:latin typeface="Cambria Math" panose="02040503050406030204" pitchFamily="18" charset="0"/>
-                              <a:ea typeface="Times New Roman" panose="02020603050405020304" pitchFamily="18" charset="0"/>
-                              <a:cs typeface="Times New Roman" panose="02020603050405020304" pitchFamily="18" charset="0"/>
-                            </a:rPr>
-                            <m:t>(</m:t>
-                          </m:r>
-                          <m:sSubSup>
-                            <m:sSubSupPr>
-                              <m:ctrlPr>
-                                <a:rPr lang="fr-CA" sz="2400" i="1">
-                                  <a:effectLst/>
-                                  <a:latin typeface="Cambria Math" panose="02040503050406030204" pitchFamily="18" charset="0"/>
-                                  <a:ea typeface="Times New Roman" panose="02020603050405020304" pitchFamily="18" charset="0"/>
-                                  <a:cs typeface="Times New Roman" panose="02020603050405020304" pitchFamily="18" charset="0"/>
-                                </a:rPr>
-                              </m:ctrlPr>
-                            </m:sSubSupPr>
-                            <m:e>
-                              <m:r>
-                                <a:rPr lang="fr-CA" sz="2400" i="1">
-                                  <a:effectLst/>
-                                  <a:latin typeface="Cambria Math" panose="02040503050406030204" pitchFamily="18" charset="0"/>
-                                  <a:ea typeface="Times New Roman" panose="02020603050405020304" pitchFamily="18" charset="0"/>
-                                  <a:cs typeface="Times New Roman" panose="02020603050405020304" pitchFamily="18" charset="0"/>
-                                </a:rPr>
-                                <m:t>𝑇</m:t>
-                              </m:r>
-                            </m:e>
-                            <m:sub>
-                              <m:r>
-                                <a:rPr lang="fr-CA" sz="2400" i="1">
-                                  <a:effectLst/>
-                                  <a:latin typeface="Cambria Math" panose="02040503050406030204" pitchFamily="18" charset="0"/>
-                                  <a:ea typeface="Times New Roman" panose="02020603050405020304" pitchFamily="18" charset="0"/>
-                                  <a:cs typeface="Times New Roman" panose="02020603050405020304" pitchFamily="18" charset="0"/>
-                                </a:rPr>
-                                <m:t>𝑧</m:t>
-                              </m:r>
-                              <m:r>
-                                <a:rPr lang="fr-CA" sz="2400" i="1">
-                                  <a:effectLst/>
-                                  <a:latin typeface="Cambria Math" panose="02040503050406030204" pitchFamily="18" charset="0"/>
-                                  <a:ea typeface="Times New Roman" panose="02020603050405020304" pitchFamily="18" charset="0"/>
-                                  <a:cs typeface="Times New Roman" panose="02020603050405020304" pitchFamily="18" charset="0"/>
-                                </a:rPr>
-                                <m:t>,</m:t>
-                              </m:r>
-                              <m:r>
-                                <a:rPr lang="fr-CA" sz="2400" i="1">
-                                  <a:effectLst/>
-                                  <a:latin typeface="Cambria Math" panose="02040503050406030204" pitchFamily="18" charset="0"/>
-                                  <a:ea typeface="Times New Roman" panose="02020603050405020304" pitchFamily="18" charset="0"/>
-                                  <a:cs typeface="Times New Roman" panose="02020603050405020304" pitchFamily="18" charset="0"/>
-                                </a:rPr>
-                                <m:t>𝑡</m:t>
-                              </m:r>
-                              <m:r>
-                                <a:rPr lang="fr-CA" sz="2400" i="1">
-                                  <a:effectLst/>
-                                  <a:latin typeface="Cambria Math" panose="02040503050406030204" pitchFamily="18" charset="0"/>
-                                  <a:ea typeface="Times New Roman" panose="02020603050405020304" pitchFamily="18" charset="0"/>
-                                  <a:cs typeface="Times New Roman" panose="02020603050405020304" pitchFamily="18" charset="0"/>
-                                </a:rPr>
-                                <m:t>=3</m:t>
-                              </m:r>
-                              <m:r>
-                                <a:rPr lang="fr-CA" sz="2400" i="1">
-                                  <a:effectLst/>
-                                  <a:latin typeface="Cambria Math" panose="02040503050406030204" pitchFamily="18" charset="0"/>
-                                  <a:ea typeface="Times New Roman" panose="02020603050405020304" pitchFamily="18" charset="0"/>
-                                  <a:cs typeface="Times New Roman" panose="02020603050405020304" pitchFamily="18" charset="0"/>
-                                </a:rPr>
-                                <m:t>𝑚𝑖𝑛</m:t>
-                              </m:r>
-                            </m:sub>
-                            <m:sup>
-                              <m:r>
-                                <a:rPr lang="fr-CA" sz="2400" i="1">
-                                  <a:effectLst/>
-                                  <a:latin typeface="Cambria Math" panose="02040503050406030204" pitchFamily="18" charset="0"/>
-                                  <a:ea typeface="Times New Roman" panose="02020603050405020304" pitchFamily="18" charset="0"/>
-                                  <a:cs typeface="Times New Roman" panose="02020603050405020304" pitchFamily="18" charset="0"/>
-                                </a:rPr>
-                                <m:t>𝑒𝑥𝑝</m:t>
-                              </m:r>
-                            </m:sup>
-                          </m:sSubSup>
-                        </m:e>
-                      </m:nary>
-                      <m:r>
-                        <a:rPr lang="fr-CA" sz="2400" i="1">
-                          <a:effectLst/>
-                          <a:latin typeface="Cambria Math" panose="02040503050406030204" pitchFamily="18" charset="0"/>
-                          <a:ea typeface="Times New Roman" panose="02020603050405020304" pitchFamily="18" charset="0"/>
-                          <a:cs typeface="Times New Roman" panose="02020603050405020304" pitchFamily="18" charset="0"/>
-                        </a:rPr>
-                        <m:t>−</m:t>
-                      </m:r>
-                      <m:sSubSup>
-                        <m:sSubSupPr>
-                          <m:ctrlPr>
-                            <a:rPr lang="fr-CA" sz="2400" i="1">
-                              <a:effectLst/>
-                              <a:latin typeface="Cambria Math" panose="02040503050406030204" pitchFamily="18" charset="0"/>
-                              <a:ea typeface="Times New Roman" panose="02020603050405020304" pitchFamily="18" charset="0"/>
-                              <a:cs typeface="Times New Roman" panose="02020603050405020304" pitchFamily="18" charset="0"/>
-                            </a:rPr>
-                          </m:ctrlPr>
-                        </m:sSubSupPr>
-                        <m:e>
-                          <m:r>
-                            <a:rPr lang="fr-CA" sz="2400" i="1">
-                              <a:effectLst/>
-                              <a:latin typeface="Cambria Math" panose="02040503050406030204" pitchFamily="18" charset="0"/>
-                              <a:ea typeface="Times New Roman" panose="02020603050405020304" pitchFamily="18" charset="0"/>
-                              <a:cs typeface="Times New Roman" panose="02020603050405020304" pitchFamily="18" charset="0"/>
-                            </a:rPr>
-                            <m:t>𝑇</m:t>
-                          </m:r>
-                        </m:e>
-                        <m:sub>
-                          <m:r>
-                            <a:rPr lang="fr-CA" sz="2400" i="1">
-                              <a:effectLst/>
-                              <a:latin typeface="Cambria Math" panose="02040503050406030204" pitchFamily="18" charset="0"/>
-                              <a:ea typeface="Times New Roman" panose="02020603050405020304" pitchFamily="18" charset="0"/>
-                              <a:cs typeface="Times New Roman" panose="02020603050405020304" pitchFamily="18" charset="0"/>
-                            </a:rPr>
-                            <m:t>𝑧</m:t>
-                          </m:r>
-                          <m:r>
-                            <a:rPr lang="fr-CA" sz="2400" i="1">
-                              <a:effectLst/>
-                              <a:latin typeface="Cambria Math" panose="02040503050406030204" pitchFamily="18" charset="0"/>
-                              <a:ea typeface="Times New Roman" panose="02020603050405020304" pitchFamily="18" charset="0"/>
-                              <a:cs typeface="Times New Roman" panose="02020603050405020304" pitchFamily="18" charset="0"/>
-                            </a:rPr>
-                            <m:t>,</m:t>
-                          </m:r>
-                          <m:r>
-                            <a:rPr lang="fr-CA" sz="2400" i="1">
-                              <a:effectLst/>
-                              <a:latin typeface="Cambria Math" panose="02040503050406030204" pitchFamily="18" charset="0"/>
-                              <a:ea typeface="Times New Roman" panose="02020603050405020304" pitchFamily="18" charset="0"/>
-                              <a:cs typeface="Times New Roman" panose="02020603050405020304" pitchFamily="18" charset="0"/>
-                            </a:rPr>
-                            <m:t>𝑡</m:t>
-                          </m:r>
-                          <m:r>
-                            <a:rPr lang="fr-CA" sz="2400" i="1">
-                              <a:effectLst/>
-                              <a:latin typeface="Cambria Math" panose="02040503050406030204" pitchFamily="18" charset="0"/>
-                              <a:ea typeface="Times New Roman" panose="02020603050405020304" pitchFamily="18" charset="0"/>
-                              <a:cs typeface="Times New Roman" panose="02020603050405020304" pitchFamily="18" charset="0"/>
-                            </a:rPr>
-                            <m:t>=3</m:t>
-                          </m:r>
-                          <m:r>
-                            <a:rPr lang="fr-CA" sz="2400" i="1">
-                              <a:effectLst/>
-                              <a:latin typeface="Cambria Math" panose="02040503050406030204" pitchFamily="18" charset="0"/>
-                              <a:ea typeface="Times New Roman" panose="02020603050405020304" pitchFamily="18" charset="0"/>
-                              <a:cs typeface="Times New Roman" panose="02020603050405020304" pitchFamily="18" charset="0"/>
-                            </a:rPr>
-                            <m:t>𝑚𝑖𝑛</m:t>
-                          </m:r>
-                        </m:sub>
-                        <m:sup>
-                          <m:r>
-                            <a:rPr lang="fr-CA" sz="2400" i="1">
-                              <a:effectLst/>
-                              <a:latin typeface="Cambria Math" panose="02040503050406030204" pitchFamily="18" charset="0"/>
-                              <a:ea typeface="Times New Roman" panose="02020603050405020304" pitchFamily="18" charset="0"/>
-                              <a:cs typeface="Times New Roman" panose="02020603050405020304" pitchFamily="18" charset="0"/>
-                            </a:rPr>
-                            <m:t>𝑠𝑖𝑚𝑢</m:t>
-                          </m:r>
-                        </m:sup>
-                      </m:sSubSup>
-                      <m:r>
-                        <a:rPr lang="fr-CA" sz="2400" i="1">
-                          <a:effectLst/>
-                          <a:latin typeface="Cambria Math" panose="02040503050406030204" pitchFamily="18" charset="0"/>
-                          <a:ea typeface="Times New Roman" panose="02020603050405020304" pitchFamily="18" charset="0"/>
-                          <a:cs typeface="Times New Roman" panose="02020603050405020304" pitchFamily="18" charset="0"/>
-                        </a:rPr>
-                        <m:t>)</m:t>
-                      </m:r>
-                      <m:r>
-                        <m:rPr>
-                          <m:lit/>
-                        </m:rPr>
-                        <a:rPr lang="fr-CA" sz="2400" i="1">
-                          <a:effectLst/>
-                          <a:latin typeface="Cambria Math" panose="02040503050406030204" pitchFamily="18" charset="0"/>
-                          <a:ea typeface="Times New Roman" panose="02020603050405020304" pitchFamily="18" charset="0"/>
-                          <a:cs typeface="Times New Roman" panose="02020603050405020304" pitchFamily="18" charset="0"/>
-                        </a:rPr>
-                        <m:t>/</m:t>
-                      </m:r>
-                      <m:sSubSup>
-                        <m:sSubSupPr>
-                          <m:ctrlPr>
-                            <a:rPr lang="fr-CA" sz="2400" i="1">
-                              <a:effectLst/>
-                              <a:latin typeface="Cambria Math" panose="02040503050406030204" pitchFamily="18" charset="0"/>
-                              <a:ea typeface="Times New Roman" panose="02020603050405020304" pitchFamily="18" charset="0"/>
-                              <a:cs typeface="Times New Roman" panose="02020603050405020304" pitchFamily="18" charset="0"/>
-                            </a:rPr>
-                          </m:ctrlPr>
-                        </m:sSubSupPr>
-                        <m:e>
-                          <m:r>
-                            <a:rPr lang="fr-CA" sz="2400" i="1">
-                              <a:effectLst/>
-                              <a:latin typeface="Cambria Math" panose="02040503050406030204" pitchFamily="18" charset="0"/>
-                              <a:ea typeface="Times New Roman" panose="02020603050405020304" pitchFamily="18" charset="0"/>
-                              <a:cs typeface="Times New Roman" panose="02020603050405020304" pitchFamily="18" charset="0"/>
-                            </a:rPr>
-                            <m:t>𝑇</m:t>
-                          </m:r>
-                        </m:e>
-                        <m:sub>
-                          <m:r>
-                            <a:rPr lang="fr-CA" sz="2400" i="1">
-                              <a:effectLst/>
-                              <a:latin typeface="Cambria Math" panose="02040503050406030204" pitchFamily="18" charset="0"/>
-                              <a:ea typeface="Times New Roman" panose="02020603050405020304" pitchFamily="18" charset="0"/>
-                              <a:cs typeface="Times New Roman" panose="02020603050405020304" pitchFamily="18" charset="0"/>
-                            </a:rPr>
-                            <m:t>𝑧</m:t>
-                          </m:r>
-                          <m:r>
-                            <a:rPr lang="fr-CA" sz="2400" i="1">
-                              <a:effectLst/>
-                              <a:latin typeface="Cambria Math" panose="02040503050406030204" pitchFamily="18" charset="0"/>
-                              <a:ea typeface="Times New Roman" panose="02020603050405020304" pitchFamily="18" charset="0"/>
-                              <a:cs typeface="Times New Roman" panose="02020603050405020304" pitchFamily="18" charset="0"/>
-                            </a:rPr>
-                            <m:t>,</m:t>
-                          </m:r>
-                          <m:r>
-                            <a:rPr lang="fr-CA" sz="2400" i="1">
-                              <a:effectLst/>
-                              <a:latin typeface="Cambria Math" panose="02040503050406030204" pitchFamily="18" charset="0"/>
-                              <a:ea typeface="Times New Roman" panose="02020603050405020304" pitchFamily="18" charset="0"/>
-                              <a:cs typeface="Times New Roman" panose="02020603050405020304" pitchFamily="18" charset="0"/>
-                            </a:rPr>
-                            <m:t>𝑡</m:t>
-                          </m:r>
-                          <m:r>
-                            <a:rPr lang="fr-CA" sz="2400" i="1">
-                              <a:effectLst/>
-                              <a:latin typeface="Cambria Math" panose="02040503050406030204" pitchFamily="18" charset="0"/>
-                              <a:ea typeface="Times New Roman" panose="02020603050405020304" pitchFamily="18" charset="0"/>
-                              <a:cs typeface="Times New Roman" panose="02020603050405020304" pitchFamily="18" charset="0"/>
-                            </a:rPr>
-                            <m:t>=3</m:t>
-                          </m:r>
-                          <m:r>
-                            <a:rPr lang="fr-CA" sz="2400" i="1">
-                              <a:effectLst/>
-                              <a:latin typeface="Cambria Math" panose="02040503050406030204" pitchFamily="18" charset="0"/>
-                              <a:ea typeface="Times New Roman" panose="02020603050405020304" pitchFamily="18" charset="0"/>
-                              <a:cs typeface="Times New Roman" panose="02020603050405020304" pitchFamily="18" charset="0"/>
-                            </a:rPr>
-                            <m:t>𝑚𝑖𝑛</m:t>
-                          </m:r>
-                        </m:sub>
-                        <m:sup>
-                          <m:r>
-                            <a:rPr lang="fr-CA" sz="2400" i="1">
-                              <a:effectLst/>
-                              <a:latin typeface="Cambria Math" panose="02040503050406030204" pitchFamily="18" charset="0"/>
-                              <a:ea typeface="Times New Roman" panose="02020603050405020304" pitchFamily="18" charset="0"/>
-                              <a:cs typeface="Times New Roman" panose="02020603050405020304" pitchFamily="18" charset="0"/>
-                            </a:rPr>
-                            <m:t>𝑒𝑥𝑝</m:t>
-                          </m:r>
-                        </m:sup>
-                      </m:sSubSup>
-                    </m:oMath>
-                  </m:oMathPara>
-                </a14:m>
-                <a:endParaRPr lang="fr-CA" sz="2400" dirty="0">
-                  <a:effectLst/>
-                  <a:latin typeface="Calibri" panose="020F0502020204030204" pitchFamily="34" charset="0"/>
-                  <a:ea typeface="Calibri" panose="020F0502020204030204" pitchFamily="34" charset="0"/>
-                  <a:cs typeface="Times New Roman" panose="02020603050405020304" pitchFamily="18" charset="0"/>
-                </a:endParaRPr>
-              </a:p>
-              <a:p>
-                <a:endParaRPr lang="fr-CA" dirty="0"/>
-              </a:p>
-              <a:p>
-                <a:endParaRPr lang="fr-CA" dirty="0"/>
-              </a:p>
-            </p:txBody>
-          </p:sp>
-        </mc:Choice>
-        <mc:Fallback xmlns="">
-          <p:sp>
-            <p:nvSpPr>
-              <p:cNvPr id="3" name="Espace réservé du contenu 2">
-                <a:extLst>
-                  <a:ext uri="{FF2B5EF4-FFF2-40B4-BE49-F238E27FC236}">
-                    <a16:creationId xmlns:a16="http://schemas.microsoft.com/office/drawing/2014/main" id="{F2288242-D90A-43BC-BAF3-8ED4775855ED}"/>
-                  </a:ext>
-                </a:extLst>
-              </p:cNvPr>
-              <p:cNvSpPr>
-                <a:spLocks noGrp="1" noRot="1" noChangeAspect="1" noMove="1" noResize="1" noEditPoints="1" noAdjustHandles="1" noChangeArrowheads="1" noChangeShapeType="1" noTextEdit="1"/>
-              </p:cNvSpPr>
-              <p:nvPr>
-                <p:ph idx="1"/>
-              </p:nvPr>
-            </p:nvSpPr>
-            <p:spPr>
-              <a:blipFill>
-                <a:blip r:embed="rId2"/>
-                <a:stretch>
-                  <a:fillRect l="-1043" t="-1148"/>
-                </a:stretch>
-              </a:blipFill>
-            </p:spPr>
-            <p:txBody>
-              <a:bodyPr/>
-              <a:lstStyle/>
-              <a:p>
-                <a:r>
-                  <a:rPr lang="fr-CA">
-                    <a:noFill/>
-                  </a:rPr>
-                  <a:t> </a:t>
-                </a:r>
-              </a:p>
-            </p:txBody>
-          </p:sp>
-        </mc:Fallback>
-      </mc:AlternateContent>
-    </p:spTree>
-    <p:extLst>
-      <p:ext uri="{BB962C8B-B14F-4D97-AF65-F5344CB8AC3E}">
-        <p14:creationId xmlns:p14="http://schemas.microsoft.com/office/powerpoint/2010/main" val="1292112200"/>
       </p:ext>
     </p:extLst>
   </p:cSld>

--- a/Pâte à bagel.pptx
+++ b/Pâte à bagel.pptx
@@ -8400,8 +8400,8 @@
           </a:p>
         </p:txBody>
       </p:sp>
-      <mc:AlternateContent xmlns:mc="http://schemas.openxmlformats.org/markup-compatibility/2006">
-        <mc:Choice xmlns:a14="http://schemas.microsoft.com/office/drawing/2010/main" Requires="a14">
+      <mc:AlternateContent xmlns:mc="http://schemas.openxmlformats.org/markup-compatibility/2006" xmlns:a14="http://schemas.microsoft.com/office/drawing/2010/main">
+        <mc:Choice Requires="a14">
           <p:sp>
             <p:nvSpPr>
               <p:cNvPr id="3" name="Espace réservé du contenu 2">
@@ -8909,7 +8909,7 @@
             </p:txBody>
           </p:sp>
         </mc:Choice>
-        <mc:Fallback>
+        <mc:Fallback xmlns="">
           <p:sp>
             <p:nvSpPr>
               <p:cNvPr id="3" name="Espace réservé du contenu 2">
@@ -9136,8 +9136,8 @@
           </a:p>
         </p:txBody>
       </p:sp>
-      <mc:AlternateContent xmlns:mc="http://schemas.openxmlformats.org/markup-compatibility/2006" xmlns:a14="http://schemas.microsoft.com/office/drawing/2010/main">
-        <mc:Choice Requires="a14">
+      <mc:AlternateContent xmlns:mc="http://schemas.openxmlformats.org/markup-compatibility/2006">
+        <mc:Choice xmlns:a14="http://schemas.microsoft.com/office/drawing/2010/main" Requires="a14">
           <p:sp>
             <p:nvSpPr>
               <p:cNvPr id="3" name="Espace réservé du contenu 2">
@@ -9196,13 +9196,13 @@
                         <m:t>1</m:t>
                       </m:r>
                       <m:r>
-                        <a:rPr lang="fr-CA" sz="2400">
+                        <a:rPr lang="en-US" sz="2400" b="0" i="0" smtClean="0">
                           <a:effectLst/>
                           <a:latin typeface="Cambria Math" panose="02040503050406030204" pitchFamily="18" charset="0"/>
-                          <a:ea typeface="Calibri" panose="020F0502020204030204" pitchFamily="34" charset="0"/>
+                          <a:ea typeface="Times New Roman" panose="02020603050405020304" pitchFamily="18" charset="0"/>
                           <a:cs typeface="Times New Roman" panose="02020603050405020304" pitchFamily="18" charset="0"/>
                         </a:rPr>
-                        <m:t>&lt;</m:t>
+                        <m:t>&gt;</m:t>
                       </m:r>
                       <m:r>
                         <a:rPr lang="fr-CA" sz="2400" i="1">
@@ -9378,7 +9378,7 @@
             </p:txBody>
           </p:sp>
         </mc:Choice>
-        <mc:Fallback xmlns="">
+        <mc:Fallback>
           <p:sp>
             <p:nvSpPr>
               <p:cNvPr id="3" name="Espace réservé du contenu 2">

--- a/Pâte à bagel.pptx
+++ b/Pâte à bagel.pptx
@@ -14,18 +14,19 @@
     <p:sldId id="261" r:id="rId8"/>
     <p:sldId id="262" r:id="rId9"/>
     <p:sldId id="263" r:id="rId10"/>
-    <p:sldId id="267" r:id="rId11"/>
-    <p:sldId id="270" r:id="rId12"/>
-    <p:sldId id="268" r:id="rId13"/>
-    <p:sldId id="271" r:id="rId14"/>
-    <p:sldId id="269" r:id="rId15"/>
-    <p:sldId id="273" r:id="rId16"/>
-    <p:sldId id="272" r:id="rId17"/>
-    <p:sldId id="266" r:id="rId18"/>
-    <p:sldId id="264" r:id="rId19"/>
-    <p:sldId id="265" r:id="rId20"/>
-    <p:sldId id="274" r:id="rId21"/>
-    <p:sldId id="275" r:id="rId22"/>
+    <p:sldId id="277" r:id="rId11"/>
+    <p:sldId id="267" r:id="rId12"/>
+    <p:sldId id="270" r:id="rId13"/>
+    <p:sldId id="268" r:id="rId14"/>
+    <p:sldId id="271" r:id="rId15"/>
+    <p:sldId id="269" r:id="rId16"/>
+    <p:sldId id="273" r:id="rId17"/>
+    <p:sldId id="272" r:id="rId18"/>
+    <p:sldId id="266" r:id="rId19"/>
+    <p:sldId id="264" r:id="rId20"/>
+    <p:sldId id="265" r:id="rId21"/>
+    <p:sldId id="274" r:id="rId22"/>
+    <p:sldId id="275" r:id="rId23"/>
   </p:sldIdLst>
   <p:sldSz cx="12192000" cy="6858000"/>
   <p:notesSz cx="6858000" cy="9144000"/>
@@ -648,7 +649,7 @@
           <a:p>
             <a:fld id="{72345051-2045-45DA-935E-2E3CA1A69ADC}" type="datetimeFigureOut">
               <a:rPr lang="en-US" smtClean="0"/>
-              <a:t>12/4/2022</a:t>
+              <a:t>12/5/2022</a:t>
             </a:fld>
             <a:endParaRPr lang="en-US" dirty="0"/>
           </a:p>
@@ -702,7 +703,7 @@
           <a:p>
             <a:fld id="{A7CD31F4-64FA-4BA0-9498-67783267A8C8}" type="slidenum">
               <a:rPr lang="en-US" smtClean="0"/>
-              <a:t>‹#›</a:t>
+              <a:t>‹N°›</a:t>
             </a:fld>
             <a:endParaRPr lang="en-US"/>
           </a:p>
@@ -846,7 +847,7 @@
           <a:p>
             <a:fld id="{72345051-2045-45DA-935E-2E3CA1A69ADC}" type="datetimeFigureOut">
               <a:rPr lang="en-US" smtClean="0"/>
-              <a:t>12/4/2022</a:t>
+              <a:t>12/5/2022</a:t>
             </a:fld>
             <a:endParaRPr lang="en-US"/>
           </a:p>
@@ -900,7 +901,7 @@
           <a:p>
             <a:fld id="{A7CD31F4-64FA-4BA0-9498-67783267A8C8}" type="slidenum">
               <a:rPr lang="en-US" smtClean="0"/>
-              <a:t>‹#›</a:t>
+              <a:t>‹N°›</a:t>
             </a:fld>
             <a:endParaRPr lang="en-US"/>
           </a:p>
@@ -1054,7 +1055,7 @@
           <a:p>
             <a:fld id="{72345051-2045-45DA-935E-2E3CA1A69ADC}" type="datetimeFigureOut">
               <a:rPr lang="en-US" smtClean="0"/>
-              <a:t>12/4/2022</a:t>
+              <a:t>12/5/2022</a:t>
             </a:fld>
             <a:endParaRPr lang="en-US"/>
           </a:p>
@@ -1108,7 +1109,7 @@
           <a:p>
             <a:fld id="{A7CD31F4-64FA-4BA0-9498-67783267A8C8}" type="slidenum">
               <a:rPr lang="en-US" smtClean="0"/>
-              <a:t>‹#›</a:t>
+              <a:t>‹N°›</a:t>
             </a:fld>
             <a:endParaRPr lang="en-US"/>
           </a:p>
@@ -1276,7 +1277,7 @@
           <a:p>
             <a:fld id="{72345051-2045-45DA-935E-2E3CA1A69ADC}" type="datetimeFigureOut">
               <a:rPr lang="en-US" smtClean="0"/>
-              <a:t>12/4/2022</a:t>
+              <a:t>12/5/2022</a:t>
             </a:fld>
             <a:endParaRPr lang="en-US"/>
           </a:p>
@@ -1330,7 +1331,7 @@
           <a:p>
             <a:fld id="{A7CD31F4-64FA-4BA0-9498-67783267A8C8}" type="slidenum">
               <a:rPr lang="en-US" smtClean="0"/>
-              <a:t>‹#›</a:t>
+              <a:t>‹N°›</a:t>
             </a:fld>
             <a:endParaRPr lang="en-US"/>
           </a:p>
@@ -2187,7 +2188,7 @@
           <a:p>
             <a:fld id="{72345051-2045-45DA-935E-2E3CA1A69ADC}" type="datetimeFigureOut">
               <a:rPr lang="en-US" smtClean="0"/>
-              <a:t>12/4/2022</a:t>
+              <a:t>12/5/2022</a:t>
             </a:fld>
             <a:endParaRPr lang="en-US"/>
           </a:p>
@@ -2241,7 +2242,7 @@
           <a:p>
             <a:fld id="{A7CD31F4-64FA-4BA0-9498-67783267A8C8}" type="slidenum">
               <a:rPr lang="en-US" smtClean="0"/>
-              <a:t>‹#›</a:t>
+              <a:t>‹N°›</a:t>
             </a:fld>
             <a:endParaRPr lang="en-US"/>
           </a:p>
@@ -2790,7 +2791,7 @@
           <a:p>
             <a:fld id="{72345051-2045-45DA-935E-2E3CA1A69ADC}" type="datetimeFigureOut">
               <a:rPr lang="en-US" smtClean="0"/>
-              <a:t>12/4/2022</a:t>
+              <a:t>12/5/2022</a:t>
             </a:fld>
             <a:endParaRPr lang="en-US"/>
           </a:p>
@@ -2844,7 +2845,7 @@
           <a:p>
             <a:fld id="{A7CD31F4-64FA-4BA0-9498-67783267A8C8}" type="slidenum">
               <a:rPr lang="en-US" smtClean="0"/>
-              <a:t>‹#›</a:t>
+              <a:t>‹N°›</a:t>
             </a:fld>
             <a:endParaRPr lang="en-US"/>
           </a:p>
@@ -3838,7 +3839,7 @@
           <a:p>
             <a:fld id="{72345051-2045-45DA-935E-2E3CA1A69ADC}" type="datetimeFigureOut">
               <a:rPr lang="en-US" smtClean="0"/>
-              <a:t>12/4/2022</a:t>
+              <a:t>12/5/2022</a:t>
             </a:fld>
             <a:endParaRPr lang="en-US"/>
           </a:p>
@@ -3892,7 +3893,7 @@
           <a:p>
             <a:fld id="{A7CD31F4-64FA-4BA0-9498-67783267A8C8}" type="slidenum">
               <a:rPr lang="en-US" smtClean="0"/>
-              <a:t>‹#›</a:t>
+              <a:t>‹N°›</a:t>
             </a:fld>
             <a:endParaRPr lang="en-US"/>
           </a:p>
@@ -4622,7 +4623,7 @@
           <a:p>
             <a:fld id="{72345051-2045-45DA-935E-2E3CA1A69ADC}" type="datetimeFigureOut">
               <a:rPr lang="en-US" smtClean="0"/>
-              <a:t>12/4/2022</a:t>
+              <a:t>12/5/2022</a:t>
             </a:fld>
             <a:endParaRPr lang="en-US"/>
           </a:p>
@@ -4676,7 +4677,7 @@
           <a:p>
             <a:fld id="{A7CD31F4-64FA-4BA0-9498-67783267A8C8}" type="slidenum">
               <a:rPr lang="en-US" smtClean="0"/>
-              <a:t>‹#›</a:t>
+              <a:t>‹N°›</a:t>
             </a:fld>
             <a:endParaRPr lang="en-US"/>
           </a:p>
@@ -5071,7 +5072,7 @@
           <a:p>
             <a:fld id="{72345051-2045-45DA-935E-2E3CA1A69ADC}" type="datetimeFigureOut">
               <a:rPr lang="en-US" smtClean="0"/>
-              <a:t>12/4/2022</a:t>
+              <a:t>12/5/2022</a:t>
             </a:fld>
             <a:endParaRPr lang="en-US"/>
           </a:p>
@@ -5125,7 +5126,7 @@
           <a:p>
             <a:fld id="{A7CD31F4-64FA-4BA0-9498-67783267A8C8}" type="slidenum">
               <a:rPr lang="en-US" smtClean="0"/>
-              <a:t>‹#›</a:t>
+              <a:t>‹N°›</a:t>
             </a:fld>
             <a:endParaRPr lang="en-US"/>
           </a:p>
@@ -5388,7 +5389,7 @@
           <a:p>
             <a:fld id="{72345051-2045-45DA-935E-2E3CA1A69ADC}" type="datetimeFigureOut">
               <a:rPr lang="en-US" smtClean="0"/>
-              <a:t>12/4/2022</a:t>
+              <a:t>12/5/2022</a:t>
             </a:fld>
             <a:endParaRPr lang="en-US"/>
           </a:p>
@@ -5442,7 +5443,7 @@
           <a:p>
             <a:fld id="{A7CD31F4-64FA-4BA0-9498-67783267A8C8}" type="slidenum">
               <a:rPr lang="en-US" smtClean="0"/>
-              <a:t>‹#›</a:t>
+              <a:t>‹N°›</a:t>
             </a:fld>
             <a:endParaRPr lang="en-US"/>
           </a:p>
@@ -6016,7 +6017,7 @@
           <a:p>
             <a:fld id="{72345051-2045-45DA-935E-2E3CA1A69ADC}" type="datetimeFigureOut">
               <a:rPr lang="en-US" smtClean="0"/>
-              <a:t>12/4/2022</a:t>
+              <a:t>12/5/2022</a:t>
             </a:fld>
             <a:endParaRPr lang="en-US"/>
           </a:p>
@@ -6070,7 +6071,7 @@
           <a:p>
             <a:fld id="{A7CD31F4-64FA-4BA0-9498-67783267A8C8}" type="slidenum">
               <a:rPr lang="en-US" smtClean="0"/>
-              <a:t>‹#›</a:t>
+              <a:t>‹N°›</a:t>
             </a:fld>
             <a:endParaRPr lang="en-US"/>
           </a:p>
@@ -6589,7 +6590,7 @@
           <a:p>
             <a:fld id="{72345051-2045-45DA-935E-2E3CA1A69ADC}" type="datetimeFigureOut">
               <a:rPr lang="en-US" smtClean="0"/>
-              <a:t>12/4/2022</a:t>
+              <a:t>12/5/2022</a:t>
             </a:fld>
             <a:endParaRPr lang="en-US" dirty="0"/>
           </a:p>
@@ -6679,7 +6680,7 @@
           <a:p>
             <a:fld id="{A7CD31F4-64FA-4BA0-9498-67783267A8C8}" type="slidenum">
               <a:rPr lang="en-US" smtClean="0"/>
-              <a:t>‹#›</a:t>
+              <a:t>‹N°›</a:t>
             </a:fld>
             <a:endParaRPr lang="en-US" dirty="0"/>
           </a:p>
@@ -7905,14 +7906,14 @@
           <a:p>
             <a:pPr algn="ctr"/>
             <a:r>
-              <a:rPr lang="en-US">
+              <a:rPr lang="en-US" dirty="0">
                 <a:solidFill>
                   <a:schemeClr val="bg1"/>
                 </a:solidFill>
               </a:rPr>
               <a:t>Pâte à bagel</a:t>
             </a:r>
-            <a:endParaRPr lang="fr-CA">
+            <a:endParaRPr lang="fr-CA" dirty="0">
               <a:solidFill>
                 <a:schemeClr val="bg1"/>
               </a:solidFill>
@@ -7954,10 +7955,12 @@
               </a:lnSpc>
             </a:pPr>
             <a:r>
-              <a:rPr lang="en-US" sz="1800">
+              <a:rPr lang="en-US" sz="1800" b="1" dirty="0">
                 <a:solidFill>
                   <a:schemeClr val="bg1"/>
                 </a:solidFill>
+                <a:latin typeface="Adobe Fan Heiti Std B" panose="020B0700000000000000" pitchFamily="34" charset="-128"/>
+                <a:ea typeface="Adobe Fan Heiti Std B" panose="020B0700000000000000" pitchFamily="34" charset="-128"/>
               </a:rPr>
               <a:t>Juliette Beauregard-Provost</a:t>
             </a:r>
@@ -7969,10 +7972,12 @@
               </a:lnSpc>
             </a:pPr>
             <a:r>
-              <a:rPr lang="en-US" sz="1800">
+              <a:rPr lang="en-US" sz="1800" b="1" dirty="0">
                 <a:solidFill>
                   <a:schemeClr val="bg1"/>
                 </a:solidFill>
+                <a:latin typeface="Adobe Fan Heiti Std B" panose="020B0700000000000000" pitchFamily="34" charset="-128"/>
+                <a:ea typeface="Adobe Fan Heiti Std B" panose="020B0700000000000000" pitchFamily="34" charset="-128"/>
               </a:rPr>
               <a:t>Simon Desjardins</a:t>
             </a:r>
@@ -7984,17 +7989,21 @@
               </a:lnSpc>
             </a:pPr>
             <a:r>
-              <a:rPr lang="en-US" sz="1800">
+              <a:rPr lang="en-US" sz="1800" b="1" dirty="0">
                 <a:solidFill>
                   <a:schemeClr val="bg1"/>
                 </a:solidFill>
+                <a:latin typeface="Adobe Fan Heiti Std B" panose="020B0700000000000000" pitchFamily="34" charset="-128"/>
+                <a:ea typeface="Adobe Fan Heiti Std B" panose="020B0700000000000000" pitchFamily="34" charset="-128"/>
               </a:rPr>
               <a:t>Rosalie Turgeon</a:t>
             </a:r>
-            <a:endParaRPr lang="fr-CA" sz="1800">
+            <a:endParaRPr lang="fr-CA" sz="1800" b="1" dirty="0">
               <a:solidFill>
                 <a:schemeClr val="bg1"/>
               </a:solidFill>
+              <a:latin typeface="Adobe Fan Heiti Std B" panose="020B0700000000000000" pitchFamily="34" charset="-128"/>
+              <a:ea typeface="Adobe Fan Heiti Std B" panose="020B0700000000000000" pitchFamily="34" charset="-128"/>
             </a:endParaRPr>
           </a:p>
         </p:txBody>
@@ -8358,6 +8367,1420 @@
 <file path=ppt/slides/slide10.xml><?xml version="1.0" encoding="utf-8"?>
 <p:sld xmlns:a="http://schemas.openxmlformats.org/drawingml/2006/main" xmlns:r="http://schemas.openxmlformats.org/officeDocument/2006/relationships" xmlns:p="http://schemas.openxmlformats.org/presentationml/2006/main">
   <p:cSld>
+    <p:bg>
+      <p:bgPr>
+        <a:solidFill>
+          <a:schemeClr val="bg1"/>
+        </a:solidFill>
+        <a:effectLst/>
+      </p:bgPr>
+    </p:bg>
+    <p:spTree>
+      <p:nvGrpSpPr>
+        <p:cNvPr id="1" name=""/>
+        <p:cNvGrpSpPr/>
+        <p:nvPr/>
+      </p:nvGrpSpPr>
+      <p:grpSpPr>
+        <a:xfrm>
+          <a:off x="0" y="0"/>
+          <a:ext cx="0" cy="0"/>
+          <a:chOff x="0" y="0"/>
+          <a:chExt cx="0" cy="0"/>
+        </a:xfrm>
+      </p:grpSpPr>
+      <p:sp>
+        <p:nvSpPr>
+          <p:cNvPr id="9" name="Rectangle 6">
+            <a:extLst>
+              <a:ext uri="{FF2B5EF4-FFF2-40B4-BE49-F238E27FC236}">
+                <a16:creationId xmlns:a16="http://schemas.microsoft.com/office/drawing/2014/main" id="{DA381740-063A-41A4-836D-85D14980EEF0}"/>
+              </a:ext>
+              <a:ext uri="{C183D7F6-B498-43B3-948B-1728B52AA6E4}">
+                <adec:decorative xmlns:adec="http://schemas.microsoft.com/office/drawing/2017/decorative" val="1"/>
+              </a:ext>
+            </a:extLst>
+          </p:cNvPr>
+          <p:cNvSpPr>
+            <a:spLocks noGrp="1" noRot="1" noChangeAspect="1" noMove="1" noResize="1" noEditPoints="1" noAdjustHandles="1" noChangeArrowheads="1" noChangeShapeType="1" noTextEdit="1"/>
+          </p:cNvSpPr>
+          <p:nvPr>
+            <p:extLst>
+              <p:ext uri="{386F3935-93C4-4BCD-93E2-E3B085C9AB24}">
+                <p16:designElem xmlns:p16="http://schemas.microsoft.com/office/powerpoint/2015/main" val="1"/>
+              </p:ext>
+            </p:extLst>
+          </p:nvPr>
+        </p:nvSpPr>
+        <p:spPr>
+          <a:xfrm>
+            <a:off x="838200" y="4736883"/>
+            <a:ext cx="4243589" cy="27432"/>
+          </a:xfrm>
+          <a:custGeom>
+            <a:avLst/>
+            <a:gdLst>
+              <a:gd name="connsiteX0" fmla="*/ 0 w 4243589"/>
+              <a:gd name="connsiteY0" fmla="*/ 0 h 27432"/>
+              <a:gd name="connsiteX1" fmla="*/ 563791 w 4243589"/>
+              <a:gd name="connsiteY1" fmla="*/ 0 h 27432"/>
+              <a:gd name="connsiteX2" fmla="*/ 1042710 w 4243589"/>
+              <a:gd name="connsiteY2" fmla="*/ 0 h 27432"/>
+              <a:gd name="connsiteX3" fmla="*/ 1564066 w 4243589"/>
+              <a:gd name="connsiteY3" fmla="*/ 0 h 27432"/>
+              <a:gd name="connsiteX4" fmla="*/ 2212729 w 4243589"/>
+              <a:gd name="connsiteY4" fmla="*/ 0 h 27432"/>
+              <a:gd name="connsiteX5" fmla="*/ 2776520 w 4243589"/>
+              <a:gd name="connsiteY5" fmla="*/ 0 h 27432"/>
+              <a:gd name="connsiteX6" fmla="*/ 3297875 w 4243589"/>
+              <a:gd name="connsiteY6" fmla="*/ 0 h 27432"/>
+              <a:gd name="connsiteX7" fmla="*/ 4243589 w 4243589"/>
+              <a:gd name="connsiteY7" fmla="*/ 0 h 27432"/>
+              <a:gd name="connsiteX8" fmla="*/ 4243589 w 4243589"/>
+              <a:gd name="connsiteY8" fmla="*/ 27432 h 27432"/>
+              <a:gd name="connsiteX9" fmla="*/ 3637362 w 4243589"/>
+              <a:gd name="connsiteY9" fmla="*/ 27432 h 27432"/>
+              <a:gd name="connsiteX10" fmla="*/ 3116007 w 4243589"/>
+              <a:gd name="connsiteY10" fmla="*/ 27432 h 27432"/>
+              <a:gd name="connsiteX11" fmla="*/ 2424908 w 4243589"/>
+              <a:gd name="connsiteY11" fmla="*/ 27432 h 27432"/>
+              <a:gd name="connsiteX12" fmla="*/ 1861117 w 4243589"/>
+              <a:gd name="connsiteY12" fmla="*/ 27432 h 27432"/>
+              <a:gd name="connsiteX13" fmla="*/ 1382198 w 4243589"/>
+              <a:gd name="connsiteY13" fmla="*/ 27432 h 27432"/>
+              <a:gd name="connsiteX14" fmla="*/ 733535 w 4243589"/>
+              <a:gd name="connsiteY14" fmla="*/ 27432 h 27432"/>
+              <a:gd name="connsiteX15" fmla="*/ 0 w 4243589"/>
+              <a:gd name="connsiteY15" fmla="*/ 27432 h 27432"/>
+              <a:gd name="connsiteX16" fmla="*/ 0 w 4243589"/>
+              <a:gd name="connsiteY16" fmla="*/ 0 h 27432"/>
+            </a:gdLst>
+            <a:ahLst/>
+            <a:cxnLst>
+              <a:cxn ang="0">
+                <a:pos x="connsiteX0" y="connsiteY0"/>
+              </a:cxn>
+              <a:cxn ang="0">
+                <a:pos x="connsiteX1" y="connsiteY1"/>
+              </a:cxn>
+              <a:cxn ang="0">
+                <a:pos x="connsiteX2" y="connsiteY2"/>
+              </a:cxn>
+              <a:cxn ang="0">
+                <a:pos x="connsiteX3" y="connsiteY3"/>
+              </a:cxn>
+              <a:cxn ang="0">
+                <a:pos x="connsiteX4" y="connsiteY4"/>
+              </a:cxn>
+              <a:cxn ang="0">
+                <a:pos x="connsiteX5" y="connsiteY5"/>
+              </a:cxn>
+              <a:cxn ang="0">
+                <a:pos x="connsiteX6" y="connsiteY6"/>
+              </a:cxn>
+              <a:cxn ang="0">
+                <a:pos x="connsiteX7" y="connsiteY7"/>
+              </a:cxn>
+              <a:cxn ang="0">
+                <a:pos x="connsiteX8" y="connsiteY8"/>
+              </a:cxn>
+              <a:cxn ang="0">
+                <a:pos x="connsiteX9" y="connsiteY9"/>
+              </a:cxn>
+              <a:cxn ang="0">
+                <a:pos x="connsiteX10" y="connsiteY10"/>
+              </a:cxn>
+              <a:cxn ang="0">
+                <a:pos x="connsiteX11" y="connsiteY11"/>
+              </a:cxn>
+              <a:cxn ang="0">
+                <a:pos x="connsiteX12" y="connsiteY12"/>
+              </a:cxn>
+              <a:cxn ang="0">
+                <a:pos x="connsiteX13" y="connsiteY13"/>
+              </a:cxn>
+              <a:cxn ang="0">
+                <a:pos x="connsiteX14" y="connsiteY14"/>
+              </a:cxn>
+              <a:cxn ang="0">
+                <a:pos x="connsiteX15" y="connsiteY15"/>
+              </a:cxn>
+              <a:cxn ang="0">
+                <a:pos x="connsiteX16" y="connsiteY16"/>
+              </a:cxn>
+            </a:cxnLst>
+            <a:rect l="l" t="t" r="r" b="b"/>
+            <a:pathLst>
+              <a:path w="4243589" h="27432" fill="none" extrusionOk="0">
+                <a:moveTo>
+                  <a:pt x="0" y="0"/>
+                </a:moveTo>
+                <a:cubicBezTo>
+                  <a:pt x="157351" y="-15653"/>
+                  <a:pt x="378877" y="-5828"/>
+                  <a:pt x="563791" y="0"/>
+                </a:cubicBezTo>
+                <a:cubicBezTo>
+                  <a:pt x="748705" y="5828"/>
+                  <a:pt x="905659" y="-5525"/>
+                  <a:pt x="1042710" y="0"/>
+                </a:cubicBezTo>
+                <a:cubicBezTo>
+                  <a:pt x="1179761" y="5525"/>
+                  <a:pt x="1356845" y="-21288"/>
+                  <a:pt x="1564066" y="0"/>
+                </a:cubicBezTo>
+                <a:cubicBezTo>
+                  <a:pt x="1771287" y="21288"/>
+                  <a:pt x="1912099" y="25135"/>
+                  <a:pt x="2212729" y="0"/>
+                </a:cubicBezTo>
+                <a:cubicBezTo>
+                  <a:pt x="2513359" y="-25135"/>
+                  <a:pt x="2514918" y="-27119"/>
+                  <a:pt x="2776520" y="0"/>
+                </a:cubicBezTo>
+                <a:cubicBezTo>
+                  <a:pt x="3038122" y="27119"/>
+                  <a:pt x="3178771" y="18116"/>
+                  <a:pt x="3297875" y="0"/>
+                </a:cubicBezTo>
+                <a:cubicBezTo>
+                  <a:pt x="3416980" y="-18116"/>
+                  <a:pt x="4012240" y="-40869"/>
+                  <a:pt x="4243589" y="0"/>
+                </a:cubicBezTo>
+                <a:cubicBezTo>
+                  <a:pt x="4242616" y="8304"/>
+                  <a:pt x="4243111" y="21512"/>
+                  <a:pt x="4243589" y="27432"/>
+                </a:cubicBezTo>
+                <a:cubicBezTo>
+                  <a:pt x="4112949" y="6289"/>
+                  <a:pt x="3928037" y="10975"/>
+                  <a:pt x="3637362" y="27432"/>
+                </a:cubicBezTo>
+                <a:cubicBezTo>
+                  <a:pt x="3346687" y="43889"/>
+                  <a:pt x="3254446" y="35813"/>
+                  <a:pt x="3116007" y="27432"/>
+                </a:cubicBezTo>
+                <a:cubicBezTo>
+                  <a:pt x="2977569" y="19051"/>
+                  <a:pt x="2620228" y="38017"/>
+                  <a:pt x="2424908" y="27432"/>
+                </a:cubicBezTo>
+                <a:cubicBezTo>
+                  <a:pt x="2229588" y="16847"/>
+                  <a:pt x="2088287" y="5290"/>
+                  <a:pt x="1861117" y="27432"/>
+                </a:cubicBezTo>
+                <a:cubicBezTo>
+                  <a:pt x="1633947" y="49574"/>
+                  <a:pt x="1502447" y="8273"/>
+                  <a:pt x="1382198" y="27432"/>
+                </a:cubicBezTo>
+                <a:cubicBezTo>
+                  <a:pt x="1261949" y="46591"/>
+                  <a:pt x="1045440" y="37497"/>
+                  <a:pt x="733535" y="27432"/>
+                </a:cubicBezTo>
+                <a:cubicBezTo>
+                  <a:pt x="421630" y="17367"/>
+                  <a:pt x="341257" y="-9215"/>
+                  <a:pt x="0" y="27432"/>
+                </a:cubicBezTo>
+                <a:cubicBezTo>
+                  <a:pt x="-1048" y="14992"/>
+                  <a:pt x="-1120" y="7447"/>
+                  <a:pt x="0" y="0"/>
+                </a:cubicBezTo>
+                <a:close/>
+              </a:path>
+              <a:path w="4243589" h="27432" stroke="0" extrusionOk="0">
+                <a:moveTo>
+                  <a:pt x="0" y="0"/>
+                </a:moveTo>
+                <a:cubicBezTo>
+                  <a:pt x="128164" y="17204"/>
+                  <a:pt x="312653" y="1129"/>
+                  <a:pt x="563791" y="0"/>
+                </a:cubicBezTo>
+                <a:cubicBezTo>
+                  <a:pt x="814929" y="-1129"/>
+                  <a:pt x="837271" y="8503"/>
+                  <a:pt x="1042710" y="0"/>
+                </a:cubicBezTo>
+                <a:cubicBezTo>
+                  <a:pt x="1248149" y="-8503"/>
+                  <a:pt x="1588432" y="-28862"/>
+                  <a:pt x="1733809" y="0"/>
+                </a:cubicBezTo>
+                <a:cubicBezTo>
+                  <a:pt x="1879186" y="28862"/>
+                  <a:pt x="2052815" y="5974"/>
+                  <a:pt x="2297600" y="0"/>
+                </a:cubicBezTo>
+                <a:cubicBezTo>
+                  <a:pt x="2542385" y="-5974"/>
+                  <a:pt x="2699960" y="-23550"/>
+                  <a:pt x="2861391" y="0"/>
+                </a:cubicBezTo>
+                <a:cubicBezTo>
+                  <a:pt x="3022822" y="23550"/>
+                  <a:pt x="3390411" y="25272"/>
+                  <a:pt x="3552490" y="0"/>
+                </a:cubicBezTo>
+                <a:cubicBezTo>
+                  <a:pt x="3714569" y="-25272"/>
+                  <a:pt x="3950585" y="-31327"/>
+                  <a:pt x="4243589" y="0"/>
+                </a:cubicBezTo>
+                <a:cubicBezTo>
+                  <a:pt x="4244074" y="9333"/>
+                  <a:pt x="4244867" y="19699"/>
+                  <a:pt x="4243589" y="27432"/>
+                </a:cubicBezTo>
+                <a:cubicBezTo>
+                  <a:pt x="4130424" y="7904"/>
+                  <a:pt x="3932803" y="51393"/>
+                  <a:pt x="3722234" y="27432"/>
+                </a:cubicBezTo>
+                <a:cubicBezTo>
+                  <a:pt x="3511665" y="3471"/>
+                  <a:pt x="3269903" y="55138"/>
+                  <a:pt x="3116007" y="27432"/>
+                </a:cubicBezTo>
+                <a:cubicBezTo>
+                  <a:pt x="2962111" y="-274"/>
+                  <a:pt x="2744280" y="32368"/>
+                  <a:pt x="2509780" y="27432"/>
+                </a:cubicBezTo>
+                <a:cubicBezTo>
+                  <a:pt x="2275280" y="22496"/>
+                  <a:pt x="2066059" y="52808"/>
+                  <a:pt x="1945989" y="27432"/>
+                </a:cubicBezTo>
+                <a:cubicBezTo>
+                  <a:pt x="1825919" y="2056"/>
+                  <a:pt x="1407329" y="21760"/>
+                  <a:pt x="1254890" y="27432"/>
+                </a:cubicBezTo>
+                <a:cubicBezTo>
+                  <a:pt x="1102451" y="33104"/>
+                  <a:pt x="837950" y="40817"/>
+                  <a:pt x="563791" y="27432"/>
+                </a:cubicBezTo>
+                <a:cubicBezTo>
+                  <a:pt x="289632" y="14047"/>
+                  <a:pt x="132768" y="16249"/>
+                  <a:pt x="0" y="27432"/>
+                </a:cubicBezTo>
+                <a:cubicBezTo>
+                  <a:pt x="211" y="18145"/>
+                  <a:pt x="120" y="6480"/>
+                  <a:pt x="0" y="0"/>
+                </a:cubicBezTo>
+                <a:close/>
+              </a:path>
+            </a:pathLst>
+          </a:custGeom>
+          <a:solidFill>
+            <a:schemeClr val="tx1"/>
+          </a:solidFill>
+          <a:ln w="38100" cap="rnd">
+            <a:solidFill>
+              <a:schemeClr val="tx1"/>
+            </a:solidFill>
+            <a:round/>
+            <a:extLst>
+              <a:ext uri="{C807C97D-BFC1-408E-A445-0C87EB9F89A2}">
+                <ask:lineSketchStyleProps xmlns:ask="http://schemas.microsoft.com/office/drawing/2018/sketchyshapes" sd="1219033472">
+                  <a:prstGeom prst="rect">
+                    <a:avLst/>
+                  </a:prstGeom>
+                  <ask:type>
+                    <ask:lineSketchFreehand/>
+                  </ask:type>
+                </ask:lineSketchStyleProps>
+              </a:ext>
+            </a:extLst>
+          </a:ln>
+        </p:spPr>
+        <p:style>
+          <a:lnRef idx="2">
+            <a:schemeClr val="accent1">
+              <a:shade val="50000"/>
+            </a:schemeClr>
+          </a:lnRef>
+          <a:fillRef idx="1">
+            <a:schemeClr val="accent1"/>
+          </a:fillRef>
+          <a:effectRef idx="0">
+            <a:schemeClr val="accent1"/>
+          </a:effectRef>
+          <a:fontRef idx="minor">
+            <a:schemeClr val="lt1"/>
+          </a:fontRef>
+        </p:style>
+        <p:txBody>
+          <a:bodyPr rtlCol="0" anchor="ctr"/>
+          <a:lstStyle/>
+          <a:p>
+            <a:pPr algn="ctr"/>
+            <a:endParaRPr lang="en-US">
+              <a:solidFill>
+                <a:schemeClr val="tx1"/>
+              </a:solidFill>
+            </a:endParaRPr>
+          </a:p>
+        </p:txBody>
+      </p:sp>
+      <p:sp useBgFill="1">
+        <p:nvSpPr>
+          <p:cNvPr id="11" name="Rectangle 10">
+            <a:extLst>
+              <a:ext uri="{FF2B5EF4-FFF2-40B4-BE49-F238E27FC236}">
+                <a16:creationId xmlns:a16="http://schemas.microsoft.com/office/drawing/2014/main" id="{76906711-0AFB-47DD-A4B6-4E94B38B8C91}"/>
+              </a:ext>
+              <a:ext uri="{C183D7F6-B498-43B3-948B-1728B52AA6E4}">
+                <adec:decorative xmlns:adec="http://schemas.microsoft.com/office/drawing/2017/decorative" val="1"/>
+              </a:ext>
+            </a:extLst>
+          </p:cNvPr>
+          <p:cNvSpPr>
+            <a:spLocks noGrp="1" noRot="1" noChangeAspect="1" noMove="1" noResize="1" noEditPoints="1" noAdjustHandles="1" noChangeArrowheads="1" noChangeShapeType="1" noTextEdit="1"/>
+          </p:cNvSpPr>
+          <p:nvPr>
+            <p:extLst>
+              <p:ext uri="{386F3935-93C4-4BCD-93E2-E3B085C9AB24}">
+                <p16:designElem xmlns:p16="http://schemas.microsoft.com/office/powerpoint/2015/main" val="1"/>
+              </p:ext>
+            </p:extLst>
+          </p:nvPr>
+        </p:nvSpPr>
+        <p:spPr>
+          <a:xfrm>
+            <a:off x="0" y="0"/>
+            <a:ext cx="12192000" cy="6858000"/>
+          </a:xfrm>
+          <a:prstGeom prst="rect">
+            <a:avLst/>
+          </a:prstGeom>
+          <a:ln>
+            <a:noFill/>
+          </a:ln>
+        </p:spPr>
+        <p:style>
+          <a:lnRef idx="2">
+            <a:schemeClr val="accent1">
+              <a:shade val="50000"/>
+            </a:schemeClr>
+          </a:lnRef>
+          <a:fillRef idx="1">
+            <a:schemeClr val="accent1"/>
+          </a:fillRef>
+          <a:effectRef idx="0">
+            <a:schemeClr val="accent1"/>
+          </a:effectRef>
+          <a:fontRef idx="minor">
+            <a:schemeClr val="lt1"/>
+          </a:fontRef>
+        </p:style>
+        <p:txBody>
+          <a:bodyPr rtlCol="0" anchor="ctr"/>
+          <a:lstStyle/>
+          <a:p>
+            <a:pPr algn="ctr"/>
+            <a:endParaRPr lang="en-US"/>
+          </a:p>
+        </p:txBody>
+      </p:sp>
+      <p:sp>
+        <p:nvSpPr>
+          <p:cNvPr id="13" name="Freeform: Shape 12">
+            <a:extLst>
+              <a:ext uri="{FF2B5EF4-FFF2-40B4-BE49-F238E27FC236}">
+                <a16:creationId xmlns:a16="http://schemas.microsoft.com/office/drawing/2014/main" id="{AA91F649-894C-41F6-A21D-3D1AC558E934}"/>
+              </a:ext>
+              <a:ext uri="{C183D7F6-B498-43B3-948B-1728B52AA6E4}">
+                <adec:decorative xmlns:adec="http://schemas.microsoft.com/office/drawing/2017/decorative" val="1"/>
+              </a:ext>
+            </a:extLst>
+          </p:cNvPr>
+          <p:cNvSpPr>
+            <a:spLocks noGrp="1" noRot="1" noChangeAspect="1" noMove="1" noResize="1" noEditPoints="1" noAdjustHandles="1" noChangeArrowheads="1" noChangeShapeType="1" noTextEdit="1"/>
+          </p:cNvSpPr>
+          <p:nvPr>
+            <p:extLst>
+              <p:ext uri="{386F3935-93C4-4BCD-93E2-E3B085C9AB24}">
+                <p16:designElem xmlns:p16="http://schemas.microsoft.com/office/powerpoint/2015/main" val="1"/>
+              </p:ext>
+            </p:extLst>
+          </p:nvPr>
+        </p:nvSpPr>
+        <p:spPr>
+          <a:xfrm>
+            <a:off x="0" y="0"/>
+            <a:ext cx="12192000" cy="2877832"/>
+          </a:xfrm>
+          <a:custGeom>
+            <a:avLst/>
+            <a:gdLst>
+              <a:gd name="connsiteX0" fmla="*/ 6789701 w 12192000"/>
+              <a:gd name="connsiteY0" fmla="*/ 2809623 h 2877832"/>
+              <a:gd name="connsiteX1" fmla="*/ 6788702 w 12192000"/>
+              <a:gd name="connsiteY1" fmla="*/ 2809701 h 2877832"/>
+              <a:gd name="connsiteX2" fmla="*/ 6788476 w 12192000"/>
+              <a:gd name="connsiteY2" fmla="*/ 2810235 h 2877832"/>
+              <a:gd name="connsiteX3" fmla="*/ 0 w 12192000"/>
+              <a:gd name="connsiteY3" fmla="*/ 0 h 2877832"/>
+              <a:gd name="connsiteX4" fmla="*/ 12192000 w 12192000"/>
+              <a:gd name="connsiteY4" fmla="*/ 0 h 2877832"/>
+              <a:gd name="connsiteX5" fmla="*/ 12192000 w 12192000"/>
+              <a:gd name="connsiteY5" fmla="*/ 1915388 h 2877832"/>
+              <a:gd name="connsiteX6" fmla="*/ 12061096 w 12192000"/>
+              <a:gd name="connsiteY6" fmla="*/ 1954428 h 2877832"/>
+              <a:gd name="connsiteX7" fmla="*/ 11676800 w 12192000"/>
+              <a:gd name="connsiteY7" fmla="*/ 2058003 h 2877832"/>
+              <a:gd name="connsiteX8" fmla="*/ 10425355 w 12192000"/>
+              <a:gd name="connsiteY8" fmla="*/ 2341542 h 2877832"/>
+              <a:gd name="connsiteX9" fmla="*/ 9424022 w 12192000"/>
+              <a:gd name="connsiteY9" fmla="*/ 2516704 h 2877832"/>
+              <a:gd name="connsiteX10" fmla="*/ 8458419 w 12192000"/>
+              <a:gd name="connsiteY10" fmla="*/ 2650405 h 2877832"/>
+              <a:gd name="connsiteX11" fmla="*/ 7715970 w 12192000"/>
+              <a:gd name="connsiteY11" fmla="*/ 2730352 h 2877832"/>
+              <a:gd name="connsiteX12" fmla="*/ 6951716 w 12192000"/>
+              <a:gd name="connsiteY12" fmla="*/ 2796132 h 2877832"/>
+              <a:gd name="connsiteX13" fmla="*/ 6936303 w 12192000"/>
+              <a:gd name="connsiteY13" fmla="*/ 2798203 h 2877832"/>
+              <a:gd name="connsiteX14" fmla="*/ 6790448 w 12192000"/>
+              <a:gd name="connsiteY14" fmla="*/ 2809564 h 2877832"/>
+              <a:gd name="connsiteX15" fmla="*/ 6799941 w 12192000"/>
+              <a:gd name="connsiteY15" fmla="*/ 2811384 h 2877832"/>
+              <a:gd name="connsiteX16" fmla="*/ 6835432 w 12192000"/>
+              <a:gd name="connsiteY16" fmla="*/ 2809677 h 2877832"/>
+              <a:gd name="connsiteX17" fmla="*/ 6884003 w 12192000"/>
+              <a:gd name="connsiteY17" fmla="*/ 2806699 h 2877832"/>
+              <a:gd name="connsiteX18" fmla="*/ 7578771 w 12192000"/>
+              <a:gd name="connsiteY18" fmla="*/ 2774172 h 2877832"/>
+              <a:gd name="connsiteX19" fmla="*/ 8623845 w 12192000"/>
+              <a:gd name="connsiteY19" fmla="*/ 2687275 h 2877832"/>
+              <a:gd name="connsiteX20" fmla="*/ 9479970 w 12192000"/>
+              <a:gd name="connsiteY20" fmla="*/ 2583369 h 2877832"/>
+              <a:gd name="connsiteX21" fmla="*/ 10629308 w 12192000"/>
+              <a:gd name="connsiteY21" fmla="*/ 2389212 h 2877832"/>
+              <a:gd name="connsiteX22" fmla="*/ 11998498 w 12192000"/>
+              <a:gd name="connsiteY22" fmla="*/ 2063218 h 2877832"/>
+              <a:gd name="connsiteX23" fmla="*/ 12192000 w 12192000"/>
+              <a:gd name="connsiteY23" fmla="*/ 2006219 h 2877832"/>
+              <a:gd name="connsiteX24" fmla="*/ 12192000 w 12192000"/>
+              <a:gd name="connsiteY24" fmla="*/ 2060956 h 2877832"/>
+              <a:gd name="connsiteX25" fmla="*/ 11829257 w 12192000"/>
+              <a:gd name="connsiteY25" fmla="*/ 2166255 h 2877832"/>
+              <a:gd name="connsiteX26" fmla="*/ 10939183 w 12192000"/>
+              <a:gd name="connsiteY26" fmla="*/ 2380770 h 2877832"/>
+              <a:gd name="connsiteX27" fmla="*/ 9985530 w 12192000"/>
+              <a:gd name="connsiteY27" fmla="*/ 2560775 h 2877832"/>
+              <a:gd name="connsiteX28" fmla="*/ 9186882 w 12192000"/>
+              <a:gd name="connsiteY28" fmla="*/ 2676722 h 2877832"/>
+              <a:gd name="connsiteX29" fmla="*/ 8578198 w 12192000"/>
+              <a:gd name="connsiteY29" fmla="*/ 2746241 h 2877832"/>
+              <a:gd name="connsiteX30" fmla="*/ 7864358 w 12192000"/>
+              <a:gd name="connsiteY30" fmla="*/ 2807692 h 2877832"/>
+              <a:gd name="connsiteX31" fmla="*/ 6935502 w 12192000"/>
+              <a:gd name="connsiteY31" fmla="*/ 2859086 h 2877832"/>
+              <a:gd name="connsiteX32" fmla="*/ 6477750 w 12192000"/>
+              <a:gd name="connsiteY32" fmla="*/ 2872989 h 2877832"/>
+              <a:gd name="connsiteX33" fmla="*/ 6362294 w 12192000"/>
+              <a:gd name="connsiteY33" fmla="*/ 2877832 h 2877832"/>
+              <a:gd name="connsiteX34" fmla="*/ 6057129 w 12192000"/>
+              <a:gd name="connsiteY34" fmla="*/ 2877832 h 2877832"/>
+              <a:gd name="connsiteX35" fmla="*/ 5977784 w 12192000"/>
+              <a:gd name="connsiteY35" fmla="*/ 2873238 h 2877832"/>
+              <a:gd name="connsiteX36" fmla="*/ 5265087 w 12192000"/>
+              <a:gd name="connsiteY36" fmla="*/ 2836989 h 2877832"/>
+              <a:gd name="connsiteX37" fmla="*/ 4346277 w 12192000"/>
+              <a:gd name="connsiteY37" fmla="*/ 2774919 h 2877832"/>
+              <a:gd name="connsiteX38" fmla="*/ 3373045 w 12192000"/>
+              <a:gd name="connsiteY38" fmla="*/ 2676350 h 2877832"/>
+              <a:gd name="connsiteX39" fmla="*/ 2362173 w 12192000"/>
+              <a:gd name="connsiteY39" fmla="*/ 2557423 h 2877832"/>
+              <a:gd name="connsiteX40" fmla="*/ 1233178 w 12192000"/>
+              <a:gd name="connsiteY40" fmla="*/ 2384247 h 2877832"/>
+              <a:gd name="connsiteX41" fmla="*/ 68500 w 12192000"/>
+              <a:gd name="connsiteY41" fmla="*/ 2144540 h 2877832"/>
+              <a:gd name="connsiteX42" fmla="*/ 0 w 12192000"/>
+              <a:gd name="connsiteY42" fmla="*/ 2127185 h 2877832"/>
+              <a:gd name="connsiteX43" fmla="*/ 0 w 12192000"/>
+              <a:gd name="connsiteY43" fmla="*/ 2070696 h 2877832"/>
+              <a:gd name="connsiteX44" fmla="*/ 72441 w 12192000"/>
+              <a:gd name="connsiteY44" fmla="*/ 2089473 h 2877832"/>
+              <a:gd name="connsiteX45" fmla="*/ 600716 w 12192000"/>
+              <a:gd name="connsiteY45" fmla="*/ 2207843 h 2877832"/>
+              <a:gd name="connsiteX46" fmla="*/ 1769512 w 12192000"/>
+              <a:gd name="connsiteY46" fmla="*/ 2418011 h 2877832"/>
+              <a:gd name="connsiteX47" fmla="*/ 2613554 w 12192000"/>
+              <a:gd name="connsiteY47" fmla="*/ 2534953 h 2877832"/>
+              <a:gd name="connsiteX48" fmla="*/ 2581134 w 12192000"/>
+              <a:gd name="connsiteY48" fmla="*/ 2525022 h 2877832"/>
+              <a:gd name="connsiteX49" fmla="*/ 1112635 w 12192000"/>
+              <a:gd name="connsiteY49" fmla="*/ 2192325 h 2877832"/>
+              <a:gd name="connsiteX50" fmla="*/ 420412 w 12192000"/>
+              <a:gd name="connsiteY50" fmla="*/ 1992892 h 2877832"/>
+              <a:gd name="connsiteX51" fmla="*/ 0 w 12192000"/>
+              <a:gd name="connsiteY51" fmla="*/ 1853975 h 2877832"/>
+            </a:gdLst>
+            <a:ahLst/>
+            <a:cxnLst>
+              <a:cxn ang="0">
+                <a:pos x="connsiteX0" y="connsiteY0"/>
+              </a:cxn>
+              <a:cxn ang="0">
+                <a:pos x="connsiteX1" y="connsiteY1"/>
+              </a:cxn>
+              <a:cxn ang="0">
+                <a:pos x="connsiteX2" y="connsiteY2"/>
+              </a:cxn>
+              <a:cxn ang="0">
+                <a:pos x="connsiteX3" y="connsiteY3"/>
+              </a:cxn>
+              <a:cxn ang="0">
+                <a:pos x="connsiteX4" y="connsiteY4"/>
+              </a:cxn>
+              <a:cxn ang="0">
+                <a:pos x="connsiteX5" y="connsiteY5"/>
+              </a:cxn>
+              <a:cxn ang="0">
+                <a:pos x="connsiteX6" y="connsiteY6"/>
+              </a:cxn>
+              <a:cxn ang="0">
+                <a:pos x="connsiteX7" y="connsiteY7"/>
+              </a:cxn>
+              <a:cxn ang="0">
+                <a:pos x="connsiteX8" y="connsiteY8"/>
+              </a:cxn>
+              <a:cxn ang="0">
+                <a:pos x="connsiteX9" y="connsiteY9"/>
+              </a:cxn>
+              <a:cxn ang="0">
+                <a:pos x="connsiteX10" y="connsiteY10"/>
+              </a:cxn>
+              <a:cxn ang="0">
+                <a:pos x="connsiteX11" y="connsiteY11"/>
+              </a:cxn>
+              <a:cxn ang="0">
+                <a:pos x="connsiteX12" y="connsiteY12"/>
+              </a:cxn>
+              <a:cxn ang="0">
+                <a:pos x="connsiteX13" y="connsiteY13"/>
+              </a:cxn>
+              <a:cxn ang="0">
+                <a:pos x="connsiteX14" y="connsiteY14"/>
+              </a:cxn>
+              <a:cxn ang="0">
+                <a:pos x="connsiteX15" y="connsiteY15"/>
+              </a:cxn>
+              <a:cxn ang="0">
+                <a:pos x="connsiteX16" y="connsiteY16"/>
+              </a:cxn>
+              <a:cxn ang="0">
+                <a:pos x="connsiteX17" y="connsiteY17"/>
+              </a:cxn>
+              <a:cxn ang="0">
+                <a:pos x="connsiteX18" y="connsiteY18"/>
+              </a:cxn>
+              <a:cxn ang="0">
+                <a:pos x="connsiteX19" y="connsiteY19"/>
+              </a:cxn>
+              <a:cxn ang="0">
+                <a:pos x="connsiteX20" y="connsiteY20"/>
+              </a:cxn>
+              <a:cxn ang="0">
+                <a:pos x="connsiteX21" y="connsiteY21"/>
+              </a:cxn>
+              <a:cxn ang="0">
+                <a:pos x="connsiteX22" y="connsiteY22"/>
+              </a:cxn>
+              <a:cxn ang="0">
+                <a:pos x="connsiteX23" y="connsiteY23"/>
+              </a:cxn>
+              <a:cxn ang="0">
+                <a:pos x="connsiteX24" y="connsiteY24"/>
+              </a:cxn>
+              <a:cxn ang="0">
+                <a:pos x="connsiteX25" y="connsiteY25"/>
+              </a:cxn>
+              <a:cxn ang="0">
+                <a:pos x="connsiteX26" y="connsiteY26"/>
+              </a:cxn>
+              <a:cxn ang="0">
+                <a:pos x="connsiteX27" y="connsiteY27"/>
+              </a:cxn>
+              <a:cxn ang="0">
+                <a:pos x="connsiteX28" y="connsiteY28"/>
+              </a:cxn>
+              <a:cxn ang="0">
+                <a:pos x="connsiteX29" y="connsiteY29"/>
+              </a:cxn>
+              <a:cxn ang="0">
+                <a:pos x="connsiteX30" y="connsiteY30"/>
+              </a:cxn>
+              <a:cxn ang="0">
+                <a:pos x="connsiteX31" y="connsiteY31"/>
+              </a:cxn>
+              <a:cxn ang="0">
+                <a:pos x="connsiteX32" y="connsiteY32"/>
+              </a:cxn>
+              <a:cxn ang="0">
+                <a:pos x="connsiteX33" y="connsiteY33"/>
+              </a:cxn>
+              <a:cxn ang="0">
+                <a:pos x="connsiteX34" y="connsiteY34"/>
+              </a:cxn>
+              <a:cxn ang="0">
+                <a:pos x="connsiteX35" y="connsiteY35"/>
+              </a:cxn>
+              <a:cxn ang="0">
+                <a:pos x="connsiteX36" y="connsiteY36"/>
+              </a:cxn>
+              <a:cxn ang="0">
+                <a:pos x="connsiteX37" y="connsiteY37"/>
+              </a:cxn>
+              <a:cxn ang="0">
+                <a:pos x="connsiteX38" y="connsiteY38"/>
+              </a:cxn>
+              <a:cxn ang="0">
+                <a:pos x="connsiteX39" y="connsiteY39"/>
+              </a:cxn>
+              <a:cxn ang="0">
+                <a:pos x="connsiteX40" y="connsiteY40"/>
+              </a:cxn>
+              <a:cxn ang="0">
+                <a:pos x="connsiteX41" y="connsiteY41"/>
+              </a:cxn>
+              <a:cxn ang="0">
+                <a:pos x="connsiteX42" y="connsiteY42"/>
+              </a:cxn>
+              <a:cxn ang="0">
+                <a:pos x="connsiteX43" y="connsiteY43"/>
+              </a:cxn>
+              <a:cxn ang="0">
+                <a:pos x="connsiteX44" y="connsiteY44"/>
+              </a:cxn>
+              <a:cxn ang="0">
+                <a:pos x="connsiteX45" y="connsiteY45"/>
+              </a:cxn>
+              <a:cxn ang="0">
+                <a:pos x="connsiteX46" y="connsiteY46"/>
+              </a:cxn>
+              <a:cxn ang="0">
+                <a:pos x="connsiteX47" y="connsiteY47"/>
+              </a:cxn>
+              <a:cxn ang="0">
+                <a:pos x="connsiteX48" y="connsiteY48"/>
+              </a:cxn>
+              <a:cxn ang="0">
+                <a:pos x="connsiteX49" y="connsiteY49"/>
+              </a:cxn>
+              <a:cxn ang="0">
+                <a:pos x="connsiteX50" y="connsiteY50"/>
+              </a:cxn>
+              <a:cxn ang="0">
+                <a:pos x="connsiteX51" y="connsiteY51"/>
+              </a:cxn>
+            </a:cxnLst>
+            <a:rect l="l" t="t" r="r" b="b"/>
+            <a:pathLst>
+              <a:path w="12192000" h="2877832">
+                <a:moveTo>
+                  <a:pt x="6789701" y="2809623"/>
+                </a:moveTo>
+                <a:lnTo>
+                  <a:pt x="6788702" y="2809701"/>
+                </a:lnTo>
+                <a:lnTo>
+                  <a:pt x="6788476" y="2810235"/>
+                </a:lnTo>
+                <a:close/>
+                <a:moveTo>
+                  <a:pt x="0" y="0"/>
+                </a:moveTo>
+                <a:lnTo>
+                  <a:pt x="12192000" y="0"/>
+                </a:lnTo>
+                <a:lnTo>
+                  <a:pt x="12192000" y="1915388"/>
+                </a:lnTo>
+                <a:lnTo>
+                  <a:pt x="12061096" y="1954428"/>
+                </a:lnTo>
+                <a:cubicBezTo>
+                  <a:pt x="11933500" y="1990642"/>
+                  <a:pt x="11805390" y="2025171"/>
+                  <a:pt x="11676800" y="2058003"/>
+                </a:cubicBezTo>
+                <a:cubicBezTo>
+                  <a:pt x="11262789" y="2165510"/>
+                  <a:pt x="10845343" y="2259112"/>
+                  <a:pt x="10425355" y="2341542"/>
+                </a:cubicBezTo>
+                <a:cubicBezTo>
+                  <a:pt x="10092810" y="2406753"/>
+                  <a:pt x="9759033" y="2465150"/>
+                  <a:pt x="9424022" y="2516704"/>
+                </a:cubicBezTo>
+                <a:cubicBezTo>
+                  <a:pt x="9102997" y="2566361"/>
+                  <a:pt x="8781133" y="2610928"/>
+                  <a:pt x="8458419" y="2650405"/>
+                </a:cubicBezTo>
+                <a:cubicBezTo>
+                  <a:pt x="8211360" y="2680571"/>
+                  <a:pt x="7963792" y="2706144"/>
+                  <a:pt x="7715970" y="2730352"/>
+                </a:cubicBezTo>
+                <a:lnTo>
+                  <a:pt x="6951716" y="2796132"/>
+                </a:lnTo>
+                <a:lnTo>
+                  <a:pt x="6936303" y="2798203"/>
+                </a:lnTo>
+                <a:lnTo>
+                  <a:pt x="6790448" y="2809564"/>
+                </a:lnTo>
+                <a:lnTo>
+                  <a:pt x="6799941" y="2811384"/>
+                </a:lnTo>
+                <a:cubicBezTo>
+                  <a:pt x="6811623" y="2811850"/>
+                  <a:pt x="6823734" y="2809677"/>
+                  <a:pt x="6835432" y="2809677"/>
+                </a:cubicBezTo>
+                <a:cubicBezTo>
+                  <a:pt x="6851580" y="2809677"/>
+                  <a:pt x="6867729" y="2807070"/>
+                  <a:pt x="6884003" y="2806699"/>
+                </a:cubicBezTo>
+                <a:cubicBezTo>
+                  <a:pt x="7115805" y="2801237"/>
+                  <a:pt x="7347351" y="2789070"/>
+                  <a:pt x="7578771" y="2774172"/>
+                </a:cubicBezTo>
+                <a:cubicBezTo>
+                  <a:pt x="7927552" y="2751704"/>
+                  <a:pt x="8276080" y="2723525"/>
+                  <a:pt x="8623845" y="2687275"/>
+                </a:cubicBezTo>
+                <a:cubicBezTo>
+                  <a:pt x="8909939" y="2657977"/>
+                  <a:pt x="9195310" y="2623342"/>
+                  <a:pt x="9479970" y="2583369"/>
+                </a:cubicBezTo>
+                <a:cubicBezTo>
+                  <a:pt x="9864901" y="2528995"/>
+                  <a:pt x="10248014" y="2464281"/>
+                  <a:pt x="10629308" y="2389212"/>
+                </a:cubicBezTo>
+                <a:cubicBezTo>
+                  <a:pt x="11090114" y="2298092"/>
+                  <a:pt x="11546975" y="2190586"/>
+                  <a:pt x="11998498" y="2063218"/>
+                </a:cubicBezTo>
+                <a:lnTo>
+                  <a:pt x="12192000" y="2006219"/>
+                </a:lnTo>
+                <a:lnTo>
+                  <a:pt x="12192000" y="2060956"/>
+                </a:lnTo>
+                <a:lnTo>
+                  <a:pt x="11829257" y="2166255"/>
+                </a:lnTo>
+                <a:cubicBezTo>
+                  <a:pt x="11534769" y="2245952"/>
+                  <a:pt x="11238120" y="2316838"/>
+                  <a:pt x="10939183" y="2380770"/>
+                </a:cubicBezTo>
+                <a:cubicBezTo>
+                  <a:pt x="10622824" y="2448552"/>
+                  <a:pt x="10304941" y="2508549"/>
+                  <a:pt x="9985530" y="2560775"/>
+                </a:cubicBezTo>
+                <a:cubicBezTo>
+                  <a:pt x="9720036" y="2604224"/>
+                  <a:pt x="9453814" y="2642869"/>
+                  <a:pt x="9186882" y="2676722"/>
+                </a:cubicBezTo>
+                <a:cubicBezTo>
+                  <a:pt x="8984197" y="2702296"/>
+                  <a:pt x="8781514" y="2726379"/>
+                  <a:pt x="8578198" y="2746241"/>
+                </a:cubicBezTo>
+                <a:cubicBezTo>
+                  <a:pt x="8340547" y="2768961"/>
+                  <a:pt x="8102644" y="2790436"/>
+                  <a:pt x="7864358" y="2807692"/>
+                </a:cubicBezTo>
+                <a:cubicBezTo>
+                  <a:pt x="7554994" y="2830036"/>
+                  <a:pt x="7245502" y="2847914"/>
+                  <a:pt x="6935502" y="2859086"/>
+                </a:cubicBezTo>
+                <a:cubicBezTo>
+                  <a:pt x="6782917" y="2864549"/>
+                  <a:pt x="6630334" y="2868397"/>
+                  <a:pt x="6477750" y="2872989"/>
+                </a:cubicBezTo>
+                <a:cubicBezTo>
+                  <a:pt x="6439195" y="2870905"/>
+                  <a:pt x="6400529" y="2872530"/>
+                  <a:pt x="6362294" y="2877832"/>
+                </a:cubicBezTo>
+                <a:lnTo>
+                  <a:pt x="6057129" y="2877832"/>
+                </a:lnTo>
+                <a:lnTo>
+                  <a:pt x="5977784" y="2873238"/>
+                </a:lnTo>
+                <a:cubicBezTo>
+                  <a:pt x="5740261" y="2860825"/>
+                  <a:pt x="5502739" y="2847046"/>
+                  <a:pt x="5265087" y="2836989"/>
+                </a:cubicBezTo>
+                <a:cubicBezTo>
+                  <a:pt x="4958267" y="2824573"/>
+                  <a:pt x="4651826" y="2804093"/>
+                  <a:pt x="4346277" y="2774919"/>
+                </a:cubicBezTo>
+                <a:cubicBezTo>
+                  <a:pt x="4021654" y="2744007"/>
+                  <a:pt x="3697795" y="2709372"/>
+                  <a:pt x="3373045" y="2676350"/>
+                </a:cubicBezTo>
+                <a:cubicBezTo>
+                  <a:pt x="3035412" y="2642088"/>
+                  <a:pt x="2698456" y="2602449"/>
+                  <a:pt x="2362173" y="2557423"/>
+                </a:cubicBezTo>
+                <a:cubicBezTo>
+                  <a:pt x="1984692" y="2507270"/>
+                  <a:pt x="1608364" y="2449544"/>
+                  <a:pt x="1233178" y="2384247"/>
+                </a:cubicBezTo>
+                <a:cubicBezTo>
+                  <a:pt x="842181" y="2315534"/>
+                  <a:pt x="453758" y="2237046"/>
+                  <a:pt x="68500" y="2144540"/>
+                </a:cubicBezTo>
+                <a:lnTo>
+                  <a:pt x="0" y="2127185"/>
+                </a:lnTo>
+                <a:lnTo>
+                  <a:pt x="0" y="2070696"/>
+                </a:lnTo>
+                <a:lnTo>
+                  <a:pt x="72441" y="2089473"/>
+                </a:lnTo>
+                <a:cubicBezTo>
+                  <a:pt x="247961" y="2131651"/>
+                  <a:pt x="424164" y="2170911"/>
+                  <a:pt x="600716" y="2207843"/>
+                </a:cubicBezTo>
+                <a:cubicBezTo>
+                  <a:pt x="988279" y="2288657"/>
+                  <a:pt x="1378133" y="2357555"/>
+                  <a:pt x="1769512" y="2418011"/>
+                </a:cubicBezTo>
+                <a:cubicBezTo>
+                  <a:pt x="2052426" y="2461587"/>
+                  <a:pt x="2335725" y="2501684"/>
+                  <a:pt x="2613554" y="2534953"/>
+                </a:cubicBezTo>
+                <a:cubicBezTo>
+                  <a:pt x="2605544" y="2537560"/>
+                  <a:pt x="2594611" y="2527504"/>
+                  <a:pt x="2581134" y="2525022"/>
+                </a:cubicBezTo>
+                <a:cubicBezTo>
+                  <a:pt x="2087178" y="2433070"/>
+                  <a:pt x="1597684" y="2322177"/>
+                  <a:pt x="1112635" y="2192325"/>
+                </a:cubicBezTo>
+                <a:cubicBezTo>
+                  <a:pt x="880453" y="2130254"/>
+                  <a:pt x="649713" y="2063776"/>
+                  <a:pt x="420412" y="1992892"/>
+                </a:cubicBezTo>
+                <a:lnTo>
+                  <a:pt x="0" y="1853975"/>
+                </a:lnTo>
+                <a:close/>
+              </a:path>
+            </a:pathLst>
+          </a:custGeom>
+          <a:solidFill>
+            <a:srgbClr val="CF972C"/>
+          </a:solidFill>
+          <a:ln>
+            <a:noFill/>
+          </a:ln>
+        </p:spPr>
+        <p:style>
+          <a:lnRef idx="2">
+            <a:schemeClr val="accent1">
+              <a:shade val="50000"/>
+            </a:schemeClr>
+          </a:lnRef>
+          <a:fillRef idx="1">
+            <a:schemeClr val="accent1"/>
+          </a:fillRef>
+          <a:effectRef idx="0">
+            <a:schemeClr val="accent1"/>
+          </a:effectRef>
+          <a:fontRef idx="minor">
+            <a:schemeClr val="lt1"/>
+          </a:fontRef>
+        </p:style>
+        <p:txBody>
+          <a:bodyPr wrap="square" rtlCol="0" anchor="ctr">
+            <a:noAutofit/>
+          </a:bodyPr>
+          <a:lstStyle/>
+          <a:p>
+            <a:pPr algn="ctr"/>
+            <a:endParaRPr lang="en-US"/>
+          </a:p>
+        </p:txBody>
+      </p:sp>
+      <p:sp>
+        <p:nvSpPr>
+          <p:cNvPr id="2" name="Titre 1">
+            <a:extLst>
+              <a:ext uri="{FF2B5EF4-FFF2-40B4-BE49-F238E27FC236}">
+                <a16:creationId xmlns:a16="http://schemas.microsoft.com/office/drawing/2014/main" id="{C59ECF48-292B-FA31-B987-DA9615509170}"/>
+              </a:ext>
+            </a:extLst>
+          </p:cNvPr>
+          <p:cNvSpPr>
+            <a:spLocks noGrp="1"/>
+          </p:cNvSpPr>
+          <p:nvPr>
+            <p:ph type="title"/>
+          </p:nvPr>
+        </p:nvSpPr>
+        <p:spPr>
+          <a:xfrm>
+            <a:off x="638881" y="390525"/>
+            <a:ext cx="10909640" cy="1510301"/>
+          </a:xfrm>
+        </p:spPr>
+        <p:txBody>
+          <a:bodyPr vert="horz" lIns="91440" tIns="45720" rIns="91440" bIns="45720" rtlCol="0" anchor="ctr">
+            <a:normAutofit/>
+          </a:bodyPr>
+          <a:lstStyle/>
+          <a:p>
+            <a:pPr algn="ctr"/>
+            <a:r>
+              <a:rPr lang="en-US" sz="6100">
+                <a:solidFill>
+                  <a:srgbClr val="FFFFFF"/>
+                </a:solidFill>
+              </a:rPr>
+              <a:t>Exemple de matrice résolue</a:t>
+            </a:r>
+          </a:p>
+        </p:txBody>
+      </p:sp>
+      <p:sp>
+        <p:nvSpPr>
+          <p:cNvPr id="15" name="Rectangle 7">
+            <a:extLst>
+              <a:ext uri="{FF2B5EF4-FFF2-40B4-BE49-F238E27FC236}">
+                <a16:creationId xmlns:a16="http://schemas.microsoft.com/office/drawing/2014/main" id="{56037404-66BD-46B5-9323-1B531319671A}"/>
+              </a:ext>
+              <a:ext uri="{C183D7F6-B498-43B3-948B-1728B52AA6E4}">
+                <adec:decorative xmlns:adec="http://schemas.microsoft.com/office/drawing/2017/decorative" val="1"/>
+              </a:ext>
+            </a:extLst>
+          </p:cNvPr>
+          <p:cNvSpPr>
+            <a:spLocks noGrp="1" noRot="1" noChangeAspect="1" noMove="1" noResize="1" noEditPoints="1" noAdjustHandles="1" noChangeArrowheads="1" noChangeShapeType="1" noTextEdit="1"/>
+          </p:cNvSpPr>
+          <p:nvPr>
+            <p:extLst>
+              <p:ext uri="{386F3935-93C4-4BCD-93E2-E3B085C9AB24}">
+                <p16:designElem xmlns:p16="http://schemas.microsoft.com/office/powerpoint/2015/main" val="1"/>
+              </p:ext>
+            </p:extLst>
+          </p:nvPr>
+        </p:nvSpPr>
+        <p:spPr>
+          <a:xfrm>
+            <a:off x="3974206" y="1753266"/>
+            <a:ext cx="4243589" cy="18288"/>
+          </a:xfrm>
+          <a:custGeom>
+            <a:avLst/>
+            <a:gdLst>
+              <a:gd name="connsiteX0" fmla="*/ 0 w 4243589"/>
+              <a:gd name="connsiteY0" fmla="*/ 0 h 18288"/>
+              <a:gd name="connsiteX1" fmla="*/ 563791 w 4243589"/>
+              <a:gd name="connsiteY1" fmla="*/ 0 h 18288"/>
+              <a:gd name="connsiteX2" fmla="*/ 1042710 w 4243589"/>
+              <a:gd name="connsiteY2" fmla="*/ 0 h 18288"/>
+              <a:gd name="connsiteX3" fmla="*/ 1564066 w 4243589"/>
+              <a:gd name="connsiteY3" fmla="*/ 0 h 18288"/>
+              <a:gd name="connsiteX4" fmla="*/ 2212729 w 4243589"/>
+              <a:gd name="connsiteY4" fmla="*/ 0 h 18288"/>
+              <a:gd name="connsiteX5" fmla="*/ 2776520 w 4243589"/>
+              <a:gd name="connsiteY5" fmla="*/ 0 h 18288"/>
+              <a:gd name="connsiteX6" fmla="*/ 3297875 w 4243589"/>
+              <a:gd name="connsiteY6" fmla="*/ 0 h 18288"/>
+              <a:gd name="connsiteX7" fmla="*/ 4243589 w 4243589"/>
+              <a:gd name="connsiteY7" fmla="*/ 0 h 18288"/>
+              <a:gd name="connsiteX8" fmla="*/ 4243589 w 4243589"/>
+              <a:gd name="connsiteY8" fmla="*/ 18288 h 18288"/>
+              <a:gd name="connsiteX9" fmla="*/ 3637362 w 4243589"/>
+              <a:gd name="connsiteY9" fmla="*/ 18288 h 18288"/>
+              <a:gd name="connsiteX10" fmla="*/ 3116007 w 4243589"/>
+              <a:gd name="connsiteY10" fmla="*/ 18288 h 18288"/>
+              <a:gd name="connsiteX11" fmla="*/ 2424908 w 4243589"/>
+              <a:gd name="connsiteY11" fmla="*/ 18288 h 18288"/>
+              <a:gd name="connsiteX12" fmla="*/ 1861117 w 4243589"/>
+              <a:gd name="connsiteY12" fmla="*/ 18288 h 18288"/>
+              <a:gd name="connsiteX13" fmla="*/ 1382198 w 4243589"/>
+              <a:gd name="connsiteY13" fmla="*/ 18288 h 18288"/>
+              <a:gd name="connsiteX14" fmla="*/ 733535 w 4243589"/>
+              <a:gd name="connsiteY14" fmla="*/ 18288 h 18288"/>
+              <a:gd name="connsiteX15" fmla="*/ 0 w 4243589"/>
+              <a:gd name="connsiteY15" fmla="*/ 18288 h 18288"/>
+              <a:gd name="connsiteX16" fmla="*/ 0 w 4243589"/>
+              <a:gd name="connsiteY16" fmla="*/ 0 h 18288"/>
+            </a:gdLst>
+            <a:ahLst/>
+            <a:cxnLst>
+              <a:cxn ang="0">
+                <a:pos x="connsiteX0" y="connsiteY0"/>
+              </a:cxn>
+              <a:cxn ang="0">
+                <a:pos x="connsiteX1" y="connsiteY1"/>
+              </a:cxn>
+              <a:cxn ang="0">
+                <a:pos x="connsiteX2" y="connsiteY2"/>
+              </a:cxn>
+              <a:cxn ang="0">
+                <a:pos x="connsiteX3" y="connsiteY3"/>
+              </a:cxn>
+              <a:cxn ang="0">
+                <a:pos x="connsiteX4" y="connsiteY4"/>
+              </a:cxn>
+              <a:cxn ang="0">
+                <a:pos x="connsiteX5" y="connsiteY5"/>
+              </a:cxn>
+              <a:cxn ang="0">
+                <a:pos x="connsiteX6" y="connsiteY6"/>
+              </a:cxn>
+              <a:cxn ang="0">
+                <a:pos x="connsiteX7" y="connsiteY7"/>
+              </a:cxn>
+              <a:cxn ang="0">
+                <a:pos x="connsiteX8" y="connsiteY8"/>
+              </a:cxn>
+              <a:cxn ang="0">
+                <a:pos x="connsiteX9" y="connsiteY9"/>
+              </a:cxn>
+              <a:cxn ang="0">
+                <a:pos x="connsiteX10" y="connsiteY10"/>
+              </a:cxn>
+              <a:cxn ang="0">
+                <a:pos x="connsiteX11" y="connsiteY11"/>
+              </a:cxn>
+              <a:cxn ang="0">
+                <a:pos x="connsiteX12" y="connsiteY12"/>
+              </a:cxn>
+              <a:cxn ang="0">
+                <a:pos x="connsiteX13" y="connsiteY13"/>
+              </a:cxn>
+              <a:cxn ang="0">
+                <a:pos x="connsiteX14" y="connsiteY14"/>
+              </a:cxn>
+              <a:cxn ang="0">
+                <a:pos x="connsiteX15" y="connsiteY15"/>
+              </a:cxn>
+              <a:cxn ang="0">
+                <a:pos x="connsiteX16" y="connsiteY16"/>
+              </a:cxn>
+            </a:cxnLst>
+            <a:rect l="l" t="t" r="r" b="b"/>
+            <a:pathLst>
+              <a:path w="4243589" h="18288" fill="none" extrusionOk="0">
+                <a:moveTo>
+                  <a:pt x="0" y="0"/>
+                </a:moveTo>
+                <a:cubicBezTo>
+                  <a:pt x="157351" y="-15653"/>
+                  <a:pt x="378877" y="-5828"/>
+                  <a:pt x="563791" y="0"/>
+                </a:cubicBezTo>
+                <a:cubicBezTo>
+                  <a:pt x="748705" y="5828"/>
+                  <a:pt x="905659" y="-5525"/>
+                  <a:pt x="1042710" y="0"/>
+                </a:cubicBezTo>
+                <a:cubicBezTo>
+                  <a:pt x="1179761" y="5525"/>
+                  <a:pt x="1356845" y="-21288"/>
+                  <a:pt x="1564066" y="0"/>
+                </a:cubicBezTo>
+                <a:cubicBezTo>
+                  <a:pt x="1771287" y="21288"/>
+                  <a:pt x="1912099" y="25135"/>
+                  <a:pt x="2212729" y="0"/>
+                </a:cubicBezTo>
+                <a:cubicBezTo>
+                  <a:pt x="2513359" y="-25135"/>
+                  <a:pt x="2514918" y="-27119"/>
+                  <a:pt x="2776520" y="0"/>
+                </a:cubicBezTo>
+                <a:cubicBezTo>
+                  <a:pt x="3038122" y="27119"/>
+                  <a:pt x="3178771" y="18116"/>
+                  <a:pt x="3297875" y="0"/>
+                </a:cubicBezTo>
+                <a:cubicBezTo>
+                  <a:pt x="3416980" y="-18116"/>
+                  <a:pt x="4012240" y="-40869"/>
+                  <a:pt x="4243589" y="0"/>
+                </a:cubicBezTo>
+                <a:cubicBezTo>
+                  <a:pt x="4243987" y="7429"/>
+                  <a:pt x="4243569" y="10822"/>
+                  <a:pt x="4243589" y="18288"/>
+                </a:cubicBezTo>
+                <a:cubicBezTo>
+                  <a:pt x="4112949" y="-2855"/>
+                  <a:pt x="3928037" y="1831"/>
+                  <a:pt x="3637362" y="18288"/>
+                </a:cubicBezTo>
+                <a:cubicBezTo>
+                  <a:pt x="3346687" y="34745"/>
+                  <a:pt x="3254446" y="26669"/>
+                  <a:pt x="3116007" y="18288"/>
+                </a:cubicBezTo>
+                <a:cubicBezTo>
+                  <a:pt x="2977569" y="9907"/>
+                  <a:pt x="2620228" y="28873"/>
+                  <a:pt x="2424908" y="18288"/>
+                </a:cubicBezTo>
+                <a:cubicBezTo>
+                  <a:pt x="2229588" y="7703"/>
+                  <a:pt x="2088287" y="-3854"/>
+                  <a:pt x="1861117" y="18288"/>
+                </a:cubicBezTo>
+                <a:cubicBezTo>
+                  <a:pt x="1633947" y="40430"/>
+                  <a:pt x="1502447" y="-871"/>
+                  <a:pt x="1382198" y="18288"/>
+                </a:cubicBezTo>
+                <a:cubicBezTo>
+                  <a:pt x="1261949" y="37447"/>
+                  <a:pt x="1045440" y="28353"/>
+                  <a:pt x="733535" y="18288"/>
+                </a:cubicBezTo>
+                <a:cubicBezTo>
+                  <a:pt x="421630" y="8223"/>
+                  <a:pt x="341257" y="-18359"/>
+                  <a:pt x="0" y="18288"/>
+                </a:cubicBezTo>
+                <a:cubicBezTo>
+                  <a:pt x="-591" y="13205"/>
+                  <a:pt x="-663" y="6329"/>
+                  <a:pt x="0" y="0"/>
+                </a:cubicBezTo>
+                <a:close/>
+              </a:path>
+              <a:path w="4243589" h="18288" stroke="0" extrusionOk="0">
+                <a:moveTo>
+                  <a:pt x="0" y="0"/>
+                </a:moveTo>
+                <a:cubicBezTo>
+                  <a:pt x="128164" y="17204"/>
+                  <a:pt x="312653" y="1129"/>
+                  <a:pt x="563791" y="0"/>
+                </a:cubicBezTo>
+                <a:cubicBezTo>
+                  <a:pt x="814929" y="-1129"/>
+                  <a:pt x="837271" y="8503"/>
+                  <a:pt x="1042710" y="0"/>
+                </a:cubicBezTo>
+                <a:cubicBezTo>
+                  <a:pt x="1248149" y="-8503"/>
+                  <a:pt x="1588432" y="-28862"/>
+                  <a:pt x="1733809" y="0"/>
+                </a:cubicBezTo>
+                <a:cubicBezTo>
+                  <a:pt x="1879186" y="28862"/>
+                  <a:pt x="2052815" y="5974"/>
+                  <a:pt x="2297600" y="0"/>
+                </a:cubicBezTo>
+                <a:cubicBezTo>
+                  <a:pt x="2542385" y="-5974"/>
+                  <a:pt x="2699960" y="-23550"/>
+                  <a:pt x="2861391" y="0"/>
+                </a:cubicBezTo>
+                <a:cubicBezTo>
+                  <a:pt x="3022822" y="23550"/>
+                  <a:pt x="3390411" y="25272"/>
+                  <a:pt x="3552490" y="0"/>
+                </a:cubicBezTo>
+                <a:cubicBezTo>
+                  <a:pt x="3714569" y="-25272"/>
+                  <a:pt x="3950585" y="-31327"/>
+                  <a:pt x="4243589" y="0"/>
+                </a:cubicBezTo>
+                <a:cubicBezTo>
+                  <a:pt x="4242703" y="5429"/>
+                  <a:pt x="4244410" y="14046"/>
+                  <a:pt x="4243589" y="18288"/>
+                </a:cubicBezTo>
+                <a:cubicBezTo>
+                  <a:pt x="4130424" y="-1240"/>
+                  <a:pt x="3932803" y="42249"/>
+                  <a:pt x="3722234" y="18288"/>
+                </a:cubicBezTo>
+                <a:cubicBezTo>
+                  <a:pt x="3511665" y="-5673"/>
+                  <a:pt x="3269903" y="45994"/>
+                  <a:pt x="3116007" y="18288"/>
+                </a:cubicBezTo>
+                <a:cubicBezTo>
+                  <a:pt x="2962111" y="-9418"/>
+                  <a:pt x="2744280" y="23224"/>
+                  <a:pt x="2509780" y="18288"/>
+                </a:cubicBezTo>
+                <a:cubicBezTo>
+                  <a:pt x="2275280" y="13352"/>
+                  <a:pt x="2066059" y="43664"/>
+                  <a:pt x="1945989" y="18288"/>
+                </a:cubicBezTo>
+                <a:cubicBezTo>
+                  <a:pt x="1825919" y="-7088"/>
+                  <a:pt x="1407329" y="12616"/>
+                  <a:pt x="1254890" y="18288"/>
+                </a:cubicBezTo>
+                <a:cubicBezTo>
+                  <a:pt x="1102451" y="23960"/>
+                  <a:pt x="837950" y="31673"/>
+                  <a:pt x="563791" y="18288"/>
+                </a:cubicBezTo>
+                <a:cubicBezTo>
+                  <a:pt x="289632" y="4903"/>
+                  <a:pt x="132768" y="7105"/>
+                  <a:pt x="0" y="18288"/>
+                </a:cubicBezTo>
+                <a:cubicBezTo>
+                  <a:pt x="668" y="13665"/>
+                  <a:pt x="578" y="5675"/>
+                  <a:pt x="0" y="0"/>
+                </a:cubicBezTo>
+                <a:close/>
+              </a:path>
+            </a:pathLst>
+          </a:custGeom>
+          <a:solidFill>
+            <a:srgbClr val="FFFFFF"/>
+          </a:solidFill>
+          <a:ln w="38100" cap="rnd">
+            <a:solidFill>
+              <a:srgbClr val="FFFFFF"/>
+            </a:solidFill>
+            <a:round/>
+            <a:extLst>
+              <a:ext uri="{C807C97D-BFC1-408E-A445-0C87EB9F89A2}">
+                <ask:lineSketchStyleProps xmlns:ask="http://schemas.microsoft.com/office/drawing/2018/sketchyshapes" sd="1219033472">
+                  <a:prstGeom prst="rect">
+                    <a:avLst/>
+                  </a:prstGeom>
+                  <ask:type>
+                    <ask:lineSketchFreehand/>
+                  </ask:type>
+                </ask:lineSketchStyleProps>
+              </a:ext>
+            </a:extLst>
+          </a:ln>
+        </p:spPr>
+        <p:style>
+          <a:lnRef idx="2">
+            <a:schemeClr val="accent1">
+              <a:shade val="50000"/>
+            </a:schemeClr>
+          </a:lnRef>
+          <a:fillRef idx="1">
+            <a:schemeClr val="accent1"/>
+          </a:fillRef>
+          <a:effectRef idx="0">
+            <a:schemeClr val="accent1"/>
+          </a:effectRef>
+          <a:fontRef idx="minor">
+            <a:schemeClr val="lt1"/>
+          </a:fontRef>
+        </p:style>
+        <p:txBody>
+          <a:bodyPr rtlCol="0" anchor="ctr"/>
+          <a:lstStyle/>
+          <a:p>
+            <a:pPr algn="ctr"/>
+            <a:endParaRPr lang="en-US"/>
+          </a:p>
+        </p:txBody>
+      </p:sp>
+      <p:pic>
+        <p:nvPicPr>
+          <p:cNvPr id="8" name="Espace réservé du contenu 7">
+            <a:extLst>
+              <a:ext uri="{FF2B5EF4-FFF2-40B4-BE49-F238E27FC236}">
+                <a16:creationId xmlns:a16="http://schemas.microsoft.com/office/drawing/2014/main" id="{473AF664-01EB-9305-A2DC-5758FD644D13}"/>
+              </a:ext>
+            </a:extLst>
+          </p:cNvPr>
+          <p:cNvPicPr>
+            <a:picLocks noGrp="1" noChangeAspect="1"/>
+          </p:cNvPicPr>
+          <p:nvPr>
+            <p:ph idx="1"/>
+          </p:nvPr>
+        </p:nvPicPr>
+        <p:blipFill>
+          <a:blip r:embed="rId2"/>
+          <a:stretch>
+            <a:fillRect/>
+          </a:stretch>
+        </p:blipFill>
+        <p:spPr>
+          <a:xfrm>
+            <a:off x="1535352" y="3574671"/>
+            <a:ext cx="9116697" cy="2324424"/>
+          </a:xfrm>
+        </p:spPr>
+      </p:pic>
+    </p:spTree>
+    <p:extLst>
+      <p:ext uri="{BB962C8B-B14F-4D97-AF65-F5344CB8AC3E}">
+        <p14:creationId xmlns:p14="http://schemas.microsoft.com/office/powerpoint/2010/main" val="2683088363"/>
+      </p:ext>
+    </p:extLst>
+  </p:cSld>
+  <p:clrMapOvr>
+    <a:masterClrMapping/>
+  </p:clrMapOvr>
+</p:sld>
+</file>
+
+<file path=ppt/slides/slide11.xml><?xml version="1.0" encoding="utf-8"?>
+<p:sld xmlns:a="http://schemas.openxmlformats.org/drawingml/2006/main" xmlns:r="http://schemas.openxmlformats.org/officeDocument/2006/relationships" xmlns:p="http://schemas.openxmlformats.org/presentationml/2006/main">
+  <p:cSld>
     <p:spTree>
       <p:nvGrpSpPr>
         <p:cNvPr id="1" name=""/>
@@ -8400,8 +9823,8 @@
           </a:p>
         </p:txBody>
       </p:sp>
-      <mc:AlternateContent xmlns:mc="http://schemas.openxmlformats.org/markup-compatibility/2006" xmlns:a14="http://schemas.microsoft.com/office/drawing/2010/main">
-        <mc:Choice Requires="a14">
+      <mc:AlternateContent xmlns:mc="http://schemas.openxmlformats.org/markup-compatibility/2006">
+        <mc:Choice xmlns:a14="http://schemas.microsoft.com/office/drawing/2010/main" Requires="a14">
           <p:sp>
             <p:nvSpPr>
               <p:cNvPr id="3" name="Espace réservé du contenu 2">
@@ -8424,13 +9847,13 @@
               <a:lstStyle/>
               <a:p>
                 <a:r>
-                  <a:rPr lang="fr-CA" dirty="0"/>
+                  <a:rPr lang="fr-CA" b="1" dirty="0"/>
                   <a:t>Déterminer des propriétés physiques de la pâte à bagel en minimisant une fonction-objectif.</a:t>
                 </a:r>
               </a:p>
               <a:p>
                 <a:r>
-                  <a:rPr lang="fr-CA" dirty="0"/>
+                  <a:rPr lang="fr-CA" b="1" dirty="0"/>
                   <a:t>Capacité thermique massique (Cp) et conductivité thermique (k)</a:t>
                 </a:r>
               </a:p>
@@ -8909,7 +10332,7 @@
             </p:txBody>
           </p:sp>
         </mc:Choice>
-        <mc:Fallback xmlns="">
+        <mc:Fallback>
           <p:sp>
             <p:nvSpPr>
               <p:cNvPr id="3" name="Espace réservé du contenu 2">
@@ -8962,7 +10385,7 @@
 </p:sld>
 </file>
 
-<file path=ppt/slides/slide11.xml><?xml version="1.0" encoding="utf-8"?>
+<file path=ppt/slides/slide12.xml><?xml version="1.0" encoding="utf-8"?>
 <p:sld xmlns:a="http://schemas.openxmlformats.org/drawingml/2006/main" xmlns:r="http://schemas.openxmlformats.org/officeDocument/2006/relationships" xmlns:p="http://schemas.openxmlformats.org/presentationml/2006/main">
   <p:cSld>
     <p:spTree>
@@ -9091,7 +10514,7 @@
 </p:sld>
 </file>
 
-<file path=ppt/slides/slide12.xml><?xml version="1.0" encoding="utf-8"?>
+<file path=ppt/slides/slide13.xml><?xml version="1.0" encoding="utf-8"?>
 <p:sld xmlns:a="http://schemas.openxmlformats.org/drawingml/2006/main" xmlns:r="http://schemas.openxmlformats.org/officeDocument/2006/relationships" xmlns:p="http://schemas.openxmlformats.org/presentationml/2006/main">
   <p:cSld>
     <p:spTree>
@@ -9160,13 +10583,13 @@
               <a:lstStyle/>
               <a:p>
                 <a:r>
-                  <a:rPr lang="fr-CA" dirty="0"/>
+                  <a:rPr lang="fr-CA" b="1" dirty="0"/>
                   <a:t>Analyse de la stabilité de chaque méthode de calcul</a:t>
                 </a:r>
               </a:p>
               <a:p>
                 <a:r>
-                  <a:rPr lang="fr-CA" dirty="0"/>
+                  <a:rPr lang="fr-CA" b="1" dirty="0"/>
                   <a:t>Critère de stabilité de la méthode explicite :</a:t>
                 </a:r>
               </a:p>
@@ -9371,7 +10794,7 @@
                   </a:spcAft>
                 </a:pPr>
                 <a:r>
-                  <a:rPr lang="fr-CA" sz="2400" dirty="0"/>
+                  <a:rPr lang="fr-CA" sz="2400" b="1" dirty="0"/>
                   <a:t>La discrétisation temporelle et spatiale doivent respecter cet inégalité.</a:t>
                 </a:r>
               </a:p>
@@ -9431,7 +10854,7 @@
 </p:sld>
 </file>
 
-<file path=ppt/slides/slide13.xml><?xml version="1.0" encoding="utf-8"?>
+<file path=ppt/slides/slide14.xml><?xml version="1.0" encoding="utf-8"?>
 <p:sld xmlns:a="http://schemas.openxmlformats.org/drawingml/2006/main" xmlns:r="http://schemas.openxmlformats.org/officeDocument/2006/relationships" xmlns:p="http://schemas.openxmlformats.org/presentationml/2006/main">
   <p:cSld>
     <p:spTree>
@@ -9524,7 +10947,7 @@
 </p:sld>
 </file>
 
-<file path=ppt/slides/slide14.xml><?xml version="1.0" encoding="utf-8"?>
+<file path=ppt/slides/slide15.xml><?xml version="1.0" encoding="utf-8"?>
 <p:sld xmlns:a="http://schemas.openxmlformats.org/drawingml/2006/main" xmlns:r="http://schemas.openxmlformats.org/officeDocument/2006/relationships" xmlns:p="http://schemas.openxmlformats.org/presentationml/2006/main">
   <p:cSld>
     <p:spTree>
@@ -9591,7 +11014,7 @@
           <a:lstStyle/>
           <a:p>
             <a:r>
-              <a:rPr lang="fr-CA" dirty="0"/>
+              <a:rPr lang="fr-CA" b="1" dirty="0"/>
               <a:t>Résolution des équations pour construire le profil de température.</a:t>
             </a:r>
           </a:p>
@@ -9600,15 +11023,15 @@
               <a:buNone/>
             </a:pPr>
             <a:r>
-              <a:rPr lang="fr-CA" dirty="0"/>
+              <a:rPr lang="fr-CA" b="1" dirty="0"/>
               <a:t>n = 9 nœuds, </a:t>
             </a:r>
             <a:r>
-              <a:rPr lang="fr-CA" dirty="0" err="1"/>
+              <a:rPr lang="fr-CA" b="1" dirty="0" err="1"/>
               <a:t>dt</a:t>
             </a:r>
             <a:r>
-              <a:rPr lang="fr-CA" dirty="0"/>
+              <a:rPr lang="fr-CA" b="1" dirty="0"/>
               <a:t> = 0.1 s</a:t>
             </a:r>
           </a:p>
@@ -9666,7 +11089,7 @@
 </p:sld>
 </file>
 
-<file path=ppt/slides/slide15.xml><?xml version="1.0" encoding="utf-8"?>
+<file path=ppt/slides/slide16.xml><?xml version="1.0" encoding="utf-8"?>
 <p:sld xmlns:a="http://schemas.openxmlformats.org/drawingml/2006/main" xmlns:r="http://schemas.openxmlformats.org/officeDocument/2006/relationships" xmlns:p="http://schemas.openxmlformats.org/presentationml/2006/main">
   <p:cSld>
     <p:spTree>
@@ -9778,15 +11201,15 @@
               <a:buNone/>
             </a:pPr>
             <a:r>
-              <a:rPr lang="fr-CA" sz="2800" dirty="0"/>
+              <a:rPr lang="fr-CA" sz="2800" b="1" dirty="0"/>
               <a:t>n = 100 nœuds, </a:t>
             </a:r>
             <a:r>
-              <a:rPr lang="fr-CA" sz="2800" dirty="0" err="1"/>
+              <a:rPr lang="fr-CA" sz="2800" b="1" dirty="0" err="1"/>
               <a:t>dt</a:t>
             </a:r>
             <a:r>
-              <a:rPr lang="fr-CA" sz="2800" dirty="0"/>
+              <a:rPr lang="fr-CA" sz="2800" b="1" dirty="0"/>
               <a:t> = 0.1 s</a:t>
             </a:r>
           </a:p>
@@ -9805,7 +11228,7 @@
 </p:sld>
 </file>
 
-<file path=ppt/slides/slide16.xml><?xml version="1.0" encoding="utf-8"?>
+<file path=ppt/slides/slide17.xml><?xml version="1.0" encoding="utf-8"?>
 <p:sld xmlns:a="http://schemas.openxmlformats.org/drawingml/2006/main" xmlns:r="http://schemas.openxmlformats.org/officeDocument/2006/relationships" xmlns:p="http://schemas.openxmlformats.org/presentationml/2006/main">
   <p:cSld>
     <p:spTree>
@@ -9920,15 +11343,15 @@
               <a:buNone/>
             </a:pPr>
             <a:r>
-              <a:rPr lang="fr-CA" sz="2800" dirty="0"/>
+              <a:rPr lang="fr-CA" sz="2800" b="1" dirty="0"/>
               <a:t>n = 100 nœuds, </a:t>
             </a:r>
             <a:r>
-              <a:rPr lang="fr-CA" sz="2800" dirty="0" err="1"/>
+              <a:rPr lang="fr-CA" sz="2800" b="1" dirty="0" err="1"/>
               <a:t>dt</a:t>
             </a:r>
             <a:r>
-              <a:rPr lang="fr-CA" sz="2800" dirty="0"/>
+              <a:rPr lang="fr-CA" sz="2800" b="1" dirty="0"/>
               <a:t> = 10 s</a:t>
             </a:r>
           </a:p>
@@ -9947,7 +11370,7 @@
 </p:sld>
 </file>
 
-<file path=ppt/slides/slide17.xml><?xml version="1.0" encoding="utf-8"?>
+<file path=ppt/slides/slide18.xml><?xml version="1.0" encoding="utf-8"?>
 <p:sld xmlns:a="http://schemas.openxmlformats.org/drawingml/2006/main" xmlns:r="http://schemas.openxmlformats.org/officeDocument/2006/relationships" xmlns:p="http://schemas.openxmlformats.org/presentationml/2006/main">
   <p:cSld>
     <p:bg>
@@ -10545,7 +11968,7 @@
 </p:sld>
 </file>
 
-<file path=ppt/slides/slide18.xml><?xml version="1.0" encoding="utf-8"?>
+<file path=ppt/slides/slide19.xml><?xml version="1.0" encoding="utf-8"?>
 <p:sld xmlns:a="http://schemas.openxmlformats.org/drawingml/2006/main" xmlns:r="http://schemas.openxmlformats.org/officeDocument/2006/relationships" xmlns:p="http://schemas.openxmlformats.org/presentationml/2006/main">
   <p:cSld>
     <p:bg>
@@ -11044,42 +12467,42 @@
               <a:buNone/>
             </a:pPr>
             <a:r>
-              <a:rPr lang="en-US" dirty="0" err="1"/>
+              <a:rPr lang="en-US" b="1" dirty="0" err="1"/>
               <a:t>Courbe</a:t>
             </a:r>
             <a:r>
-              <a:rPr lang="en-US" dirty="0"/>
+              <a:rPr lang="en-US" b="1" dirty="0"/>
               <a:t> de </a:t>
             </a:r>
             <a:r>
-              <a:rPr lang="en-US" dirty="0" err="1"/>
+              <a:rPr lang="en-US" b="1" dirty="0" err="1"/>
               <a:t>Vandermonde</a:t>
             </a:r>
             <a:r>
-              <a:rPr lang="en-US" dirty="0"/>
+              <a:rPr lang="en-US" b="1" dirty="0"/>
               <a:t> avec les points </a:t>
             </a:r>
             <a:r>
-              <a:rPr lang="en-US" dirty="0" err="1"/>
+              <a:rPr lang="en-US" b="1" dirty="0" err="1"/>
               <a:t>d’intersection</a:t>
             </a:r>
             <a:r>
-              <a:rPr lang="en-US" dirty="0"/>
+              <a:rPr lang="en-US" b="1" dirty="0"/>
               <a:t> des </a:t>
             </a:r>
             <a:r>
-              <a:rPr lang="en-US" dirty="0" err="1"/>
+              <a:rPr lang="en-US" b="1" dirty="0" err="1"/>
               <a:t>données</a:t>
             </a:r>
             <a:r>
-              <a:rPr lang="en-US" dirty="0"/>
+              <a:rPr lang="en-US" b="1" dirty="0"/>
               <a:t> </a:t>
             </a:r>
             <a:r>
-              <a:rPr lang="en-US" dirty="0" err="1"/>
+              <a:rPr lang="en-US" b="1" dirty="0" err="1"/>
               <a:t>expérimentales</a:t>
             </a:r>
-            <a:endParaRPr lang="en-US" dirty="0"/>
+            <a:endParaRPr lang="en-US" b="1" dirty="0"/>
           </a:p>
         </p:txBody>
       </p:sp>
@@ -11405,7 +12828,344 @@
 </p:sld>
 </file>
 
-<file path=ppt/slides/slide19.xml><?xml version="1.0" encoding="utf-8"?>
+<file path=ppt/slides/slide2.xml><?xml version="1.0" encoding="utf-8"?>
+<p:sld xmlns:a="http://schemas.openxmlformats.org/drawingml/2006/main" xmlns:r="http://schemas.openxmlformats.org/officeDocument/2006/relationships" xmlns:p="http://schemas.openxmlformats.org/presentationml/2006/main">
+  <p:cSld>
+    <p:bg>
+      <p:bgPr>
+        <a:solidFill>
+          <a:schemeClr val="bg1"/>
+        </a:solidFill>
+        <a:effectLst/>
+      </p:bgPr>
+    </p:bg>
+    <p:spTree>
+      <p:nvGrpSpPr>
+        <p:cNvPr id="1" name=""/>
+        <p:cNvGrpSpPr/>
+        <p:nvPr/>
+      </p:nvGrpSpPr>
+      <p:grpSpPr>
+        <a:xfrm>
+          <a:off x="0" y="0"/>
+          <a:ext cx="0" cy="0"/>
+          <a:chOff x="0" y="0"/>
+          <a:chExt cx="0" cy="0"/>
+        </a:xfrm>
+      </p:grpSpPr>
+      <p:sp useBgFill="1">
+        <p:nvSpPr>
+          <p:cNvPr id="10" name="Rectangle 7">
+            <a:extLst>
+              <a:ext uri="{FF2B5EF4-FFF2-40B4-BE49-F238E27FC236}">
+                <a16:creationId xmlns:a16="http://schemas.microsoft.com/office/drawing/2014/main" id="{F027EB3A-DF05-4A1A-99F5-BE83E7654676}"/>
+              </a:ext>
+              <a:ext uri="{C183D7F6-B498-43B3-948B-1728B52AA6E4}">
+                <adec:decorative xmlns:adec="http://schemas.microsoft.com/office/drawing/2017/decorative" val="1"/>
+              </a:ext>
+            </a:extLst>
+          </p:cNvPr>
+          <p:cNvSpPr>
+            <a:spLocks noGrp="1" noRot="1" noChangeAspect="1" noMove="1" noResize="1" noEditPoints="1" noAdjustHandles="1" noChangeArrowheads="1" noChangeShapeType="1" noTextEdit="1"/>
+          </p:cNvSpPr>
+          <p:nvPr>
+            <p:extLst>
+              <p:ext uri="{386F3935-93C4-4BCD-93E2-E3B085C9AB24}">
+                <p16:designElem xmlns:p16="http://schemas.microsoft.com/office/powerpoint/2015/main" val="1"/>
+              </p:ext>
+            </p:extLst>
+          </p:nvPr>
+        </p:nvSpPr>
+        <p:spPr>
+          <a:xfrm>
+            <a:off x="0" y="0"/>
+            <a:ext cx="12188952" cy="6858000"/>
+          </a:xfrm>
+          <a:prstGeom prst="rect">
+            <a:avLst/>
+          </a:prstGeom>
+          <a:ln>
+            <a:noFill/>
+          </a:ln>
+        </p:spPr>
+        <p:style>
+          <a:lnRef idx="2">
+            <a:schemeClr val="accent1">
+              <a:shade val="50000"/>
+            </a:schemeClr>
+          </a:lnRef>
+          <a:fillRef idx="1">
+            <a:schemeClr val="accent1"/>
+          </a:fillRef>
+          <a:effectRef idx="0">
+            <a:schemeClr val="accent1"/>
+          </a:effectRef>
+          <a:fontRef idx="minor">
+            <a:schemeClr val="lt1"/>
+          </a:fontRef>
+        </p:style>
+        <p:txBody>
+          <a:bodyPr rtlCol="0" anchor="ctr"/>
+          <a:lstStyle/>
+          <a:p>
+            <a:pPr algn="ctr"/>
+            <a:endParaRPr lang="en-US"/>
+          </a:p>
+        </p:txBody>
+      </p:sp>
+      <p:pic>
+        <p:nvPicPr>
+          <p:cNvPr id="3" name="Picture 2" descr="A picture containing indoor, preparing, cooking, baked&#10;&#10;Description automatically generated">
+            <a:extLst>
+              <a:ext uri="{FF2B5EF4-FFF2-40B4-BE49-F238E27FC236}">
+                <a16:creationId xmlns:a16="http://schemas.microsoft.com/office/drawing/2014/main" id="{A44FE34F-5BD4-40A6-FDBA-9B11EF95ED35}"/>
+              </a:ext>
+            </a:extLst>
+          </p:cNvPr>
+          <p:cNvPicPr>
+            <a:picLocks noChangeAspect="1"/>
+          </p:cNvPicPr>
+          <p:nvPr/>
+        </p:nvPicPr>
+        <p:blipFill rotWithShape="1">
+          <a:blip r:embed="rId2">
+            <a:extLst>
+              <a:ext uri="{28A0092B-C50C-407E-A947-70E740481C1C}">
+                <a14:useLocalDpi xmlns:a14="http://schemas.microsoft.com/office/drawing/2010/main" val="0"/>
+              </a:ext>
+            </a:extLst>
+          </a:blip>
+          <a:srcRect t="16428" r="1" b="1"/>
+          <a:stretch/>
+        </p:blipFill>
+        <p:spPr>
+          <a:xfrm>
+            <a:off x="625240" y="10"/>
+            <a:ext cx="10941520" cy="6857990"/>
+          </a:xfrm>
+          <a:custGeom>
+            <a:avLst/>
+            <a:gdLst/>
+            <a:ahLst/>
+            <a:cxnLst/>
+            <a:rect l="l" t="t" r="r" b="b"/>
+            <a:pathLst>
+              <a:path w="10941520" h="6858000">
+                <a:moveTo>
+                  <a:pt x="8510032" y="6464315"/>
+                </a:moveTo>
+                <a:lnTo>
+                  <a:pt x="8508022" y="6467080"/>
+                </a:lnTo>
+                <a:lnTo>
+                  <a:pt x="8511541" y="6467080"/>
+                </a:lnTo>
+                <a:close/>
+                <a:moveTo>
+                  <a:pt x="1598122" y="0"/>
+                </a:moveTo>
+                <a:lnTo>
+                  <a:pt x="1763667" y="0"/>
+                </a:lnTo>
+                <a:lnTo>
+                  <a:pt x="1587780" y="143783"/>
+                </a:lnTo>
+                <a:cubicBezTo>
+                  <a:pt x="1205033" y="482859"/>
+                  <a:pt x="877118" y="882898"/>
+                  <a:pt x="610636" y="1350720"/>
+                </a:cubicBezTo>
+                <a:cubicBezTo>
+                  <a:pt x="356503" y="1792611"/>
+                  <a:pt x="193167" y="2280779"/>
+                  <a:pt x="130237" y="2786631"/>
+                </a:cubicBezTo>
+                <a:cubicBezTo>
+                  <a:pt x="142310" y="2759217"/>
+                  <a:pt x="152875" y="2731298"/>
+                  <a:pt x="162431" y="2703128"/>
+                </a:cubicBezTo>
+                <a:cubicBezTo>
+                  <a:pt x="336482" y="2191794"/>
+                  <a:pt x="553037" y="1700077"/>
+                  <a:pt x="837253" y="1239549"/>
+                </a:cubicBezTo>
+                <a:cubicBezTo>
+                  <a:pt x="1093799" y="823288"/>
+                  <a:pt x="1394461" y="450355"/>
+                  <a:pt x="1746359" y="127320"/>
+                </a:cubicBezTo>
+                <a:lnTo>
+                  <a:pt x="1893724" y="0"/>
+                </a:lnTo>
+                <a:lnTo>
+                  <a:pt x="8848350" y="0"/>
+                </a:lnTo>
+                <a:lnTo>
+                  <a:pt x="9056324" y="144876"/>
+                </a:lnTo>
+                <a:cubicBezTo>
+                  <a:pt x="9483294" y="455963"/>
+                  <a:pt x="9863824" y="818761"/>
+                  <a:pt x="10176586" y="1256400"/>
+                </a:cubicBezTo>
+                <a:cubicBezTo>
+                  <a:pt x="10512361" y="1725731"/>
+                  <a:pt x="10733697" y="2243102"/>
+                  <a:pt x="10817449" y="2834418"/>
+                </a:cubicBezTo>
+                <a:cubicBezTo>
+                  <a:pt x="10838678" y="2662129"/>
+                  <a:pt x="10840364" y="2487979"/>
+                  <a:pt x="10822480" y="2315287"/>
+                </a:cubicBezTo>
+                <a:cubicBezTo>
+                  <a:pt x="10791218" y="1992617"/>
+                  <a:pt x="10694231" y="1679754"/>
+                  <a:pt x="10537512" y="1395993"/>
+                </a:cubicBezTo>
+                <a:cubicBezTo>
+                  <a:pt x="10298320" y="958605"/>
+                  <a:pt x="9956508" y="613523"/>
+                  <a:pt x="9560871" y="318241"/>
+                </a:cubicBezTo>
+                <a:cubicBezTo>
+                  <a:pt x="9444104" y="231090"/>
+                  <a:pt x="9324272" y="149552"/>
+                  <a:pt x="9201772" y="72906"/>
+                </a:cubicBezTo>
+                <a:lnTo>
+                  <a:pt x="9075150" y="0"/>
+                </a:lnTo>
+                <a:lnTo>
+                  <a:pt x="9285407" y="0"/>
+                </a:lnTo>
+                <a:lnTo>
+                  <a:pt x="9397484" y="71361"/>
+                </a:lnTo>
+                <a:cubicBezTo>
+                  <a:pt x="9466827" y="117668"/>
+                  <a:pt x="9535310" y="165633"/>
+                  <a:pt x="9602874" y="215370"/>
+                </a:cubicBezTo>
+                <a:cubicBezTo>
+                  <a:pt x="10023914" y="525240"/>
+                  <a:pt x="10385847" y="889941"/>
+                  <a:pt x="10637867" y="1353234"/>
+                </a:cubicBezTo>
+                <a:cubicBezTo>
+                  <a:pt x="10800070" y="1650452"/>
+                  <a:pt x="10899948" y="1977650"/>
+                  <a:pt x="10931388" y="2314785"/>
+                </a:cubicBezTo>
+                <a:cubicBezTo>
+                  <a:pt x="10955282" y="2563032"/>
+                  <a:pt x="10933651" y="2807506"/>
+                  <a:pt x="10900451" y="3053742"/>
+                </a:cubicBezTo>
+                <a:cubicBezTo>
+                  <a:pt x="10885435" y="3187448"/>
+                  <a:pt x="10884932" y="3322363"/>
+                  <a:pt x="10898943" y="3456170"/>
+                </a:cubicBezTo>
+                <a:cubicBezTo>
+                  <a:pt x="10947233" y="3973163"/>
+                  <a:pt x="10817200" y="4491137"/>
+                  <a:pt x="10530470" y="4924023"/>
+                </a:cubicBezTo>
+                <a:cubicBezTo>
+                  <a:pt x="10288786" y="5294609"/>
+                  <a:pt x="9971700" y="5610087"/>
+                  <a:pt x="9599856" y="5849858"/>
+                </a:cubicBezTo>
+                <a:cubicBezTo>
+                  <a:pt x="9239936" y="6085530"/>
+                  <a:pt x="8898626" y="6347611"/>
+                  <a:pt x="8538202" y="6581772"/>
+                </a:cubicBezTo>
+                <a:cubicBezTo>
+                  <a:pt x="8391505" y="6677034"/>
+                  <a:pt x="8242088" y="6766009"/>
+                  <a:pt x="8089708" y="6848031"/>
+                </a:cubicBezTo>
+                <a:lnTo>
+                  <a:pt x="8070163" y="6858000"/>
+                </a:lnTo>
+                <a:lnTo>
+                  <a:pt x="7820508" y="6858000"/>
+                </a:lnTo>
+                <a:lnTo>
+                  <a:pt x="7828138" y="6854555"/>
+                </a:lnTo>
+                <a:cubicBezTo>
+                  <a:pt x="8053199" y="6743844"/>
+                  <a:pt x="8273670" y="6617740"/>
+                  <a:pt x="8490666" y="6479908"/>
+                </a:cubicBezTo>
+                <a:cubicBezTo>
+                  <a:pt x="8262100" y="6578755"/>
+                  <a:pt x="8030908" y="6668688"/>
+                  <a:pt x="7797512" y="6751240"/>
+                </a:cubicBezTo>
+                <a:lnTo>
+                  <a:pt x="7480620" y="6858000"/>
+                </a:lnTo>
+                <a:lnTo>
+                  <a:pt x="3015004" y="6858000"/>
+                </a:lnTo>
+                <a:lnTo>
+                  <a:pt x="2781763" y="6750793"/>
+                </a:lnTo>
+                <a:cubicBezTo>
+                  <a:pt x="2466140" y="6597870"/>
+                  <a:pt x="2163376" y="6418916"/>
+                  <a:pt x="1876018" y="6208522"/>
+                </a:cubicBezTo>
+                <a:cubicBezTo>
+                  <a:pt x="1280928" y="5772643"/>
+                  <a:pt x="784936" y="5247977"/>
+                  <a:pt x="442370" y="4589004"/>
+                </a:cubicBezTo>
+                <a:cubicBezTo>
+                  <a:pt x="256073" y="4234615"/>
+                  <a:pt x="132829" y="3850522"/>
+                  <a:pt x="78174" y="3453907"/>
+                </a:cubicBezTo>
+                <a:cubicBezTo>
+                  <a:pt x="68264" y="3386374"/>
+                  <a:pt x="52872" y="3319746"/>
+                  <a:pt x="32147" y="3254704"/>
+                </a:cubicBezTo>
+                <a:cubicBezTo>
+                  <a:pt x="-18158" y="3091722"/>
+                  <a:pt x="-48" y="2927731"/>
+                  <a:pt x="23343" y="2765252"/>
+                </a:cubicBezTo>
+                <a:cubicBezTo>
+                  <a:pt x="165073" y="1773582"/>
+                  <a:pt x="613178" y="955032"/>
+                  <a:pt x="1299417" y="274384"/>
+                </a:cubicBezTo>
+                <a:close/>
+              </a:path>
+            </a:pathLst>
+          </a:custGeom>
+        </p:spPr>
+      </p:pic>
+    </p:spTree>
+    <p:extLst>
+      <p:ext uri="{BB962C8B-B14F-4D97-AF65-F5344CB8AC3E}">
+        <p14:creationId xmlns:p14="http://schemas.microsoft.com/office/powerpoint/2010/main" val="2196315168"/>
+      </p:ext>
+    </p:extLst>
+  </p:cSld>
+  <p:clrMapOvr>
+    <a:masterClrMapping/>
+  </p:clrMapOvr>
+</p:sld>
+</file>
+
+<file path=ppt/slides/slide20.xml><?xml version="1.0" encoding="utf-8"?>
 <p:sld xmlns:a="http://schemas.openxmlformats.org/drawingml/2006/main" xmlns:r="http://schemas.openxmlformats.org/officeDocument/2006/relationships" xmlns:p="http://schemas.openxmlformats.org/presentationml/2006/main">
   <p:cSld>
     <p:bg>
@@ -11855,42 +13615,42 @@
               <a:buChar char="•"/>
             </a:pPr>
             <a:r>
-              <a:rPr lang="en-US" sz="2000" dirty="0" err="1"/>
-              <a:t>Uitlsation</a:t>
+              <a:rPr lang="en-US" sz="2000" b="1" dirty="0" err="1"/>
+              <a:t>Utilisation</a:t>
             </a:r>
             <a:r>
-              <a:rPr lang="en-US" sz="2000" dirty="0"/>
+              <a:rPr lang="en-US" sz="2000" b="1" dirty="0"/>
               <a:t> d’un </a:t>
             </a:r>
             <a:r>
-              <a:rPr lang="en-US" sz="2000" dirty="0" err="1"/>
+              <a:rPr lang="en-US" sz="2000" b="1" dirty="0" err="1"/>
               <a:t>résultat</a:t>
             </a:r>
             <a:r>
-              <a:rPr lang="en-US" sz="2000" dirty="0"/>
+              <a:rPr lang="en-US" sz="2000" b="1" dirty="0"/>
               <a:t> des notes de </a:t>
             </a:r>
             <a:r>
-              <a:rPr lang="en-US" sz="2000" dirty="0" err="1"/>
+              <a:rPr lang="en-US" sz="2000" b="1" dirty="0" err="1"/>
               <a:t>cours</a:t>
             </a:r>
             <a:r>
-              <a:rPr lang="en-US" sz="2000" dirty="0"/>
+              <a:rPr lang="en-US" sz="2000" b="1" dirty="0"/>
               <a:t>, tige 1D </a:t>
             </a:r>
             <a:r>
-              <a:rPr lang="en-US" sz="2000" dirty="0" err="1"/>
+              <a:rPr lang="en-US" sz="2000" b="1" dirty="0" err="1"/>
               <a:t>en</a:t>
             </a:r>
             <a:r>
-              <a:rPr lang="en-US" sz="2000" dirty="0"/>
+              <a:rPr lang="en-US" sz="2000" b="1" dirty="0"/>
               <a:t> régime </a:t>
             </a:r>
             <a:r>
-              <a:rPr lang="en-US" sz="2000" dirty="0" err="1"/>
+              <a:rPr lang="en-US" sz="2000" b="1" dirty="0" err="1"/>
               <a:t>transitoire</a:t>
             </a:r>
-            <a:endParaRPr lang="en-US" sz="2000" dirty="0"/>
+            <a:endParaRPr lang="en-US" sz="2000" b="1" dirty="0"/>
           </a:p>
           <a:p>
             <a:pPr indent="-228600">
@@ -11904,58 +13664,58 @@
               <a:buChar char="•"/>
             </a:pPr>
             <a:r>
-              <a:rPr lang="en-US" sz="2000" dirty="0" err="1"/>
+              <a:rPr lang="en-US" sz="2000" b="1" dirty="0" err="1"/>
               <a:t>S’applique</a:t>
             </a:r>
             <a:r>
-              <a:rPr lang="en-US" sz="2000" dirty="0"/>
+              <a:rPr lang="en-US" sz="2000" b="1" dirty="0"/>
               <a:t> pour Euler </a:t>
             </a:r>
             <a:r>
-              <a:rPr lang="en-US" sz="2000" dirty="0" err="1"/>
+              <a:rPr lang="en-US" sz="2000" b="1" dirty="0" err="1"/>
               <a:t>implicite</a:t>
             </a:r>
             <a:r>
-              <a:rPr lang="en-US" sz="2000" dirty="0"/>
+              <a:rPr lang="en-US" sz="2000" b="1" dirty="0"/>
               <a:t>, car les deux </a:t>
             </a:r>
             <a:r>
-              <a:rPr lang="en-US" sz="2000" dirty="0" err="1"/>
+              <a:rPr lang="en-US" sz="2000" b="1" dirty="0" err="1"/>
               <a:t>fonctions</a:t>
             </a:r>
             <a:r>
-              <a:rPr lang="en-US" sz="2000" dirty="0"/>
+              <a:rPr lang="en-US" sz="2000" b="1" dirty="0"/>
               <a:t> </a:t>
             </a:r>
             <a:r>
-              <a:rPr lang="en-US" sz="2000" dirty="0" err="1"/>
+              <a:rPr lang="en-US" sz="2000" b="1" dirty="0" err="1"/>
               <a:t>retournent</a:t>
             </a:r>
             <a:r>
-              <a:rPr lang="en-US" sz="2000" dirty="0"/>
+              <a:rPr lang="en-US" sz="2000" b="1" dirty="0"/>
               <a:t> </a:t>
             </a:r>
             <a:r>
-              <a:rPr lang="en-US" sz="2000" dirty="0" err="1"/>
+              <a:rPr lang="en-US" sz="2000" b="1" dirty="0" err="1"/>
               <a:t>presque</a:t>
             </a:r>
             <a:r>
-              <a:rPr lang="en-US" sz="2000" dirty="0"/>
+              <a:rPr lang="en-US" sz="2000" b="1" dirty="0"/>
               <a:t> les </a:t>
             </a:r>
             <a:r>
-              <a:rPr lang="en-US" sz="2000" dirty="0" err="1"/>
+              <a:rPr lang="en-US" sz="2000" b="1" dirty="0" err="1"/>
               <a:t>mêmes</a:t>
             </a:r>
             <a:r>
-              <a:rPr lang="en-US" sz="2000" dirty="0"/>
+              <a:rPr lang="en-US" sz="2000" b="1" dirty="0"/>
               <a:t> </a:t>
             </a:r>
             <a:r>
-              <a:rPr lang="en-US" sz="2000" dirty="0" err="1"/>
+              <a:rPr lang="en-US" sz="2000" b="1" dirty="0" err="1"/>
               <a:t>valeurs</a:t>
             </a:r>
-            <a:endParaRPr lang="en-US" sz="2000" dirty="0"/>
+            <a:endParaRPr lang="en-US" sz="2000" b="1" dirty="0"/>
           </a:p>
         </p:txBody>
       </p:sp>
@@ -12040,344 +13800,7 @@
 </p:sld>
 </file>
 
-<file path=ppt/slides/slide2.xml><?xml version="1.0" encoding="utf-8"?>
-<p:sld xmlns:a="http://schemas.openxmlformats.org/drawingml/2006/main" xmlns:r="http://schemas.openxmlformats.org/officeDocument/2006/relationships" xmlns:p="http://schemas.openxmlformats.org/presentationml/2006/main">
-  <p:cSld>
-    <p:bg>
-      <p:bgPr>
-        <a:solidFill>
-          <a:schemeClr val="bg1"/>
-        </a:solidFill>
-        <a:effectLst/>
-      </p:bgPr>
-    </p:bg>
-    <p:spTree>
-      <p:nvGrpSpPr>
-        <p:cNvPr id="1" name=""/>
-        <p:cNvGrpSpPr/>
-        <p:nvPr/>
-      </p:nvGrpSpPr>
-      <p:grpSpPr>
-        <a:xfrm>
-          <a:off x="0" y="0"/>
-          <a:ext cx="0" cy="0"/>
-          <a:chOff x="0" y="0"/>
-          <a:chExt cx="0" cy="0"/>
-        </a:xfrm>
-      </p:grpSpPr>
-      <p:sp useBgFill="1">
-        <p:nvSpPr>
-          <p:cNvPr id="10" name="Rectangle 7">
-            <a:extLst>
-              <a:ext uri="{FF2B5EF4-FFF2-40B4-BE49-F238E27FC236}">
-                <a16:creationId xmlns:a16="http://schemas.microsoft.com/office/drawing/2014/main" id="{F027EB3A-DF05-4A1A-99F5-BE83E7654676}"/>
-              </a:ext>
-              <a:ext uri="{C183D7F6-B498-43B3-948B-1728B52AA6E4}">
-                <adec:decorative xmlns:adec="http://schemas.microsoft.com/office/drawing/2017/decorative" val="1"/>
-              </a:ext>
-            </a:extLst>
-          </p:cNvPr>
-          <p:cNvSpPr>
-            <a:spLocks noGrp="1" noRot="1" noChangeAspect="1" noMove="1" noResize="1" noEditPoints="1" noAdjustHandles="1" noChangeArrowheads="1" noChangeShapeType="1" noTextEdit="1"/>
-          </p:cNvSpPr>
-          <p:nvPr>
-            <p:extLst>
-              <p:ext uri="{386F3935-93C4-4BCD-93E2-E3B085C9AB24}">
-                <p16:designElem xmlns:p16="http://schemas.microsoft.com/office/powerpoint/2015/main" val="1"/>
-              </p:ext>
-            </p:extLst>
-          </p:nvPr>
-        </p:nvSpPr>
-        <p:spPr>
-          <a:xfrm>
-            <a:off x="0" y="0"/>
-            <a:ext cx="12188952" cy="6858000"/>
-          </a:xfrm>
-          <a:prstGeom prst="rect">
-            <a:avLst/>
-          </a:prstGeom>
-          <a:ln>
-            <a:noFill/>
-          </a:ln>
-        </p:spPr>
-        <p:style>
-          <a:lnRef idx="2">
-            <a:schemeClr val="accent1">
-              <a:shade val="50000"/>
-            </a:schemeClr>
-          </a:lnRef>
-          <a:fillRef idx="1">
-            <a:schemeClr val="accent1"/>
-          </a:fillRef>
-          <a:effectRef idx="0">
-            <a:schemeClr val="accent1"/>
-          </a:effectRef>
-          <a:fontRef idx="minor">
-            <a:schemeClr val="lt1"/>
-          </a:fontRef>
-        </p:style>
-        <p:txBody>
-          <a:bodyPr rtlCol="0" anchor="ctr"/>
-          <a:lstStyle/>
-          <a:p>
-            <a:pPr algn="ctr"/>
-            <a:endParaRPr lang="en-US"/>
-          </a:p>
-        </p:txBody>
-      </p:sp>
-      <p:pic>
-        <p:nvPicPr>
-          <p:cNvPr id="3" name="Picture 2" descr="A picture containing indoor, preparing, cooking, baked&#10;&#10;Description automatically generated">
-            <a:extLst>
-              <a:ext uri="{FF2B5EF4-FFF2-40B4-BE49-F238E27FC236}">
-                <a16:creationId xmlns:a16="http://schemas.microsoft.com/office/drawing/2014/main" id="{A44FE34F-5BD4-40A6-FDBA-9B11EF95ED35}"/>
-              </a:ext>
-            </a:extLst>
-          </p:cNvPr>
-          <p:cNvPicPr>
-            <a:picLocks noChangeAspect="1"/>
-          </p:cNvPicPr>
-          <p:nvPr/>
-        </p:nvPicPr>
-        <p:blipFill rotWithShape="1">
-          <a:blip r:embed="rId2">
-            <a:extLst>
-              <a:ext uri="{28A0092B-C50C-407E-A947-70E740481C1C}">
-                <a14:useLocalDpi xmlns:a14="http://schemas.microsoft.com/office/drawing/2010/main" val="0"/>
-              </a:ext>
-            </a:extLst>
-          </a:blip>
-          <a:srcRect t="16428" r="1" b="1"/>
-          <a:stretch/>
-        </p:blipFill>
-        <p:spPr>
-          <a:xfrm>
-            <a:off x="625240" y="10"/>
-            <a:ext cx="10941520" cy="6857990"/>
-          </a:xfrm>
-          <a:custGeom>
-            <a:avLst/>
-            <a:gdLst/>
-            <a:ahLst/>
-            <a:cxnLst/>
-            <a:rect l="l" t="t" r="r" b="b"/>
-            <a:pathLst>
-              <a:path w="10941520" h="6858000">
-                <a:moveTo>
-                  <a:pt x="8510032" y="6464315"/>
-                </a:moveTo>
-                <a:lnTo>
-                  <a:pt x="8508022" y="6467080"/>
-                </a:lnTo>
-                <a:lnTo>
-                  <a:pt x="8511541" y="6467080"/>
-                </a:lnTo>
-                <a:close/>
-                <a:moveTo>
-                  <a:pt x="1598122" y="0"/>
-                </a:moveTo>
-                <a:lnTo>
-                  <a:pt x="1763667" y="0"/>
-                </a:lnTo>
-                <a:lnTo>
-                  <a:pt x="1587780" y="143783"/>
-                </a:lnTo>
-                <a:cubicBezTo>
-                  <a:pt x="1205033" y="482859"/>
-                  <a:pt x="877118" y="882898"/>
-                  <a:pt x="610636" y="1350720"/>
-                </a:cubicBezTo>
-                <a:cubicBezTo>
-                  <a:pt x="356503" y="1792611"/>
-                  <a:pt x="193167" y="2280779"/>
-                  <a:pt x="130237" y="2786631"/>
-                </a:cubicBezTo>
-                <a:cubicBezTo>
-                  <a:pt x="142310" y="2759217"/>
-                  <a:pt x="152875" y="2731298"/>
-                  <a:pt x="162431" y="2703128"/>
-                </a:cubicBezTo>
-                <a:cubicBezTo>
-                  <a:pt x="336482" y="2191794"/>
-                  <a:pt x="553037" y="1700077"/>
-                  <a:pt x="837253" y="1239549"/>
-                </a:cubicBezTo>
-                <a:cubicBezTo>
-                  <a:pt x="1093799" y="823288"/>
-                  <a:pt x="1394461" y="450355"/>
-                  <a:pt x="1746359" y="127320"/>
-                </a:cubicBezTo>
-                <a:lnTo>
-                  <a:pt x="1893724" y="0"/>
-                </a:lnTo>
-                <a:lnTo>
-                  <a:pt x="8848350" y="0"/>
-                </a:lnTo>
-                <a:lnTo>
-                  <a:pt x="9056324" y="144876"/>
-                </a:lnTo>
-                <a:cubicBezTo>
-                  <a:pt x="9483294" y="455963"/>
-                  <a:pt x="9863824" y="818761"/>
-                  <a:pt x="10176586" y="1256400"/>
-                </a:cubicBezTo>
-                <a:cubicBezTo>
-                  <a:pt x="10512361" y="1725731"/>
-                  <a:pt x="10733697" y="2243102"/>
-                  <a:pt x="10817449" y="2834418"/>
-                </a:cubicBezTo>
-                <a:cubicBezTo>
-                  <a:pt x="10838678" y="2662129"/>
-                  <a:pt x="10840364" y="2487979"/>
-                  <a:pt x="10822480" y="2315287"/>
-                </a:cubicBezTo>
-                <a:cubicBezTo>
-                  <a:pt x="10791218" y="1992617"/>
-                  <a:pt x="10694231" y="1679754"/>
-                  <a:pt x="10537512" y="1395993"/>
-                </a:cubicBezTo>
-                <a:cubicBezTo>
-                  <a:pt x="10298320" y="958605"/>
-                  <a:pt x="9956508" y="613523"/>
-                  <a:pt x="9560871" y="318241"/>
-                </a:cubicBezTo>
-                <a:cubicBezTo>
-                  <a:pt x="9444104" y="231090"/>
-                  <a:pt x="9324272" y="149552"/>
-                  <a:pt x="9201772" y="72906"/>
-                </a:cubicBezTo>
-                <a:lnTo>
-                  <a:pt x="9075150" y="0"/>
-                </a:lnTo>
-                <a:lnTo>
-                  <a:pt x="9285407" y="0"/>
-                </a:lnTo>
-                <a:lnTo>
-                  <a:pt x="9397484" y="71361"/>
-                </a:lnTo>
-                <a:cubicBezTo>
-                  <a:pt x="9466827" y="117668"/>
-                  <a:pt x="9535310" y="165633"/>
-                  <a:pt x="9602874" y="215370"/>
-                </a:cubicBezTo>
-                <a:cubicBezTo>
-                  <a:pt x="10023914" y="525240"/>
-                  <a:pt x="10385847" y="889941"/>
-                  <a:pt x="10637867" y="1353234"/>
-                </a:cubicBezTo>
-                <a:cubicBezTo>
-                  <a:pt x="10800070" y="1650452"/>
-                  <a:pt x="10899948" y="1977650"/>
-                  <a:pt x="10931388" y="2314785"/>
-                </a:cubicBezTo>
-                <a:cubicBezTo>
-                  <a:pt x="10955282" y="2563032"/>
-                  <a:pt x="10933651" y="2807506"/>
-                  <a:pt x="10900451" y="3053742"/>
-                </a:cubicBezTo>
-                <a:cubicBezTo>
-                  <a:pt x="10885435" y="3187448"/>
-                  <a:pt x="10884932" y="3322363"/>
-                  <a:pt x="10898943" y="3456170"/>
-                </a:cubicBezTo>
-                <a:cubicBezTo>
-                  <a:pt x="10947233" y="3973163"/>
-                  <a:pt x="10817200" y="4491137"/>
-                  <a:pt x="10530470" y="4924023"/>
-                </a:cubicBezTo>
-                <a:cubicBezTo>
-                  <a:pt x="10288786" y="5294609"/>
-                  <a:pt x="9971700" y="5610087"/>
-                  <a:pt x="9599856" y="5849858"/>
-                </a:cubicBezTo>
-                <a:cubicBezTo>
-                  <a:pt x="9239936" y="6085530"/>
-                  <a:pt x="8898626" y="6347611"/>
-                  <a:pt x="8538202" y="6581772"/>
-                </a:cubicBezTo>
-                <a:cubicBezTo>
-                  <a:pt x="8391505" y="6677034"/>
-                  <a:pt x="8242088" y="6766009"/>
-                  <a:pt x="8089708" y="6848031"/>
-                </a:cubicBezTo>
-                <a:lnTo>
-                  <a:pt x="8070163" y="6858000"/>
-                </a:lnTo>
-                <a:lnTo>
-                  <a:pt x="7820508" y="6858000"/>
-                </a:lnTo>
-                <a:lnTo>
-                  <a:pt x="7828138" y="6854555"/>
-                </a:lnTo>
-                <a:cubicBezTo>
-                  <a:pt x="8053199" y="6743844"/>
-                  <a:pt x="8273670" y="6617740"/>
-                  <a:pt x="8490666" y="6479908"/>
-                </a:cubicBezTo>
-                <a:cubicBezTo>
-                  <a:pt x="8262100" y="6578755"/>
-                  <a:pt x="8030908" y="6668688"/>
-                  <a:pt x="7797512" y="6751240"/>
-                </a:cubicBezTo>
-                <a:lnTo>
-                  <a:pt x="7480620" y="6858000"/>
-                </a:lnTo>
-                <a:lnTo>
-                  <a:pt x="3015004" y="6858000"/>
-                </a:lnTo>
-                <a:lnTo>
-                  <a:pt x="2781763" y="6750793"/>
-                </a:lnTo>
-                <a:cubicBezTo>
-                  <a:pt x="2466140" y="6597870"/>
-                  <a:pt x="2163376" y="6418916"/>
-                  <a:pt x="1876018" y="6208522"/>
-                </a:cubicBezTo>
-                <a:cubicBezTo>
-                  <a:pt x="1280928" y="5772643"/>
-                  <a:pt x="784936" y="5247977"/>
-                  <a:pt x="442370" y="4589004"/>
-                </a:cubicBezTo>
-                <a:cubicBezTo>
-                  <a:pt x="256073" y="4234615"/>
-                  <a:pt x="132829" y="3850522"/>
-                  <a:pt x="78174" y="3453907"/>
-                </a:cubicBezTo>
-                <a:cubicBezTo>
-                  <a:pt x="68264" y="3386374"/>
-                  <a:pt x="52872" y="3319746"/>
-                  <a:pt x="32147" y="3254704"/>
-                </a:cubicBezTo>
-                <a:cubicBezTo>
-                  <a:pt x="-18158" y="3091722"/>
-                  <a:pt x="-48" y="2927731"/>
-                  <a:pt x="23343" y="2765252"/>
-                </a:cubicBezTo>
-                <a:cubicBezTo>
-                  <a:pt x="165073" y="1773582"/>
-                  <a:pt x="613178" y="955032"/>
-                  <a:pt x="1299417" y="274384"/>
-                </a:cubicBezTo>
-                <a:close/>
-              </a:path>
-            </a:pathLst>
-          </a:custGeom>
-        </p:spPr>
-      </p:pic>
-    </p:spTree>
-    <p:extLst>
-      <p:ext uri="{BB962C8B-B14F-4D97-AF65-F5344CB8AC3E}">
-        <p14:creationId xmlns:p14="http://schemas.microsoft.com/office/powerpoint/2010/main" val="2196315168"/>
-      </p:ext>
-    </p:extLst>
-  </p:cSld>
-  <p:clrMapOvr>
-    <a:masterClrMapping/>
-  </p:clrMapOvr>
-</p:sld>
-</file>
-
-<file path=ppt/slides/slide20.xml><?xml version="1.0" encoding="utf-8"?>
+<file path=ppt/slides/slide21.xml><?xml version="1.0" encoding="utf-8"?>
 <p:sld xmlns:a="http://schemas.openxmlformats.org/drawingml/2006/main" xmlns:r="http://schemas.openxmlformats.org/officeDocument/2006/relationships" xmlns:p="http://schemas.openxmlformats.org/presentationml/2006/main">
   <p:cSld>
     <p:spTree>
@@ -12496,7 +13919,7 @@
 </p:sld>
 </file>
 
-<file path=ppt/slides/slide21.xml><?xml version="1.0" encoding="utf-8"?>
+<file path=ppt/slides/slide22.xml><?xml version="1.0" encoding="utf-8"?>
 <p:sld xmlns:a="http://schemas.openxmlformats.org/drawingml/2006/main" xmlns:r="http://schemas.openxmlformats.org/officeDocument/2006/relationships" xmlns:p="http://schemas.openxmlformats.org/presentationml/2006/main">
   <p:cSld>
     <p:spTree>
@@ -15867,24 +17290,28 @@
           <a:lstStyle/>
           <a:p>
             <a:r>
-              <a:rPr lang="en-US" dirty="0"/>
+              <a:rPr lang="en-US" b="1" dirty="0"/>
               <a:t>Approximation </a:t>
             </a:r>
             <a:r>
-              <a:rPr lang="en-US" dirty="0" err="1"/>
+              <a:rPr lang="en-US" b="1" dirty="0" err="1"/>
               <a:t>quadratique</a:t>
             </a:r>
             <a:r>
-              <a:rPr lang="en-US" dirty="0"/>
+              <a:rPr lang="en-US" b="1" dirty="0"/>
               <a:t> avec </a:t>
             </a:r>
             <a:r>
-              <a:rPr lang="en-US" dirty="0" err="1"/>
+              <a:rPr lang="en-US" b="1" dirty="0" err="1"/>
               <a:t>Vandermonde</a:t>
             </a:r>
             <a:r>
+              <a:rPr lang="en-US" b="1" dirty="0"/>
+              <a:t> à  t=1 min</a:t>
+            </a:r>
+            <a:r>
               <a:rPr lang="en-US" dirty="0"/>
-              <a:t> à  t=1 min.</a:t>
+              <a:t>.</a:t>
             </a:r>
             <a:endParaRPr lang="fr-CA" dirty="0"/>
           </a:p>
@@ -17277,8 +18704,8 @@
           </a:p>
         </p:txBody>
       </p:sp>
-      <mc:AlternateContent xmlns:mc="http://schemas.openxmlformats.org/markup-compatibility/2006" xmlns:a14="http://schemas.microsoft.com/office/drawing/2010/main">
-        <mc:Choice Requires="a14">
+      <mc:AlternateContent xmlns:mc="http://schemas.openxmlformats.org/markup-compatibility/2006">
+        <mc:Choice xmlns:a14="http://schemas.microsoft.com/office/drawing/2010/main" Requires="a14">
           <p:sp>
             <p:nvSpPr>
               <p:cNvPr id="3" name="Content Placeholder 2">
@@ -17308,14 +18735,14 @@
               <a:lstStyle/>
               <a:p>
                 <a:r>
-                  <a:rPr lang="en-US" dirty="0"/>
+                  <a:rPr lang="en-US" b="1" dirty="0"/>
                   <a:t>Convection de </a:t>
                 </a:r>
                 <a:r>
-                  <a:rPr lang="en-US" dirty="0" err="1"/>
+                  <a:rPr lang="en-US" b="1" dirty="0" err="1"/>
                   <a:t>l’air</a:t>
                 </a:r>
-                <a:endParaRPr lang="en-US" dirty="0"/>
+                <a:endParaRPr lang="en-US" b="1" dirty="0"/>
               </a:p>
               <a:p>
                 <a:pPr marL="0" indent="0">
@@ -17536,14 +18963,14 @@
               </a:p>
               <a:p>
                 <a:r>
-                  <a:rPr lang="fr-CA" dirty="0"/>
+                  <a:rPr lang="fr-CA" b="1" dirty="0"/>
                   <a:t>Approximation linéaire à z=0 m au bas du plan</a:t>
                 </a:r>
               </a:p>
             </p:txBody>
           </p:sp>
         </mc:Choice>
-        <mc:Fallback xmlns="">
+        <mc:Fallback>
           <p:sp>
             <p:nvSpPr>
               <p:cNvPr id="3" name="Content Placeholder 2">
@@ -17569,6 +18996,161 @@
                 <a:blip r:embed="rId2"/>
                 <a:stretch>
                   <a:fillRect l="-1043" t="-1188"/>
+                </a:stretch>
+              </a:blipFill>
+            </p:spPr>
+            <p:txBody>
+              <a:bodyPr/>
+              <a:lstStyle/>
+              <a:p>
+                <a:r>
+                  <a:rPr lang="fr-CA">
+                    <a:noFill/>
+                  </a:rPr>
+                  <a:t> </a:t>
+                </a:r>
+              </a:p>
+            </p:txBody>
+          </p:sp>
+        </mc:Fallback>
+      </mc:AlternateContent>
+      <mc:AlternateContent xmlns:mc="http://schemas.openxmlformats.org/markup-compatibility/2006">
+        <mc:Choice xmlns:a14="http://schemas.microsoft.com/office/drawing/2010/main" Requires="a14">
+          <p:sp>
+            <p:nvSpPr>
+              <p:cNvPr id="7" name="ZoneTexte 6">
+                <a:extLst>
+                  <a:ext uri="{FF2B5EF4-FFF2-40B4-BE49-F238E27FC236}">
+                    <a16:creationId xmlns:a16="http://schemas.microsoft.com/office/drawing/2014/main" id="{60BDC076-F813-C7F3-DB05-8A214662A702}"/>
+                  </a:ext>
+                </a:extLst>
+              </p:cNvPr>
+              <p:cNvSpPr txBox="1"/>
+              <p:nvPr/>
+            </p:nvSpPr>
+            <p:spPr>
+              <a:xfrm>
+                <a:off x="3048696" y="5483726"/>
+                <a:ext cx="6530310" cy="523220"/>
+              </a:xfrm>
+              <a:prstGeom prst="rect">
+                <a:avLst/>
+              </a:prstGeom>
+              <a:noFill/>
+            </p:spPr>
+            <p:txBody>
+              <a:bodyPr wrap="square">
+                <a:spAutoFit/>
+              </a:bodyPr>
+              <a:lstStyle/>
+              <a:p>
+                <a:pPr/>
+                <a14:m>
+                  <m:oMathPara xmlns:m="http://schemas.openxmlformats.org/officeDocument/2006/math">
+                    <m:oMathParaPr>
+                      <m:jc m:val="centerGroup"/>
+                    </m:oMathParaPr>
+                    <m:oMath xmlns:m="http://schemas.openxmlformats.org/officeDocument/2006/math">
+                      <m:r>
+                        <a:rPr lang="fr-CA" sz="2800" b="0" i="1" smtClean="0">
+                          <a:latin typeface="Cambria Math" panose="02040503050406030204" pitchFamily="18" charset="0"/>
+                        </a:rPr>
+                        <m:t>𝑇</m:t>
+                      </m:r>
+                      <m:d>
+                        <m:dPr>
+                          <m:ctrlPr>
+                            <a:rPr lang="fr-CA" sz="2800" b="0" i="1" smtClean="0">
+                              <a:latin typeface="Cambria Math" panose="02040503050406030204" pitchFamily="18" charset="0"/>
+                            </a:rPr>
+                          </m:ctrlPr>
+                        </m:dPr>
+                        <m:e>
+                          <m:r>
+                            <a:rPr lang="fr-CA" sz="2800" b="0" i="1" smtClean="0">
+                              <a:latin typeface="Cambria Math" panose="02040503050406030204" pitchFamily="18" charset="0"/>
+                            </a:rPr>
+                            <m:t>0</m:t>
+                          </m:r>
+                          <m:r>
+                            <a:rPr lang="fr-CA" sz="2800" b="0" i="1" smtClean="0">
+                              <a:latin typeface="Cambria Math" panose="02040503050406030204" pitchFamily="18" charset="0"/>
+                            </a:rPr>
+                            <m:t>,</m:t>
+                          </m:r>
+                          <m:r>
+                            <a:rPr lang="fr-CA" sz="2800" b="0" i="1" smtClean="0">
+                              <a:latin typeface="Cambria Math" panose="02040503050406030204" pitchFamily="18" charset="0"/>
+                            </a:rPr>
+                            <m:t>𝑡</m:t>
+                          </m:r>
+                        </m:e>
+                      </m:d>
+                      <m:r>
+                        <a:rPr lang="fr-CA" sz="2800" b="0" i="1" smtClean="0">
+                          <a:latin typeface="Cambria Math" panose="02040503050406030204" pitchFamily="18" charset="0"/>
+                        </a:rPr>
+                        <m:t>=</m:t>
+                      </m:r>
+                      <m:r>
+                        <a:rPr lang="fr-CA" sz="2800" b="0" i="1" smtClean="0">
+                          <a:latin typeface="Cambria Math" panose="02040503050406030204" pitchFamily="18" charset="0"/>
+                        </a:rPr>
+                        <m:t>0,03175</m:t>
+                      </m:r>
+                      <m:r>
+                        <a:rPr lang="fr-CA" sz="2800" b="0" i="1" smtClean="0">
+                          <a:latin typeface="Cambria Math" panose="02040503050406030204" pitchFamily="18" charset="0"/>
+                        </a:rPr>
+                        <m:t>𝑡</m:t>
+                      </m:r>
+                      <m:r>
+                        <a:rPr lang="fr-CA" sz="2800" b="0" i="1" smtClean="0">
+                          <a:latin typeface="Cambria Math" panose="02040503050406030204" pitchFamily="18" charset="0"/>
+                        </a:rPr>
+                        <m:t>+</m:t>
+                      </m:r>
+                      <m:r>
+                        <a:rPr lang="fr-CA" sz="2800" b="0" i="1" smtClean="0">
+                          <a:latin typeface="Cambria Math" panose="02040503050406030204" pitchFamily="18" charset="0"/>
+                        </a:rPr>
+                        <m:t>26,015</m:t>
+                      </m:r>
+                    </m:oMath>
+                  </m:oMathPara>
+                </a14:m>
+                <a:endParaRPr lang="fr-CA" sz="2800" dirty="0"/>
+              </a:p>
+            </p:txBody>
+          </p:sp>
+        </mc:Choice>
+        <mc:Fallback>
+          <p:sp>
+            <p:nvSpPr>
+              <p:cNvPr id="7" name="ZoneTexte 6">
+                <a:extLst>
+                  <a:ext uri="{FF2B5EF4-FFF2-40B4-BE49-F238E27FC236}">
+                    <a16:creationId xmlns:a16="http://schemas.microsoft.com/office/drawing/2014/main" id="{60BDC076-F813-C7F3-DB05-8A214662A702}"/>
+                  </a:ext>
+                </a:extLst>
+              </p:cNvPr>
+              <p:cNvSpPr txBox="1">
+                <a:spLocks noRot="1" noChangeAspect="1" noMove="1" noResize="1" noEditPoints="1" noAdjustHandles="1" noChangeArrowheads="1" noChangeShapeType="1" noTextEdit="1"/>
+              </p:cNvSpPr>
+              <p:nvPr/>
+            </p:nvSpPr>
+            <p:spPr>
+              <a:xfrm>
+                <a:off x="3048696" y="5483726"/>
+                <a:ext cx="6530310" cy="523220"/>
+              </a:xfrm>
+              <a:prstGeom prst="rect">
+                <a:avLst/>
+              </a:prstGeom>
+              <a:blipFill>
+                <a:blip r:embed="rId3"/>
+                <a:stretch>
+                  <a:fillRect/>
                 </a:stretch>
               </a:blipFill>
             </p:spPr>
@@ -18710,8 +20292,8 @@
           </a:p>
         </p:txBody>
       </p:sp>
-      <mc:AlternateContent xmlns:mc="http://schemas.openxmlformats.org/markup-compatibility/2006" xmlns:a14="http://schemas.microsoft.com/office/drawing/2010/main">
-        <mc:Choice Requires="a14">
+      <mc:AlternateContent xmlns:mc="http://schemas.openxmlformats.org/markup-compatibility/2006">
+        <mc:Choice xmlns:a14="http://schemas.microsoft.com/office/drawing/2010/main" Requires="a14">
           <p:sp>
             <p:nvSpPr>
               <p:cNvPr id="3" name="Content Placeholder 2">
@@ -18741,15 +20323,15 @@
               <a:lstStyle/>
               <a:p>
                 <a:r>
-                  <a:rPr lang="en-US" dirty="0"/>
+                  <a:rPr lang="en-US" b="1" dirty="0"/>
                   <a:t>Euler </a:t>
                 </a:r>
                 <a:r>
-                  <a:rPr lang="en-US"/>
+                  <a:rPr lang="en-US" b="1" dirty="0" err="1"/>
                   <a:t>explicite</a:t>
                 </a:r>
                 <a:r>
-                  <a:rPr lang="en-US" dirty="0"/>
+                  <a:rPr lang="en-US" b="1" dirty="0"/>
                   <a:t>:</a:t>
                 </a:r>
               </a:p>
@@ -19185,16 +20767,16 @@
                     </m:d>
                   </m:oMath>
                 </a14:m>
-                <a:endParaRPr lang="en-US"/>
+                <a:endParaRPr lang="en-US" dirty="0"/>
               </a:p>
               <a:p>
                 <a:pPr marL="0"/>
-                <a:endParaRPr lang="en-US"/>
+                <a:endParaRPr lang="en-US" dirty="0"/>
               </a:p>
             </p:txBody>
           </p:sp>
         </mc:Choice>
-        <mc:Fallback xmlns="">
+        <mc:Fallback>
           <p:sp>
             <p:nvSpPr>
               <p:cNvPr id="3" name="Content Placeholder 2">
@@ -20502,8 +22084,8 @@
           </a:p>
         </p:txBody>
       </p:sp>
-      <mc:AlternateContent xmlns:mc="http://schemas.openxmlformats.org/markup-compatibility/2006" xmlns:a14="http://schemas.microsoft.com/office/drawing/2010/main">
-        <mc:Choice Requires="a14">
+      <mc:AlternateContent xmlns:mc="http://schemas.openxmlformats.org/markup-compatibility/2006">
+        <mc:Choice xmlns:a14="http://schemas.microsoft.com/office/drawing/2010/main" Requires="a14">
           <p:sp>
             <p:nvSpPr>
               <p:cNvPr id="3" name="Content Placeholder 2">
@@ -20533,15 +22115,15 @@
               <a:lstStyle/>
               <a:p>
                 <a:r>
-                  <a:rPr lang="en-US" dirty="0"/>
+                  <a:rPr lang="en-US" b="1" dirty="0"/>
                   <a:t>Euler </a:t>
                 </a:r>
                 <a:r>
-                  <a:rPr lang="en-US" dirty="0" err="1"/>
+                  <a:rPr lang="en-US" b="1" dirty="0" err="1"/>
                   <a:t>implicite</a:t>
                 </a:r>
                 <a:r>
-                  <a:rPr lang="en-US" dirty="0"/>
+                  <a:rPr lang="en-US" b="1" dirty="0"/>
                   <a:t>:</a:t>
                 </a:r>
               </a:p>
@@ -21016,7 +22598,7 @@
             </p:txBody>
           </p:sp>
         </mc:Choice>
-        <mc:Fallback xmlns="">
+        <mc:Fallback>
           <p:sp>
             <p:nvSpPr>
               <p:cNvPr id="3" name="Content Placeholder 2">
@@ -21758,130 +23340,130 @@
           <a:lstStyle/>
           <a:p>
             <a:r>
-              <a:rPr lang="en-US" dirty="0" err="1"/>
+              <a:rPr lang="en-US" b="1" dirty="0" err="1"/>
               <a:t>Utilisation</a:t>
             </a:r>
             <a:r>
-              <a:rPr lang="en-US" dirty="0"/>
+              <a:rPr lang="en-US" b="1" dirty="0"/>
               <a:t> de </a:t>
             </a:r>
             <a:r>
-              <a:rPr lang="en-US" dirty="0" err="1"/>
+              <a:rPr lang="en-US" b="1" dirty="0" err="1"/>
               <a:t>fonctions</a:t>
             </a:r>
             <a:r>
-              <a:rPr lang="en-US" dirty="0"/>
+              <a:rPr lang="en-US" b="1" dirty="0"/>
               <a:t> pour les deux </a:t>
             </a:r>
             <a:r>
-              <a:rPr lang="en-US" dirty="0" err="1"/>
+              <a:rPr lang="en-US" b="1" dirty="0" err="1"/>
               <a:t>méthodes</a:t>
             </a:r>
             <a:r>
-              <a:rPr lang="en-US" dirty="0"/>
+              <a:rPr lang="en-US" b="1" dirty="0"/>
               <a:t> de resolution, condition </a:t>
             </a:r>
             <a:r>
-              <a:rPr lang="en-US" dirty="0" err="1"/>
+              <a:rPr lang="en-US" b="1" dirty="0" err="1"/>
               <a:t>initiale</a:t>
             </a:r>
             <a:r>
-              <a:rPr lang="en-US" dirty="0"/>
+              <a:rPr lang="en-US" b="1" dirty="0"/>
               <a:t> et condition au bas du plan</a:t>
             </a:r>
           </a:p>
           <a:p>
             <a:r>
-              <a:rPr lang="en-US" dirty="0" err="1"/>
+              <a:rPr lang="en-US" b="1" dirty="0" err="1"/>
               <a:t>Utilisation</a:t>
             </a:r>
             <a:r>
-              <a:rPr lang="en-US" dirty="0"/>
+              <a:rPr lang="en-US" b="1" dirty="0"/>
               <a:t> </a:t>
             </a:r>
             <a:r>
-              <a:rPr lang="en-US" dirty="0" err="1"/>
+              <a:rPr lang="en-US" b="1" dirty="0" err="1"/>
               <a:t>d’une</a:t>
             </a:r>
             <a:r>
-              <a:rPr lang="en-US" dirty="0"/>
+              <a:rPr lang="en-US" b="1" dirty="0"/>
               <a:t> </a:t>
             </a:r>
             <a:r>
-              <a:rPr lang="en-US" dirty="0" err="1"/>
+              <a:rPr lang="en-US" b="1" dirty="0" err="1"/>
               <a:t>classe</a:t>
             </a:r>
             <a:r>
-              <a:rPr lang="en-US" dirty="0"/>
+              <a:rPr lang="en-US" b="1" dirty="0"/>
               <a:t> pour les </a:t>
             </a:r>
             <a:r>
-              <a:rPr lang="en-US" dirty="0" err="1"/>
+              <a:rPr lang="en-US" b="1" dirty="0" err="1"/>
               <a:t>paramètres</a:t>
             </a:r>
-            <a:endParaRPr lang="en-US" dirty="0"/>
+            <a:endParaRPr lang="en-US" b="1" dirty="0"/>
           </a:p>
           <a:p>
             <a:r>
-              <a:rPr lang="en-US" dirty="0" err="1"/>
+              <a:rPr lang="en-US" b="1" dirty="0" err="1"/>
               <a:t>Calcul</a:t>
             </a:r>
             <a:r>
-              <a:rPr lang="en-US" dirty="0"/>
+              <a:rPr lang="en-US" b="1" dirty="0"/>
               <a:t> avec des </a:t>
             </a:r>
             <a:r>
-              <a:rPr lang="en-US" dirty="0" err="1"/>
+              <a:rPr lang="en-US" b="1" dirty="0" err="1"/>
               <a:t>boucles</a:t>
             </a:r>
             <a:r>
-              <a:rPr lang="en-US" dirty="0"/>
+              <a:rPr lang="en-US" b="1" dirty="0"/>
               <a:t> &lt;&lt;for&gt;&gt; (</a:t>
             </a:r>
             <a:r>
-              <a:rPr lang="en-US" dirty="0" err="1"/>
+              <a:rPr lang="en-US" b="1" dirty="0" err="1"/>
               <a:t>Simplicité</a:t>
             </a:r>
             <a:r>
-              <a:rPr lang="en-US" dirty="0"/>
+              <a:rPr lang="en-US" b="1" dirty="0"/>
               <a:t>)</a:t>
             </a:r>
           </a:p>
           <a:p>
             <a:r>
-              <a:rPr lang="en-US" dirty="0" err="1"/>
+              <a:rPr lang="en-US" b="1" dirty="0" err="1"/>
               <a:t>Vectoriellement</a:t>
             </a:r>
             <a:r>
-              <a:rPr lang="en-US" dirty="0"/>
+              <a:rPr lang="en-US" b="1" dirty="0"/>
               <a:t> (</a:t>
             </a:r>
             <a:r>
-              <a:rPr lang="en-US" dirty="0" err="1"/>
+              <a:rPr lang="en-US" b="1" dirty="0" err="1"/>
               <a:t>Efficacité</a:t>
             </a:r>
             <a:r>
-              <a:rPr lang="en-US" dirty="0"/>
+              <a:rPr lang="en-US" b="1" dirty="0"/>
               <a:t>)</a:t>
             </a:r>
           </a:p>
           <a:p>
             <a:r>
-              <a:rPr lang="en-US" dirty="0" err="1"/>
+              <a:rPr lang="en-US" b="1" dirty="0" err="1"/>
               <a:t>Fichier</a:t>
             </a:r>
             <a:r>
-              <a:rPr lang="en-US" dirty="0"/>
+              <a:rPr lang="en-US" b="1" dirty="0"/>
               <a:t> de correction distinct</a:t>
             </a:r>
           </a:p>
           <a:p>
             <a:r>
-              <a:rPr lang="en-US" dirty="0" err="1"/>
+              <a:rPr lang="en-US" b="1" dirty="0" err="1"/>
               <a:t>Utilisation</a:t>
             </a:r>
             <a:r>
-              <a:rPr lang="en-US" dirty="0"/>
+              <a:rPr lang="en-US" b="1" dirty="0"/>
               <a:t> de GitHub </a:t>
             </a:r>
           </a:p>
